--- a/從論壇分析台灣人對反送中的討論度.pptx
+++ b/從論壇分析台灣人對反送中的討論度.pptx
@@ -4,40 +4,44 @@
   <p:sldMasterIdLst>
     <p:sldMasterId id="2147483648" r:id="rId1"/>
   </p:sldMasterIdLst>
+  <p:notesMasterIdLst>
+    <p:notesMasterId r:id="rId36"/>
+  </p:notesMasterIdLst>
   <p:sldIdLst>
-    <p:sldId id="256" r:id="rId2"/>
-    <p:sldId id="258" r:id="rId3"/>
-    <p:sldId id="266" r:id="rId4"/>
-    <p:sldId id="264" r:id="rId5"/>
-    <p:sldId id="267" r:id="rId6"/>
-    <p:sldId id="268" r:id="rId7"/>
-    <p:sldId id="269" r:id="rId8"/>
-    <p:sldId id="276" r:id="rId9"/>
+    <p:sldId id="291" r:id="rId2"/>
+    <p:sldId id="292" r:id="rId3"/>
+    <p:sldId id="293" r:id="rId4"/>
+    <p:sldId id="294" r:id="rId5"/>
+    <p:sldId id="295" r:id="rId6"/>
+    <p:sldId id="296" r:id="rId7"/>
+    <p:sldId id="297" r:id="rId8"/>
+    <p:sldId id="298" r:id="rId9"/>
     <p:sldId id="288" r:id="rId10"/>
     <p:sldId id="290" r:id="rId11"/>
     <p:sldId id="289" r:id="rId12"/>
     <p:sldId id="280" r:id="rId13"/>
     <p:sldId id="277" r:id="rId14"/>
     <p:sldId id="281" r:id="rId15"/>
-    <p:sldId id="282" r:id="rId16"/>
-    <p:sldId id="283" r:id="rId17"/>
-    <p:sldId id="284" r:id="rId18"/>
-    <p:sldId id="285" r:id="rId19"/>
-    <p:sldId id="286" r:id="rId20"/>
-    <p:sldId id="287" r:id="rId21"/>
-    <p:sldId id="257" r:id="rId22"/>
-    <p:sldId id="270" r:id="rId23"/>
+    <p:sldId id="257" r:id="rId16"/>
+    <p:sldId id="282" r:id="rId17"/>
+    <p:sldId id="283" r:id="rId18"/>
+    <p:sldId id="284" r:id="rId19"/>
+    <p:sldId id="285" r:id="rId20"/>
+    <p:sldId id="286" r:id="rId21"/>
+    <p:sldId id="287" r:id="rId22"/>
+    <p:sldId id="304" r:id="rId23"/>
     <p:sldId id="271" r:id="rId24"/>
-    <p:sldId id="259" r:id="rId25"/>
-    <p:sldId id="279" r:id="rId26"/>
-    <p:sldId id="260" r:id="rId27"/>
-    <p:sldId id="261" r:id="rId28"/>
-    <p:sldId id="272" r:id="rId29"/>
-    <p:sldId id="262" r:id="rId30"/>
-    <p:sldId id="278" r:id="rId31"/>
-    <p:sldId id="273" r:id="rId32"/>
-    <p:sldId id="274" r:id="rId33"/>
-    <p:sldId id="275" r:id="rId34"/>
+    <p:sldId id="303" r:id="rId25"/>
+    <p:sldId id="301" r:id="rId26"/>
+    <p:sldId id="261" r:id="rId27"/>
+    <p:sldId id="260" r:id="rId28"/>
+    <p:sldId id="279" r:id="rId29"/>
+    <p:sldId id="272" r:id="rId30"/>
+    <p:sldId id="302" r:id="rId31"/>
+    <p:sldId id="300" r:id="rId32"/>
+    <p:sldId id="299" r:id="rId33"/>
+    <p:sldId id="274" r:id="rId34"/>
+    <p:sldId id="275" r:id="rId35"/>
   </p:sldIdLst>
   <p:sldSz cx="12192000" cy="6858000"/>
   <p:notesSz cx="6858000" cy="9144000"/>
@@ -136,7 +140,2209 @@
       </a:defRPr>
     </a:lvl9pPr>
   </p:defaultTextStyle>
+  <p:extLst>
+    <p:ext uri="{EFAFB233-063F-42B5-8137-9DF3F51BA10A}">
+      <p15:sldGuideLst xmlns:p15="http://schemas.microsoft.com/office/powerpoint/2012/main"/>
+    </p:ext>
+  </p:extLst>
 </p:presentation>
+</file>
+
+<file path=ppt/notesMasters/notesMaster1.xml><?xml version="1.0" encoding="utf-8"?>
+<p:notesMaster xmlns:a="http://schemas.openxmlformats.org/drawingml/2006/main" xmlns:r="http://schemas.openxmlformats.org/officeDocument/2006/relationships" xmlns:p="http://schemas.openxmlformats.org/presentationml/2006/main">
+  <p:cSld>
+    <p:bg>
+      <p:bgRef idx="1001">
+        <a:schemeClr val="bg1"/>
+      </p:bgRef>
+    </p:bg>
+    <p:spTree>
+      <p:nvGrpSpPr>
+        <p:cNvPr id="1" name=""/>
+        <p:cNvGrpSpPr/>
+        <p:nvPr/>
+      </p:nvGrpSpPr>
+      <p:grpSpPr>
+        <a:xfrm>
+          <a:off x="0" y="0"/>
+          <a:ext cx="0" cy="0"/>
+          <a:chOff x="0" y="0"/>
+          <a:chExt cx="0" cy="0"/>
+        </a:xfrm>
+      </p:grpSpPr>
+      <p:sp>
+        <p:nvSpPr>
+          <p:cNvPr id="2" name="頁首版面配置區 1"/>
+          <p:cNvSpPr>
+            <a:spLocks noGrp="1"/>
+          </p:cNvSpPr>
+          <p:nvPr>
+            <p:ph type="hdr" sz="quarter"/>
+          </p:nvPr>
+        </p:nvSpPr>
+        <p:spPr>
+          <a:xfrm>
+            <a:off x="0" y="0"/>
+            <a:ext cx="2971800" cy="458788"/>
+          </a:xfrm>
+          <a:prstGeom prst="rect">
+            <a:avLst/>
+          </a:prstGeom>
+        </p:spPr>
+        <p:txBody>
+          <a:bodyPr vert="horz" lIns="91440" tIns="45720" rIns="91440" bIns="45720" rtlCol="0"/>
+          <a:lstStyle>
+            <a:lvl1pPr algn="l">
+              <a:defRPr sz="1200"/>
+            </a:lvl1pPr>
+          </a:lstStyle>
+          <a:p>
+            <a:endParaRPr lang="zh-TW" altLang="en-US"/>
+          </a:p>
+        </p:txBody>
+      </p:sp>
+      <p:sp>
+        <p:nvSpPr>
+          <p:cNvPr id="3" name="日期版面配置區 2"/>
+          <p:cNvSpPr>
+            <a:spLocks noGrp="1"/>
+          </p:cNvSpPr>
+          <p:nvPr>
+            <p:ph type="dt" idx="1"/>
+          </p:nvPr>
+        </p:nvSpPr>
+        <p:spPr>
+          <a:xfrm>
+            <a:off x="3884613" y="0"/>
+            <a:ext cx="2971800" cy="458788"/>
+          </a:xfrm>
+          <a:prstGeom prst="rect">
+            <a:avLst/>
+          </a:prstGeom>
+        </p:spPr>
+        <p:txBody>
+          <a:bodyPr vert="horz" lIns="91440" tIns="45720" rIns="91440" bIns="45720" rtlCol="0"/>
+          <a:lstStyle>
+            <a:lvl1pPr algn="r">
+              <a:defRPr sz="1200"/>
+            </a:lvl1pPr>
+          </a:lstStyle>
+          <a:p>
+            <a:fld id="{A7F5EF46-E149-4081-B08C-CC19D9CB371A}" type="datetimeFigureOut">
+              <a:rPr lang="zh-TW" altLang="en-US" smtClean="0"/>
+              <a:t>2019/7/25</a:t>
+            </a:fld>
+            <a:endParaRPr lang="zh-TW" altLang="en-US"/>
+          </a:p>
+        </p:txBody>
+      </p:sp>
+      <p:sp>
+        <p:nvSpPr>
+          <p:cNvPr id="4" name="投影片影像版面配置區 3"/>
+          <p:cNvSpPr>
+            <a:spLocks noGrp="1" noRot="1" noChangeAspect="1"/>
+          </p:cNvSpPr>
+          <p:nvPr>
+            <p:ph type="sldImg" idx="2"/>
+          </p:nvPr>
+        </p:nvSpPr>
+        <p:spPr>
+          <a:xfrm>
+            <a:off x="685800" y="1143000"/>
+            <a:ext cx="5486400" cy="3086100"/>
+          </a:xfrm>
+          <a:prstGeom prst="rect">
+            <a:avLst/>
+          </a:prstGeom>
+          <a:noFill/>
+          <a:ln w="12700">
+            <a:solidFill>
+              <a:prstClr val="black"/>
+            </a:solidFill>
+          </a:ln>
+        </p:spPr>
+        <p:txBody>
+          <a:bodyPr vert="horz" lIns="91440" tIns="45720" rIns="91440" bIns="45720" rtlCol="0" anchor="ctr"/>
+          <a:lstStyle/>
+          <a:p>
+            <a:endParaRPr lang="zh-TW" altLang="en-US"/>
+          </a:p>
+        </p:txBody>
+      </p:sp>
+      <p:sp>
+        <p:nvSpPr>
+          <p:cNvPr id="5" name="備忘稿版面配置區 4"/>
+          <p:cNvSpPr>
+            <a:spLocks noGrp="1"/>
+          </p:cNvSpPr>
+          <p:nvPr>
+            <p:ph type="body" sz="quarter" idx="3"/>
+          </p:nvPr>
+        </p:nvSpPr>
+        <p:spPr>
+          <a:xfrm>
+            <a:off x="685800" y="4400550"/>
+            <a:ext cx="5486400" cy="3600450"/>
+          </a:xfrm>
+          <a:prstGeom prst="rect">
+            <a:avLst/>
+          </a:prstGeom>
+        </p:spPr>
+        <p:txBody>
+          <a:bodyPr vert="horz" lIns="91440" tIns="45720" rIns="91440" bIns="45720" rtlCol="0"/>
+          <a:lstStyle/>
+          <a:p>
+            <a:pPr lvl="0"/>
+            <a:r>
+              <a:rPr lang="zh-TW" altLang="en-US"/>
+              <a:t>按一下以編輯母片文字樣式</a:t>
+            </a:r>
+          </a:p>
+          <a:p>
+            <a:pPr lvl="1"/>
+            <a:r>
+              <a:rPr lang="zh-TW" altLang="en-US"/>
+              <a:t>第二層</a:t>
+            </a:r>
+          </a:p>
+          <a:p>
+            <a:pPr lvl="2"/>
+            <a:r>
+              <a:rPr lang="zh-TW" altLang="en-US"/>
+              <a:t>第三層</a:t>
+            </a:r>
+          </a:p>
+          <a:p>
+            <a:pPr lvl="3"/>
+            <a:r>
+              <a:rPr lang="zh-TW" altLang="en-US"/>
+              <a:t>第四層</a:t>
+            </a:r>
+          </a:p>
+          <a:p>
+            <a:pPr lvl="4"/>
+            <a:r>
+              <a:rPr lang="zh-TW" altLang="en-US"/>
+              <a:t>第五層</a:t>
+            </a:r>
+          </a:p>
+        </p:txBody>
+      </p:sp>
+      <p:sp>
+        <p:nvSpPr>
+          <p:cNvPr id="6" name="頁尾版面配置區 5"/>
+          <p:cNvSpPr>
+            <a:spLocks noGrp="1"/>
+          </p:cNvSpPr>
+          <p:nvPr>
+            <p:ph type="ftr" sz="quarter" idx="4"/>
+          </p:nvPr>
+        </p:nvSpPr>
+        <p:spPr>
+          <a:xfrm>
+            <a:off x="0" y="8685213"/>
+            <a:ext cx="2971800" cy="458787"/>
+          </a:xfrm>
+          <a:prstGeom prst="rect">
+            <a:avLst/>
+          </a:prstGeom>
+        </p:spPr>
+        <p:txBody>
+          <a:bodyPr vert="horz" lIns="91440" tIns="45720" rIns="91440" bIns="45720" rtlCol="0" anchor="b"/>
+          <a:lstStyle>
+            <a:lvl1pPr algn="l">
+              <a:defRPr sz="1200"/>
+            </a:lvl1pPr>
+          </a:lstStyle>
+          <a:p>
+            <a:endParaRPr lang="zh-TW" altLang="en-US"/>
+          </a:p>
+        </p:txBody>
+      </p:sp>
+      <p:sp>
+        <p:nvSpPr>
+          <p:cNvPr id="7" name="投影片編號版面配置區 6"/>
+          <p:cNvSpPr>
+            <a:spLocks noGrp="1"/>
+          </p:cNvSpPr>
+          <p:nvPr>
+            <p:ph type="sldNum" sz="quarter" idx="5"/>
+          </p:nvPr>
+        </p:nvSpPr>
+        <p:spPr>
+          <a:xfrm>
+            <a:off x="3884613" y="8685213"/>
+            <a:ext cx="2971800" cy="458787"/>
+          </a:xfrm>
+          <a:prstGeom prst="rect">
+            <a:avLst/>
+          </a:prstGeom>
+        </p:spPr>
+        <p:txBody>
+          <a:bodyPr vert="horz" lIns="91440" tIns="45720" rIns="91440" bIns="45720" rtlCol="0" anchor="b"/>
+          <a:lstStyle>
+            <a:lvl1pPr algn="r">
+              <a:defRPr sz="1200"/>
+            </a:lvl1pPr>
+          </a:lstStyle>
+          <a:p>
+            <a:fld id="{E208D5E8-A220-4A32-B4AF-26087BB63878}" type="slidenum">
+              <a:rPr lang="zh-TW" altLang="en-US" smtClean="0"/>
+              <a:t>‹#›</a:t>
+            </a:fld>
+            <a:endParaRPr lang="zh-TW" altLang="en-US"/>
+          </a:p>
+        </p:txBody>
+      </p:sp>
+    </p:spTree>
+    <p:extLst>
+      <p:ext uri="{BB962C8B-B14F-4D97-AF65-F5344CB8AC3E}">
+        <p14:creationId xmlns:p14="http://schemas.microsoft.com/office/powerpoint/2010/main" val="1129175629"/>
+      </p:ext>
+    </p:extLst>
+  </p:cSld>
+  <p:clrMap bg1="lt1" tx1="dk1" bg2="lt2" tx2="dk2" accent1="accent1" accent2="accent2" accent3="accent3" accent4="accent4" accent5="accent5" accent6="accent6" hlink="hlink" folHlink="folHlink"/>
+  <p:notesStyle>
+    <a:lvl1pPr marL="0" algn="l" defTabSz="914400" rtl="0" eaLnBrk="1" latinLnBrk="0" hangingPunct="1">
+      <a:defRPr sz="1200" kern="1200">
+        <a:solidFill>
+          <a:schemeClr val="tx1"/>
+        </a:solidFill>
+        <a:latin typeface="+mn-lt"/>
+        <a:ea typeface="+mn-ea"/>
+        <a:cs typeface="+mn-cs"/>
+      </a:defRPr>
+    </a:lvl1pPr>
+    <a:lvl2pPr marL="457200" algn="l" defTabSz="914400" rtl="0" eaLnBrk="1" latinLnBrk="0" hangingPunct="1">
+      <a:defRPr sz="1200" kern="1200">
+        <a:solidFill>
+          <a:schemeClr val="tx1"/>
+        </a:solidFill>
+        <a:latin typeface="+mn-lt"/>
+        <a:ea typeface="+mn-ea"/>
+        <a:cs typeface="+mn-cs"/>
+      </a:defRPr>
+    </a:lvl2pPr>
+    <a:lvl3pPr marL="914400" algn="l" defTabSz="914400" rtl="0" eaLnBrk="1" latinLnBrk="0" hangingPunct="1">
+      <a:defRPr sz="1200" kern="1200">
+        <a:solidFill>
+          <a:schemeClr val="tx1"/>
+        </a:solidFill>
+        <a:latin typeface="+mn-lt"/>
+        <a:ea typeface="+mn-ea"/>
+        <a:cs typeface="+mn-cs"/>
+      </a:defRPr>
+    </a:lvl3pPr>
+    <a:lvl4pPr marL="1371600" algn="l" defTabSz="914400" rtl="0" eaLnBrk="1" latinLnBrk="0" hangingPunct="1">
+      <a:defRPr sz="1200" kern="1200">
+        <a:solidFill>
+          <a:schemeClr val="tx1"/>
+        </a:solidFill>
+        <a:latin typeface="+mn-lt"/>
+        <a:ea typeface="+mn-ea"/>
+        <a:cs typeface="+mn-cs"/>
+      </a:defRPr>
+    </a:lvl4pPr>
+    <a:lvl5pPr marL="1828800" algn="l" defTabSz="914400" rtl="0" eaLnBrk="1" latinLnBrk="0" hangingPunct="1">
+      <a:defRPr sz="1200" kern="1200">
+        <a:solidFill>
+          <a:schemeClr val="tx1"/>
+        </a:solidFill>
+        <a:latin typeface="+mn-lt"/>
+        <a:ea typeface="+mn-ea"/>
+        <a:cs typeface="+mn-cs"/>
+      </a:defRPr>
+    </a:lvl5pPr>
+    <a:lvl6pPr marL="2286000" algn="l" defTabSz="914400" rtl="0" eaLnBrk="1" latinLnBrk="0" hangingPunct="1">
+      <a:defRPr sz="1200" kern="1200">
+        <a:solidFill>
+          <a:schemeClr val="tx1"/>
+        </a:solidFill>
+        <a:latin typeface="+mn-lt"/>
+        <a:ea typeface="+mn-ea"/>
+        <a:cs typeface="+mn-cs"/>
+      </a:defRPr>
+    </a:lvl6pPr>
+    <a:lvl7pPr marL="2743200" algn="l" defTabSz="914400" rtl="0" eaLnBrk="1" latinLnBrk="0" hangingPunct="1">
+      <a:defRPr sz="1200" kern="1200">
+        <a:solidFill>
+          <a:schemeClr val="tx1"/>
+        </a:solidFill>
+        <a:latin typeface="+mn-lt"/>
+        <a:ea typeface="+mn-ea"/>
+        <a:cs typeface="+mn-cs"/>
+      </a:defRPr>
+    </a:lvl7pPr>
+    <a:lvl8pPr marL="3200400" algn="l" defTabSz="914400" rtl="0" eaLnBrk="1" latinLnBrk="0" hangingPunct="1">
+      <a:defRPr sz="1200" kern="1200">
+        <a:solidFill>
+          <a:schemeClr val="tx1"/>
+        </a:solidFill>
+        <a:latin typeface="+mn-lt"/>
+        <a:ea typeface="+mn-ea"/>
+        <a:cs typeface="+mn-cs"/>
+      </a:defRPr>
+    </a:lvl8pPr>
+    <a:lvl9pPr marL="3657600" algn="l" defTabSz="914400" rtl="0" eaLnBrk="1" latinLnBrk="0" hangingPunct="1">
+      <a:defRPr sz="1200" kern="1200">
+        <a:solidFill>
+          <a:schemeClr val="tx1"/>
+        </a:solidFill>
+        <a:latin typeface="+mn-lt"/>
+        <a:ea typeface="+mn-ea"/>
+        <a:cs typeface="+mn-cs"/>
+      </a:defRPr>
+    </a:lvl9pPr>
+  </p:notesStyle>
+</p:notesMaster>
+</file>
+
+<file path=ppt/notesSlides/notesSlide1.xml><?xml version="1.0" encoding="utf-8"?>
+<p:notes xmlns:a="http://schemas.openxmlformats.org/drawingml/2006/main" xmlns:r="http://schemas.openxmlformats.org/officeDocument/2006/relationships" xmlns:p="http://schemas.openxmlformats.org/presentationml/2006/main">
+  <p:cSld>
+    <p:spTree>
+      <p:nvGrpSpPr>
+        <p:cNvPr id="1" name=""/>
+        <p:cNvGrpSpPr/>
+        <p:nvPr/>
+      </p:nvGrpSpPr>
+      <p:grpSpPr>
+        <a:xfrm>
+          <a:off x="0" y="0"/>
+          <a:ext cx="0" cy="0"/>
+          <a:chOff x="0" y="0"/>
+          <a:chExt cx="0" cy="0"/>
+        </a:xfrm>
+      </p:grpSpPr>
+      <p:sp>
+        <p:nvSpPr>
+          <p:cNvPr id="2" name="投影片影像版面配置區 1"/>
+          <p:cNvSpPr>
+            <a:spLocks noGrp="1" noRot="1" noChangeAspect="1"/>
+          </p:cNvSpPr>
+          <p:nvPr>
+            <p:ph type="sldImg"/>
+          </p:nvPr>
+        </p:nvSpPr>
+        <p:spPr/>
+      </p:sp>
+      <p:sp>
+        <p:nvSpPr>
+          <p:cNvPr id="3" name="備忘稿版面配置區 2"/>
+          <p:cNvSpPr>
+            <a:spLocks noGrp="1"/>
+          </p:cNvSpPr>
+          <p:nvPr>
+            <p:ph type="body" idx="1"/>
+          </p:nvPr>
+        </p:nvSpPr>
+        <p:spPr/>
+        <p:txBody>
+          <a:bodyPr/>
+          <a:lstStyle/>
+          <a:p>
+            <a:endParaRPr lang="zh-TW" altLang="en-US"/>
+          </a:p>
+        </p:txBody>
+      </p:sp>
+      <p:sp>
+        <p:nvSpPr>
+          <p:cNvPr id="4" name="投影片編號版面配置區 3"/>
+          <p:cNvSpPr>
+            <a:spLocks noGrp="1"/>
+          </p:cNvSpPr>
+          <p:nvPr>
+            <p:ph type="sldNum" sz="quarter" idx="5"/>
+          </p:nvPr>
+        </p:nvSpPr>
+        <p:spPr/>
+        <p:txBody>
+          <a:bodyPr/>
+          <a:lstStyle/>
+          <a:p>
+            <a:fld id="{E208D5E8-A220-4A32-B4AF-26087BB63878}" type="slidenum">
+              <a:rPr lang="zh-TW" altLang="en-US" smtClean="0"/>
+              <a:t>1</a:t>
+            </a:fld>
+            <a:endParaRPr lang="zh-TW" altLang="en-US"/>
+          </a:p>
+        </p:txBody>
+      </p:sp>
+    </p:spTree>
+    <p:extLst>
+      <p:ext uri="{BB962C8B-B14F-4D97-AF65-F5344CB8AC3E}">
+        <p14:creationId xmlns:p14="http://schemas.microsoft.com/office/powerpoint/2010/main" val="1644033886"/>
+      </p:ext>
+    </p:extLst>
+  </p:cSld>
+  <p:clrMapOvr>
+    <a:masterClrMapping/>
+  </p:clrMapOvr>
+</p:notes>
+</file>
+
+<file path=ppt/notesSlides/notesSlide10.xml><?xml version="1.0" encoding="utf-8"?>
+<p:notes xmlns:a="http://schemas.openxmlformats.org/drawingml/2006/main" xmlns:r="http://schemas.openxmlformats.org/officeDocument/2006/relationships" xmlns:p="http://schemas.openxmlformats.org/presentationml/2006/main">
+  <p:cSld>
+    <p:spTree>
+      <p:nvGrpSpPr>
+        <p:cNvPr id="1" name=""/>
+        <p:cNvGrpSpPr/>
+        <p:nvPr/>
+      </p:nvGrpSpPr>
+      <p:grpSpPr>
+        <a:xfrm>
+          <a:off x="0" y="0"/>
+          <a:ext cx="0" cy="0"/>
+          <a:chOff x="0" y="0"/>
+          <a:chExt cx="0" cy="0"/>
+        </a:xfrm>
+      </p:grpSpPr>
+      <p:sp>
+        <p:nvSpPr>
+          <p:cNvPr id="2" name="投影片影像版面配置區 1"/>
+          <p:cNvSpPr>
+            <a:spLocks noGrp="1" noRot="1" noChangeAspect="1"/>
+          </p:cNvSpPr>
+          <p:nvPr>
+            <p:ph type="sldImg"/>
+          </p:nvPr>
+        </p:nvSpPr>
+        <p:spPr/>
+      </p:sp>
+      <p:sp>
+        <p:nvSpPr>
+          <p:cNvPr id="3" name="備忘稿版面配置區 2"/>
+          <p:cNvSpPr>
+            <a:spLocks noGrp="1"/>
+          </p:cNvSpPr>
+          <p:nvPr>
+            <p:ph type="body" idx="1"/>
+          </p:nvPr>
+        </p:nvSpPr>
+        <p:spPr/>
+        <p:txBody>
+          <a:bodyPr/>
+          <a:lstStyle/>
+          <a:p>
+            <a:endParaRPr lang="zh-TW" altLang="en-US"/>
+          </a:p>
+        </p:txBody>
+      </p:sp>
+      <p:sp>
+        <p:nvSpPr>
+          <p:cNvPr id="4" name="投影片編號版面配置區 3"/>
+          <p:cNvSpPr>
+            <a:spLocks noGrp="1"/>
+          </p:cNvSpPr>
+          <p:nvPr>
+            <p:ph type="sldNum" sz="quarter" idx="5"/>
+          </p:nvPr>
+        </p:nvSpPr>
+        <p:spPr/>
+        <p:txBody>
+          <a:bodyPr/>
+          <a:lstStyle/>
+          <a:p>
+            <a:fld id="{E208D5E8-A220-4A32-B4AF-26087BB63878}" type="slidenum">
+              <a:rPr lang="zh-TW" altLang="en-US" smtClean="0"/>
+              <a:t>10</a:t>
+            </a:fld>
+            <a:endParaRPr lang="zh-TW" altLang="en-US"/>
+          </a:p>
+        </p:txBody>
+      </p:sp>
+    </p:spTree>
+    <p:extLst>
+      <p:ext uri="{BB962C8B-B14F-4D97-AF65-F5344CB8AC3E}">
+        <p14:creationId xmlns:p14="http://schemas.microsoft.com/office/powerpoint/2010/main" val="1731667653"/>
+      </p:ext>
+    </p:extLst>
+  </p:cSld>
+  <p:clrMapOvr>
+    <a:masterClrMapping/>
+  </p:clrMapOvr>
+</p:notes>
+</file>
+
+<file path=ppt/notesSlides/notesSlide11.xml><?xml version="1.0" encoding="utf-8"?>
+<p:notes xmlns:a="http://schemas.openxmlformats.org/drawingml/2006/main" xmlns:r="http://schemas.openxmlformats.org/officeDocument/2006/relationships" xmlns:p="http://schemas.openxmlformats.org/presentationml/2006/main">
+  <p:cSld>
+    <p:spTree>
+      <p:nvGrpSpPr>
+        <p:cNvPr id="1" name=""/>
+        <p:cNvGrpSpPr/>
+        <p:nvPr/>
+      </p:nvGrpSpPr>
+      <p:grpSpPr>
+        <a:xfrm>
+          <a:off x="0" y="0"/>
+          <a:ext cx="0" cy="0"/>
+          <a:chOff x="0" y="0"/>
+          <a:chExt cx="0" cy="0"/>
+        </a:xfrm>
+      </p:grpSpPr>
+      <p:sp>
+        <p:nvSpPr>
+          <p:cNvPr id="2" name="投影片影像版面配置區 1"/>
+          <p:cNvSpPr>
+            <a:spLocks noGrp="1" noRot="1" noChangeAspect="1"/>
+          </p:cNvSpPr>
+          <p:nvPr>
+            <p:ph type="sldImg"/>
+          </p:nvPr>
+        </p:nvSpPr>
+        <p:spPr/>
+      </p:sp>
+      <p:sp>
+        <p:nvSpPr>
+          <p:cNvPr id="3" name="備忘稿版面配置區 2"/>
+          <p:cNvSpPr>
+            <a:spLocks noGrp="1"/>
+          </p:cNvSpPr>
+          <p:nvPr>
+            <p:ph type="body" idx="1"/>
+          </p:nvPr>
+        </p:nvSpPr>
+        <p:spPr/>
+        <p:txBody>
+          <a:bodyPr/>
+          <a:lstStyle/>
+          <a:p>
+            <a:endParaRPr lang="zh-TW" altLang="en-US"/>
+          </a:p>
+        </p:txBody>
+      </p:sp>
+      <p:sp>
+        <p:nvSpPr>
+          <p:cNvPr id="4" name="投影片編號版面配置區 3"/>
+          <p:cNvSpPr>
+            <a:spLocks noGrp="1"/>
+          </p:cNvSpPr>
+          <p:nvPr>
+            <p:ph type="sldNum" sz="quarter" idx="5"/>
+          </p:nvPr>
+        </p:nvSpPr>
+        <p:spPr/>
+        <p:txBody>
+          <a:bodyPr/>
+          <a:lstStyle/>
+          <a:p>
+            <a:fld id="{E208D5E8-A220-4A32-B4AF-26087BB63878}" type="slidenum">
+              <a:rPr lang="zh-TW" altLang="en-US" smtClean="0"/>
+              <a:t>11</a:t>
+            </a:fld>
+            <a:endParaRPr lang="zh-TW" altLang="en-US"/>
+          </a:p>
+        </p:txBody>
+      </p:sp>
+    </p:spTree>
+    <p:extLst>
+      <p:ext uri="{BB962C8B-B14F-4D97-AF65-F5344CB8AC3E}">
+        <p14:creationId xmlns:p14="http://schemas.microsoft.com/office/powerpoint/2010/main" val="1879767591"/>
+      </p:ext>
+    </p:extLst>
+  </p:cSld>
+  <p:clrMapOvr>
+    <a:masterClrMapping/>
+  </p:clrMapOvr>
+</p:notes>
+</file>
+
+<file path=ppt/notesSlides/notesSlide12.xml><?xml version="1.0" encoding="utf-8"?>
+<p:notes xmlns:a="http://schemas.openxmlformats.org/drawingml/2006/main" xmlns:r="http://schemas.openxmlformats.org/officeDocument/2006/relationships" xmlns:p="http://schemas.openxmlformats.org/presentationml/2006/main">
+  <p:cSld>
+    <p:spTree>
+      <p:nvGrpSpPr>
+        <p:cNvPr id="1" name=""/>
+        <p:cNvGrpSpPr/>
+        <p:nvPr/>
+      </p:nvGrpSpPr>
+      <p:grpSpPr>
+        <a:xfrm>
+          <a:off x="0" y="0"/>
+          <a:ext cx="0" cy="0"/>
+          <a:chOff x="0" y="0"/>
+          <a:chExt cx="0" cy="0"/>
+        </a:xfrm>
+      </p:grpSpPr>
+      <p:sp>
+        <p:nvSpPr>
+          <p:cNvPr id="2" name="投影片影像版面配置區 1"/>
+          <p:cNvSpPr>
+            <a:spLocks noGrp="1" noRot="1" noChangeAspect="1"/>
+          </p:cNvSpPr>
+          <p:nvPr>
+            <p:ph type="sldImg"/>
+          </p:nvPr>
+        </p:nvSpPr>
+        <p:spPr/>
+      </p:sp>
+      <p:sp>
+        <p:nvSpPr>
+          <p:cNvPr id="3" name="備忘稿版面配置區 2"/>
+          <p:cNvSpPr>
+            <a:spLocks noGrp="1"/>
+          </p:cNvSpPr>
+          <p:nvPr>
+            <p:ph type="body" idx="1"/>
+          </p:nvPr>
+        </p:nvSpPr>
+        <p:spPr/>
+        <p:txBody>
+          <a:bodyPr/>
+          <a:lstStyle/>
+          <a:p>
+            <a:endParaRPr lang="zh-TW" altLang="en-US"/>
+          </a:p>
+        </p:txBody>
+      </p:sp>
+      <p:sp>
+        <p:nvSpPr>
+          <p:cNvPr id="4" name="投影片編號版面配置區 3"/>
+          <p:cNvSpPr>
+            <a:spLocks noGrp="1"/>
+          </p:cNvSpPr>
+          <p:nvPr>
+            <p:ph type="sldNum" sz="quarter" idx="5"/>
+          </p:nvPr>
+        </p:nvSpPr>
+        <p:spPr/>
+        <p:txBody>
+          <a:bodyPr/>
+          <a:lstStyle/>
+          <a:p>
+            <a:fld id="{E208D5E8-A220-4A32-B4AF-26087BB63878}" type="slidenum">
+              <a:rPr lang="zh-TW" altLang="en-US" smtClean="0"/>
+              <a:t>12</a:t>
+            </a:fld>
+            <a:endParaRPr lang="zh-TW" altLang="en-US"/>
+          </a:p>
+        </p:txBody>
+      </p:sp>
+    </p:spTree>
+    <p:extLst>
+      <p:ext uri="{BB962C8B-B14F-4D97-AF65-F5344CB8AC3E}">
+        <p14:creationId xmlns:p14="http://schemas.microsoft.com/office/powerpoint/2010/main" val="3609013403"/>
+      </p:ext>
+    </p:extLst>
+  </p:cSld>
+  <p:clrMapOvr>
+    <a:masterClrMapping/>
+  </p:clrMapOvr>
+</p:notes>
+</file>
+
+<file path=ppt/notesSlides/notesSlide13.xml><?xml version="1.0" encoding="utf-8"?>
+<p:notes xmlns:a="http://schemas.openxmlformats.org/drawingml/2006/main" xmlns:r="http://schemas.openxmlformats.org/officeDocument/2006/relationships" xmlns:p="http://schemas.openxmlformats.org/presentationml/2006/main">
+  <p:cSld>
+    <p:spTree>
+      <p:nvGrpSpPr>
+        <p:cNvPr id="1" name=""/>
+        <p:cNvGrpSpPr/>
+        <p:nvPr/>
+      </p:nvGrpSpPr>
+      <p:grpSpPr>
+        <a:xfrm>
+          <a:off x="0" y="0"/>
+          <a:ext cx="0" cy="0"/>
+          <a:chOff x="0" y="0"/>
+          <a:chExt cx="0" cy="0"/>
+        </a:xfrm>
+      </p:grpSpPr>
+      <p:sp>
+        <p:nvSpPr>
+          <p:cNvPr id="2" name="投影片影像版面配置區 1"/>
+          <p:cNvSpPr>
+            <a:spLocks noGrp="1" noRot="1" noChangeAspect="1"/>
+          </p:cNvSpPr>
+          <p:nvPr>
+            <p:ph type="sldImg"/>
+          </p:nvPr>
+        </p:nvSpPr>
+        <p:spPr/>
+      </p:sp>
+      <p:sp>
+        <p:nvSpPr>
+          <p:cNvPr id="3" name="備忘稿版面配置區 2"/>
+          <p:cNvSpPr>
+            <a:spLocks noGrp="1"/>
+          </p:cNvSpPr>
+          <p:nvPr>
+            <p:ph type="body" idx="1"/>
+          </p:nvPr>
+        </p:nvSpPr>
+        <p:spPr/>
+        <p:txBody>
+          <a:bodyPr/>
+          <a:lstStyle/>
+          <a:p>
+            <a:endParaRPr lang="zh-TW" altLang="en-US"/>
+          </a:p>
+        </p:txBody>
+      </p:sp>
+      <p:sp>
+        <p:nvSpPr>
+          <p:cNvPr id="4" name="投影片編號版面配置區 3"/>
+          <p:cNvSpPr>
+            <a:spLocks noGrp="1"/>
+          </p:cNvSpPr>
+          <p:nvPr>
+            <p:ph type="sldNum" sz="quarter" idx="5"/>
+          </p:nvPr>
+        </p:nvSpPr>
+        <p:spPr/>
+        <p:txBody>
+          <a:bodyPr/>
+          <a:lstStyle/>
+          <a:p>
+            <a:fld id="{E208D5E8-A220-4A32-B4AF-26087BB63878}" type="slidenum">
+              <a:rPr lang="zh-TW" altLang="en-US" smtClean="0"/>
+              <a:t>13</a:t>
+            </a:fld>
+            <a:endParaRPr lang="zh-TW" altLang="en-US"/>
+          </a:p>
+        </p:txBody>
+      </p:sp>
+    </p:spTree>
+    <p:extLst>
+      <p:ext uri="{BB962C8B-B14F-4D97-AF65-F5344CB8AC3E}">
+        <p14:creationId xmlns:p14="http://schemas.microsoft.com/office/powerpoint/2010/main" val="368192478"/>
+      </p:ext>
+    </p:extLst>
+  </p:cSld>
+  <p:clrMapOvr>
+    <a:masterClrMapping/>
+  </p:clrMapOvr>
+</p:notes>
+</file>
+
+<file path=ppt/notesSlides/notesSlide14.xml><?xml version="1.0" encoding="utf-8"?>
+<p:notes xmlns:a="http://schemas.openxmlformats.org/drawingml/2006/main" xmlns:r="http://schemas.openxmlformats.org/officeDocument/2006/relationships" xmlns:p="http://schemas.openxmlformats.org/presentationml/2006/main">
+  <p:cSld>
+    <p:spTree>
+      <p:nvGrpSpPr>
+        <p:cNvPr id="1" name=""/>
+        <p:cNvGrpSpPr/>
+        <p:nvPr/>
+      </p:nvGrpSpPr>
+      <p:grpSpPr>
+        <a:xfrm>
+          <a:off x="0" y="0"/>
+          <a:ext cx="0" cy="0"/>
+          <a:chOff x="0" y="0"/>
+          <a:chExt cx="0" cy="0"/>
+        </a:xfrm>
+      </p:grpSpPr>
+      <p:sp>
+        <p:nvSpPr>
+          <p:cNvPr id="2" name="投影片影像版面配置區 1"/>
+          <p:cNvSpPr>
+            <a:spLocks noGrp="1" noRot="1" noChangeAspect="1"/>
+          </p:cNvSpPr>
+          <p:nvPr>
+            <p:ph type="sldImg"/>
+          </p:nvPr>
+        </p:nvSpPr>
+        <p:spPr/>
+      </p:sp>
+      <p:sp>
+        <p:nvSpPr>
+          <p:cNvPr id="3" name="備忘稿版面配置區 2"/>
+          <p:cNvSpPr>
+            <a:spLocks noGrp="1"/>
+          </p:cNvSpPr>
+          <p:nvPr>
+            <p:ph type="body" idx="1"/>
+          </p:nvPr>
+        </p:nvSpPr>
+        <p:spPr/>
+        <p:txBody>
+          <a:bodyPr/>
+          <a:lstStyle/>
+          <a:p>
+            <a:endParaRPr lang="zh-TW" altLang="en-US"/>
+          </a:p>
+        </p:txBody>
+      </p:sp>
+      <p:sp>
+        <p:nvSpPr>
+          <p:cNvPr id="4" name="投影片編號版面配置區 3"/>
+          <p:cNvSpPr>
+            <a:spLocks noGrp="1"/>
+          </p:cNvSpPr>
+          <p:nvPr>
+            <p:ph type="sldNum" sz="quarter" idx="5"/>
+          </p:nvPr>
+        </p:nvSpPr>
+        <p:spPr/>
+        <p:txBody>
+          <a:bodyPr/>
+          <a:lstStyle/>
+          <a:p>
+            <a:fld id="{E208D5E8-A220-4A32-B4AF-26087BB63878}" type="slidenum">
+              <a:rPr lang="zh-TW" altLang="en-US" smtClean="0"/>
+              <a:t>14</a:t>
+            </a:fld>
+            <a:endParaRPr lang="zh-TW" altLang="en-US"/>
+          </a:p>
+        </p:txBody>
+      </p:sp>
+    </p:spTree>
+    <p:extLst>
+      <p:ext uri="{BB962C8B-B14F-4D97-AF65-F5344CB8AC3E}">
+        <p14:creationId xmlns:p14="http://schemas.microsoft.com/office/powerpoint/2010/main" val="2800582279"/>
+      </p:ext>
+    </p:extLst>
+  </p:cSld>
+  <p:clrMapOvr>
+    <a:masterClrMapping/>
+  </p:clrMapOvr>
+</p:notes>
+</file>
+
+<file path=ppt/notesSlides/notesSlide15.xml><?xml version="1.0" encoding="utf-8"?>
+<p:notes xmlns:a="http://schemas.openxmlformats.org/drawingml/2006/main" xmlns:r="http://schemas.openxmlformats.org/officeDocument/2006/relationships" xmlns:p="http://schemas.openxmlformats.org/presentationml/2006/main">
+  <p:cSld>
+    <p:spTree>
+      <p:nvGrpSpPr>
+        <p:cNvPr id="1" name=""/>
+        <p:cNvGrpSpPr/>
+        <p:nvPr/>
+      </p:nvGrpSpPr>
+      <p:grpSpPr>
+        <a:xfrm>
+          <a:off x="0" y="0"/>
+          <a:ext cx="0" cy="0"/>
+          <a:chOff x="0" y="0"/>
+          <a:chExt cx="0" cy="0"/>
+        </a:xfrm>
+      </p:grpSpPr>
+      <p:sp>
+        <p:nvSpPr>
+          <p:cNvPr id="2" name="投影片影像版面配置區 1"/>
+          <p:cNvSpPr>
+            <a:spLocks noGrp="1" noRot="1" noChangeAspect="1"/>
+          </p:cNvSpPr>
+          <p:nvPr>
+            <p:ph type="sldImg"/>
+          </p:nvPr>
+        </p:nvSpPr>
+        <p:spPr/>
+      </p:sp>
+      <p:sp>
+        <p:nvSpPr>
+          <p:cNvPr id="3" name="備忘稿版面配置區 2"/>
+          <p:cNvSpPr>
+            <a:spLocks noGrp="1"/>
+          </p:cNvSpPr>
+          <p:nvPr>
+            <p:ph type="body" idx="1"/>
+          </p:nvPr>
+        </p:nvSpPr>
+        <p:spPr/>
+        <p:txBody>
+          <a:bodyPr/>
+          <a:lstStyle/>
+          <a:p>
+            <a:endParaRPr lang="zh-TW" altLang="en-US"/>
+          </a:p>
+        </p:txBody>
+      </p:sp>
+      <p:sp>
+        <p:nvSpPr>
+          <p:cNvPr id="4" name="投影片編號版面配置區 3"/>
+          <p:cNvSpPr>
+            <a:spLocks noGrp="1"/>
+          </p:cNvSpPr>
+          <p:nvPr>
+            <p:ph type="sldNum" sz="quarter" idx="5"/>
+          </p:nvPr>
+        </p:nvSpPr>
+        <p:spPr/>
+        <p:txBody>
+          <a:bodyPr/>
+          <a:lstStyle/>
+          <a:p>
+            <a:fld id="{E208D5E8-A220-4A32-B4AF-26087BB63878}" type="slidenum">
+              <a:rPr lang="zh-TW" altLang="en-US" smtClean="0"/>
+              <a:t>16</a:t>
+            </a:fld>
+            <a:endParaRPr lang="zh-TW" altLang="en-US"/>
+          </a:p>
+        </p:txBody>
+      </p:sp>
+    </p:spTree>
+    <p:extLst>
+      <p:ext uri="{BB962C8B-B14F-4D97-AF65-F5344CB8AC3E}">
+        <p14:creationId xmlns:p14="http://schemas.microsoft.com/office/powerpoint/2010/main" val="1519764799"/>
+      </p:ext>
+    </p:extLst>
+  </p:cSld>
+  <p:clrMapOvr>
+    <a:masterClrMapping/>
+  </p:clrMapOvr>
+</p:notes>
+</file>
+
+<file path=ppt/notesSlides/notesSlide16.xml><?xml version="1.0" encoding="utf-8"?>
+<p:notes xmlns:a="http://schemas.openxmlformats.org/drawingml/2006/main" xmlns:r="http://schemas.openxmlformats.org/officeDocument/2006/relationships" xmlns:p="http://schemas.openxmlformats.org/presentationml/2006/main">
+  <p:cSld>
+    <p:spTree>
+      <p:nvGrpSpPr>
+        <p:cNvPr id="1" name=""/>
+        <p:cNvGrpSpPr/>
+        <p:nvPr/>
+      </p:nvGrpSpPr>
+      <p:grpSpPr>
+        <a:xfrm>
+          <a:off x="0" y="0"/>
+          <a:ext cx="0" cy="0"/>
+          <a:chOff x="0" y="0"/>
+          <a:chExt cx="0" cy="0"/>
+        </a:xfrm>
+      </p:grpSpPr>
+      <p:sp>
+        <p:nvSpPr>
+          <p:cNvPr id="2" name="投影片影像版面配置區 1"/>
+          <p:cNvSpPr>
+            <a:spLocks noGrp="1" noRot="1" noChangeAspect="1"/>
+          </p:cNvSpPr>
+          <p:nvPr>
+            <p:ph type="sldImg"/>
+          </p:nvPr>
+        </p:nvSpPr>
+        <p:spPr/>
+      </p:sp>
+      <p:sp>
+        <p:nvSpPr>
+          <p:cNvPr id="3" name="備忘稿版面配置區 2"/>
+          <p:cNvSpPr>
+            <a:spLocks noGrp="1"/>
+          </p:cNvSpPr>
+          <p:nvPr>
+            <p:ph type="body" idx="1"/>
+          </p:nvPr>
+        </p:nvSpPr>
+        <p:spPr/>
+        <p:txBody>
+          <a:bodyPr/>
+          <a:lstStyle/>
+          <a:p>
+            <a:endParaRPr lang="zh-TW" altLang="en-US"/>
+          </a:p>
+        </p:txBody>
+      </p:sp>
+      <p:sp>
+        <p:nvSpPr>
+          <p:cNvPr id="4" name="投影片編號版面配置區 3"/>
+          <p:cNvSpPr>
+            <a:spLocks noGrp="1"/>
+          </p:cNvSpPr>
+          <p:nvPr>
+            <p:ph type="sldNum" sz="quarter" idx="5"/>
+          </p:nvPr>
+        </p:nvSpPr>
+        <p:spPr/>
+        <p:txBody>
+          <a:bodyPr/>
+          <a:lstStyle/>
+          <a:p>
+            <a:fld id="{E208D5E8-A220-4A32-B4AF-26087BB63878}" type="slidenum">
+              <a:rPr lang="zh-TW" altLang="en-US" smtClean="0"/>
+              <a:t>17</a:t>
+            </a:fld>
+            <a:endParaRPr lang="zh-TW" altLang="en-US"/>
+          </a:p>
+        </p:txBody>
+      </p:sp>
+    </p:spTree>
+    <p:extLst>
+      <p:ext uri="{BB962C8B-B14F-4D97-AF65-F5344CB8AC3E}">
+        <p14:creationId xmlns:p14="http://schemas.microsoft.com/office/powerpoint/2010/main" val="3254146715"/>
+      </p:ext>
+    </p:extLst>
+  </p:cSld>
+  <p:clrMapOvr>
+    <a:masterClrMapping/>
+  </p:clrMapOvr>
+</p:notes>
+</file>
+
+<file path=ppt/notesSlides/notesSlide17.xml><?xml version="1.0" encoding="utf-8"?>
+<p:notes xmlns:a="http://schemas.openxmlformats.org/drawingml/2006/main" xmlns:r="http://schemas.openxmlformats.org/officeDocument/2006/relationships" xmlns:p="http://schemas.openxmlformats.org/presentationml/2006/main">
+  <p:cSld>
+    <p:spTree>
+      <p:nvGrpSpPr>
+        <p:cNvPr id="1" name=""/>
+        <p:cNvGrpSpPr/>
+        <p:nvPr/>
+      </p:nvGrpSpPr>
+      <p:grpSpPr>
+        <a:xfrm>
+          <a:off x="0" y="0"/>
+          <a:ext cx="0" cy="0"/>
+          <a:chOff x="0" y="0"/>
+          <a:chExt cx="0" cy="0"/>
+        </a:xfrm>
+      </p:grpSpPr>
+      <p:sp>
+        <p:nvSpPr>
+          <p:cNvPr id="2" name="投影片影像版面配置區 1"/>
+          <p:cNvSpPr>
+            <a:spLocks noGrp="1" noRot="1" noChangeAspect="1"/>
+          </p:cNvSpPr>
+          <p:nvPr>
+            <p:ph type="sldImg"/>
+          </p:nvPr>
+        </p:nvSpPr>
+        <p:spPr/>
+      </p:sp>
+      <p:sp>
+        <p:nvSpPr>
+          <p:cNvPr id="3" name="備忘稿版面配置區 2"/>
+          <p:cNvSpPr>
+            <a:spLocks noGrp="1"/>
+          </p:cNvSpPr>
+          <p:nvPr>
+            <p:ph type="body" idx="1"/>
+          </p:nvPr>
+        </p:nvSpPr>
+        <p:spPr/>
+        <p:txBody>
+          <a:bodyPr/>
+          <a:lstStyle/>
+          <a:p>
+            <a:endParaRPr lang="zh-TW" altLang="en-US"/>
+          </a:p>
+        </p:txBody>
+      </p:sp>
+      <p:sp>
+        <p:nvSpPr>
+          <p:cNvPr id="4" name="投影片編號版面配置區 3"/>
+          <p:cNvSpPr>
+            <a:spLocks noGrp="1"/>
+          </p:cNvSpPr>
+          <p:nvPr>
+            <p:ph type="sldNum" sz="quarter" idx="5"/>
+          </p:nvPr>
+        </p:nvSpPr>
+        <p:spPr/>
+        <p:txBody>
+          <a:bodyPr/>
+          <a:lstStyle/>
+          <a:p>
+            <a:fld id="{E208D5E8-A220-4A32-B4AF-26087BB63878}" type="slidenum">
+              <a:rPr lang="zh-TW" altLang="en-US" smtClean="0"/>
+              <a:t>18</a:t>
+            </a:fld>
+            <a:endParaRPr lang="zh-TW" altLang="en-US"/>
+          </a:p>
+        </p:txBody>
+      </p:sp>
+    </p:spTree>
+    <p:extLst>
+      <p:ext uri="{BB962C8B-B14F-4D97-AF65-F5344CB8AC3E}">
+        <p14:creationId xmlns:p14="http://schemas.microsoft.com/office/powerpoint/2010/main" val="2815672502"/>
+      </p:ext>
+    </p:extLst>
+  </p:cSld>
+  <p:clrMapOvr>
+    <a:masterClrMapping/>
+  </p:clrMapOvr>
+</p:notes>
+</file>
+
+<file path=ppt/notesSlides/notesSlide18.xml><?xml version="1.0" encoding="utf-8"?>
+<p:notes xmlns:a="http://schemas.openxmlformats.org/drawingml/2006/main" xmlns:r="http://schemas.openxmlformats.org/officeDocument/2006/relationships" xmlns:p="http://schemas.openxmlformats.org/presentationml/2006/main">
+  <p:cSld>
+    <p:spTree>
+      <p:nvGrpSpPr>
+        <p:cNvPr id="1" name=""/>
+        <p:cNvGrpSpPr/>
+        <p:nvPr/>
+      </p:nvGrpSpPr>
+      <p:grpSpPr>
+        <a:xfrm>
+          <a:off x="0" y="0"/>
+          <a:ext cx="0" cy="0"/>
+          <a:chOff x="0" y="0"/>
+          <a:chExt cx="0" cy="0"/>
+        </a:xfrm>
+      </p:grpSpPr>
+      <p:sp>
+        <p:nvSpPr>
+          <p:cNvPr id="2" name="投影片影像版面配置區 1"/>
+          <p:cNvSpPr>
+            <a:spLocks noGrp="1" noRot="1" noChangeAspect="1"/>
+          </p:cNvSpPr>
+          <p:nvPr>
+            <p:ph type="sldImg"/>
+          </p:nvPr>
+        </p:nvSpPr>
+        <p:spPr/>
+      </p:sp>
+      <p:sp>
+        <p:nvSpPr>
+          <p:cNvPr id="3" name="備忘稿版面配置區 2"/>
+          <p:cNvSpPr>
+            <a:spLocks noGrp="1"/>
+          </p:cNvSpPr>
+          <p:nvPr>
+            <p:ph type="body" idx="1"/>
+          </p:nvPr>
+        </p:nvSpPr>
+        <p:spPr/>
+        <p:txBody>
+          <a:bodyPr/>
+          <a:lstStyle/>
+          <a:p>
+            <a:endParaRPr lang="zh-TW" altLang="en-US"/>
+          </a:p>
+        </p:txBody>
+      </p:sp>
+      <p:sp>
+        <p:nvSpPr>
+          <p:cNvPr id="4" name="投影片編號版面配置區 3"/>
+          <p:cNvSpPr>
+            <a:spLocks noGrp="1"/>
+          </p:cNvSpPr>
+          <p:nvPr>
+            <p:ph type="sldNum" sz="quarter" idx="5"/>
+          </p:nvPr>
+        </p:nvSpPr>
+        <p:spPr/>
+        <p:txBody>
+          <a:bodyPr/>
+          <a:lstStyle/>
+          <a:p>
+            <a:fld id="{E208D5E8-A220-4A32-B4AF-26087BB63878}" type="slidenum">
+              <a:rPr lang="zh-TW" altLang="en-US" smtClean="0"/>
+              <a:t>19</a:t>
+            </a:fld>
+            <a:endParaRPr lang="zh-TW" altLang="en-US"/>
+          </a:p>
+        </p:txBody>
+      </p:sp>
+    </p:spTree>
+    <p:extLst>
+      <p:ext uri="{BB962C8B-B14F-4D97-AF65-F5344CB8AC3E}">
+        <p14:creationId xmlns:p14="http://schemas.microsoft.com/office/powerpoint/2010/main" val="1789552791"/>
+      </p:ext>
+    </p:extLst>
+  </p:cSld>
+  <p:clrMapOvr>
+    <a:masterClrMapping/>
+  </p:clrMapOvr>
+</p:notes>
+</file>
+
+<file path=ppt/notesSlides/notesSlide19.xml><?xml version="1.0" encoding="utf-8"?>
+<p:notes xmlns:a="http://schemas.openxmlformats.org/drawingml/2006/main" xmlns:r="http://schemas.openxmlformats.org/officeDocument/2006/relationships" xmlns:p="http://schemas.openxmlformats.org/presentationml/2006/main">
+  <p:cSld>
+    <p:spTree>
+      <p:nvGrpSpPr>
+        <p:cNvPr id="1" name=""/>
+        <p:cNvGrpSpPr/>
+        <p:nvPr/>
+      </p:nvGrpSpPr>
+      <p:grpSpPr>
+        <a:xfrm>
+          <a:off x="0" y="0"/>
+          <a:ext cx="0" cy="0"/>
+          <a:chOff x="0" y="0"/>
+          <a:chExt cx="0" cy="0"/>
+        </a:xfrm>
+      </p:grpSpPr>
+      <p:sp>
+        <p:nvSpPr>
+          <p:cNvPr id="2" name="投影片影像版面配置區 1"/>
+          <p:cNvSpPr>
+            <a:spLocks noGrp="1" noRot="1" noChangeAspect="1"/>
+          </p:cNvSpPr>
+          <p:nvPr>
+            <p:ph type="sldImg"/>
+          </p:nvPr>
+        </p:nvSpPr>
+        <p:spPr/>
+      </p:sp>
+      <p:sp>
+        <p:nvSpPr>
+          <p:cNvPr id="3" name="備忘稿版面配置區 2"/>
+          <p:cNvSpPr>
+            <a:spLocks noGrp="1"/>
+          </p:cNvSpPr>
+          <p:nvPr>
+            <p:ph type="body" idx="1"/>
+          </p:nvPr>
+        </p:nvSpPr>
+        <p:spPr/>
+        <p:txBody>
+          <a:bodyPr/>
+          <a:lstStyle/>
+          <a:p>
+            <a:endParaRPr lang="zh-TW" altLang="en-US"/>
+          </a:p>
+        </p:txBody>
+      </p:sp>
+      <p:sp>
+        <p:nvSpPr>
+          <p:cNvPr id="4" name="投影片編號版面配置區 3"/>
+          <p:cNvSpPr>
+            <a:spLocks noGrp="1"/>
+          </p:cNvSpPr>
+          <p:nvPr>
+            <p:ph type="sldNum" sz="quarter" idx="5"/>
+          </p:nvPr>
+        </p:nvSpPr>
+        <p:spPr/>
+        <p:txBody>
+          <a:bodyPr/>
+          <a:lstStyle/>
+          <a:p>
+            <a:fld id="{E208D5E8-A220-4A32-B4AF-26087BB63878}" type="slidenum">
+              <a:rPr lang="zh-TW" altLang="en-US" smtClean="0"/>
+              <a:t>20</a:t>
+            </a:fld>
+            <a:endParaRPr lang="zh-TW" altLang="en-US"/>
+          </a:p>
+        </p:txBody>
+      </p:sp>
+    </p:spTree>
+    <p:extLst>
+      <p:ext uri="{BB962C8B-B14F-4D97-AF65-F5344CB8AC3E}">
+        <p14:creationId xmlns:p14="http://schemas.microsoft.com/office/powerpoint/2010/main" val="2479566507"/>
+      </p:ext>
+    </p:extLst>
+  </p:cSld>
+  <p:clrMapOvr>
+    <a:masterClrMapping/>
+  </p:clrMapOvr>
+</p:notes>
+</file>
+
+<file path=ppt/notesSlides/notesSlide2.xml><?xml version="1.0" encoding="utf-8"?>
+<p:notes xmlns:a="http://schemas.openxmlformats.org/drawingml/2006/main" xmlns:r="http://schemas.openxmlformats.org/officeDocument/2006/relationships" xmlns:p="http://schemas.openxmlformats.org/presentationml/2006/main">
+  <p:cSld>
+    <p:spTree>
+      <p:nvGrpSpPr>
+        <p:cNvPr id="1" name=""/>
+        <p:cNvGrpSpPr/>
+        <p:nvPr/>
+      </p:nvGrpSpPr>
+      <p:grpSpPr>
+        <a:xfrm>
+          <a:off x="0" y="0"/>
+          <a:ext cx="0" cy="0"/>
+          <a:chOff x="0" y="0"/>
+          <a:chExt cx="0" cy="0"/>
+        </a:xfrm>
+      </p:grpSpPr>
+      <p:sp>
+        <p:nvSpPr>
+          <p:cNvPr id="2" name="投影片影像版面配置區 1"/>
+          <p:cNvSpPr>
+            <a:spLocks noGrp="1" noRot="1" noChangeAspect="1"/>
+          </p:cNvSpPr>
+          <p:nvPr>
+            <p:ph type="sldImg"/>
+          </p:nvPr>
+        </p:nvSpPr>
+        <p:spPr/>
+      </p:sp>
+      <p:sp>
+        <p:nvSpPr>
+          <p:cNvPr id="3" name="備忘稿版面配置區 2"/>
+          <p:cNvSpPr>
+            <a:spLocks noGrp="1"/>
+          </p:cNvSpPr>
+          <p:nvPr>
+            <p:ph type="body" idx="1"/>
+          </p:nvPr>
+        </p:nvSpPr>
+        <p:spPr/>
+        <p:txBody>
+          <a:bodyPr/>
+          <a:lstStyle/>
+          <a:p>
+            <a:endParaRPr lang="zh-TW" altLang="en-US"/>
+          </a:p>
+        </p:txBody>
+      </p:sp>
+      <p:sp>
+        <p:nvSpPr>
+          <p:cNvPr id="4" name="投影片編號版面配置區 3"/>
+          <p:cNvSpPr>
+            <a:spLocks noGrp="1"/>
+          </p:cNvSpPr>
+          <p:nvPr>
+            <p:ph type="sldNum" sz="quarter" idx="5"/>
+          </p:nvPr>
+        </p:nvSpPr>
+        <p:spPr/>
+        <p:txBody>
+          <a:bodyPr/>
+          <a:lstStyle/>
+          <a:p>
+            <a:fld id="{E208D5E8-A220-4A32-B4AF-26087BB63878}" type="slidenum">
+              <a:rPr lang="zh-TW" altLang="en-US" smtClean="0"/>
+              <a:t>2</a:t>
+            </a:fld>
+            <a:endParaRPr lang="zh-TW" altLang="en-US"/>
+          </a:p>
+        </p:txBody>
+      </p:sp>
+    </p:spTree>
+    <p:extLst>
+      <p:ext uri="{BB962C8B-B14F-4D97-AF65-F5344CB8AC3E}">
+        <p14:creationId xmlns:p14="http://schemas.microsoft.com/office/powerpoint/2010/main" val="1824040885"/>
+      </p:ext>
+    </p:extLst>
+  </p:cSld>
+  <p:clrMapOvr>
+    <a:masterClrMapping/>
+  </p:clrMapOvr>
+</p:notes>
+</file>
+
+<file path=ppt/notesSlides/notesSlide20.xml><?xml version="1.0" encoding="utf-8"?>
+<p:notes xmlns:a="http://schemas.openxmlformats.org/drawingml/2006/main" xmlns:r="http://schemas.openxmlformats.org/officeDocument/2006/relationships" xmlns:p="http://schemas.openxmlformats.org/presentationml/2006/main">
+  <p:cSld>
+    <p:spTree>
+      <p:nvGrpSpPr>
+        <p:cNvPr id="1" name=""/>
+        <p:cNvGrpSpPr/>
+        <p:nvPr/>
+      </p:nvGrpSpPr>
+      <p:grpSpPr>
+        <a:xfrm>
+          <a:off x="0" y="0"/>
+          <a:ext cx="0" cy="0"/>
+          <a:chOff x="0" y="0"/>
+          <a:chExt cx="0" cy="0"/>
+        </a:xfrm>
+      </p:grpSpPr>
+      <p:sp>
+        <p:nvSpPr>
+          <p:cNvPr id="2" name="投影片影像版面配置區 1"/>
+          <p:cNvSpPr>
+            <a:spLocks noGrp="1" noRot="1" noChangeAspect="1"/>
+          </p:cNvSpPr>
+          <p:nvPr>
+            <p:ph type="sldImg"/>
+          </p:nvPr>
+        </p:nvSpPr>
+        <p:spPr/>
+      </p:sp>
+      <p:sp>
+        <p:nvSpPr>
+          <p:cNvPr id="3" name="備忘稿版面配置區 2"/>
+          <p:cNvSpPr>
+            <a:spLocks noGrp="1"/>
+          </p:cNvSpPr>
+          <p:nvPr>
+            <p:ph type="body" idx="1"/>
+          </p:nvPr>
+        </p:nvSpPr>
+        <p:spPr/>
+        <p:txBody>
+          <a:bodyPr/>
+          <a:lstStyle/>
+          <a:p>
+            <a:endParaRPr lang="zh-TW" altLang="en-US"/>
+          </a:p>
+        </p:txBody>
+      </p:sp>
+      <p:sp>
+        <p:nvSpPr>
+          <p:cNvPr id="4" name="投影片編號版面配置區 3"/>
+          <p:cNvSpPr>
+            <a:spLocks noGrp="1"/>
+          </p:cNvSpPr>
+          <p:nvPr>
+            <p:ph type="sldNum" sz="quarter" idx="5"/>
+          </p:nvPr>
+        </p:nvSpPr>
+        <p:spPr/>
+        <p:txBody>
+          <a:bodyPr/>
+          <a:lstStyle/>
+          <a:p>
+            <a:fld id="{E208D5E8-A220-4A32-B4AF-26087BB63878}" type="slidenum">
+              <a:rPr lang="zh-TW" altLang="en-US" smtClean="0"/>
+              <a:t>21</a:t>
+            </a:fld>
+            <a:endParaRPr lang="zh-TW" altLang="en-US"/>
+          </a:p>
+        </p:txBody>
+      </p:sp>
+    </p:spTree>
+    <p:extLst>
+      <p:ext uri="{BB962C8B-B14F-4D97-AF65-F5344CB8AC3E}">
+        <p14:creationId xmlns:p14="http://schemas.microsoft.com/office/powerpoint/2010/main" val="2759511096"/>
+      </p:ext>
+    </p:extLst>
+  </p:cSld>
+  <p:clrMapOvr>
+    <a:masterClrMapping/>
+  </p:clrMapOvr>
+</p:notes>
+</file>
+
+<file path=ppt/notesSlides/notesSlide21.xml><?xml version="1.0" encoding="utf-8"?>
+<p:notes xmlns:a="http://schemas.openxmlformats.org/drawingml/2006/main" xmlns:r="http://schemas.openxmlformats.org/officeDocument/2006/relationships" xmlns:p="http://schemas.openxmlformats.org/presentationml/2006/main">
+  <p:cSld>
+    <p:spTree>
+      <p:nvGrpSpPr>
+        <p:cNvPr id="1" name=""/>
+        <p:cNvGrpSpPr/>
+        <p:nvPr/>
+      </p:nvGrpSpPr>
+      <p:grpSpPr>
+        <a:xfrm>
+          <a:off x="0" y="0"/>
+          <a:ext cx="0" cy="0"/>
+          <a:chOff x="0" y="0"/>
+          <a:chExt cx="0" cy="0"/>
+        </a:xfrm>
+      </p:grpSpPr>
+      <p:sp>
+        <p:nvSpPr>
+          <p:cNvPr id="2" name="投影片影像版面配置區 1"/>
+          <p:cNvSpPr>
+            <a:spLocks noGrp="1" noRot="1" noChangeAspect="1"/>
+          </p:cNvSpPr>
+          <p:nvPr>
+            <p:ph type="sldImg"/>
+          </p:nvPr>
+        </p:nvSpPr>
+        <p:spPr/>
+      </p:sp>
+      <p:sp>
+        <p:nvSpPr>
+          <p:cNvPr id="3" name="備忘稿版面配置區 2"/>
+          <p:cNvSpPr>
+            <a:spLocks noGrp="1"/>
+          </p:cNvSpPr>
+          <p:nvPr>
+            <p:ph type="body" idx="1"/>
+          </p:nvPr>
+        </p:nvSpPr>
+        <p:spPr/>
+        <p:txBody>
+          <a:bodyPr/>
+          <a:lstStyle/>
+          <a:p>
+            <a:endParaRPr lang="zh-TW" altLang="en-US"/>
+          </a:p>
+        </p:txBody>
+      </p:sp>
+      <p:sp>
+        <p:nvSpPr>
+          <p:cNvPr id="4" name="投影片編號版面配置區 3"/>
+          <p:cNvSpPr>
+            <a:spLocks noGrp="1"/>
+          </p:cNvSpPr>
+          <p:nvPr>
+            <p:ph type="sldNum" sz="quarter" idx="5"/>
+          </p:nvPr>
+        </p:nvSpPr>
+        <p:spPr/>
+        <p:txBody>
+          <a:bodyPr/>
+          <a:lstStyle/>
+          <a:p>
+            <a:fld id="{E208D5E8-A220-4A32-B4AF-26087BB63878}" type="slidenum">
+              <a:rPr lang="zh-TW" altLang="en-US" smtClean="0"/>
+              <a:t>22</a:t>
+            </a:fld>
+            <a:endParaRPr lang="zh-TW" altLang="en-US"/>
+          </a:p>
+        </p:txBody>
+      </p:sp>
+    </p:spTree>
+    <p:extLst>
+      <p:ext uri="{BB962C8B-B14F-4D97-AF65-F5344CB8AC3E}">
+        <p14:creationId xmlns:p14="http://schemas.microsoft.com/office/powerpoint/2010/main" val="116111755"/>
+      </p:ext>
+    </p:extLst>
+  </p:cSld>
+  <p:clrMapOvr>
+    <a:masterClrMapping/>
+  </p:clrMapOvr>
+</p:notes>
+</file>
+
+<file path=ppt/notesSlides/notesSlide22.xml><?xml version="1.0" encoding="utf-8"?>
+<p:notes xmlns:a="http://schemas.openxmlformats.org/drawingml/2006/main" xmlns:r="http://schemas.openxmlformats.org/officeDocument/2006/relationships" xmlns:p="http://schemas.openxmlformats.org/presentationml/2006/main">
+  <p:cSld>
+    <p:spTree>
+      <p:nvGrpSpPr>
+        <p:cNvPr id="1" name=""/>
+        <p:cNvGrpSpPr/>
+        <p:nvPr/>
+      </p:nvGrpSpPr>
+      <p:grpSpPr>
+        <a:xfrm>
+          <a:off x="0" y="0"/>
+          <a:ext cx="0" cy="0"/>
+          <a:chOff x="0" y="0"/>
+          <a:chExt cx="0" cy="0"/>
+        </a:xfrm>
+      </p:grpSpPr>
+      <p:sp>
+        <p:nvSpPr>
+          <p:cNvPr id="2" name="投影片影像版面配置區 1"/>
+          <p:cNvSpPr>
+            <a:spLocks noGrp="1" noRot="1" noChangeAspect="1"/>
+          </p:cNvSpPr>
+          <p:nvPr>
+            <p:ph type="sldImg"/>
+          </p:nvPr>
+        </p:nvSpPr>
+        <p:spPr/>
+      </p:sp>
+      <p:sp>
+        <p:nvSpPr>
+          <p:cNvPr id="3" name="備忘稿版面配置區 2"/>
+          <p:cNvSpPr>
+            <a:spLocks noGrp="1"/>
+          </p:cNvSpPr>
+          <p:nvPr>
+            <p:ph type="body" idx="1"/>
+          </p:nvPr>
+        </p:nvSpPr>
+        <p:spPr/>
+        <p:txBody>
+          <a:bodyPr/>
+          <a:lstStyle/>
+          <a:p>
+            <a:endParaRPr lang="zh-TW" altLang="en-US"/>
+          </a:p>
+        </p:txBody>
+      </p:sp>
+      <p:sp>
+        <p:nvSpPr>
+          <p:cNvPr id="4" name="投影片編號版面配置區 3"/>
+          <p:cNvSpPr>
+            <a:spLocks noGrp="1"/>
+          </p:cNvSpPr>
+          <p:nvPr>
+            <p:ph type="sldNum" sz="quarter" idx="5"/>
+          </p:nvPr>
+        </p:nvSpPr>
+        <p:spPr/>
+        <p:txBody>
+          <a:bodyPr/>
+          <a:lstStyle/>
+          <a:p>
+            <a:fld id="{E208D5E8-A220-4A32-B4AF-26087BB63878}" type="slidenum">
+              <a:rPr lang="zh-TW" altLang="en-US" smtClean="0"/>
+              <a:t>23</a:t>
+            </a:fld>
+            <a:endParaRPr lang="zh-TW" altLang="en-US"/>
+          </a:p>
+        </p:txBody>
+      </p:sp>
+    </p:spTree>
+    <p:extLst>
+      <p:ext uri="{BB962C8B-B14F-4D97-AF65-F5344CB8AC3E}">
+        <p14:creationId xmlns:p14="http://schemas.microsoft.com/office/powerpoint/2010/main" val="3723944637"/>
+      </p:ext>
+    </p:extLst>
+  </p:cSld>
+  <p:clrMapOvr>
+    <a:masterClrMapping/>
+  </p:clrMapOvr>
+</p:notes>
+</file>
+
+<file path=ppt/notesSlides/notesSlide3.xml><?xml version="1.0" encoding="utf-8"?>
+<p:notes xmlns:a="http://schemas.openxmlformats.org/drawingml/2006/main" xmlns:r="http://schemas.openxmlformats.org/officeDocument/2006/relationships" xmlns:p="http://schemas.openxmlformats.org/presentationml/2006/main">
+  <p:cSld>
+    <p:spTree>
+      <p:nvGrpSpPr>
+        <p:cNvPr id="1" name=""/>
+        <p:cNvGrpSpPr/>
+        <p:nvPr/>
+      </p:nvGrpSpPr>
+      <p:grpSpPr>
+        <a:xfrm>
+          <a:off x="0" y="0"/>
+          <a:ext cx="0" cy="0"/>
+          <a:chOff x="0" y="0"/>
+          <a:chExt cx="0" cy="0"/>
+        </a:xfrm>
+      </p:grpSpPr>
+      <p:sp>
+        <p:nvSpPr>
+          <p:cNvPr id="2" name="投影片影像版面配置區 1"/>
+          <p:cNvSpPr>
+            <a:spLocks noGrp="1" noRot="1" noChangeAspect="1"/>
+          </p:cNvSpPr>
+          <p:nvPr>
+            <p:ph type="sldImg"/>
+          </p:nvPr>
+        </p:nvSpPr>
+        <p:spPr/>
+      </p:sp>
+      <p:sp>
+        <p:nvSpPr>
+          <p:cNvPr id="3" name="備忘稿版面配置區 2"/>
+          <p:cNvSpPr>
+            <a:spLocks noGrp="1"/>
+          </p:cNvSpPr>
+          <p:nvPr>
+            <p:ph type="body" idx="1"/>
+          </p:nvPr>
+        </p:nvSpPr>
+        <p:spPr/>
+        <p:txBody>
+          <a:bodyPr/>
+          <a:lstStyle/>
+          <a:p>
+            <a:endParaRPr lang="zh-TW" altLang="en-US"/>
+          </a:p>
+        </p:txBody>
+      </p:sp>
+      <p:sp>
+        <p:nvSpPr>
+          <p:cNvPr id="4" name="投影片編號版面配置區 3"/>
+          <p:cNvSpPr>
+            <a:spLocks noGrp="1"/>
+          </p:cNvSpPr>
+          <p:nvPr>
+            <p:ph type="sldNum" sz="quarter" idx="5"/>
+          </p:nvPr>
+        </p:nvSpPr>
+        <p:spPr/>
+        <p:txBody>
+          <a:bodyPr/>
+          <a:lstStyle/>
+          <a:p>
+            <a:fld id="{E208D5E8-A220-4A32-B4AF-26087BB63878}" type="slidenum">
+              <a:rPr lang="zh-TW" altLang="en-US" smtClean="0"/>
+              <a:t>3</a:t>
+            </a:fld>
+            <a:endParaRPr lang="zh-TW" altLang="en-US"/>
+          </a:p>
+        </p:txBody>
+      </p:sp>
+    </p:spTree>
+    <p:extLst>
+      <p:ext uri="{BB962C8B-B14F-4D97-AF65-F5344CB8AC3E}">
+        <p14:creationId xmlns:p14="http://schemas.microsoft.com/office/powerpoint/2010/main" val="1421525632"/>
+      </p:ext>
+    </p:extLst>
+  </p:cSld>
+  <p:clrMapOvr>
+    <a:masterClrMapping/>
+  </p:clrMapOvr>
+</p:notes>
+</file>
+
+<file path=ppt/notesSlides/notesSlide4.xml><?xml version="1.0" encoding="utf-8"?>
+<p:notes xmlns:a="http://schemas.openxmlformats.org/drawingml/2006/main" xmlns:r="http://schemas.openxmlformats.org/officeDocument/2006/relationships" xmlns:p="http://schemas.openxmlformats.org/presentationml/2006/main">
+  <p:cSld>
+    <p:spTree>
+      <p:nvGrpSpPr>
+        <p:cNvPr id="1" name=""/>
+        <p:cNvGrpSpPr/>
+        <p:nvPr/>
+      </p:nvGrpSpPr>
+      <p:grpSpPr>
+        <a:xfrm>
+          <a:off x="0" y="0"/>
+          <a:ext cx="0" cy="0"/>
+          <a:chOff x="0" y="0"/>
+          <a:chExt cx="0" cy="0"/>
+        </a:xfrm>
+      </p:grpSpPr>
+      <p:sp>
+        <p:nvSpPr>
+          <p:cNvPr id="2" name="投影片影像版面配置區 1"/>
+          <p:cNvSpPr>
+            <a:spLocks noGrp="1" noRot="1" noChangeAspect="1"/>
+          </p:cNvSpPr>
+          <p:nvPr>
+            <p:ph type="sldImg"/>
+          </p:nvPr>
+        </p:nvSpPr>
+        <p:spPr/>
+      </p:sp>
+      <p:sp>
+        <p:nvSpPr>
+          <p:cNvPr id="3" name="備忘稿版面配置區 2"/>
+          <p:cNvSpPr>
+            <a:spLocks noGrp="1"/>
+          </p:cNvSpPr>
+          <p:nvPr>
+            <p:ph type="body" idx="1"/>
+          </p:nvPr>
+        </p:nvSpPr>
+        <p:spPr/>
+        <p:txBody>
+          <a:bodyPr/>
+          <a:lstStyle/>
+          <a:p>
+            <a:endParaRPr lang="zh-TW" altLang="en-US"/>
+          </a:p>
+        </p:txBody>
+      </p:sp>
+      <p:sp>
+        <p:nvSpPr>
+          <p:cNvPr id="4" name="投影片編號版面配置區 3"/>
+          <p:cNvSpPr>
+            <a:spLocks noGrp="1"/>
+          </p:cNvSpPr>
+          <p:nvPr>
+            <p:ph type="sldNum" sz="quarter" idx="5"/>
+          </p:nvPr>
+        </p:nvSpPr>
+        <p:spPr/>
+        <p:txBody>
+          <a:bodyPr/>
+          <a:lstStyle/>
+          <a:p>
+            <a:fld id="{E208D5E8-A220-4A32-B4AF-26087BB63878}" type="slidenum">
+              <a:rPr lang="zh-TW" altLang="en-US" smtClean="0"/>
+              <a:t>4</a:t>
+            </a:fld>
+            <a:endParaRPr lang="zh-TW" altLang="en-US"/>
+          </a:p>
+        </p:txBody>
+      </p:sp>
+    </p:spTree>
+    <p:extLst>
+      <p:ext uri="{BB962C8B-B14F-4D97-AF65-F5344CB8AC3E}">
+        <p14:creationId xmlns:p14="http://schemas.microsoft.com/office/powerpoint/2010/main" val="1004925608"/>
+      </p:ext>
+    </p:extLst>
+  </p:cSld>
+  <p:clrMapOvr>
+    <a:masterClrMapping/>
+  </p:clrMapOvr>
+</p:notes>
+</file>
+
+<file path=ppt/notesSlides/notesSlide5.xml><?xml version="1.0" encoding="utf-8"?>
+<p:notes xmlns:a="http://schemas.openxmlformats.org/drawingml/2006/main" xmlns:r="http://schemas.openxmlformats.org/officeDocument/2006/relationships" xmlns:p="http://schemas.openxmlformats.org/presentationml/2006/main">
+  <p:cSld>
+    <p:spTree>
+      <p:nvGrpSpPr>
+        <p:cNvPr id="1" name=""/>
+        <p:cNvGrpSpPr/>
+        <p:nvPr/>
+      </p:nvGrpSpPr>
+      <p:grpSpPr>
+        <a:xfrm>
+          <a:off x="0" y="0"/>
+          <a:ext cx="0" cy="0"/>
+          <a:chOff x="0" y="0"/>
+          <a:chExt cx="0" cy="0"/>
+        </a:xfrm>
+      </p:grpSpPr>
+      <p:sp>
+        <p:nvSpPr>
+          <p:cNvPr id="2" name="投影片影像版面配置區 1"/>
+          <p:cNvSpPr>
+            <a:spLocks noGrp="1" noRot="1" noChangeAspect="1"/>
+          </p:cNvSpPr>
+          <p:nvPr>
+            <p:ph type="sldImg"/>
+          </p:nvPr>
+        </p:nvSpPr>
+        <p:spPr/>
+      </p:sp>
+      <p:sp>
+        <p:nvSpPr>
+          <p:cNvPr id="3" name="備忘稿版面配置區 2"/>
+          <p:cNvSpPr>
+            <a:spLocks noGrp="1"/>
+          </p:cNvSpPr>
+          <p:nvPr>
+            <p:ph type="body" idx="1"/>
+          </p:nvPr>
+        </p:nvSpPr>
+        <p:spPr/>
+        <p:txBody>
+          <a:bodyPr/>
+          <a:lstStyle/>
+          <a:p>
+            <a:endParaRPr lang="zh-TW" altLang="en-US"/>
+          </a:p>
+        </p:txBody>
+      </p:sp>
+      <p:sp>
+        <p:nvSpPr>
+          <p:cNvPr id="4" name="投影片編號版面配置區 3"/>
+          <p:cNvSpPr>
+            <a:spLocks noGrp="1"/>
+          </p:cNvSpPr>
+          <p:nvPr>
+            <p:ph type="sldNum" sz="quarter" idx="5"/>
+          </p:nvPr>
+        </p:nvSpPr>
+        <p:spPr/>
+        <p:txBody>
+          <a:bodyPr/>
+          <a:lstStyle/>
+          <a:p>
+            <a:fld id="{E208D5E8-A220-4A32-B4AF-26087BB63878}" type="slidenum">
+              <a:rPr lang="zh-TW" altLang="en-US" smtClean="0"/>
+              <a:t>5</a:t>
+            </a:fld>
+            <a:endParaRPr lang="zh-TW" altLang="en-US"/>
+          </a:p>
+        </p:txBody>
+      </p:sp>
+    </p:spTree>
+    <p:extLst>
+      <p:ext uri="{BB962C8B-B14F-4D97-AF65-F5344CB8AC3E}">
+        <p14:creationId xmlns:p14="http://schemas.microsoft.com/office/powerpoint/2010/main" val="2874583231"/>
+      </p:ext>
+    </p:extLst>
+  </p:cSld>
+  <p:clrMapOvr>
+    <a:masterClrMapping/>
+  </p:clrMapOvr>
+</p:notes>
+</file>
+
+<file path=ppt/notesSlides/notesSlide6.xml><?xml version="1.0" encoding="utf-8"?>
+<p:notes xmlns:a="http://schemas.openxmlformats.org/drawingml/2006/main" xmlns:r="http://schemas.openxmlformats.org/officeDocument/2006/relationships" xmlns:p="http://schemas.openxmlformats.org/presentationml/2006/main">
+  <p:cSld>
+    <p:spTree>
+      <p:nvGrpSpPr>
+        <p:cNvPr id="1" name=""/>
+        <p:cNvGrpSpPr/>
+        <p:nvPr/>
+      </p:nvGrpSpPr>
+      <p:grpSpPr>
+        <a:xfrm>
+          <a:off x="0" y="0"/>
+          <a:ext cx="0" cy="0"/>
+          <a:chOff x="0" y="0"/>
+          <a:chExt cx="0" cy="0"/>
+        </a:xfrm>
+      </p:grpSpPr>
+      <p:sp>
+        <p:nvSpPr>
+          <p:cNvPr id="2" name="投影片影像版面配置區 1"/>
+          <p:cNvSpPr>
+            <a:spLocks noGrp="1" noRot="1" noChangeAspect="1"/>
+          </p:cNvSpPr>
+          <p:nvPr>
+            <p:ph type="sldImg"/>
+          </p:nvPr>
+        </p:nvSpPr>
+        <p:spPr/>
+      </p:sp>
+      <p:sp>
+        <p:nvSpPr>
+          <p:cNvPr id="3" name="備忘稿版面配置區 2"/>
+          <p:cNvSpPr>
+            <a:spLocks noGrp="1"/>
+          </p:cNvSpPr>
+          <p:nvPr>
+            <p:ph type="body" idx="1"/>
+          </p:nvPr>
+        </p:nvSpPr>
+        <p:spPr/>
+        <p:txBody>
+          <a:bodyPr/>
+          <a:lstStyle/>
+          <a:p>
+            <a:endParaRPr lang="zh-TW" altLang="en-US"/>
+          </a:p>
+        </p:txBody>
+      </p:sp>
+      <p:sp>
+        <p:nvSpPr>
+          <p:cNvPr id="4" name="投影片編號版面配置區 3"/>
+          <p:cNvSpPr>
+            <a:spLocks noGrp="1"/>
+          </p:cNvSpPr>
+          <p:nvPr>
+            <p:ph type="sldNum" sz="quarter" idx="5"/>
+          </p:nvPr>
+        </p:nvSpPr>
+        <p:spPr/>
+        <p:txBody>
+          <a:bodyPr/>
+          <a:lstStyle/>
+          <a:p>
+            <a:fld id="{E208D5E8-A220-4A32-B4AF-26087BB63878}" type="slidenum">
+              <a:rPr lang="zh-TW" altLang="en-US" smtClean="0"/>
+              <a:t>6</a:t>
+            </a:fld>
+            <a:endParaRPr lang="zh-TW" altLang="en-US"/>
+          </a:p>
+        </p:txBody>
+      </p:sp>
+    </p:spTree>
+    <p:extLst>
+      <p:ext uri="{BB962C8B-B14F-4D97-AF65-F5344CB8AC3E}">
+        <p14:creationId xmlns:p14="http://schemas.microsoft.com/office/powerpoint/2010/main" val="3729890844"/>
+      </p:ext>
+    </p:extLst>
+  </p:cSld>
+  <p:clrMapOvr>
+    <a:masterClrMapping/>
+  </p:clrMapOvr>
+</p:notes>
+</file>
+
+<file path=ppt/notesSlides/notesSlide7.xml><?xml version="1.0" encoding="utf-8"?>
+<p:notes xmlns:a="http://schemas.openxmlformats.org/drawingml/2006/main" xmlns:r="http://schemas.openxmlformats.org/officeDocument/2006/relationships" xmlns:p="http://schemas.openxmlformats.org/presentationml/2006/main">
+  <p:cSld>
+    <p:spTree>
+      <p:nvGrpSpPr>
+        <p:cNvPr id="1" name=""/>
+        <p:cNvGrpSpPr/>
+        <p:nvPr/>
+      </p:nvGrpSpPr>
+      <p:grpSpPr>
+        <a:xfrm>
+          <a:off x="0" y="0"/>
+          <a:ext cx="0" cy="0"/>
+          <a:chOff x="0" y="0"/>
+          <a:chExt cx="0" cy="0"/>
+        </a:xfrm>
+      </p:grpSpPr>
+      <p:sp>
+        <p:nvSpPr>
+          <p:cNvPr id="2" name="投影片影像版面配置區 1"/>
+          <p:cNvSpPr>
+            <a:spLocks noGrp="1" noRot="1" noChangeAspect="1"/>
+          </p:cNvSpPr>
+          <p:nvPr>
+            <p:ph type="sldImg"/>
+          </p:nvPr>
+        </p:nvSpPr>
+        <p:spPr/>
+      </p:sp>
+      <p:sp>
+        <p:nvSpPr>
+          <p:cNvPr id="3" name="備忘稿版面配置區 2"/>
+          <p:cNvSpPr>
+            <a:spLocks noGrp="1"/>
+          </p:cNvSpPr>
+          <p:nvPr>
+            <p:ph type="body" idx="1"/>
+          </p:nvPr>
+        </p:nvSpPr>
+        <p:spPr/>
+        <p:txBody>
+          <a:bodyPr/>
+          <a:lstStyle/>
+          <a:p>
+            <a:endParaRPr lang="zh-TW" altLang="en-US"/>
+          </a:p>
+        </p:txBody>
+      </p:sp>
+      <p:sp>
+        <p:nvSpPr>
+          <p:cNvPr id="4" name="投影片編號版面配置區 3"/>
+          <p:cNvSpPr>
+            <a:spLocks noGrp="1"/>
+          </p:cNvSpPr>
+          <p:nvPr>
+            <p:ph type="sldNum" sz="quarter" idx="5"/>
+          </p:nvPr>
+        </p:nvSpPr>
+        <p:spPr/>
+        <p:txBody>
+          <a:bodyPr/>
+          <a:lstStyle/>
+          <a:p>
+            <a:fld id="{E208D5E8-A220-4A32-B4AF-26087BB63878}" type="slidenum">
+              <a:rPr lang="zh-TW" altLang="en-US" smtClean="0"/>
+              <a:t>7</a:t>
+            </a:fld>
+            <a:endParaRPr lang="zh-TW" altLang="en-US"/>
+          </a:p>
+        </p:txBody>
+      </p:sp>
+    </p:spTree>
+    <p:extLst>
+      <p:ext uri="{BB962C8B-B14F-4D97-AF65-F5344CB8AC3E}">
+        <p14:creationId xmlns:p14="http://schemas.microsoft.com/office/powerpoint/2010/main" val="951319515"/>
+      </p:ext>
+    </p:extLst>
+  </p:cSld>
+  <p:clrMapOvr>
+    <a:masterClrMapping/>
+  </p:clrMapOvr>
+</p:notes>
+</file>
+
+<file path=ppt/notesSlides/notesSlide8.xml><?xml version="1.0" encoding="utf-8"?>
+<p:notes xmlns:a="http://schemas.openxmlformats.org/drawingml/2006/main" xmlns:r="http://schemas.openxmlformats.org/officeDocument/2006/relationships" xmlns:p="http://schemas.openxmlformats.org/presentationml/2006/main">
+  <p:cSld>
+    <p:spTree>
+      <p:nvGrpSpPr>
+        <p:cNvPr id="1" name=""/>
+        <p:cNvGrpSpPr/>
+        <p:nvPr/>
+      </p:nvGrpSpPr>
+      <p:grpSpPr>
+        <a:xfrm>
+          <a:off x="0" y="0"/>
+          <a:ext cx="0" cy="0"/>
+          <a:chOff x="0" y="0"/>
+          <a:chExt cx="0" cy="0"/>
+        </a:xfrm>
+      </p:grpSpPr>
+      <p:sp>
+        <p:nvSpPr>
+          <p:cNvPr id="2" name="投影片影像版面配置區 1"/>
+          <p:cNvSpPr>
+            <a:spLocks noGrp="1" noRot="1" noChangeAspect="1"/>
+          </p:cNvSpPr>
+          <p:nvPr>
+            <p:ph type="sldImg"/>
+          </p:nvPr>
+        </p:nvSpPr>
+        <p:spPr/>
+      </p:sp>
+      <p:sp>
+        <p:nvSpPr>
+          <p:cNvPr id="3" name="備忘稿版面配置區 2"/>
+          <p:cNvSpPr>
+            <a:spLocks noGrp="1"/>
+          </p:cNvSpPr>
+          <p:nvPr>
+            <p:ph type="body" idx="1"/>
+          </p:nvPr>
+        </p:nvSpPr>
+        <p:spPr/>
+        <p:txBody>
+          <a:bodyPr/>
+          <a:lstStyle/>
+          <a:p>
+            <a:endParaRPr lang="zh-TW" altLang="en-US"/>
+          </a:p>
+        </p:txBody>
+      </p:sp>
+      <p:sp>
+        <p:nvSpPr>
+          <p:cNvPr id="4" name="投影片編號版面配置區 3"/>
+          <p:cNvSpPr>
+            <a:spLocks noGrp="1"/>
+          </p:cNvSpPr>
+          <p:nvPr>
+            <p:ph type="sldNum" sz="quarter" idx="5"/>
+          </p:nvPr>
+        </p:nvSpPr>
+        <p:spPr/>
+        <p:txBody>
+          <a:bodyPr/>
+          <a:lstStyle/>
+          <a:p>
+            <a:fld id="{E208D5E8-A220-4A32-B4AF-26087BB63878}" type="slidenum">
+              <a:rPr lang="zh-TW" altLang="en-US" smtClean="0"/>
+              <a:t>8</a:t>
+            </a:fld>
+            <a:endParaRPr lang="zh-TW" altLang="en-US"/>
+          </a:p>
+        </p:txBody>
+      </p:sp>
+    </p:spTree>
+    <p:extLst>
+      <p:ext uri="{BB962C8B-B14F-4D97-AF65-F5344CB8AC3E}">
+        <p14:creationId xmlns:p14="http://schemas.microsoft.com/office/powerpoint/2010/main" val="106513231"/>
+      </p:ext>
+    </p:extLst>
+  </p:cSld>
+  <p:clrMapOvr>
+    <a:masterClrMapping/>
+  </p:clrMapOvr>
+</p:notes>
+</file>
+
+<file path=ppt/notesSlides/notesSlide9.xml><?xml version="1.0" encoding="utf-8"?>
+<p:notes xmlns:a="http://schemas.openxmlformats.org/drawingml/2006/main" xmlns:r="http://schemas.openxmlformats.org/officeDocument/2006/relationships" xmlns:p="http://schemas.openxmlformats.org/presentationml/2006/main">
+  <p:cSld>
+    <p:spTree>
+      <p:nvGrpSpPr>
+        <p:cNvPr id="1" name=""/>
+        <p:cNvGrpSpPr/>
+        <p:nvPr/>
+      </p:nvGrpSpPr>
+      <p:grpSpPr>
+        <a:xfrm>
+          <a:off x="0" y="0"/>
+          <a:ext cx="0" cy="0"/>
+          <a:chOff x="0" y="0"/>
+          <a:chExt cx="0" cy="0"/>
+        </a:xfrm>
+      </p:grpSpPr>
+      <p:sp>
+        <p:nvSpPr>
+          <p:cNvPr id="2" name="投影片影像版面配置區 1"/>
+          <p:cNvSpPr>
+            <a:spLocks noGrp="1" noRot="1" noChangeAspect="1"/>
+          </p:cNvSpPr>
+          <p:nvPr>
+            <p:ph type="sldImg"/>
+          </p:nvPr>
+        </p:nvSpPr>
+        <p:spPr/>
+      </p:sp>
+      <p:sp>
+        <p:nvSpPr>
+          <p:cNvPr id="3" name="備忘稿版面配置區 2"/>
+          <p:cNvSpPr>
+            <a:spLocks noGrp="1"/>
+          </p:cNvSpPr>
+          <p:nvPr>
+            <p:ph type="body" idx="1"/>
+          </p:nvPr>
+        </p:nvSpPr>
+        <p:spPr/>
+        <p:txBody>
+          <a:bodyPr/>
+          <a:lstStyle/>
+          <a:p>
+            <a:endParaRPr lang="zh-TW" altLang="en-US"/>
+          </a:p>
+        </p:txBody>
+      </p:sp>
+      <p:sp>
+        <p:nvSpPr>
+          <p:cNvPr id="4" name="投影片編號版面配置區 3"/>
+          <p:cNvSpPr>
+            <a:spLocks noGrp="1"/>
+          </p:cNvSpPr>
+          <p:nvPr>
+            <p:ph type="sldNum" sz="quarter" idx="5"/>
+          </p:nvPr>
+        </p:nvSpPr>
+        <p:spPr/>
+        <p:txBody>
+          <a:bodyPr/>
+          <a:lstStyle/>
+          <a:p>
+            <a:fld id="{E208D5E8-A220-4A32-B4AF-26087BB63878}" type="slidenum">
+              <a:rPr lang="zh-TW" altLang="en-US" smtClean="0"/>
+              <a:t>9</a:t>
+            </a:fld>
+            <a:endParaRPr lang="zh-TW" altLang="en-US"/>
+          </a:p>
+        </p:txBody>
+      </p:sp>
+    </p:spTree>
+    <p:extLst>
+      <p:ext uri="{BB962C8B-B14F-4D97-AF65-F5344CB8AC3E}">
+        <p14:creationId xmlns:p14="http://schemas.microsoft.com/office/powerpoint/2010/main" val="881651873"/>
+      </p:ext>
+    </p:extLst>
+  </p:cSld>
+  <p:clrMapOvr>
+    <a:masterClrMapping/>
+  </p:clrMapOvr>
+</p:notes>
 </file>
 
 <file path=ppt/slideLayouts/slideLayout1.xml><?xml version="1.0" encoding="utf-8"?>
@@ -3383,8 +5589,8 @@
           <a:p>
             <a:r>
               <a:rPr lang="zh-TW" altLang="en-US" sz="5400" b="1" dirty="0">
-                <a:latin typeface="標楷體" panose="03000509000000000000" pitchFamily="65" charset="-120"/>
-                <a:ea typeface="標楷體" panose="03000509000000000000" pitchFamily="65" charset="-120"/>
+                <a:latin typeface="Taipei Sans TC Beta" pitchFamily="2" charset="-120"/>
+                <a:ea typeface="Taipei Sans TC Beta" pitchFamily="2" charset="-120"/>
               </a:rPr>
               <a:t>從論壇分析台灣人對反送中的討論度</a:t>
             </a:r>
@@ -3394,7 +5600,7 @@
     </p:spTree>
     <p:extLst>
       <p:ext uri="{BB962C8B-B14F-4D97-AF65-F5344CB8AC3E}">
-        <p14:creationId xmlns:p14="http://schemas.microsoft.com/office/powerpoint/2010/main" val="825106962"/>
+        <p14:creationId xmlns:p14="http://schemas.microsoft.com/office/powerpoint/2010/main" val="3019116924"/>
       </p:ext>
     </p:extLst>
   </p:cSld>
@@ -3436,15 +5642,15 @@
           <p:nvPr/>
         </p:nvPicPr>
         <p:blipFill>
-          <a:blip r:embed="rId2"/>
+          <a:blip r:embed="rId3"/>
           <a:stretch>
             <a:fillRect/>
           </a:stretch>
         </p:blipFill>
         <p:spPr>
           <a:xfrm>
-            <a:off x="3600450" y="1214437"/>
-            <a:ext cx="4991100" cy="4429125"/>
+            <a:off x="2181725" y="-44545"/>
+            <a:ext cx="7972927" cy="7075212"/>
           </a:xfrm>
           <a:prstGeom prst="rect">
             <a:avLst/>
@@ -3496,15 +5702,15 @@
           <p:nvPr/>
         </p:nvPicPr>
         <p:blipFill>
-          <a:blip r:embed="rId2"/>
+          <a:blip r:embed="rId3"/>
           <a:stretch>
             <a:fillRect/>
           </a:stretch>
         </p:blipFill>
         <p:spPr>
           <a:xfrm>
-            <a:off x="3024346" y="668546"/>
-            <a:ext cx="6143308" cy="5233779"/>
+            <a:off x="2022938" y="-114906"/>
+            <a:ext cx="8319536" cy="7087812"/>
           </a:xfrm>
           <a:prstGeom prst="rect">
             <a:avLst/>
@@ -3556,7 +5762,7 @@
           <p:nvPr/>
         </p:nvPicPr>
         <p:blipFill>
-          <a:blip r:embed="rId2"/>
+          <a:blip r:embed="rId3"/>
           <a:stretch>
             <a:fillRect/>
           </a:stretch>
@@ -3585,8 +5791,8 @@
         </p:nvSpPr>
         <p:spPr>
           <a:xfrm>
-            <a:off x="10383520" y="1679575"/>
-            <a:ext cx="1239520" cy="646331"/>
+            <a:off x="10318559" y="2998113"/>
+            <a:ext cx="1586155" cy="800219"/>
           </a:xfrm>
           <a:prstGeom prst="rect">
             <a:avLst/>
@@ -3600,7 +5806,10 @@
           <a:lstStyle/>
           <a:p>
             <a:r>
-              <a:rPr lang="en-US" altLang="zh-TW" dirty="0"/>
+              <a:rPr lang="en-US" altLang="zh-TW" sz="2800" dirty="0">
+                <a:latin typeface="Taipei Sans TC Beta" pitchFamily="2" charset="-120"/>
+                <a:ea typeface="Taipei Sans TC Beta" pitchFamily="2" charset="-120"/>
+              </a:rPr>
               <a:t>Excerpt</a:t>
             </a:r>
           </a:p>
@@ -3641,10 +5850,10 @@
       </p:grpSpPr>
       <p:sp>
         <p:nvSpPr>
-          <p:cNvPr id="5" name="文字方塊 4">
-            <a:extLst>
-              <a:ext uri="{FF2B5EF4-FFF2-40B4-BE49-F238E27FC236}">
-                <a16:creationId xmlns:a16="http://schemas.microsoft.com/office/drawing/2014/main" id="{0682FA27-C895-40BF-A27D-2A92FB6878F9}"/>
+          <p:cNvPr id="23" name="文字方塊 22">
+            <a:extLst>
+              <a:ext uri="{FF2B5EF4-FFF2-40B4-BE49-F238E27FC236}">
+                <a16:creationId xmlns:a16="http://schemas.microsoft.com/office/drawing/2014/main" id="{3C2479BF-7DED-4F7E-A72A-A9D862F4E105}"/>
               </a:ext>
             </a:extLst>
           </p:cNvPr>
@@ -3653,8 +5862,8 @@
         </p:nvSpPr>
         <p:spPr>
           <a:xfrm>
-            <a:off x="10513060" y="1861185"/>
-            <a:ext cx="1428750" cy="923330"/>
+            <a:off x="10318559" y="2998113"/>
+            <a:ext cx="1586155" cy="800219"/>
           </a:xfrm>
           <a:prstGeom prst="rect">
             <a:avLst/>
@@ -3668,15 +5877,60 @@
           <a:lstStyle/>
           <a:p>
             <a:r>
-              <a:rPr lang="en-US" altLang="zh-TW" dirty="0"/>
-              <a:t>Title</a:t>
-            </a:r>
-          </a:p>
-          <a:p>
-            <a:endParaRPr lang="en-US" altLang="zh-TW" dirty="0"/>
+              <a:rPr lang="en-US" altLang="zh-TW" sz="2800">
+                <a:latin typeface="Taipei Sans TC Beta" pitchFamily="2" charset="-120"/>
+                <a:ea typeface="Taipei Sans TC Beta" pitchFamily="2" charset="-120"/>
+              </a:rPr>
+              <a:t>Excerpt</a:t>
+            </a:r>
+            <a:endParaRPr lang="en-US" altLang="zh-TW" sz="2800" dirty="0">
+              <a:latin typeface="Taipei Sans TC Beta" pitchFamily="2" charset="-120"/>
+              <a:ea typeface="Taipei Sans TC Beta" pitchFamily="2" charset="-120"/>
+            </a:endParaRPr>
           </a:p>
           <a:p>
             <a:endParaRPr lang="zh-TW" altLang="en-US" dirty="0"/>
+          </a:p>
+        </p:txBody>
+      </p:sp>
+      <p:sp>
+        <p:nvSpPr>
+          <p:cNvPr id="5" name="文字方塊 4">
+            <a:extLst>
+              <a:ext uri="{FF2B5EF4-FFF2-40B4-BE49-F238E27FC236}">
+                <a16:creationId xmlns:a16="http://schemas.microsoft.com/office/drawing/2014/main" id="{0682FA27-C895-40BF-A27D-2A92FB6878F9}"/>
+              </a:ext>
+            </a:extLst>
+          </p:cNvPr>
+          <p:cNvSpPr txBox="1"/>
+          <p:nvPr/>
+        </p:nvSpPr>
+        <p:spPr>
+          <a:xfrm>
+            <a:off x="10337942" y="2967335"/>
+            <a:ext cx="1428750" cy="646331"/>
+          </a:xfrm>
+          <a:prstGeom prst="rect">
+            <a:avLst/>
+          </a:prstGeom>
+          <a:noFill/>
+        </p:spPr>
+        <p:txBody>
+          <a:bodyPr wrap="square" rtlCol="0">
+            <a:spAutoFit/>
+          </a:bodyPr>
+          <a:lstStyle/>
+          <a:p>
+            <a:endParaRPr lang="en-US" altLang="zh-TW" dirty="0">
+              <a:latin typeface="Taipei Sans TC Beta Light" pitchFamily="2" charset="-120"/>
+              <a:ea typeface="Taipei Sans TC Beta Light" pitchFamily="2" charset="-120"/>
+            </a:endParaRPr>
+          </a:p>
+          <a:p>
+            <a:endParaRPr lang="zh-TW" altLang="en-US" dirty="0">
+              <a:latin typeface="Taipei Sans TC Beta Light" pitchFamily="2" charset="-120"/>
+              <a:ea typeface="Taipei Sans TC Beta Light" pitchFamily="2" charset="-120"/>
+            </a:endParaRPr>
           </a:p>
         </p:txBody>
       </p:sp>
@@ -3695,7 +5949,7 @@
           <p:nvPr/>
         </p:nvPicPr>
         <p:blipFill>
-          <a:blip r:embed="rId2"/>
+          <a:blip r:embed="rId3"/>
           <a:stretch>
             <a:fillRect/>
           </a:stretch>
@@ -3739,10 +5993,16 @@
           <a:lstStyle/>
           <a:p>
             <a:r>
-              <a:rPr lang="en-US" altLang="zh-TW" dirty="0"/>
+              <a:rPr lang="en-US" altLang="zh-TW" dirty="0">
+                <a:latin typeface="Taipei Sans TC Beta Light" pitchFamily="2" charset="-120"/>
+                <a:ea typeface="Taipei Sans TC Beta Light" pitchFamily="2" charset="-120"/>
+              </a:rPr>
               <a:t>6/9</a:t>
             </a:r>
-            <a:endParaRPr lang="zh-TW" altLang="en-US" dirty="0"/>
+            <a:endParaRPr lang="zh-TW" altLang="en-US" dirty="0">
+              <a:latin typeface="Taipei Sans TC Beta Light" pitchFamily="2" charset="-120"/>
+              <a:ea typeface="Taipei Sans TC Beta Light" pitchFamily="2" charset="-120"/>
+            </a:endParaRPr>
           </a:p>
         </p:txBody>
       </p:sp>
@@ -3775,19 +6035,31 @@
           <a:lstStyle/>
           <a:p>
             <a:r>
-              <a:rPr lang="en-US" altLang="zh-TW" sz="2800" b="1" dirty="0"/>
+              <a:rPr lang="en-US" altLang="zh-TW" sz="2800" b="1" dirty="0">
+                <a:latin typeface="Taipei Sans TC Beta Light" pitchFamily="2" charset="-120"/>
+                <a:ea typeface="Taipei Sans TC Beta Light" pitchFamily="2" charset="-120"/>
+              </a:rPr>
               <a:t>6</a:t>
             </a:r>
             <a:r>
-              <a:rPr lang="zh-TW" altLang="en-US" sz="2800" b="1" dirty="0"/>
+              <a:rPr lang="zh-TW" altLang="en-US" sz="2800" b="1" dirty="0">
+                <a:latin typeface="Taipei Sans TC Beta Light" pitchFamily="2" charset="-120"/>
+                <a:ea typeface="Taipei Sans TC Beta Light" pitchFamily="2" charset="-120"/>
+              </a:rPr>
               <a:t>月</a:t>
             </a:r>
             <a:r>
-              <a:rPr lang="en-US" altLang="zh-TW" sz="2800" b="1" dirty="0"/>
+              <a:rPr lang="en-US" altLang="zh-TW" sz="2800" b="1" dirty="0">
+                <a:latin typeface="Taipei Sans TC Beta Light" pitchFamily="2" charset="-120"/>
+                <a:ea typeface="Taipei Sans TC Beta Light" pitchFamily="2" charset="-120"/>
+              </a:rPr>
               <a:t>9</a:t>
             </a:r>
             <a:r>
-              <a:rPr lang="zh-TW" altLang="en-US" sz="2800" b="1" dirty="0"/>
+              <a:rPr lang="zh-TW" altLang="en-US" sz="2800" b="1" dirty="0">
+                <a:latin typeface="Taipei Sans TC Beta Light" pitchFamily="2" charset="-120"/>
+                <a:ea typeface="Taipei Sans TC Beta Light" pitchFamily="2" charset="-120"/>
+              </a:rPr>
               <a:t>日遊行示威。</a:t>
             </a:r>
           </a:p>
@@ -3822,7 +6094,10 @@
           <a:lstStyle/>
           <a:p>
             <a:r>
-              <a:rPr lang="en-US" altLang="zh-TW" dirty="0"/>
+              <a:rPr lang="en-US" altLang="zh-TW" dirty="0">
+                <a:latin typeface="Taipei Sans TC Beta Light" pitchFamily="2" charset="-120"/>
+                <a:ea typeface="Taipei Sans TC Beta Light" pitchFamily="2" charset="-120"/>
+              </a:rPr>
               <a:t>6/12</a:t>
             </a:r>
           </a:p>
@@ -3842,7 +6117,7 @@
         </p:nvSpPr>
         <p:spPr>
           <a:xfrm>
-            <a:off x="2743199" y="374654"/>
+            <a:off x="3391187" y="266570"/>
             <a:ext cx="4996543" cy="1384995"/>
           </a:xfrm>
           <a:prstGeom prst="rect">
@@ -3857,42 +6132,72 @@
           <a:lstStyle/>
           <a:p>
             <a:r>
-              <a:rPr lang="zh-TW" altLang="en-US" sz="2800" b="1" dirty="0"/>
+              <a:rPr lang="zh-TW" altLang="en-US" sz="2800" b="1" dirty="0">
+                <a:latin typeface="Taipei Sans TC Beta Light" pitchFamily="2" charset="-120"/>
+                <a:ea typeface="Taipei Sans TC Beta Light" pitchFamily="2" charset="-120"/>
+              </a:rPr>
               <a:t>計劃在</a:t>
             </a:r>
             <a:r>
-              <a:rPr lang="en-US" altLang="zh-TW" sz="2800" b="1" dirty="0"/>
+              <a:rPr lang="en-US" altLang="zh-TW" sz="2800" b="1" dirty="0">
+                <a:latin typeface="Taipei Sans TC Beta Light" pitchFamily="2" charset="-120"/>
+                <a:ea typeface="Taipei Sans TC Beta Light" pitchFamily="2" charset="-120"/>
+              </a:rPr>
               <a:t>6</a:t>
             </a:r>
             <a:r>
-              <a:rPr lang="zh-TW" altLang="en-US" sz="2800" b="1" dirty="0"/>
+              <a:rPr lang="zh-TW" altLang="en-US" sz="2800" b="1" dirty="0">
+                <a:latin typeface="Taipei Sans TC Beta Light" pitchFamily="2" charset="-120"/>
+                <a:ea typeface="Taipei Sans TC Beta Light" pitchFamily="2" charset="-120"/>
+              </a:rPr>
               <a:t>月</a:t>
             </a:r>
             <a:r>
-              <a:rPr lang="en-US" altLang="zh-TW" sz="2800" b="1" dirty="0"/>
+              <a:rPr lang="en-US" altLang="zh-TW" sz="2800" b="1" dirty="0">
+                <a:latin typeface="Taipei Sans TC Beta Light" pitchFamily="2" charset="-120"/>
+                <a:ea typeface="Taipei Sans TC Beta Light" pitchFamily="2" charset="-120"/>
+              </a:rPr>
               <a:t>12</a:t>
             </a:r>
             <a:r>
-              <a:rPr lang="zh-TW" altLang="en-US" sz="2800" b="1" dirty="0"/>
+              <a:rPr lang="zh-TW" altLang="en-US" sz="2800" b="1" dirty="0">
+                <a:latin typeface="Taipei Sans TC Beta Light" pitchFamily="2" charset="-120"/>
+                <a:ea typeface="Taipei Sans TC Beta Light" pitchFamily="2" charset="-120"/>
+              </a:rPr>
               <a:t>日將草案直接提交在香港立法會大會如期二讀</a:t>
             </a:r>
-            <a:endParaRPr lang="en-US" altLang="zh-TW" sz="2800" b="1" dirty="0"/>
-          </a:p>
-          <a:p>
-            <a:r>
-              <a:rPr lang="en-US" altLang="zh-TW" sz="2800" b="1" dirty="0"/>
+            <a:endParaRPr lang="en-US" altLang="zh-TW" sz="2800" b="1" dirty="0">
+              <a:latin typeface="Taipei Sans TC Beta Light" pitchFamily="2" charset="-120"/>
+              <a:ea typeface="Taipei Sans TC Beta Light" pitchFamily="2" charset="-120"/>
+            </a:endParaRPr>
+          </a:p>
+          <a:p>
+            <a:r>
+              <a:rPr lang="en-US" altLang="zh-TW" sz="2800" b="1" dirty="0">
+                <a:latin typeface="Taipei Sans TC Beta Light" pitchFamily="2" charset="-120"/>
+                <a:ea typeface="Taipei Sans TC Beta Light" pitchFamily="2" charset="-120"/>
+              </a:rPr>
               <a:t>6</a:t>
             </a:r>
             <a:r>
-              <a:rPr lang="zh-TW" altLang="en-US" sz="2800" b="1" dirty="0"/>
+              <a:rPr lang="zh-TW" altLang="en-US" sz="2800" b="1" dirty="0">
+                <a:latin typeface="Taipei Sans TC Beta Light" pitchFamily="2" charset="-120"/>
+                <a:ea typeface="Taipei Sans TC Beta Light" pitchFamily="2" charset="-120"/>
+              </a:rPr>
               <a:t>月</a:t>
             </a:r>
             <a:r>
-              <a:rPr lang="en-US" altLang="zh-TW" sz="2800" b="1" dirty="0"/>
+              <a:rPr lang="en-US" altLang="zh-TW" sz="2800" b="1" dirty="0">
+                <a:latin typeface="Taipei Sans TC Beta Light" pitchFamily="2" charset="-120"/>
+                <a:ea typeface="Taipei Sans TC Beta Light" pitchFamily="2" charset="-120"/>
+              </a:rPr>
               <a:t>12</a:t>
             </a:r>
             <a:r>
-              <a:rPr lang="zh-TW" altLang="en-US" sz="2800" b="1" dirty="0"/>
+              <a:rPr lang="zh-TW" altLang="en-US" sz="2800" b="1" dirty="0">
+                <a:latin typeface="Taipei Sans TC Beta Light" pitchFamily="2" charset="-120"/>
+                <a:ea typeface="Taipei Sans TC Beta Light" pitchFamily="2" charset="-120"/>
+              </a:rPr>
               <a:t>日佔領立法會附近道路。</a:t>
             </a:r>
           </a:p>
@@ -3912,7 +6217,7 @@
         </p:nvSpPr>
         <p:spPr>
           <a:xfrm>
-            <a:off x="2098537" y="2997776"/>
+            <a:off x="2188020" y="3290529"/>
             <a:ext cx="771525" cy="369332"/>
           </a:xfrm>
           <a:prstGeom prst="rect">
@@ -3927,10 +6232,16 @@
           <a:lstStyle/>
           <a:p>
             <a:r>
-              <a:rPr lang="en-US" altLang="zh-TW" dirty="0"/>
+              <a:rPr lang="en-US" altLang="zh-TW" dirty="0">
+                <a:latin typeface="Taipei Sans TC Beta Light" pitchFamily="2" charset="-120"/>
+                <a:ea typeface="Taipei Sans TC Beta Light" pitchFamily="2" charset="-120"/>
+              </a:rPr>
               <a:t>6/15</a:t>
             </a:r>
-            <a:endParaRPr lang="zh-TW" altLang="en-US" dirty="0"/>
+            <a:endParaRPr lang="zh-TW" altLang="en-US" dirty="0">
+              <a:latin typeface="Taipei Sans TC Beta Light" pitchFamily="2" charset="-120"/>
+              <a:ea typeface="Taipei Sans TC Beta Light" pitchFamily="2" charset="-120"/>
+            </a:endParaRPr>
           </a:p>
         </p:txBody>
       </p:sp>
@@ -3963,20 +6274,32 @@
           <a:lstStyle/>
           <a:p>
             <a:r>
-              <a:rPr lang="en-US" altLang="zh-TW" sz="2800" b="1" dirty="0"/>
+              <a:rPr lang="en-US" altLang="zh-TW" sz="2800" b="1" dirty="0">
+                <a:latin typeface="Taipei Sans TC Beta Light" pitchFamily="2" charset="-120"/>
+                <a:ea typeface="Taipei Sans TC Beta Light" pitchFamily="2" charset="-120"/>
+              </a:rPr>
               <a:t>6</a:t>
             </a:r>
             <a:r>
-              <a:rPr lang="zh-TW" altLang="en-US" sz="2800" b="1" dirty="0"/>
+              <a:rPr lang="zh-TW" altLang="en-US" sz="2800" b="1" dirty="0">
+                <a:latin typeface="Taipei Sans TC Beta Light" pitchFamily="2" charset="-120"/>
+                <a:ea typeface="Taipei Sans TC Beta Light" pitchFamily="2" charset="-120"/>
+              </a:rPr>
               <a:t>月</a:t>
             </a:r>
             <a:r>
-              <a:rPr lang="en-US" altLang="zh-TW" sz="2800" b="1" dirty="0"/>
+              <a:rPr lang="en-US" altLang="zh-TW" sz="2800" b="1" dirty="0">
+                <a:latin typeface="Taipei Sans TC Beta Light" pitchFamily="2" charset="-120"/>
+                <a:ea typeface="Taipei Sans TC Beta Light" pitchFamily="2" charset="-120"/>
+              </a:rPr>
               <a:t>15</a:t>
             </a:r>
             <a:r>
-              <a:rPr lang="zh-TW" altLang="en-US" sz="2800" b="1" dirty="0"/>
-              <a:t>日政府宣告暫緩修</a:t>
+              <a:rPr lang="zh-TW" altLang="en-US" sz="2800" b="1" dirty="0">
+                <a:latin typeface="Taipei Sans TC Beta Light" pitchFamily="2" charset="-120"/>
+                <a:ea typeface="Taipei Sans TC Beta Light" pitchFamily="2" charset="-120"/>
+              </a:rPr>
+              <a:t>日政府宣告暫緩修例</a:t>
             </a:r>
           </a:p>
         </p:txBody>
@@ -3995,7 +6318,7 @@
         </p:nvSpPr>
         <p:spPr>
           <a:xfrm>
-            <a:off x="2642823" y="2687187"/>
+            <a:off x="2642823" y="2622639"/>
             <a:ext cx="771525" cy="369332"/>
           </a:xfrm>
           <a:prstGeom prst="rect">
@@ -4010,10 +6333,16 @@
           <a:lstStyle/>
           <a:p>
             <a:r>
-              <a:rPr lang="en-US" altLang="zh-TW" dirty="0"/>
+              <a:rPr lang="en-US" altLang="zh-TW" dirty="0">
+                <a:latin typeface="Taipei Sans TC Beta Light" pitchFamily="2" charset="-120"/>
+                <a:ea typeface="Taipei Sans TC Beta Light" pitchFamily="2" charset="-120"/>
+              </a:rPr>
               <a:t>6/16</a:t>
             </a:r>
-            <a:endParaRPr lang="zh-TW" altLang="en-US" dirty="0"/>
+            <a:endParaRPr lang="zh-TW" altLang="en-US" dirty="0">
+              <a:latin typeface="Taipei Sans TC Beta Light" pitchFamily="2" charset="-120"/>
+              <a:ea typeface="Taipei Sans TC Beta Light" pitchFamily="2" charset="-120"/>
+            </a:endParaRPr>
           </a:p>
         </p:txBody>
       </p:sp>
@@ -4031,8 +6360,8 @@
         </p:nvSpPr>
         <p:spPr>
           <a:xfrm>
-            <a:off x="2945315" y="695102"/>
-            <a:ext cx="4996543" cy="954107"/>
+            <a:off x="2573782" y="428187"/>
+            <a:ext cx="5374148" cy="954107"/>
           </a:xfrm>
           <a:prstGeom prst="rect">
             <a:avLst/>
@@ -4046,28 +6375,59 @@
           <a:lstStyle/>
           <a:p>
             <a:r>
-              <a:rPr lang="en-US" altLang="zh-TW" sz="2800" b="1" dirty="0"/>
+              <a:rPr lang="en-US" altLang="zh-TW" sz="2800" b="1" dirty="0">
+                <a:latin typeface="Taipei Sans TC Beta Light" pitchFamily="2" charset="-120"/>
+                <a:ea typeface="Taipei Sans TC Beta Light" pitchFamily="2" charset="-120"/>
+              </a:rPr>
               <a:t>6</a:t>
             </a:r>
             <a:r>
-              <a:rPr lang="zh-TW" altLang="en-US" sz="2800" b="1" dirty="0"/>
+              <a:rPr lang="zh-TW" altLang="en-US" sz="2800" b="1" dirty="0">
+                <a:latin typeface="Taipei Sans TC Beta Light" pitchFamily="2" charset="-120"/>
+                <a:ea typeface="Taipei Sans TC Beta Light" pitchFamily="2" charset="-120"/>
+              </a:rPr>
               <a:t>月</a:t>
             </a:r>
             <a:r>
-              <a:rPr lang="en-US" altLang="zh-TW" sz="2800" b="1" dirty="0"/>
+              <a:rPr lang="en-US" altLang="zh-TW" sz="2800" b="1" dirty="0">
+                <a:latin typeface="Taipei Sans TC Beta Light" pitchFamily="2" charset="-120"/>
+                <a:ea typeface="Taipei Sans TC Beta Light" pitchFamily="2" charset="-120"/>
+              </a:rPr>
               <a:t>16</a:t>
             </a:r>
             <a:r>
-              <a:rPr lang="zh-TW" altLang="en-US" sz="2800" b="1" dirty="0"/>
-              <a:t>日還是爆發比同月</a:t>
-            </a:r>
-            <a:r>
-              <a:rPr lang="en-US" altLang="zh-TW" sz="2800" b="1" dirty="0"/>
+              <a:rPr lang="zh-TW" altLang="en-US" sz="2800" b="1" dirty="0">
+                <a:latin typeface="Taipei Sans TC Beta Light" pitchFamily="2" charset="-120"/>
+                <a:ea typeface="Taipei Sans TC Beta Light" pitchFamily="2" charset="-120"/>
+              </a:rPr>
+              <a:t>日爆發比同月</a:t>
+            </a:r>
+            <a:r>
+              <a:rPr lang="en-US" altLang="zh-TW" sz="2800" b="1" dirty="0">
+                <a:latin typeface="Taipei Sans TC Beta Light" pitchFamily="2" charset="-120"/>
+                <a:ea typeface="Taipei Sans TC Beta Light" pitchFamily="2" charset="-120"/>
+              </a:rPr>
               <a:t>9</a:t>
             </a:r>
             <a:r>
-              <a:rPr lang="zh-TW" altLang="en-US" sz="2800" b="1" dirty="0"/>
-              <a:t>日更大規模的示威</a:t>
+              <a:rPr lang="zh-TW" altLang="en-US" sz="2800" b="1" dirty="0">
+                <a:latin typeface="Taipei Sans TC Beta Light" pitchFamily="2" charset="-120"/>
+                <a:ea typeface="Taipei Sans TC Beta Light" pitchFamily="2" charset="-120"/>
+              </a:rPr>
+              <a:t>日</a:t>
+            </a:r>
+            <a:endParaRPr lang="en-US" altLang="zh-TW" sz="2800" b="1" dirty="0">
+              <a:latin typeface="Taipei Sans TC Beta Light" pitchFamily="2" charset="-120"/>
+              <a:ea typeface="Taipei Sans TC Beta Light" pitchFamily="2" charset="-120"/>
+            </a:endParaRPr>
+          </a:p>
+          <a:p>
+            <a:r>
+              <a:rPr lang="zh-TW" altLang="en-US" sz="2800" b="1" dirty="0">
+                <a:latin typeface="Taipei Sans TC Beta Light" pitchFamily="2" charset="-120"/>
+                <a:ea typeface="Taipei Sans TC Beta Light" pitchFamily="2" charset="-120"/>
+              </a:rPr>
+              <a:t>更大規模的示威</a:t>
             </a:r>
           </a:p>
         </p:txBody>
@@ -4086,7 +6446,7 @@
         </p:nvSpPr>
         <p:spPr>
           <a:xfrm>
-            <a:off x="3224528" y="4340278"/>
+            <a:off x="3224528" y="4297246"/>
             <a:ext cx="771525" cy="369332"/>
           </a:xfrm>
           <a:prstGeom prst="rect">
@@ -4101,10 +6461,16 @@
           <a:lstStyle/>
           <a:p>
             <a:r>
-              <a:rPr lang="en-US" altLang="zh-TW" dirty="0"/>
+              <a:rPr lang="en-US" altLang="zh-TW" dirty="0">
+                <a:latin typeface="Taipei Sans TC Beta Light" pitchFamily="2" charset="-120"/>
+                <a:ea typeface="Taipei Sans TC Beta Light" pitchFamily="2" charset="-120"/>
+              </a:rPr>
               <a:t>6/21</a:t>
             </a:r>
-            <a:endParaRPr lang="zh-TW" altLang="en-US" dirty="0"/>
+            <a:endParaRPr lang="zh-TW" altLang="en-US" dirty="0">
+              <a:latin typeface="Taipei Sans TC Beta Light" pitchFamily="2" charset="-120"/>
+              <a:ea typeface="Taipei Sans TC Beta Light" pitchFamily="2" charset="-120"/>
+            </a:endParaRPr>
           </a:p>
         </p:txBody>
       </p:sp>
@@ -4122,7 +6488,7 @@
         </p:nvSpPr>
         <p:spPr>
           <a:xfrm>
-            <a:off x="2877182" y="1086508"/>
+            <a:off x="3568575" y="1270504"/>
             <a:ext cx="4996543" cy="523220"/>
           </a:xfrm>
           <a:prstGeom prst="rect">
@@ -4137,19 +6503,31 @@
           <a:lstStyle/>
           <a:p>
             <a:r>
-              <a:rPr lang="en-US" altLang="zh-TW" sz="2800" b="1" dirty="0"/>
+              <a:rPr lang="en-US" altLang="zh-TW" sz="2800" b="1" dirty="0">
+                <a:latin typeface="Taipei Sans TC Beta Light" pitchFamily="2" charset="-120"/>
+                <a:ea typeface="Taipei Sans TC Beta Light" pitchFamily="2" charset="-120"/>
+              </a:rPr>
               <a:t>6</a:t>
             </a:r>
             <a:r>
-              <a:rPr lang="zh-TW" altLang="en-US" sz="2800" b="1" dirty="0"/>
+              <a:rPr lang="zh-TW" altLang="en-US" sz="2800" b="1" dirty="0">
+                <a:latin typeface="Taipei Sans TC Beta Light" pitchFamily="2" charset="-120"/>
+                <a:ea typeface="Taipei Sans TC Beta Light" pitchFamily="2" charset="-120"/>
+              </a:rPr>
               <a:t>月</a:t>
             </a:r>
             <a:r>
-              <a:rPr lang="en-US" altLang="zh-TW" sz="2800" b="1" dirty="0"/>
+              <a:rPr lang="en-US" altLang="zh-TW" sz="2800" b="1" dirty="0">
+                <a:latin typeface="Taipei Sans TC Beta Light" pitchFamily="2" charset="-120"/>
+                <a:ea typeface="Taipei Sans TC Beta Light" pitchFamily="2" charset="-120"/>
+              </a:rPr>
               <a:t>21</a:t>
             </a:r>
             <a:r>
-              <a:rPr lang="zh-TW" altLang="en-US" sz="2800" b="1" dirty="0"/>
+              <a:rPr lang="zh-TW" altLang="en-US" sz="2800" b="1" dirty="0">
+                <a:latin typeface="Taipei Sans TC Beta Light" pitchFamily="2" charset="-120"/>
+                <a:ea typeface="Taipei Sans TC Beta Light" pitchFamily="2" charset="-120"/>
+              </a:rPr>
               <a:t>日示威者圍堵警察總部。</a:t>
             </a:r>
           </a:p>
@@ -4169,7 +6547,7 @@
         </p:nvSpPr>
         <p:spPr>
           <a:xfrm>
-            <a:off x="4672061" y="2885142"/>
+            <a:off x="4672061" y="2809836"/>
             <a:ext cx="771525" cy="369332"/>
           </a:xfrm>
           <a:prstGeom prst="rect">
@@ -4184,10 +6562,16 @@
           <a:lstStyle/>
           <a:p>
             <a:r>
-              <a:rPr lang="en-US" altLang="zh-TW" dirty="0"/>
+              <a:rPr lang="en-US" altLang="zh-TW" dirty="0">
+                <a:latin typeface="Taipei Sans TC Beta Light" pitchFamily="2" charset="-120"/>
+                <a:ea typeface="Taipei Sans TC Beta Light" pitchFamily="2" charset="-120"/>
+              </a:rPr>
               <a:t>7/1</a:t>
             </a:r>
-            <a:endParaRPr lang="zh-TW" altLang="en-US" dirty="0"/>
+            <a:endParaRPr lang="zh-TW" altLang="en-US" dirty="0">
+              <a:latin typeface="Taipei Sans TC Beta Light" pitchFamily="2" charset="-120"/>
+              <a:ea typeface="Taipei Sans TC Beta Light" pitchFamily="2" charset="-120"/>
+            </a:endParaRPr>
           </a:p>
         </p:txBody>
       </p:sp>
@@ -4205,7 +6589,7 @@
         </p:nvSpPr>
         <p:spPr>
           <a:xfrm>
-            <a:off x="2825525" y="462892"/>
+            <a:off x="3149777" y="495357"/>
             <a:ext cx="4996543" cy="2246769"/>
           </a:xfrm>
           <a:prstGeom prst="rect">
@@ -4220,19 +6604,31 @@
           <a:lstStyle/>
           <a:p>
             <a:r>
-              <a:rPr lang="en-US" altLang="zh-TW" sz="2800" b="1" dirty="0"/>
+              <a:rPr lang="en-US" altLang="zh-TW" sz="2800" b="1" dirty="0">
+                <a:latin typeface="Taipei Sans TC Beta Light" pitchFamily="2" charset="-120"/>
+                <a:ea typeface="Taipei Sans TC Beta Light" pitchFamily="2" charset="-120"/>
+              </a:rPr>
               <a:t>7</a:t>
             </a:r>
             <a:r>
-              <a:rPr lang="zh-TW" altLang="en-US" sz="2800" b="1" dirty="0"/>
+              <a:rPr lang="zh-TW" altLang="en-US" sz="2800" b="1" dirty="0">
+                <a:latin typeface="Taipei Sans TC Beta Light" pitchFamily="2" charset="-120"/>
+                <a:ea typeface="Taipei Sans TC Beta Light" pitchFamily="2" charset="-120"/>
+              </a:rPr>
               <a:t>月</a:t>
             </a:r>
             <a:r>
-              <a:rPr lang="en-US" altLang="zh-TW" sz="2800" b="1" dirty="0"/>
+              <a:rPr lang="en-US" altLang="zh-TW" sz="2800" b="1" dirty="0">
+                <a:latin typeface="Taipei Sans TC Beta Light" pitchFamily="2" charset="-120"/>
+                <a:ea typeface="Taipei Sans TC Beta Light" pitchFamily="2" charset="-120"/>
+              </a:rPr>
               <a:t>1</a:t>
             </a:r>
             <a:r>
-              <a:rPr lang="zh-TW" altLang="en-US" sz="2800" b="1" dirty="0"/>
+              <a:rPr lang="zh-TW" altLang="en-US" sz="2800" b="1" dirty="0">
+                <a:latin typeface="Taipei Sans TC Beta Light" pitchFamily="2" charset="-120"/>
+                <a:ea typeface="Taipei Sans TC Beta Light" pitchFamily="2" charset="-120"/>
+              </a:rPr>
               <a:t>日第三次大型遊行過後的晚上，示威者強撞立法會大門，佔領、毀壞、塗鴉立法會，被政府斥為暴徒，對政府不利的輿論稍歇。</a:t>
             </a:r>
           </a:p>
@@ -4252,7 +6648,7 @@
         </p:nvSpPr>
         <p:spPr>
           <a:xfrm>
-            <a:off x="7189882" y="4254014"/>
+            <a:off x="7189882" y="4200224"/>
             <a:ext cx="771525" cy="369332"/>
           </a:xfrm>
           <a:prstGeom prst="rect">
@@ -4267,10 +6663,16 @@
           <a:lstStyle/>
           <a:p>
             <a:r>
-              <a:rPr lang="en-US" altLang="zh-TW" dirty="0"/>
+              <a:rPr lang="en-US" altLang="zh-TW" dirty="0">
+                <a:latin typeface="Taipei Sans TC Beta Light" pitchFamily="2" charset="-120"/>
+                <a:ea typeface="Taipei Sans TC Beta Light" pitchFamily="2" charset="-120"/>
+              </a:rPr>
               <a:t>7/21</a:t>
             </a:r>
-            <a:endParaRPr lang="zh-TW" altLang="en-US" dirty="0"/>
+            <a:endParaRPr lang="zh-TW" altLang="en-US" dirty="0">
+              <a:latin typeface="Taipei Sans TC Beta Light" pitchFamily="2" charset="-120"/>
+              <a:ea typeface="Taipei Sans TC Beta Light" pitchFamily="2" charset="-120"/>
+            </a:endParaRPr>
           </a:p>
         </p:txBody>
       </p:sp>
@@ -4288,7 +6690,7 @@
         </p:nvSpPr>
         <p:spPr>
           <a:xfrm>
-            <a:off x="2642823" y="418773"/>
+            <a:off x="2536629" y="391192"/>
             <a:ext cx="6285818" cy="1815882"/>
           </a:xfrm>
           <a:prstGeom prst="rect">
@@ -4303,30 +6705,51 @@
           <a:lstStyle/>
           <a:p>
             <a:r>
-              <a:rPr lang="en-US" altLang="zh-TW" sz="2800" b="1" dirty="0"/>
+              <a:rPr lang="en-US" altLang="zh-TW" sz="2800" b="1" dirty="0">
+                <a:latin typeface="Taipei Sans TC Beta Light" pitchFamily="2" charset="-120"/>
+                <a:ea typeface="Taipei Sans TC Beta Light" pitchFamily="2" charset="-120"/>
+              </a:rPr>
               <a:t>7</a:t>
             </a:r>
             <a:r>
-              <a:rPr lang="zh-TW" altLang="en-US" sz="2800" b="1" dirty="0"/>
+              <a:rPr lang="zh-TW" altLang="en-US" sz="2800" b="1" dirty="0">
+                <a:latin typeface="Taipei Sans TC Beta Light" pitchFamily="2" charset="-120"/>
+                <a:ea typeface="Taipei Sans TC Beta Light" pitchFamily="2" charset="-120"/>
+              </a:rPr>
               <a:t>月</a:t>
             </a:r>
             <a:r>
-              <a:rPr lang="en-US" altLang="zh-TW" sz="2800" b="1" dirty="0"/>
+              <a:rPr lang="en-US" altLang="zh-TW" sz="2800" b="1" dirty="0">
+                <a:latin typeface="Taipei Sans TC Beta Light" pitchFamily="2" charset="-120"/>
+                <a:ea typeface="Taipei Sans TC Beta Light" pitchFamily="2" charset="-120"/>
+              </a:rPr>
               <a:t>21</a:t>
             </a:r>
             <a:r>
-              <a:rPr lang="zh-TW" altLang="en-US" sz="2800" b="1" dirty="0"/>
-              <a:t>日的香港極不平靜，超過</a:t>
-            </a:r>
-            <a:r>
-              <a:rPr lang="en-US" altLang="zh-TW" sz="2800" b="1" dirty="0"/>
+              <a:rPr lang="zh-TW" altLang="en-US" sz="2800" b="1" dirty="0">
+                <a:latin typeface="Taipei Sans TC Beta Light" pitchFamily="2" charset="-120"/>
+                <a:ea typeface="Taipei Sans TC Beta Light" pitchFamily="2" charset="-120"/>
+              </a:rPr>
+              <a:t>日，超過</a:t>
+            </a:r>
+            <a:r>
+              <a:rPr lang="en-US" altLang="zh-TW" sz="2800" b="1" dirty="0">
+                <a:latin typeface="Taipei Sans TC Beta Light" pitchFamily="2" charset="-120"/>
+                <a:ea typeface="Taipei Sans TC Beta Light" pitchFamily="2" charset="-120"/>
+              </a:rPr>
               <a:t>43</a:t>
             </a:r>
             <a:r>
-              <a:rPr lang="zh-TW" altLang="en-US" sz="2800" b="1" dirty="0"/>
+              <a:rPr lang="zh-TW" altLang="en-US" sz="2800" b="1" dirty="0">
+                <a:latin typeface="Taipei Sans TC Beta Light" pitchFamily="2" charset="-120"/>
+                <a:ea typeface="Taipei Sans TC Beta Light" pitchFamily="2" charset="-120"/>
+              </a:rPr>
               <a:t>萬的反送中示威者，在「包圍中聯辦」的行動中，以及港島西環一帶，遭到香港警察以催淚瓦斯與橡膠子彈強力鎮壓</a:t>
             </a:r>
-            <a:endParaRPr lang="zh-TW" altLang="en-US" sz="4000" b="1" dirty="0"/>
+            <a:endParaRPr lang="zh-TW" altLang="en-US" sz="4000" b="1" dirty="0">
+              <a:latin typeface="Taipei Sans TC Beta Light" pitchFamily="2" charset="-120"/>
+              <a:ea typeface="Taipei Sans TC Beta Light" pitchFamily="2" charset="-120"/>
+            </a:endParaRPr>
           </a:p>
         </p:txBody>
       </p:sp>
@@ -4359,10 +6782,16 @@
           <a:lstStyle/>
           <a:p>
             <a:r>
-              <a:rPr lang="en-US" altLang="zh-TW" dirty="0"/>
+              <a:rPr lang="en-US" altLang="zh-TW" dirty="0">
+                <a:latin typeface="Taipei Sans TC Beta Light" pitchFamily="2" charset="-120"/>
+                <a:ea typeface="Taipei Sans TC Beta Light" pitchFamily="2" charset="-120"/>
+              </a:rPr>
               <a:t>7/22</a:t>
             </a:r>
-            <a:endParaRPr lang="zh-TW" altLang="en-US" dirty="0"/>
+            <a:endParaRPr lang="zh-TW" altLang="en-US" dirty="0">
+              <a:latin typeface="Taipei Sans TC Beta Light" pitchFamily="2" charset="-120"/>
+              <a:ea typeface="Taipei Sans TC Beta Light" pitchFamily="2" charset="-120"/>
+            </a:endParaRPr>
           </a:p>
         </p:txBody>
       </p:sp>
@@ -4395,30 +6824,51 @@
           <a:lstStyle/>
           <a:p>
             <a:r>
-              <a:rPr lang="en-US" altLang="zh-TW" sz="2800" b="1" dirty="0"/>
+              <a:rPr lang="en-US" altLang="zh-TW" sz="2800" b="1" dirty="0">
+                <a:latin typeface="Taipei Sans TC Beta Light" pitchFamily="2" charset="-120"/>
+                <a:ea typeface="Taipei Sans TC Beta Light" pitchFamily="2" charset="-120"/>
+              </a:rPr>
               <a:t>7</a:t>
             </a:r>
             <a:r>
-              <a:rPr lang="zh-TW" altLang="en-US" sz="2800" b="1" dirty="0"/>
+              <a:rPr lang="zh-TW" altLang="en-US" sz="2800" b="1" dirty="0">
+                <a:latin typeface="Taipei Sans TC Beta Light" pitchFamily="2" charset="-120"/>
+                <a:ea typeface="Taipei Sans TC Beta Light" pitchFamily="2" charset="-120"/>
+              </a:rPr>
               <a:t>月</a:t>
             </a:r>
             <a:r>
-              <a:rPr lang="en-US" altLang="zh-TW" sz="2800" b="1" dirty="0"/>
+              <a:rPr lang="en-US" altLang="zh-TW" sz="2800" b="1" dirty="0">
+                <a:latin typeface="Taipei Sans TC Beta Light" pitchFamily="2" charset="-120"/>
+                <a:ea typeface="Taipei Sans TC Beta Light" pitchFamily="2" charset="-120"/>
+              </a:rPr>
               <a:t>22</a:t>
             </a:r>
             <a:r>
-              <a:rPr lang="zh-TW" altLang="en-US" sz="2800" b="1" dirty="0"/>
+              <a:rPr lang="zh-TW" altLang="en-US" sz="2800" b="1" dirty="0">
+                <a:latin typeface="Taipei Sans TC Beta Light" pitchFamily="2" charset="-120"/>
+                <a:ea typeface="Taipei Sans TC Beta Light" pitchFamily="2" charset="-120"/>
+              </a:rPr>
               <a:t>日元朗「白衣黑幫」無差別行兇，</a:t>
             </a:r>
             <a:r>
-              <a:rPr lang="en-US" altLang="zh-TW" sz="2800" b="1" dirty="0"/>
+              <a:rPr lang="en-US" altLang="zh-TW" sz="2800" b="1" dirty="0">
+                <a:latin typeface="Taipei Sans TC Beta Light" pitchFamily="2" charset="-120"/>
+                <a:ea typeface="Taipei Sans TC Beta Light" pitchFamily="2" charset="-120"/>
+              </a:rPr>
               <a:t>1</a:t>
             </a:r>
             <a:r>
-              <a:rPr lang="zh-TW" altLang="en-US" sz="2800" b="1" dirty="0"/>
+              <a:rPr lang="zh-TW" altLang="en-US" sz="2800" b="1" dirty="0">
+                <a:latin typeface="Taipei Sans TC Beta Light" pitchFamily="2" charset="-120"/>
+                <a:ea typeface="Taipei Sans TC Beta Light" pitchFamily="2" charset="-120"/>
+              </a:rPr>
               <a:t>市民命危</a:t>
             </a:r>
-            <a:endParaRPr lang="zh-TW" altLang="en-US" sz="4000" b="1" dirty="0"/>
+            <a:endParaRPr lang="zh-TW" altLang="en-US" sz="4000" b="1" dirty="0">
+              <a:latin typeface="Taipei Sans TC Beta Light" pitchFamily="2" charset="-120"/>
+              <a:ea typeface="Taipei Sans TC Beta Light" pitchFamily="2" charset="-120"/>
+            </a:endParaRPr>
           </a:p>
         </p:txBody>
       </p:sp>
@@ -5603,7 +8053,7 @@
           <p:nvPr/>
         </p:nvPicPr>
         <p:blipFill>
-          <a:blip r:embed="rId2"/>
+          <a:blip r:embed="rId3"/>
           <a:stretch>
             <a:fillRect/>
           </a:stretch>
@@ -5648,6 +8098,181 @@
           <a:chExt cx="0" cy="0"/>
         </a:xfrm>
       </p:grpSpPr>
+      <p:sp>
+        <p:nvSpPr>
+          <p:cNvPr id="2" name="標題 1">
+            <a:extLst>
+              <a:ext uri="{FF2B5EF4-FFF2-40B4-BE49-F238E27FC236}">
+                <a16:creationId xmlns:a16="http://schemas.microsoft.com/office/drawing/2014/main" id="{27279F3A-5A45-46C9-B407-610C26CFFCBA}"/>
+              </a:ext>
+            </a:extLst>
+          </p:cNvPr>
+          <p:cNvSpPr>
+            <a:spLocks noGrp="1"/>
+          </p:cNvSpPr>
+          <p:nvPr>
+            <p:ph type="title"/>
+          </p:nvPr>
+        </p:nvSpPr>
+        <p:spPr/>
+        <p:txBody>
+          <a:bodyPr/>
+          <a:lstStyle/>
+          <a:p>
+            <a:r>
+              <a:rPr lang="zh-TW" altLang="en-US" b="1" dirty="0">
+                <a:latin typeface="Taipei Sans TC Beta" pitchFamily="2" charset="-120"/>
+                <a:ea typeface="Taipei Sans TC Beta" pitchFamily="2" charset="-120"/>
+              </a:rPr>
+              <a:t>資料來源</a:t>
+            </a:r>
+          </a:p>
+        </p:txBody>
+      </p:sp>
+      <p:sp>
+        <p:nvSpPr>
+          <p:cNvPr id="3" name="內容版面配置區 2">
+            <a:extLst>
+              <a:ext uri="{FF2B5EF4-FFF2-40B4-BE49-F238E27FC236}">
+                <a16:creationId xmlns:a16="http://schemas.microsoft.com/office/drawing/2014/main" id="{5BF91B02-D1BB-4433-A3B4-744EE9E67D28}"/>
+              </a:ext>
+            </a:extLst>
+          </p:cNvPr>
+          <p:cNvSpPr>
+            <a:spLocks noGrp="1"/>
+          </p:cNvSpPr>
+          <p:nvPr>
+            <p:ph idx="1"/>
+          </p:nvPr>
+        </p:nvSpPr>
+        <p:spPr>
+          <a:xfrm>
+            <a:off x="857250" y="1804988"/>
+            <a:ext cx="10515600" cy="4938712"/>
+          </a:xfrm>
+        </p:spPr>
+        <p:txBody>
+          <a:bodyPr>
+            <a:normAutofit/>
+          </a:bodyPr>
+          <a:lstStyle/>
+          <a:p>
+            <a:r>
+              <a:rPr lang="zh-TW" altLang="en-US" sz="3200" dirty="0">
+                <a:latin typeface="Taipei Sans TC Beta" pitchFamily="2" charset="-120"/>
+                <a:ea typeface="Taipei Sans TC Beta" pitchFamily="2" charset="-120"/>
+              </a:rPr>
+              <a:t>透過爬蟲程式蒐集</a:t>
+            </a:r>
+            <a:r>
+              <a:rPr lang="en-US" altLang="zh-TW" sz="3200" dirty="0">
+                <a:latin typeface="Taipei Sans TC Beta" pitchFamily="2" charset="-120"/>
+                <a:ea typeface="Taipei Sans TC Beta" pitchFamily="2" charset="-120"/>
+              </a:rPr>
+              <a:t>PTT</a:t>
+            </a:r>
+            <a:r>
+              <a:rPr lang="zh-TW" altLang="en-US" sz="3200" dirty="0">
+                <a:latin typeface="Taipei Sans TC Beta" pitchFamily="2" charset="-120"/>
+                <a:ea typeface="Taipei Sans TC Beta" pitchFamily="2" charset="-120"/>
+              </a:rPr>
+              <a:t>、</a:t>
+            </a:r>
+            <a:r>
+              <a:rPr lang="en-US" altLang="zh-TW" sz="3200" dirty="0" err="1">
+                <a:latin typeface="Taipei Sans TC Beta" pitchFamily="2" charset="-120"/>
+                <a:ea typeface="Taipei Sans TC Beta" pitchFamily="2" charset="-120"/>
+              </a:rPr>
+              <a:t>Dcard</a:t>
+            </a:r>
+            <a:r>
+              <a:rPr lang="zh-TW" altLang="en-US" sz="3200" dirty="0">
+                <a:latin typeface="Taipei Sans TC Beta" pitchFamily="2" charset="-120"/>
+                <a:ea typeface="Taipei Sans TC Beta" pitchFamily="2" charset="-120"/>
+              </a:rPr>
+              <a:t>兩大論壇從反送中爆發至</a:t>
+            </a:r>
+            <a:r>
+              <a:rPr lang="en-US" altLang="zh-TW" sz="3200" dirty="0">
+                <a:latin typeface="Taipei Sans TC Beta" pitchFamily="2" charset="-120"/>
+                <a:ea typeface="Taipei Sans TC Beta" pitchFamily="2" charset="-120"/>
+              </a:rPr>
+              <a:t>7/22</a:t>
+            </a:r>
+            <a:r>
+              <a:rPr lang="zh-TW" altLang="en-US" sz="3200" dirty="0">
+                <a:latin typeface="Taipei Sans TC Beta" pitchFamily="2" charset="-120"/>
+                <a:ea typeface="Taipei Sans TC Beta" pitchFamily="2" charset="-120"/>
+              </a:rPr>
+              <a:t>的所有文章</a:t>
+            </a:r>
+            <a:endParaRPr lang="en-US" altLang="zh-TW" sz="3200" dirty="0">
+              <a:latin typeface="Taipei Sans TC Beta" pitchFamily="2" charset="-120"/>
+              <a:ea typeface="Taipei Sans TC Beta" pitchFamily="2" charset="-120"/>
+            </a:endParaRPr>
+          </a:p>
+          <a:p>
+            <a:endParaRPr lang="en-US" altLang="zh-TW" sz="3200" dirty="0">
+              <a:latin typeface="Taipei Sans TC Beta" pitchFamily="2" charset="-120"/>
+              <a:ea typeface="Taipei Sans TC Beta" pitchFamily="2" charset="-120"/>
+            </a:endParaRPr>
+          </a:p>
+          <a:p>
+            <a:r>
+              <a:rPr lang="zh-TW" altLang="en-US" sz="3200" dirty="0">
+                <a:latin typeface="Taipei Sans TC Beta" pitchFamily="2" charset="-120"/>
+                <a:ea typeface="Taipei Sans TC Beta" pitchFamily="2" charset="-120"/>
+              </a:rPr>
+              <a:t> 上網找到的輔助資料： </a:t>
+            </a:r>
+            <a:r>
+              <a:rPr lang="zh-TW" altLang="en-US" sz="3200" dirty="0">
+                <a:latin typeface="Taipei Sans TC Beta" pitchFamily="2" charset="-120"/>
+                <a:ea typeface="Taipei Sans TC Beta" pitchFamily="2" charset="-120"/>
+                <a:hlinkClick r:id="rId2"/>
+              </a:rPr>
+              <a:t>反送中即時社群數據</a:t>
+            </a:r>
+            <a:br>
+              <a:rPr lang="zh-TW" altLang="en-US" dirty="0"/>
+            </a:br>
+            <a:endParaRPr lang="en-US" altLang="zh-TW" dirty="0">
+              <a:latin typeface="標楷體" panose="03000509000000000000" pitchFamily="65" charset="-120"/>
+              <a:ea typeface="標楷體" panose="03000509000000000000" pitchFamily="65" charset="-120"/>
+            </a:endParaRPr>
+          </a:p>
+        </p:txBody>
+      </p:sp>
+    </p:spTree>
+    <p:extLst>
+      <p:ext uri="{BB962C8B-B14F-4D97-AF65-F5344CB8AC3E}">
+        <p14:creationId xmlns:p14="http://schemas.microsoft.com/office/powerpoint/2010/main" val="2823754050"/>
+      </p:ext>
+    </p:extLst>
+  </p:cSld>
+  <p:clrMapOvr>
+    <a:masterClrMapping/>
+  </p:clrMapOvr>
+</p:sld>
+</file>
+
+<file path=ppt/slides/slide16.xml><?xml version="1.0" encoding="utf-8"?>
+<p:sld xmlns:a="http://schemas.openxmlformats.org/drawingml/2006/main" xmlns:r="http://schemas.openxmlformats.org/officeDocument/2006/relationships" xmlns:p="http://schemas.openxmlformats.org/presentationml/2006/main">
+  <p:cSld>
+    <p:spTree>
+      <p:nvGrpSpPr>
+        <p:cNvPr id="1" name=""/>
+        <p:cNvGrpSpPr/>
+        <p:nvPr/>
+      </p:nvGrpSpPr>
+      <p:grpSpPr>
+        <a:xfrm>
+          <a:off x="0" y="0"/>
+          <a:ext cx="0" cy="0"/>
+          <a:chOff x="0" y="0"/>
+          <a:chExt cx="0" cy="0"/>
+        </a:xfrm>
+      </p:grpSpPr>
       <p:pic>
         <p:nvPicPr>
           <p:cNvPr id="4" name="圖片 3">
@@ -5663,7 +8288,7 @@
           <p:nvPr/>
         </p:nvPicPr>
         <p:blipFill>
-          <a:blip r:embed="rId2"/>
+          <a:blip r:embed="rId3"/>
           <a:stretch>
             <a:fillRect/>
           </a:stretch>
@@ -5691,166 +8316,6 @@
 </p:sld>
 </file>
 
-<file path=ppt/slides/slide16.xml><?xml version="1.0" encoding="utf-8"?>
-<p:sld xmlns:a="http://schemas.openxmlformats.org/drawingml/2006/main" xmlns:r="http://schemas.openxmlformats.org/officeDocument/2006/relationships" xmlns:p="http://schemas.openxmlformats.org/presentationml/2006/main">
-  <p:cSld>
-    <p:spTree>
-      <p:nvGrpSpPr>
-        <p:cNvPr id="1" name=""/>
-        <p:cNvGrpSpPr/>
-        <p:nvPr/>
-      </p:nvGrpSpPr>
-      <p:grpSpPr>
-        <a:xfrm>
-          <a:off x="0" y="0"/>
-          <a:ext cx="0" cy="0"/>
-          <a:chOff x="0" y="0"/>
-          <a:chExt cx="0" cy="0"/>
-        </a:xfrm>
-      </p:grpSpPr>
-      <p:sp>
-        <p:nvSpPr>
-          <p:cNvPr id="2" name="標題 1">
-            <a:extLst>
-              <a:ext uri="{FF2B5EF4-FFF2-40B4-BE49-F238E27FC236}">
-                <a16:creationId xmlns:a16="http://schemas.microsoft.com/office/drawing/2014/main" id="{6784167E-8DE2-4438-99A3-144089A72FAE}"/>
-              </a:ext>
-            </a:extLst>
-          </p:cNvPr>
-          <p:cNvSpPr>
-            <a:spLocks noGrp="1"/>
-          </p:cNvSpPr>
-          <p:nvPr>
-            <p:ph type="title"/>
-          </p:nvPr>
-        </p:nvSpPr>
-        <p:spPr/>
-        <p:txBody>
-          <a:bodyPr/>
-          <a:lstStyle/>
-          <a:p>
-            <a:r>
-              <a:rPr lang="zh-TW" altLang="en-US" dirty="0">
-                <a:latin typeface="標楷體" panose="03000509000000000000" pitchFamily="65" charset="-120"/>
-                <a:ea typeface="標楷體" panose="03000509000000000000" pitchFamily="65" charset="-120"/>
-              </a:rPr>
-              <a:t>觀察重點：</a:t>
-            </a:r>
-          </a:p>
-        </p:txBody>
-      </p:sp>
-      <p:sp>
-        <p:nvSpPr>
-          <p:cNvPr id="3" name="內容版面配置區 2">
-            <a:extLst>
-              <a:ext uri="{FF2B5EF4-FFF2-40B4-BE49-F238E27FC236}">
-                <a16:creationId xmlns:a16="http://schemas.microsoft.com/office/drawing/2014/main" id="{3EC47BE4-16DD-4E98-9819-8E070159B911}"/>
-              </a:ext>
-            </a:extLst>
-          </p:cNvPr>
-          <p:cNvSpPr>
-            <a:spLocks noGrp="1"/>
-          </p:cNvSpPr>
-          <p:nvPr>
-            <p:ph idx="1"/>
-          </p:nvPr>
-        </p:nvSpPr>
-        <p:spPr/>
-        <p:txBody>
-          <a:bodyPr/>
-          <a:lstStyle/>
-          <a:p>
-            <a:r>
-              <a:rPr lang="en-US" altLang="zh-TW" dirty="0">
-                <a:latin typeface="標楷體" panose="03000509000000000000" pitchFamily="65" charset="-120"/>
-                <a:ea typeface="標楷體" panose="03000509000000000000" pitchFamily="65" charset="-120"/>
-              </a:rPr>
-              <a:t>(1) </a:t>
-            </a:r>
-            <a:r>
-              <a:rPr lang="zh-TW" altLang="en-US" dirty="0">
-                <a:latin typeface="標楷體" panose="03000509000000000000" pitchFamily="65" charset="-120"/>
-                <a:ea typeface="標楷體" panose="03000509000000000000" pitchFamily="65" charset="-120"/>
-              </a:rPr>
-              <a:t>憤怒趨勢是否持續增長，代表這議題是否持續發燒</a:t>
-            </a:r>
-          </a:p>
-          <a:p>
-            <a:r>
-              <a:rPr lang="en-US" altLang="zh-TW" dirty="0">
-                <a:latin typeface="標楷體" panose="03000509000000000000" pitchFamily="65" charset="-120"/>
-                <a:ea typeface="標楷體" panose="03000509000000000000" pitchFamily="65" charset="-120"/>
-              </a:rPr>
-              <a:t>(2) </a:t>
-            </a:r>
-            <a:r>
-              <a:rPr lang="zh-TW" altLang="en-US" dirty="0">
-                <a:latin typeface="標楷體" panose="03000509000000000000" pitchFamily="65" charset="-120"/>
-                <a:ea typeface="標楷體" panose="03000509000000000000" pitchFamily="65" charset="-120"/>
-              </a:rPr>
-              <a:t>憤怒比率超過</a:t>
-            </a:r>
-            <a:r>
-              <a:rPr lang="en-US" altLang="zh-TW" dirty="0">
-                <a:latin typeface="標楷體" panose="03000509000000000000" pitchFamily="65" charset="-120"/>
-                <a:ea typeface="標楷體" panose="03000509000000000000" pitchFamily="65" charset="-120"/>
-              </a:rPr>
-              <a:t>5%</a:t>
-            </a:r>
-            <a:r>
-              <a:rPr lang="zh-TW" altLang="en-US" dirty="0">
-                <a:latin typeface="標楷體" panose="03000509000000000000" pitchFamily="65" charset="-120"/>
-                <a:ea typeface="標楷體" panose="03000509000000000000" pitchFamily="65" charset="-120"/>
-              </a:rPr>
-              <a:t>表示有潛力，</a:t>
-            </a:r>
-            <a:r>
-              <a:rPr lang="zh-TW" altLang="en-US" b="1" dirty="0">
-                <a:latin typeface="標楷體" panose="03000509000000000000" pitchFamily="65" charset="-120"/>
-                <a:ea typeface="標楷體" panose="03000509000000000000" pitchFamily="65" charset="-120"/>
-              </a:rPr>
-              <a:t>超過</a:t>
-            </a:r>
-            <a:r>
-              <a:rPr lang="en-US" altLang="zh-TW" b="1" dirty="0">
-                <a:latin typeface="標楷體" panose="03000509000000000000" pitchFamily="65" charset="-120"/>
-                <a:ea typeface="標楷體" panose="03000509000000000000" pitchFamily="65" charset="-120"/>
-              </a:rPr>
-              <a:t>10% </a:t>
-            </a:r>
-            <a:r>
-              <a:rPr lang="zh-TW" altLang="en-US" b="1" dirty="0">
-                <a:latin typeface="標楷體" panose="03000509000000000000" pitchFamily="65" charset="-120"/>
-                <a:ea typeface="標楷體" panose="03000509000000000000" pitchFamily="65" charset="-120"/>
-              </a:rPr>
-              <a:t>表示很憤怒。</a:t>
-            </a:r>
-            <a:endParaRPr lang="zh-TW" altLang="en-US" dirty="0">
-              <a:latin typeface="標楷體" panose="03000509000000000000" pitchFamily="65" charset="-120"/>
-              <a:ea typeface="標楷體" panose="03000509000000000000" pitchFamily="65" charset="-120"/>
-            </a:endParaRPr>
-          </a:p>
-          <a:p>
-            <a:pPr marL="0" indent="0">
-              <a:buNone/>
-            </a:pPr>
-            <a:endParaRPr lang="zh-TW" altLang="en-US" dirty="0"/>
-          </a:p>
-        </p:txBody>
-      </p:sp>
-    </p:spTree>
-    <p:extLst>
-      <p:ext uri="{BB962C8B-B14F-4D97-AF65-F5344CB8AC3E}">
-        <p14:creationId xmlns:p14="http://schemas.microsoft.com/office/powerpoint/2010/main" val="3158131493"/>
-      </p:ext>
-    </p:extLst>
-  </p:cSld>
-  <p:clrMapOvr>
-    <a:masterClrMapping/>
-  </p:clrMapOvr>
-</p:sld>
-</file>
-
 <file path=ppt/slides/slide17.xml><?xml version="1.0" encoding="utf-8"?>
 <p:sld xmlns:a="http://schemas.openxmlformats.org/drawingml/2006/main" xmlns:r="http://schemas.openxmlformats.org/officeDocument/2006/relationships" xmlns:p="http://schemas.openxmlformats.org/presentationml/2006/main">
   <p:cSld>
@@ -5868,40 +8333,142 @@
           <a:chExt cx="0" cy="0"/>
         </a:xfrm>
       </p:grpSpPr>
-      <p:pic>
-        <p:nvPicPr>
-          <p:cNvPr id="4" name="圖片 3">
-            <a:extLst>
-              <a:ext uri="{FF2B5EF4-FFF2-40B4-BE49-F238E27FC236}">
-                <a16:creationId xmlns:a16="http://schemas.microsoft.com/office/drawing/2014/main" id="{2087B25D-4D0C-43BC-98C6-06B4303EF7F2}"/>
-              </a:ext>
-            </a:extLst>
-          </p:cNvPr>
-          <p:cNvPicPr>
-            <a:picLocks noChangeAspect="1"/>
-          </p:cNvPicPr>
-          <p:nvPr/>
-        </p:nvPicPr>
-        <p:blipFill>
-          <a:blip r:embed="rId2"/>
-          <a:stretch>
-            <a:fillRect/>
-          </a:stretch>
-        </p:blipFill>
-        <p:spPr>
-          <a:xfrm>
-            <a:off x="1991042" y="1054100"/>
-            <a:ext cx="8775116" cy="4198620"/>
-          </a:xfrm>
-          <a:prstGeom prst="rect">
-            <a:avLst/>
-          </a:prstGeom>
-        </p:spPr>
-      </p:pic>
+      <p:sp>
+        <p:nvSpPr>
+          <p:cNvPr id="2" name="標題 1">
+            <a:extLst>
+              <a:ext uri="{FF2B5EF4-FFF2-40B4-BE49-F238E27FC236}">
+                <a16:creationId xmlns:a16="http://schemas.microsoft.com/office/drawing/2014/main" id="{6784167E-8DE2-4438-99A3-144089A72FAE}"/>
+              </a:ext>
+            </a:extLst>
+          </p:cNvPr>
+          <p:cNvSpPr>
+            <a:spLocks noGrp="1"/>
+          </p:cNvSpPr>
+          <p:nvPr>
+            <p:ph type="title"/>
+          </p:nvPr>
+        </p:nvSpPr>
+        <p:spPr/>
+        <p:txBody>
+          <a:bodyPr/>
+          <a:lstStyle/>
+          <a:p>
+            <a:r>
+              <a:rPr lang="zh-TW" altLang="en-US" b="1" dirty="0">
+                <a:latin typeface="Taipei Sans TC Beta" pitchFamily="2" charset="-120"/>
+                <a:ea typeface="Taipei Sans TC Beta" pitchFamily="2" charset="-120"/>
+              </a:rPr>
+              <a:t>觀察重點</a:t>
+            </a:r>
+          </a:p>
+        </p:txBody>
+      </p:sp>
+      <p:sp>
+        <p:nvSpPr>
+          <p:cNvPr id="3" name="內容版面配置區 2">
+            <a:extLst>
+              <a:ext uri="{FF2B5EF4-FFF2-40B4-BE49-F238E27FC236}">
+                <a16:creationId xmlns:a16="http://schemas.microsoft.com/office/drawing/2014/main" id="{3EC47BE4-16DD-4E98-9819-8E070159B911}"/>
+              </a:ext>
+            </a:extLst>
+          </p:cNvPr>
+          <p:cNvSpPr>
+            <a:spLocks noGrp="1"/>
+          </p:cNvSpPr>
+          <p:nvPr>
+            <p:ph idx="1"/>
+          </p:nvPr>
+        </p:nvSpPr>
+        <p:spPr/>
+        <p:txBody>
+          <a:bodyPr/>
+          <a:lstStyle/>
+          <a:p>
+            <a:r>
+              <a:rPr lang="zh-TW" altLang="en-US" sz="3200" dirty="0">
+                <a:latin typeface="Taipei Sans TC Beta Light" pitchFamily="2" charset="-120"/>
+                <a:ea typeface="Taipei Sans TC Beta Light" pitchFamily="2" charset="-120"/>
+              </a:rPr>
+              <a:t>憤怒趨勢是否持續增長，代表這議題是否持續發燒</a:t>
+            </a:r>
+          </a:p>
+          <a:p>
+            <a:r>
+              <a:rPr lang="zh-TW" altLang="en-US" sz="3200" dirty="0">
+                <a:latin typeface="Taipei Sans TC Beta Light" pitchFamily="2" charset="-120"/>
+                <a:ea typeface="Taipei Sans TC Beta Light" pitchFamily="2" charset="-120"/>
+              </a:rPr>
+              <a:t>憤怒比率超過</a:t>
+            </a:r>
+            <a:r>
+              <a:rPr lang="en-US" altLang="zh-TW" sz="3200" dirty="0">
+                <a:latin typeface="Taipei Sans TC Beta Light" pitchFamily="2" charset="-120"/>
+                <a:ea typeface="Taipei Sans TC Beta Light" pitchFamily="2" charset="-120"/>
+              </a:rPr>
+              <a:t>5%</a:t>
+            </a:r>
+            <a:r>
+              <a:rPr lang="zh-TW" altLang="en-US" sz="3200" dirty="0">
+                <a:latin typeface="Taipei Sans TC Beta Light" pitchFamily="2" charset="-120"/>
+                <a:ea typeface="Taipei Sans TC Beta Light" pitchFamily="2" charset="-120"/>
+              </a:rPr>
+              <a:t>表示有潛力，</a:t>
+            </a:r>
+            <a:r>
+              <a:rPr lang="zh-TW" altLang="en-US" sz="3200" dirty="0">
+                <a:solidFill>
+                  <a:srgbClr val="FF5050"/>
+                </a:solidFill>
+                <a:latin typeface="Taipei Sans TC Beta" pitchFamily="2" charset="-120"/>
+                <a:ea typeface="Taipei Sans TC Beta" pitchFamily="2" charset="-120"/>
+              </a:rPr>
+              <a:t>超過</a:t>
+            </a:r>
+            <a:r>
+              <a:rPr lang="en-US" altLang="zh-TW" sz="3200" dirty="0">
+                <a:solidFill>
+                  <a:srgbClr val="FF5050"/>
+                </a:solidFill>
+                <a:latin typeface="Taipei Sans TC Beta" pitchFamily="2" charset="-120"/>
+                <a:ea typeface="Taipei Sans TC Beta" pitchFamily="2" charset="-120"/>
+              </a:rPr>
+              <a:t>10% </a:t>
+            </a:r>
+            <a:r>
+              <a:rPr lang="zh-TW" altLang="en-US" sz="3200" dirty="0">
+                <a:solidFill>
+                  <a:srgbClr val="FF5050"/>
+                </a:solidFill>
+                <a:latin typeface="Taipei Sans TC Beta" pitchFamily="2" charset="-120"/>
+                <a:ea typeface="Taipei Sans TC Beta" pitchFamily="2" charset="-120"/>
+              </a:rPr>
+              <a:t>表示很憤怒</a:t>
+            </a:r>
+            <a:r>
+              <a:rPr lang="zh-TW" altLang="en-US" sz="3200" b="1" dirty="0">
+                <a:latin typeface="Taipei Sans TC Beta Light" pitchFamily="2" charset="-120"/>
+                <a:ea typeface="Taipei Sans TC Beta Light" pitchFamily="2" charset="-120"/>
+              </a:rPr>
+              <a:t>。</a:t>
+            </a:r>
+            <a:endParaRPr lang="zh-TW" altLang="en-US" sz="3200" dirty="0">
+              <a:latin typeface="Taipei Sans TC Beta Light" pitchFamily="2" charset="-120"/>
+              <a:ea typeface="Taipei Sans TC Beta Light" pitchFamily="2" charset="-120"/>
+            </a:endParaRPr>
+          </a:p>
+          <a:p>
+            <a:pPr marL="0" indent="0">
+              <a:buNone/>
+            </a:pPr>
+            <a:endParaRPr lang="zh-TW" altLang="en-US" dirty="0"/>
+          </a:p>
+        </p:txBody>
+      </p:sp>
     </p:spTree>
     <p:extLst>
       <p:ext uri="{BB962C8B-B14F-4D97-AF65-F5344CB8AC3E}">
-        <p14:creationId xmlns:p14="http://schemas.microsoft.com/office/powerpoint/2010/main" val="3022618237"/>
+        <p14:creationId xmlns:p14="http://schemas.microsoft.com/office/powerpoint/2010/main" val="3158131493"/>
       </p:ext>
     </p:extLst>
   </p:cSld>
@@ -5933,7 +8500,7 @@
           <p:cNvPr id="4" name="圖片 3">
             <a:extLst>
               <a:ext uri="{FF2B5EF4-FFF2-40B4-BE49-F238E27FC236}">
-                <a16:creationId xmlns:a16="http://schemas.microsoft.com/office/drawing/2014/main" id="{A61CB5F7-142D-41DB-8598-16E79FF3D0C3}"/>
+                <a16:creationId xmlns:a16="http://schemas.microsoft.com/office/drawing/2014/main" id="{2087B25D-4D0C-43BC-98C6-06B4303EF7F2}"/>
               </a:ext>
             </a:extLst>
           </p:cNvPr>
@@ -5943,15 +8510,15 @@
           <p:nvPr/>
         </p:nvPicPr>
         <p:blipFill>
-          <a:blip r:embed="rId2"/>
+          <a:blip r:embed="rId3"/>
           <a:stretch>
             <a:fillRect/>
           </a:stretch>
         </p:blipFill>
         <p:spPr>
           <a:xfrm>
-            <a:off x="556259" y="477202"/>
-            <a:ext cx="10949585" cy="5202238"/>
+            <a:off x="1991042" y="1054100"/>
+            <a:ext cx="8775116" cy="4198620"/>
           </a:xfrm>
           <a:prstGeom prst="rect">
             <a:avLst/>
@@ -5961,7 +8528,7 @@
     </p:spTree>
     <p:extLst>
       <p:ext uri="{BB962C8B-B14F-4D97-AF65-F5344CB8AC3E}">
-        <p14:creationId xmlns:p14="http://schemas.microsoft.com/office/powerpoint/2010/main" val="2736935065"/>
+        <p14:creationId xmlns:p14="http://schemas.microsoft.com/office/powerpoint/2010/main" val="3022618237"/>
       </p:ext>
     </p:extLst>
   </p:cSld>
@@ -5993,7 +8560,7 @@
           <p:cNvPr id="4" name="圖片 3">
             <a:extLst>
               <a:ext uri="{FF2B5EF4-FFF2-40B4-BE49-F238E27FC236}">
-                <a16:creationId xmlns:a16="http://schemas.microsoft.com/office/drawing/2014/main" id="{CFA681FE-BF9E-403F-8207-F5FAB9C38196}"/>
+                <a16:creationId xmlns:a16="http://schemas.microsoft.com/office/drawing/2014/main" id="{A61CB5F7-142D-41DB-8598-16E79FF3D0C3}"/>
               </a:ext>
             </a:extLst>
           </p:cNvPr>
@@ -6003,7 +8570,315 @@
           <p:nvPr/>
         </p:nvPicPr>
         <p:blipFill>
-          <a:blip r:embed="rId2"/>
+          <a:blip r:embed="rId3"/>
+          <a:stretch>
+            <a:fillRect/>
+          </a:stretch>
+        </p:blipFill>
+        <p:spPr>
+          <a:xfrm>
+            <a:off x="556259" y="477202"/>
+            <a:ext cx="10949585" cy="5202238"/>
+          </a:xfrm>
+          <a:prstGeom prst="rect">
+            <a:avLst/>
+          </a:prstGeom>
+        </p:spPr>
+      </p:pic>
+    </p:spTree>
+    <p:extLst>
+      <p:ext uri="{BB962C8B-B14F-4D97-AF65-F5344CB8AC3E}">
+        <p14:creationId xmlns:p14="http://schemas.microsoft.com/office/powerpoint/2010/main" val="2736935065"/>
+      </p:ext>
+    </p:extLst>
+  </p:cSld>
+  <p:clrMapOvr>
+    <a:masterClrMapping/>
+  </p:clrMapOvr>
+</p:sld>
+</file>
+
+<file path=ppt/slides/slide2.xml><?xml version="1.0" encoding="utf-8"?>
+<p:sld xmlns:a="http://schemas.openxmlformats.org/drawingml/2006/main" xmlns:r="http://schemas.openxmlformats.org/officeDocument/2006/relationships" xmlns:p="http://schemas.openxmlformats.org/presentationml/2006/main">
+  <p:cSld>
+    <p:spTree>
+      <p:nvGrpSpPr>
+        <p:cNvPr id="1" name=""/>
+        <p:cNvGrpSpPr/>
+        <p:nvPr/>
+      </p:nvGrpSpPr>
+      <p:grpSpPr>
+        <a:xfrm>
+          <a:off x="0" y="0"/>
+          <a:ext cx="0" cy="0"/>
+          <a:chOff x="0" y="0"/>
+          <a:chExt cx="0" cy="0"/>
+        </a:xfrm>
+      </p:grpSpPr>
+      <p:sp>
+        <p:nvSpPr>
+          <p:cNvPr id="2" name="標題 1">
+            <a:extLst>
+              <a:ext uri="{FF2B5EF4-FFF2-40B4-BE49-F238E27FC236}">
+                <a16:creationId xmlns:a16="http://schemas.microsoft.com/office/drawing/2014/main" id="{27279F3A-5A45-46C9-B407-610C26CFFCBA}"/>
+              </a:ext>
+            </a:extLst>
+          </p:cNvPr>
+          <p:cNvSpPr>
+            <a:spLocks noGrp="1"/>
+          </p:cNvSpPr>
+          <p:nvPr>
+            <p:ph type="title"/>
+          </p:nvPr>
+        </p:nvSpPr>
+        <p:spPr>
+          <a:xfrm>
+            <a:off x="838200" y="593725"/>
+            <a:ext cx="10515600" cy="1325563"/>
+          </a:xfrm>
+        </p:spPr>
+        <p:txBody>
+          <a:bodyPr/>
+          <a:lstStyle/>
+          <a:p>
+            <a:r>
+              <a:rPr lang="zh-TW" altLang="en-US" b="1" dirty="0">
+                <a:latin typeface="Taipei Sans TC Beta Light" pitchFamily="2" charset="-120"/>
+                <a:ea typeface="Taipei Sans TC Beta Light" pitchFamily="2" charset="-120"/>
+              </a:rPr>
+              <a:t>問題描述：</a:t>
+            </a:r>
+            <a:r>
+              <a:rPr lang="zh-TW" altLang="en-US" b="1" dirty="0">
+                <a:latin typeface="Taipei Sans TC Beta" pitchFamily="2" charset="-120"/>
+                <a:ea typeface="Taipei Sans TC Beta" pitchFamily="2" charset="-120"/>
+              </a:rPr>
+              <a:t>台灣人超級健忘</a:t>
+            </a:r>
+            <a:r>
+              <a:rPr lang="en-US" altLang="zh-TW" b="1" dirty="0">
+                <a:latin typeface="Taipei Sans TC Beta" pitchFamily="2" charset="-120"/>
+                <a:ea typeface="Taipei Sans TC Beta" pitchFamily="2" charset="-120"/>
+              </a:rPr>
+              <a:t>?</a:t>
+            </a:r>
+            <a:endParaRPr lang="zh-TW" altLang="en-US" b="1" dirty="0">
+              <a:latin typeface="Taipei Sans TC Beta" pitchFamily="2" charset="-120"/>
+              <a:ea typeface="Taipei Sans TC Beta" pitchFamily="2" charset="-120"/>
+            </a:endParaRPr>
+          </a:p>
+        </p:txBody>
+      </p:sp>
+      <p:sp>
+        <p:nvSpPr>
+          <p:cNvPr id="3" name="內容版面配置區 2">
+            <a:extLst>
+              <a:ext uri="{FF2B5EF4-FFF2-40B4-BE49-F238E27FC236}">
+                <a16:creationId xmlns:a16="http://schemas.microsoft.com/office/drawing/2014/main" id="{5BF91B02-D1BB-4433-A3B4-744EE9E67D28}"/>
+              </a:ext>
+            </a:extLst>
+          </p:cNvPr>
+          <p:cNvSpPr>
+            <a:spLocks noGrp="1"/>
+          </p:cNvSpPr>
+          <p:nvPr>
+            <p:ph idx="1"/>
+          </p:nvPr>
+        </p:nvSpPr>
+        <p:spPr>
+          <a:xfrm>
+            <a:off x="874826" y="2225675"/>
+            <a:ext cx="10934700" cy="4351338"/>
+          </a:xfrm>
+        </p:spPr>
+        <p:txBody>
+          <a:bodyPr>
+            <a:normAutofit/>
+          </a:bodyPr>
+          <a:lstStyle/>
+          <a:p>
+            <a:pPr marL="0" indent="0">
+              <a:buNone/>
+            </a:pPr>
+            <a:r>
+              <a:rPr lang="zh-TW" altLang="en-US" sz="3200" dirty="0">
+                <a:latin typeface="Taipei Sans TC Beta Light" pitchFamily="2" charset="-120"/>
+                <a:ea typeface="Taipei Sans TC Beta Light" pitchFamily="2" charset="-120"/>
+              </a:rPr>
+              <a:t>在我們的觀察之下，</a:t>
+            </a:r>
+            <a:endParaRPr lang="en-US" altLang="zh-TW" sz="3200" dirty="0">
+              <a:latin typeface="Taipei Sans TC Beta Light" pitchFamily="2" charset="-120"/>
+              <a:ea typeface="Taipei Sans TC Beta Light" pitchFamily="2" charset="-120"/>
+            </a:endParaRPr>
+          </a:p>
+          <a:p>
+            <a:pPr marL="0" indent="0">
+              <a:buNone/>
+            </a:pPr>
+            <a:r>
+              <a:rPr lang="zh-TW" altLang="en-US" sz="3200" dirty="0">
+                <a:latin typeface="Taipei Sans TC Beta Light" pitchFamily="2" charset="-120"/>
+                <a:ea typeface="Taipei Sans TC Beta Light" pitchFamily="2" charset="-120"/>
+              </a:rPr>
+              <a:t>大多數的台灣人對於話題的熱度往往</a:t>
+            </a:r>
+            <a:r>
+              <a:rPr lang="zh-TW" altLang="en-US" sz="3200" dirty="0">
+                <a:solidFill>
+                  <a:srgbClr val="FF5050"/>
+                </a:solidFill>
+                <a:latin typeface="Taipei Sans TC Beta" pitchFamily="2" charset="-120"/>
+                <a:ea typeface="Taipei Sans TC Beta" pitchFamily="2" charset="-120"/>
+              </a:rPr>
+              <a:t>隨著時間便愈趨平淡</a:t>
+            </a:r>
+            <a:r>
+              <a:rPr lang="zh-TW" altLang="en-US" sz="3200" dirty="0">
+                <a:latin typeface="Taipei Sans TC Beta Light" pitchFamily="2" charset="-120"/>
+                <a:ea typeface="Taipei Sans TC Beta Light" pitchFamily="2" charset="-120"/>
+              </a:rPr>
+              <a:t>，</a:t>
+            </a:r>
+            <a:endParaRPr lang="en-US" altLang="zh-TW" sz="3200" dirty="0">
+              <a:latin typeface="Taipei Sans TC Beta Light" pitchFamily="2" charset="-120"/>
+              <a:ea typeface="Taipei Sans TC Beta Light" pitchFamily="2" charset="-120"/>
+            </a:endParaRPr>
+          </a:p>
+          <a:p>
+            <a:pPr marL="0" indent="0">
+              <a:buNone/>
+            </a:pPr>
+            <a:r>
+              <a:rPr lang="zh-TW" altLang="en-US" sz="3200" dirty="0">
+                <a:latin typeface="Taipei Sans TC Beta Light" pitchFamily="2" charset="-120"/>
+                <a:ea typeface="Taipei Sans TC Beta Light" pitchFamily="2" charset="-120"/>
+              </a:rPr>
+              <a:t>無論是之前的統一地溝油事件，</a:t>
+            </a:r>
+            <a:endParaRPr lang="en-US" altLang="zh-TW" sz="3200" dirty="0">
+              <a:latin typeface="Taipei Sans TC Beta Light" pitchFamily="2" charset="-120"/>
+              <a:ea typeface="Taipei Sans TC Beta Light" pitchFamily="2" charset="-120"/>
+            </a:endParaRPr>
+          </a:p>
+          <a:p>
+            <a:pPr marL="0" indent="0">
+              <a:buNone/>
+            </a:pPr>
+            <a:r>
+              <a:rPr lang="zh-TW" altLang="en-US" sz="3200" dirty="0">
+                <a:latin typeface="Taipei Sans TC Beta Light" pitchFamily="2" charset="-120"/>
+                <a:ea typeface="Taipei Sans TC Beta Light" pitchFamily="2" charset="-120"/>
+              </a:rPr>
+              <a:t>甚至是攸關台灣未來的國際大事也不例外，</a:t>
+            </a:r>
+            <a:endParaRPr lang="en-US" altLang="zh-TW" sz="3200" dirty="0">
+              <a:latin typeface="Taipei Sans TC Beta Light" pitchFamily="2" charset="-120"/>
+              <a:ea typeface="Taipei Sans TC Beta Light" pitchFamily="2" charset="-120"/>
+            </a:endParaRPr>
+          </a:p>
+          <a:p>
+            <a:pPr marL="0" indent="0">
+              <a:buNone/>
+            </a:pPr>
+            <a:r>
+              <a:rPr lang="zh-TW" altLang="en-US" sz="3200" dirty="0">
+                <a:latin typeface="Taipei Sans TC Beta Light" pitchFamily="2" charset="-120"/>
+                <a:ea typeface="Taipei Sans TC Beta Light" pitchFamily="2" charset="-120"/>
+              </a:rPr>
+              <a:t>所以我們決定來分析近期最大的事件</a:t>
+            </a:r>
+            <a:endParaRPr lang="en-US" altLang="zh-TW" sz="3200" dirty="0">
+              <a:latin typeface="Taipei Sans TC Beta Light" pitchFamily="2" charset="-120"/>
+              <a:ea typeface="Taipei Sans TC Beta Light" pitchFamily="2" charset="-120"/>
+            </a:endParaRPr>
+          </a:p>
+          <a:p>
+            <a:pPr marL="0" indent="0">
+              <a:buNone/>
+            </a:pPr>
+            <a:r>
+              <a:rPr lang="zh-TW" altLang="en-US" sz="3200" dirty="0">
+                <a:solidFill>
+                  <a:srgbClr val="FF5050"/>
+                </a:solidFill>
+                <a:latin typeface="Taipei Sans TC Beta" pitchFamily="2" charset="-120"/>
+                <a:ea typeface="Taipei Sans TC Beta" pitchFamily="2" charset="-120"/>
+              </a:rPr>
+              <a:t>「香港反送中」</a:t>
+            </a:r>
+            <a:r>
+              <a:rPr lang="zh-TW" altLang="en-US" sz="3200" dirty="0">
+                <a:latin typeface="Taipei Sans TC Beta Light" pitchFamily="2" charset="-120"/>
+                <a:ea typeface="Taipei Sans TC Beta Light" pitchFamily="2" charset="-120"/>
+              </a:rPr>
+              <a:t>在論壇上的討論度，</a:t>
+            </a:r>
+            <a:endParaRPr lang="en-US" altLang="zh-TW" sz="3200" dirty="0">
+              <a:latin typeface="Taipei Sans TC Beta Light" pitchFamily="2" charset="-120"/>
+              <a:ea typeface="Taipei Sans TC Beta Light" pitchFamily="2" charset="-120"/>
+            </a:endParaRPr>
+          </a:p>
+          <a:p>
+            <a:pPr marL="0" indent="0">
+              <a:buNone/>
+            </a:pPr>
+            <a:r>
+              <a:rPr lang="zh-TW" altLang="en-US" sz="3200" dirty="0">
+                <a:latin typeface="Taipei Sans TC Beta Light" pitchFamily="2" charset="-120"/>
+                <a:ea typeface="Taipei Sans TC Beta Light" pitchFamily="2" charset="-120"/>
+              </a:rPr>
+              <a:t>是否和我們觀察的一樣，會隨著時間而愈來愈乏人問津。</a:t>
+            </a:r>
+          </a:p>
+        </p:txBody>
+      </p:sp>
+    </p:spTree>
+    <p:extLst>
+      <p:ext uri="{BB962C8B-B14F-4D97-AF65-F5344CB8AC3E}">
+        <p14:creationId xmlns:p14="http://schemas.microsoft.com/office/powerpoint/2010/main" val="3353001634"/>
+      </p:ext>
+    </p:extLst>
+  </p:cSld>
+  <p:clrMapOvr>
+    <a:masterClrMapping/>
+  </p:clrMapOvr>
+</p:sld>
+</file>
+
+<file path=ppt/slides/slide20.xml><?xml version="1.0" encoding="utf-8"?>
+<p:sld xmlns:a="http://schemas.openxmlformats.org/drawingml/2006/main" xmlns:r="http://schemas.openxmlformats.org/officeDocument/2006/relationships" xmlns:p="http://schemas.openxmlformats.org/presentationml/2006/main">
+  <p:cSld>
+    <p:spTree>
+      <p:nvGrpSpPr>
+        <p:cNvPr id="1" name=""/>
+        <p:cNvGrpSpPr/>
+        <p:nvPr/>
+      </p:nvGrpSpPr>
+      <p:grpSpPr>
+        <a:xfrm>
+          <a:off x="0" y="0"/>
+          <a:ext cx="0" cy="0"/>
+          <a:chOff x="0" y="0"/>
+          <a:chExt cx="0" cy="0"/>
+        </a:xfrm>
+      </p:grpSpPr>
+      <p:pic>
+        <p:nvPicPr>
+          <p:cNvPr id="4" name="圖片 3">
+            <a:extLst>
+              <a:ext uri="{FF2B5EF4-FFF2-40B4-BE49-F238E27FC236}">
+                <a16:creationId xmlns:a16="http://schemas.microsoft.com/office/drawing/2014/main" id="{CFA681FE-BF9E-403F-8207-F5FAB9C38196}"/>
+              </a:ext>
+            </a:extLst>
+          </p:cNvPr>
+          <p:cNvPicPr>
+            <a:picLocks noChangeAspect="1"/>
+          </p:cNvPicPr>
+          <p:nvPr/>
+        </p:nvPicPr>
+        <p:blipFill>
+          <a:blip r:embed="rId3"/>
           <a:stretch>
             <a:fillRect/>
           </a:stretch>
@@ -6031,248 +8906,7 @@
 </p:sld>
 </file>
 
-<file path=ppt/slides/slide2.xml><?xml version="1.0" encoding="utf-8"?>
-<p:sld xmlns:a="http://schemas.openxmlformats.org/drawingml/2006/main" xmlns:r="http://schemas.openxmlformats.org/officeDocument/2006/relationships" xmlns:p="http://schemas.openxmlformats.org/presentationml/2006/main">
-  <p:cSld>
-    <p:spTree>
-      <p:nvGrpSpPr>
-        <p:cNvPr id="1" name=""/>
-        <p:cNvGrpSpPr/>
-        <p:nvPr/>
-      </p:nvGrpSpPr>
-      <p:grpSpPr>
-        <a:xfrm>
-          <a:off x="0" y="0"/>
-          <a:ext cx="0" cy="0"/>
-          <a:chOff x="0" y="0"/>
-          <a:chExt cx="0" cy="0"/>
-        </a:xfrm>
-      </p:grpSpPr>
-      <p:sp>
-        <p:nvSpPr>
-          <p:cNvPr id="2" name="標題 1">
-            <a:extLst>
-              <a:ext uri="{FF2B5EF4-FFF2-40B4-BE49-F238E27FC236}">
-                <a16:creationId xmlns:a16="http://schemas.microsoft.com/office/drawing/2014/main" id="{27279F3A-5A45-46C9-B407-610C26CFFCBA}"/>
-              </a:ext>
-            </a:extLst>
-          </p:cNvPr>
-          <p:cNvSpPr>
-            <a:spLocks noGrp="1"/>
-          </p:cNvSpPr>
-          <p:nvPr>
-            <p:ph type="title"/>
-          </p:nvPr>
-        </p:nvSpPr>
-        <p:spPr>
-          <a:xfrm>
-            <a:off x="838200" y="593725"/>
-            <a:ext cx="10515600" cy="1325563"/>
-          </a:xfrm>
-        </p:spPr>
-        <p:txBody>
-          <a:bodyPr/>
-          <a:lstStyle/>
-          <a:p>
-            <a:r>
-              <a:rPr lang="zh-TW" altLang="en-US" b="1" dirty="0">
-                <a:latin typeface="標楷體" panose="03000509000000000000" pitchFamily="65" charset="-120"/>
-                <a:ea typeface="標楷體" panose="03000509000000000000" pitchFamily="65" charset="-120"/>
-              </a:rPr>
-              <a:t>問題描述：台灣人超級健忘</a:t>
-            </a:r>
-            <a:r>
-              <a:rPr lang="en-US" altLang="zh-TW" b="1" dirty="0">
-                <a:latin typeface="標楷體" panose="03000509000000000000" pitchFamily="65" charset="-120"/>
-                <a:ea typeface="標楷體" panose="03000509000000000000" pitchFamily="65" charset="-120"/>
-              </a:rPr>
-              <a:t>?</a:t>
-            </a:r>
-            <a:endParaRPr lang="zh-TW" altLang="en-US" b="1" dirty="0">
-              <a:latin typeface="標楷體" panose="03000509000000000000" pitchFamily="65" charset="-120"/>
-              <a:ea typeface="標楷體" panose="03000509000000000000" pitchFamily="65" charset="-120"/>
-            </a:endParaRPr>
-          </a:p>
-        </p:txBody>
-      </p:sp>
-      <p:sp>
-        <p:nvSpPr>
-          <p:cNvPr id="3" name="內容版面配置區 2">
-            <a:extLst>
-              <a:ext uri="{FF2B5EF4-FFF2-40B4-BE49-F238E27FC236}">
-                <a16:creationId xmlns:a16="http://schemas.microsoft.com/office/drawing/2014/main" id="{5BF91B02-D1BB-4433-A3B4-744EE9E67D28}"/>
-              </a:ext>
-            </a:extLst>
-          </p:cNvPr>
-          <p:cNvSpPr>
-            <a:spLocks noGrp="1"/>
-          </p:cNvSpPr>
-          <p:nvPr>
-            <p:ph idx="1"/>
-          </p:nvPr>
-        </p:nvSpPr>
-        <p:spPr>
-          <a:xfrm>
-            <a:off x="723900" y="2225675"/>
-            <a:ext cx="10934700" cy="4351338"/>
-          </a:xfrm>
-        </p:spPr>
-        <p:txBody>
-          <a:bodyPr>
-            <a:normAutofit/>
-          </a:bodyPr>
-          <a:lstStyle/>
-          <a:p>
-            <a:pPr marL="0" indent="0">
-              <a:buNone/>
-            </a:pPr>
-            <a:r>
-              <a:rPr lang="zh-TW" altLang="en-US" sz="3200" dirty="0">
-                <a:latin typeface="標楷體" panose="03000509000000000000" pitchFamily="65" charset="-120"/>
-                <a:ea typeface="標楷體" panose="03000509000000000000" pitchFamily="65" charset="-120"/>
-              </a:rPr>
-              <a:t>在我們的觀察之下，</a:t>
-            </a:r>
-            <a:endParaRPr lang="en-US" altLang="zh-TW" sz="3200" dirty="0">
-              <a:latin typeface="標楷體" panose="03000509000000000000" pitchFamily="65" charset="-120"/>
-              <a:ea typeface="標楷體" panose="03000509000000000000" pitchFamily="65" charset="-120"/>
-            </a:endParaRPr>
-          </a:p>
-          <a:p>
-            <a:pPr marL="0" indent="0">
-              <a:buNone/>
-            </a:pPr>
-            <a:r>
-              <a:rPr lang="zh-TW" altLang="en-US" sz="3200" dirty="0">
-                <a:latin typeface="標楷體" panose="03000509000000000000" pitchFamily="65" charset="-120"/>
-                <a:ea typeface="標楷體" panose="03000509000000000000" pitchFamily="65" charset="-120"/>
-              </a:rPr>
-              <a:t>大多數的台灣人對於話題的熱度往往</a:t>
-            </a:r>
-            <a:r>
-              <a:rPr lang="zh-TW" altLang="en-US" sz="3200" dirty="0">
-                <a:solidFill>
-                  <a:srgbClr val="FF0000"/>
-                </a:solidFill>
-                <a:latin typeface="標楷體" panose="03000509000000000000" pitchFamily="65" charset="-120"/>
-                <a:ea typeface="標楷體" panose="03000509000000000000" pitchFamily="65" charset="-120"/>
-              </a:rPr>
-              <a:t>隨著時間便愈趨平淡</a:t>
-            </a:r>
-            <a:r>
-              <a:rPr lang="zh-TW" altLang="en-US" sz="3200" dirty="0">
-                <a:latin typeface="標楷體" panose="03000509000000000000" pitchFamily="65" charset="-120"/>
-                <a:ea typeface="標楷體" panose="03000509000000000000" pitchFamily="65" charset="-120"/>
-              </a:rPr>
-              <a:t>，</a:t>
-            </a:r>
-            <a:endParaRPr lang="en-US" altLang="zh-TW" sz="3200" dirty="0">
-              <a:latin typeface="標楷體" panose="03000509000000000000" pitchFamily="65" charset="-120"/>
-              <a:ea typeface="標楷體" panose="03000509000000000000" pitchFamily="65" charset="-120"/>
-            </a:endParaRPr>
-          </a:p>
-          <a:p>
-            <a:pPr marL="0" indent="0">
-              <a:buNone/>
-            </a:pPr>
-            <a:r>
-              <a:rPr lang="zh-TW" altLang="en-US" sz="3200" dirty="0">
-                <a:latin typeface="標楷體" panose="03000509000000000000" pitchFamily="65" charset="-120"/>
-                <a:ea typeface="標楷體" panose="03000509000000000000" pitchFamily="65" charset="-120"/>
-              </a:rPr>
-              <a:t>無論是之前的統一地溝油事件，</a:t>
-            </a:r>
-            <a:endParaRPr lang="en-US" altLang="zh-TW" sz="3200" dirty="0">
-              <a:latin typeface="標楷體" panose="03000509000000000000" pitchFamily="65" charset="-120"/>
-              <a:ea typeface="標楷體" panose="03000509000000000000" pitchFamily="65" charset="-120"/>
-            </a:endParaRPr>
-          </a:p>
-          <a:p>
-            <a:pPr marL="0" indent="0">
-              <a:buNone/>
-            </a:pPr>
-            <a:r>
-              <a:rPr lang="zh-TW" altLang="en-US" sz="3200" dirty="0">
-                <a:latin typeface="標楷體" panose="03000509000000000000" pitchFamily="65" charset="-120"/>
-                <a:ea typeface="標楷體" panose="03000509000000000000" pitchFamily="65" charset="-120"/>
-              </a:rPr>
-              <a:t>甚至是攸關台灣未來的國際大事也不例外，</a:t>
-            </a:r>
-            <a:endParaRPr lang="en-US" altLang="zh-TW" sz="3200" dirty="0">
-              <a:latin typeface="標楷體" panose="03000509000000000000" pitchFamily="65" charset="-120"/>
-              <a:ea typeface="標楷體" panose="03000509000000000000" pitchFamily="65" charset="-120"/>
-            </a:endParaRPr>
-          </a:p>
-          <a:p>
-            <a:pPr marL="0" indent="0">
-              <a:buNone/>
-            </a:pPr>
-            <a:r>
-              <a:rPr lang="zh-TW" altLang="en-US" sz="3200" dirty="0">
-                <a:latin typeface="標楷體" panose="03000509000000000000" pitchFamily="65" charset="-120"/>
-                <a:ea typeface="標楷體" panose="03000509000000000000" pitchFamily="65" charset="-120"/>
-              </a:rPr>
-              <a:t>所以我們決定來分析近期最大的事件</a:t>
-            </a:r>
-            <a:endParaRPr lang="en-US" altLang="zh-TW" sz="3200" dirty="0">
-              <a:latin typeface="標楷體" panose="03000509000000000000" pitchFamily="65" charset="-120"/>
-              <a:ea typeface="標楷體" panose="03000509000000000000" pitchFamily="65" charset="-120"/>
-            </a:endParaRPr>
-          </a:p>
-          <a:p>
-            <a:pPr marL="0" indent="0">
-              <a:buNone/>
-            </a:pPr>
-            <a:r>
-              <a:rPr lang="zh-TW" altLang="en-US" sz="3200" b="1" dirty="0">
-                <a:solidFill>
-                  <a:srgbClr val="FF0000"/>
-                </a:solidFill>
-                <a:latin typeface="標楷體" panose="03000509000000000000" pitchFamily="65" charset="-120"/>
-                <a:ea typeface="標楷體" panose="03000509000000000000" pitchFamily="65" charset="-120"/>
-              </a:rPr>
-              <a:t>「香港反送中」</a:t>
-            </a:r>
-            <a:r>
-              <a:rPr lang="zh-TW" altLang="en-US" sz="3200" dirty="0">
-                <a:latin typeface="標楷體" panose="03000509000000000000" pitchFamily="65" charset="-120"/>
-                <a:ea typeface="標楷體" panose="03000509000000000000" pitchFamily="65" charset="-120"/>
-              </a:rPr>
-              <a:t>在論壇上的討論度，</a:t>
-            </a:r>
-            <a:endParaRPr lang="en-US" altLang="zh-TW" sz="3200" dirty="0">
-              <a:latin typeface="標楷體" panose="03000509000000000000" pitchFamily="65" charset="-120"/>
-              <a:ea typeface="標楷體" panose="03000509000000000000" pitchFamily="65" charset="-120"/>
-            </a:endParaRPr>
-          </a:p>
-          <a:p>
-            <a:pPr marL="0" indent="0">
-              <a:buNone/>
-            </a:pPr>
-            <a:r>
-              <a:rPr lang="zh-TW" altLang="en-US" sz="3200" dirty="0">
-                <a:latin typeface="標楷體" panose="03000509000000000000" pitchFamily="65" charset="-120"/>
-                <a:ea typeface="標楷體" panose="03000509000000000000" pitchFamily="65" charset="-120"/>
-              </a:rPr>
-              <a:t>是否和我們觀察的一樣，會隨著時間而愈來愈乏人問津。</a:t>
-            </a:r>
-          </a:p>
-        </p:txBody>
-      </p:sp>
-    </p:spTree>
-    <p:extLst>
-      <p:ext uri="{BB962C8B-B14F-4D97-AF65-F5344CB8AC3E}">
-        <p14:creationId xmlns:p14="http://schemas.microsoft.com/office/powerpoint/2010/main" val="538592409"/>
-      </p:ext>
-    </p:extLst>
-  </p:cSld>
-  <p:clrMapOvr>
-    <a:masterClrMapping/>
-  </p:clrMapOvr>
-</p:sld>
-</file>
-
-<file path=ppt/slides/slide20.xml><?xml version="1.0" encoding="utf-8"?>
+<file path=ppt/slides/slide21.xml><?xml version="1.0" encoding="utf-8"?>
 <p:sld xmlns:a="http://schemas.openxmlformats.org/drawingml/2006/main" xmlns:r="http://schemas.openxmlformats.org/officeDocument/2006/relationships" xmlns:p="http://schemas.openxmlformats.org/presentationml/2006/main">
   <p:cSld>
     <p:bg>
@@ -6312,7 +8946,7 @@
           <p:nvPr/>
         </p:nvPicPr>
         <p:blipFill>
-          <a:blip r:embed="rId2"/>
+          <a:blip r:embed="rId3"/>
           <a:stretch>
             <a:fillRect/>
           </a:stretch>
@@ -6340,261 +8974,6 @@
 </p:sld>
 </file>
 
-<file path=ppt/slides/slide21.xml><?xml version="1.0" encoding="utf-8"?>
-<p:sld xmlns:a="http://schemas.openxmlformats.org/drawingml/2006/main" xmlns:r="http://schemas.openxmlformats.org/officeDocument/2006/relationships" xmlns:p="http://schemas.openxmlformats.org/presentationml/2006/main">
-  <p:cSld>
-    <p:spTree>
-      <p:nvGrpSpPr>
-        <p:cNvPr id="1" name=""/>
-        <p:cNvGrpSpPr/>
-        <p:nvPr/>
-      </p:nvGrpSpPr>
-      <p:grpSpPr>
-        <a:xfrm>
-          <a:off x="0" y="0"/>
-          <a:ext cx="0" cy="0"/>
-          <a:chOff x="0" y="0"/>
-          <a:chExt cx="0" cy="0"/>
-        </a:xfrm>
-      </p:grpSpPr>
-      <p:sp>
-        <p:nvSpPr>
-          <p:cNvPr id="2" name="標題 1">
-            <a:extLst>
-              <a:ext uri="{FF2B5EF4-FFF2-40B4-BE49-F238E27FC236}">
-                <a16:creationId xmlns:a16="http://schemas.microsoft.com/office/drawing/2014/main" id="{27279F3A-5A45-46C9-B407-610C26CFFCBA}"/>
-              </a:ext>
-            </a:extLst>
-          </p:cNvPr>
-          <p:cNvSpPr>
-            <a:spLocks noGrp="1"/>
-          </p:cNvSpPr>
-          <p:nvPr>
-            <p:ph type="title"/>
-          </p:nvPr>
-        </p:nvSpPr>
-        <p:spPr/>
-        <p:txBody>
-          <a:bodyPr/>
-          <a:lstStyle/>
-          <a:p>
-            <a:r>
-              <a:rPr lang="zh-TW" altLang="en-US" b="1" dirty="0">
-                <a:latin typeface="標楷體" panose="03000509000000000000" pitchFamily="65" charset="-120"/>
-                <a:ea typeface="標楷體" panose="03000509000000000000" pitchFamily="65" charset="-120"/>
-              </a:rPr>
-              <a:t>資料來源</a:t>
-            </a:r>
-          </a:p>
-        </p:txBody>
-      </p:sp>
-      <p:sp>
-        <p:nvSpPr>
-          <p:cNvPr id="3" name="內容版面配置區 2">
-            <a:extLst>
-              <a:ext uri="{FF2B5EF4-FFF2-40B4-BE49-F238E27FC236}">
-                <a16:creationId xmlns:a16="http://schemas.microsoft.com/office/drawing/2014/main" id="{5BF91B02-D1BB-4433-A3B4-744EE9E67D28}"/>
-              </a:ext>
-            </a:extLst>
-          </p:cNvPr>
-          <p:cNvSpPr>
-            <a:spLocks noGrp="1"/>
-          </p:cNvSpPr>
-          <p:nvPr>
-            <p:ph idx="1"/>
-          </p:nvPr>
-        </p:nvSpPr>
-        <p:spPr>
-          <a:xfrm>
-            <a:off x="666750" y="1804988"/>
-            <a:ext cx="10515600" cy="4938712"/>
-          </a:xfrm>
-        </p:spPr>
-        <p:txBody>
-          <a:bodyPr>
-            <a:normAutofit fontScale="92500" lnSpcReduction="20000"/>
-          </a:bodyPr>
-          <a:lstStyle/>
-          <a:p>
-            <a:pPr marL="0" indent="0">
-              <a:buNone/>
-            </a:pPr>
-            <a:r>
-              <a:rPr lang="zh-TW" altLang="en-US" sz="3000" dirty="0">
-                <a:latin typeface="標楷體" panose="03000509000000000000" pitchFamily="65" charset="-120"/>
-                <a:ea typeface="標楷體" panose="03000509000000000000" pitchFamily="65" charset="-120"/>
-              </a:rPr>
-              <a:t>來自於兩大論壇：「</a:t>
-            </a:r>
-            <a:r>
-              <a:rPr lang="en-US" altLang="zh-TW" sz="3000" dirty="0">
-                <a:latin typeface="標楷體" panose="03000509000000000000" pitchFamily="65" charset="-120"/>
-                <a:ea typeface="標楷體" panose="03000509000000000000" pitchFamily="65" charset="-120"/>
-              </a:rPr>
-              <a:t>PTT</a:t>
-            </a:r>
-            <a:r>
-              <a:rPr lang="zh-TW" altLang="en-US" sz="3000" dirty="0">
-                <a:latin typeface="標楷體" panose="03000509000000000000" pitchFamily="65" charset="-120"/>
-                <a:ea typeface="標楷體" panose="03000509000000000000" pitchFamily="65" charset="-120"/>
-              </a:rPr>
-              <a:t>」、「</a:t>
-            </a:r>
-            <a:r>
-              <a:rPr lang="en-US" altLang="zh-TW" sz="3000" dirty="0" err="1">
-                <a:latin typeface="標楷體" panose="03000509000000000000" pitchFamily="65" charset="-120"/>
-                <a:ea typeface="標楷體" panose="03000509000000000000" pitchFamily="65" charset="-120"/>
-              </a:rPr>
-              <a:t>Dcard</a:t>
-            </a:r>
-            <a:r>
-              <a:rPr lang="zh-TW" altLang="en-US" sz="3000" dirty="0">
-                <a:latin typeface="標楷體" panose="03000509000000000000" pitchFamily="65" charset="-120"/>
-                <a:ea typeface="標楷體" panose="03000509000000000000" pitchFamily="65" charset="-120"/>
-              </a:rPr>
-              <a:t>」</a:t>
-            </a:r>
-            <a:endParaRPr lang="en-US" altLang="zh-TW" sz="3000" dirty="0">
-              <a:latin typeface="標楷體" panose="03000509000000000000" pitchFamily="65" charset="-120"/>
-              <a:ea typeface="標楷體" panose="03000509000000000000" pitchFamily="65" charset="-120"/>
-            </a:endParaRPr>
-          </a:p>
-          <a:p>
-            <a:pPr marL="0" indent="0">
-              <a:buNone/>
-            </a:pPr>
-            <a:r>
-              <a:rPr lang="zh-TW" altLang="en-US" sz="3000" dirty="0">
-                <a:latin typeface="標楷體" panose="03000509000000000000" pitchFamily="65" charset="-120"/>
-                <a:ea typeface="標楷體" panose="03000509000000000000" pitchFamily="65" charset="-120"/>
-              </a:rPr>
-              <a:t>透過爬蟲程式蒐集從反送中爆發至</a:t>
-            </a:r>
-            <a:r>
-              <a:rPr lang="en-US" altLang="zh-TW" sz="3000" dirty="0">
-                <a:latin typeface="標楷體" panose="03000509000000000000" pitchFamily="65" charset="-120"/>
-                <a:ea typeface="標楷體" panose="03000509000000000000" pitchFamily="65" charset="-120"/>
-              </a:rPr>
-              <a:t>7/22</a:t>
-            </a:r>
-            <a:r>
-              <a:rPr lang="zh-TW" altLang="en-US" sz="3000" dirty="0">
-                <a:latin typeface="標楷體" panose="03000509000000000000" pitchFamily="65" charset="-120"/>
-                <a:ea typeface="標楷體" panose="03000509000000000000" pitchFamily="65" charset="-120"/>
-              </a:rPr>
-              <a:t>的所有文章。</a:t>
-            </a:r>
-            <a:endParaRPr lang="en-US" altLang="zh-TW" sz="3000" dirty="0">
-              <a:latin typeface="標楷體" panose="03000509000000000000" pitchFamily="65" charset="-120"/>
-              <a:ea typeface="標楷體" panose="03000509000000000000" pitchFamily="65" charset="-120"/>
-            </a:endParaRPr>
-          </a:p>
-          <a:p>
-            <a:pPr marL="0" indent="0">
-              <a:buNone/>
-            </a:pPr>
-            <a:endParaRPr lang="en-US" altLang="zh-TW" sz="3000" dirty="0">
-              <a:latin typeface="標楷體" panose="03000509000000000000" pitchFamily="65" charset="-120"/>
-              <a:ea typeface="標楷體" panose="03000509000000000000" pitchFamily="65" charset="-120"/>
-            </a:endParaRPr>
-          </a:p>
-          <a:p>
-            <a:pPr marL="0" indent="0">
-              <a:buNone/>
-            </a:pPr>
-            <a:r>
-              <a:rPr lang="zh-TW" altLang="en-US" sz="3000" dirty="0">
-                <a:latin typeface="標楷體" panose="03000509000000000000" pitchFamily="65" charset="-120"/>
-                <a:ea typeface="標楷體" panose="03000509000000000000" pitchFamily="65" charset="-120"/>
-              </a:rPr>
-              <a:t>以及上網找到的輔助資料：</a:t>
-            </a:r>
-            <a:endParaRPr lang="en-US" altLang="zh-TW" sz="3000" dirty="0">
-              <a:latin typeface="標楷體" panose="03000509000000000000" pitchFamily="65" charset="-120"/>
-              <a:ea typeface="標楷體" panose="03000509000000000000" pitchFamily="65" charset="-120"/>
-            </a:endParaRPr>
-          </a:p>
-          <a:p>
-            <a:pPr marL="0" indent="0">
-              <a:buNone/>
-            </a:pPr>
-            <a:endParaRPr lang="en-US" altLang="zh-TW" sz="3000" dirty="0">
-              <a:latin typeface="標楷體" panose="03000509000000000000" pitchFamily="65" charset="-120"/>
-              <a:ea typeface="標楷體" panose="03000509000000000000" pitchFamily="65" charset="-120"/>
-            </a:endParaRPr>
-          </a:p>
-          <a:p>
-            <a:pPr marL="0" indent="0">
-              <a:buNone/>
-            </a:pPr>
-            <a:r>
-              <a:rPr lang="en-US" altLang="zh-TW" sz="3000" dirty="0">
-                <a:latin typeface="標楷體" panose="03000509000000000000" pitchFamily="65" charset="-120"/>
-                <a:ea typeface="標楷體" panose="03000509000000000000" pitchFamily="65" charset="-120"/>
-                <a:hlinkClick r:id="rId2"/>
-              </a:rPr>
-              <a:t>https://datastudio.google.com/u/0/reporting/1ZGxDuxrj63pMktl28qfzYMt2H6XOYUIn/page/JhUs?s=kiNO4jzXEJI&amp;utm_source=Facebook_PicSee</a:t>
-            </a:r>
-            <a:endParaRPr lang="en-US" altLang="zh-TW" sz="3000" dirty="0">
-              <a:latin typeface="標楷體" panose="03000509000000000000" pitchFamily="65" charset="-120"/>
-              <a:ea typeface="標楷體" panose="03000509000000000000" pitchFamily="65" charset="-120"/>
-            </a:endParaRPr>
-          </a:p>
-          <a:p>
-            <a:pPr marL="0" indent="0">
-              <a:buNone/>
-            </a:pPr>
-            <a:endParaRPr lang="en-US" altLang="zh-TW" sz="3000" dirty="0">
-              <a:latin typeface="標楷體" panose="03000509000000000000" pitchFamily="65" charset="-120"/>
-              <a:ea typeface="標楷體" panose="03000509000000000000" pitchFamily="65" charset="-120"/>
-            </a:endParaRPr>
-          </a:p>
-          <a:p>
-            <a:pPr marL="0" indent="0">
-              <a:buNone/>
-            </a:pPr>
-            <a:r>
-              <a:rPr lang="zh-TW" altLang="en-US" sz="3000" dirty="0">
-                <a:latin typeface="標楷體" panose="03000509000000000000" pitchFamily="65" charset="-120"/>
-                <a:ea typeface="標楷體" panose="03000509000000000000" pitchFamily="65" charset="-120"/>
-              </a:rPr>
-              <a:t>反送中即時社群數據 </a:t>
-            </a:r>
-            <a:r>
-              <a:rPr lang="en-US" altLang="zh-TW" sz="3000" dirty="0">
-                <a:latin typeface="標楷體" panose="03000509000000000000" pitchFamily="65" charset="-120"/>
-                <a:ea typeface="標楷體" panose="03000509000000000000" pitchFamily="65" charset="-120"/>
-              </a:rPr>
-              <a:t>(Desktop Version)</a:t>
-            </a:r>
-          </a:p>
-          <a:p>
-            <a:pPr marL="0" indent="0">
-              <a:buNone/>
-            </a:pPr>
-            <a:br>
-              <a:rPr lang="zh-TW" altLang="en-US" dirty="0"/>
-            </a:br>
-            <a:endParaRPr lang="en-US" altLang="zh-TW" dirty="0">
-              <a:latin typeface="標楷體" panose="03000509000000000000" pitchFamily="65" charset="-120"/>
-              <a:ea typeface="標楷體" panose="03000509000000000000" pitchFamily="65" charset="-120"/>
-            </a:endParaRPr>
-          </a:p>
-        </p:txBody>
-      </p:sp>
-    </p:spTree>
-    <p:extLst>
-      <p:ext uri="{BB962C8B-B14F-4D97-AF65-F5344CB8AC3E}">
-        <p14:creationId xmlns:p14="http://schemas.microsoft.com/office/powerpoint/2010/main" val="2823754050"/>
-      </p:ext>
-    </p:extLst>
-  </p:cSld>
-  <p:clrMapOvr>
-    <a:masterClrMapping/>
-  </p:clrMapOvr>
-</p:sld>
-</file>
-
 <file path=ppt/slides/slide22.xml><?xml version="1.0" encoding="utf-8"?>
 <p:sld xmlns:a="http://schemas.openxmlformats.org/drawingml/2006/main" xmlns:r="http://schemas.openxmlformats.org/officeDocument/2006/relationships" xmlns:p="http://schemas.openxmlformats.org/presentationml/2006/main">
   <p:cSld>
@@ -6630,7 +9009,7 @@
         </p:nvSpPr>
         <p:spPr>
           <a:xfrm>
-            <a:off x="2778760" y="2766218"/>
+            <a:off x="966893" y="2766218"/>
             <a:ext cx="10515600" cy="1325563"/>
           </a:xfrm>
         </p:spPr>
@@ -6639,9 +9018,9 @@
           <a:lstStyle/>
           <a:p>
             <a:r>
-              <a:rPr lang="zh-TW" altLang="en-US" dirty="0">
-                <a:latin typeface="標楷體" panose="03000509000000000000" pitchFamily="65" charset="-120"/>
-                <a:ea typeface="標楷體" panose="03000509000000000000" pitchFamily="65" charset="-120"/>
+              <a:rPr lang="zh-TW" altLang="en-US" b="1" dirty="0">
+                <a:latin typeface="Taipei Sans TC Beta" pitchFamily="2" charset="-120"/>
+                <a:ea typeface="Taipei Sans TC Beta" pitchFamily="2" charset="-120"/>
               </a:rPr>
               <a:t>如何挑選進行分析屬性</a:t>
             </a:r>
@@ -6651,7 +9030,7 @@
     </p:spTree>
     <p:extLst>
       <p:ext uri="{BB962C8B-B14F-4D97-AF65-F5344CB8AC3E}">
-        <p14:creationId xmlns:p14="http://schemas.microsoft.com/office/powerpoint/2010/main" val="3580849559"/>
+        <p14:creationId xmlns:p14="http://schemas.microsoft.com/office/powerpoint/2010/main" val="1253800516"/>
       </p:ext>
     </p:extLst>
   </p:cSld>
@@ -6693,7 +9072,7 @@
           <p:nvPr/>
         </p:nvPicPr>
         <p:blipFill>
-          <a:blip r:embed="rId2"/>
+          <a:blip r:embed="rId3"/>
           <a:stretch>
             <a:fillRect/>
           </a:stretch>
@@ -6756,7 +9135,7 @@
         </p:nvSpPr>
         <p:spPr>
           <a:xfrm>
-            <a:off x="838200" y="2691765"/>
+            <a:off x="1041396" y="2766218"/>
             <a:ext cx="10515600" cy="1325563"/>
           </a:xfrm>
         </p:spPr>
@@ -6766,8 +9145,8 @@
           <a:p>
             <a:r>
               <a:rPr lang="zh-TW" altLang="en-US" b="1" dirty="0">
-                <a:latin typeface="標楷體" panose="03000509000000000000" pitchFamily="65" charset="-120"/>
-                <a:ea typeface="標楷體" panose="03000509000000000000" pitchFamily="65" charset="-120"/>
+                <a:latin typeface="Taipei Sans TC Beta" pitchFamily="2" charset="-120"/>
+                <a:ea typeface="Taipei Sans TC Beta" pitchFamily="2" charset="-120"/>
               </a:rPr>
               <a:t>階段性結果、分析的困難處與如何解決</a:t>
             </a:r>
@@ -6777,7 +9156,7 @@
     </p:spTree>
     <p:extLst>
       <p:ext uri="{BB962C8B-B14F-4D97-AF65-F5344CB8AC3E}">
-        <p14:creationId xmlns:p14="http://schemas.microsoft.com/office/powerpoint/2010/main" val="860449524"/>
+        <p14:creationId xmlns:p14="http://schemas.microsoft.com/office/powerpoint/2010/main" val="967645101"/>
       </p:ext>
     </p:extLst>
   </p:cSld>
@@ -6804,32 +9183,207 @@
           <a:chExt cx="0" cy="0"/>
         </a:xfrm>
       </p:grpSpPr>
+      <p:sp>
+        <p:nvSpPr>
+          <p:cNvPr id="2" name="標題 1">
+            <a:extLst>
+              <a:ext uri="{FF2B5EF4-FFF2-40B4-BE49-F238E27FC236}">
+                <a16:creationId xmlns:a16="http://schemas.microsoft.com/office/drawing/2014/main" id="{930BA282-DC37-4AE3-95B2-01C63BBB4239}"/>
+              </a:ext>
+            </a:extLst>
+          </p:cNvPr>
+          <p:cNvSpPr>
+            <a:spLocks noGrp="1"/>
+          </p:cNvSpPr>
+          <p:nvPr>
+            <p:ph type="title"/>
+          </p:nvPr>
+        </p:nvSpPr>
+        <p:spPr>
+          <a:xfrm>
+            <a:off x="7246535" y="-120168"/>
+            <a:ext cx="10515600" cy="6468501"/>
+          </a:xfrm>
+        </p:spPr>
+        <p:txBody>
+          <a:bodyPr>
+            <a:normAutofit/>
+          </a:bodyPr>
+          <a:lstStyle/>
+          <a:p>
+            <a:r>
+              <a:rPr lang="en-US" altLang="zh-TW" sz="3600" dirty="0">
+                <a:latin typeface="Taipei Sans TC Beta" pitchFamily="2" charset="-120"/>
+                <a:ea typeface="Taipei Sans TC Beta" pitchFamily="2" charset="-120"/>
+              </a:rPr>
+              <a:t>11</a:t>
+            </a:r>
+            <a:r>
+              <a:rPr lang="zh-TW" altLang="en-US" sz="3600" dirty="0">
+                <a:latin typeface="Taipei Sans TC Beta" pitchFamily="2" charset="-120"/>
+                <a:ea typeface="Taipei Sans TC Beta" pitchFamily="2" charset="-120"/>
+              </a:rPr>
+              <a:t>萬八卦版</a:t>
+            </a:r>
+            <a:r>
+              <a:rPr lang="zh-TW" altLang="en-US" sz="3600" strike="dblStrike" dirty="0">
+                <a:latin typeface="Taipei Sans TC Beta" pitchFamily="2" charset="-120"/>
+                <a:ea typeface="Taipei Sans TC Beta" pitchFamily="2" charset="-120"/>
+              </a:rPr>
+              <a:t>費雯</a:t>
+            </a:r>
+            <a:r>
+              <a:rPr lang="zh-TW" altLang="en-US" sz="3600" dirty="0">
+                <a:latin typeface="Taipei Sans TC Beta" pitchFamily="2" charset="-120"/>
+                <a:ea typeface="Taipei Sans TC Beta" pitchFamily="2" charset="-120"/>
+              </a:rPr>
+              <a:t>文章</a:t>
+            </a:r>
+            <a:br>
+              <a:rPr lang="en-US" altLang="zh-TW" sz="3600" strike="dblStrike" dirty="0">
+                <a:latin typeface="Taipei Sans TC Beta" pitchFamily="2" charset="-120"/>
+                <a:ea typeface="Taipei Sans TC Beta" pitchFamily="2" charset="-120"/>
+              </a:rPr>
+            </a:br>
+            <a:r>
+              <a:rPr lang="zh-TW" altLang="en-US" sz="3600" dirty="0">
+                <a:latin typeface="Taipei Sans TC Beta" pitchFamily="2" charset="-120"/>
+                <a:ea typeface="Taipei Sans TC Beta" pitchFamily="2" charset="-120"/>
+              </a:rPr>
+              <a:t>可能要爬</a:t>
+            </a:r>
+            <a:r>
+              <a:rPr lang="en-US" altLang="zh-TW" sz="3600" dirty="0">
+                <a:latin typeface="Taipei Sans TC Beta" pitchFamily="2" charset="-120"/>
+                <a:ea typeface="Taipei Sans TC Beta" pitchFamily="2" charset="-120"/>
+              </a:rPr>
+              <a:t>8</a:t>
+            </a:r>
+            <a:r>
+              <a:rPr lang="zh-TW" altLang="en-US" sz="3600" dirty="0">
+                <a:latin typeface="Taipei Sans TC Beta" pitchFamily="2" charset="-120"/>
+                <a:ea typeface="Taipei Sans TC Beta" pitchFamily="2" charset="-120"/>
+              </a:rPr>
+              <a:t>小時</a:t>
+            </a:r>
+            <a:br>
+              <a:rPr lang="en-US" altLang="zh-TW" sz="3600" dirty="0">
+                <a:latin typeface="Taipei Sans TC Beta" pitchFamily="2" charset="-120"/>
+                <a:ea typeface="Taipei Sans TC Beta" pitchFamily="2" charset="-120"/>
+              </a:rPr>
+            </a:br>
+            <a:br>
+              <a:rPr lang="en-US" altLang="zh-TW" sz="3600" dirty="0">
+                <a:latin typeface="Taipei Sans TC Beta" pitchFamily="2" charset="-120"/>
+                <a:ea typeface="Taipei Sans TC Beta" pitchFamily="2" charset="-120"/>
+              </a:rPr>
+            </a:br>
+            <a:br>
+              <a:rPr lang="en-US" altLang="zh-TW" sz="3600" dirty="0">
+                <a:latin typeface="Taipei Sans TC Beta" pitchFamily="2" charset="-120"/>
+                <a:ea typeface="Taipei Sans TC Beta" pitchFamily="2" charset="-120"/>
+              </a:rPr>
+            </a:br>
+            <a:br>
+              <a:rPr lang="en-US" altLang="zh-TW" sz="3600" dirty="0">
+                <a:latin typeface="Taipei Sans TC Beta" pitchFamily="2" charset="-120"/>
+                <a:ea typeface="Taipei Sans TC Beta" pitchFamily="2" charset="-120"/>
+              </a:rPr>
+            </a:br>
+            <a:br>
+              <a:rPr lang="en-US" altLang="zh-TW" sz="3600" dirty="0">
+                <a:latin typeface="Taipei Sans TC Beta" pitchFamily="2" charset="-120"/>
+                <a:ea typeface="Taipei Sans TC Beta" pitchFamily="2" charset="-120"/>
+              </a:rPr>
+            </a:br>
+            <a:br>
+              <a:rPr lang="en-US" altLang="zh-TW" sz="3600" dirty="0">
+                <a:latin typeface="Taipei Sans TC Beta" pitchFamily="2" charset="-120"/>
+                <a:ea typeface="Taipei Sans TC Beta" pitchFamily="2" charset="-120"/>
+              </a:rPr>
+            </a:br>
+            <a:r>
+              <a:rPr lang="en-US" altLang="zh-TW" sz="3600" dirty="0">
+                <a:latin typeface="Taipei Sans TC Beta" pitchFamily="2" charset="-120"/>
+                <a:ea typeface="Taipei Sans TC Beta" pitchFamily="2" charset="-120"/>
+              </a:rPr>
+              <a:t>PTT</a:t>
+            </a:r>
+            <a:r>
+              <a:rPr lang="zh-TW" altLang="en-US" sz="3600" dirty="0">
+                <a:latin typeface="Taipei Sans TC Beta" pitchFamily="2" charset="-120"/>
+                <a:ea typeface="Taipei Sans TC Beta" pitchFamily="2" charset="-120"/>
+              </a:rPr>
+              <a:t>時間戳章問題</a:t>
+            </a:r>
+          </a:p>
+        </p:txBody>
+      </p:sp>
       <p:pic>
         <p:nvPicPr>
-          <p:cNvPr id="4" name="內容版面配置區 3">
-            <a:extLst>
-              <a:ext uri="{FF2B5EF4-FFF2-40B4-BE49-F238E27FC236}">
-                <a16:creationId xmlns:a16="http://schemas.microsoft.com/office/drawing/2014/main" id="{2F51EC54-86B8-43C3-A22E-D0583F33DE4B}"/>
+          <p:cNvPr id="7" name="圖片 6">
+            <a:extLst>
+              <a:ext uri="{FF2B5EF4-FFF2-40B4-BE49-F238E27FC236}">
+                <a16:creationId xmlns:a16="http://schemas.microsoft.com/office/drawing/2014/main" id="{020CC9A1-AAAC-4BBF-A2F0-476791DCF7D3}"/>
               </a:ext>
             </a:extLst>
           </p:cNvPr>
           <p:cNvPicPr>
-            <a:picLocks noGrp="1" noChangeAspect="1"/>
+            <a:picLocks noChangeAspect="1"/>
           </p:cNvPicPr>
-          <p:nvPr>
-            <p:ph idx="1"/>
-          </p:nvPr>
+          <p:nvPr/>
         </p:nvPicPr>
         <p:blipFill>
-          <a:blip r:embed="rId2"/>
+          <a:blip r:embed="rId2">
+            <a:extLst>
+              <a:ext uri="{28A0092B-C50C-407E-A947-70E740481C1C}">
+                <a14:useLocalDpi xmlns:a14="http://schemas.microsoft.com/office/drawing/2010/main" val="0"/>
+              </a:ext>
+            </a:extLst>
+          </a:blip>
           <a:stretch>
             <a:fillRect/>
           </a:stretch>
         </p:blipFill>
         <p:spPr>
           <a:xfrm>
-            <a:off x="2369764" y="409941"/>
-            <a:ext cx="7190796" cy="5838142"/>
+            <a:off x="503375" y="3051866"/>
+            <a:ext cx="6333674" cy="3402841"/>
+          </a:xfrm>
+          <a:prstGeom prst="rect">
+            <a:avLst/>
+          </a:prstGeom>
+        </p:spPr>
+      </p:pic>
+      <p:pic>
+        <p:nvPicPr>
+          <p:cNvPr id="11" name="圖片 10">
+            <a:extLst>
+              <a:ext uri="{FF2B5EF4-FFF2-40B4-BE49-F238E27FC236}">
+                <a16:creationId xmlns:a16="http://schemas.microsoft.com/office/drawing/2014/main" id="{F69CB504-6CAC-4421-8082-53B6D4E51F3A}"/>
+              </a:ext>
+            </a:extLst>
+          </p:cNvPr>
+          <p:cNvPicPr>
+            <a:picLocks noChangeAspect="1"/>
+          </p:cNvPicPr>
+          <p:nvPr/>
+        </p:nvPicPr>
+        <p:blipFill rotWithShape="1">
+          <a:blip r:embed="rId3">
+            <a:extLst>
+              <a:ext uri="{28A0092B-C50C-407E-A947-70E740481C1C}">
+                <a14:useLocalDpi xmlns:a14="http://schemas.microsoft.com/office/drawing/2010/main" val="0"/>
+              </a:ext>
+            </a:extLst>
+          </a:blip>
+          <a:srcRect b="34393"/>
+          <a:stretch/>
+        </p:blipFill>
+        <p:spPr>
+          <a:xfrm>
+            <a:off x="503375" y="403293"/>
+            <a:ext cx="6333674" cy="2200207"/>
           </a:xfrm>
           <a:prstGeom prst="rect">
             <a:avLst/>
@@ -6839,7 +9393,7 @@
     </p:spTree>
     <p:extLst>
       <p:ext uri="{BB962C8B-B14F-4D97-AF65-F5344CB8AC3E}">
-        <p14:creationId xmlns:p14="http://schemas.microsoft.com/office/powerpoint/2010/main" val="2219523926"/>
+        <p14:creationId xmlns:p14="http://schemas.microsoft.com/office/powerpoint/2010/main" val="3026766671"/>
       </p:ext>
     </p:extLst>
   </p:cSld>
@@ -6850,6 +9404,66 @@
 </file>
 
 <file path=ppt/slides/slide26.xml><?xml version="1.0" encoding="utf-8"?>
+<p:sld xmlns:a="http://schemas.openxmlformats.org/drawingml/2006/main" xmlns:r="http://schemas.openxmlformats.org/officeDocument/2006/relationships" xmlns:p="http://schemas.openxmlformats.org/presentationml/2006/main">
+  <p:cSld>
+    <p:spTree>
+      <p:nvGrpSpPr>
+        <p:cNvPr id="1" name=""/>
+        <p:cNvGrpSpPr/>
+        <p:nvPr/>
+      </p:nvGrpSpPr>
+      <p:grpSpPr>
+        <a:xfrm>
+          <a:off x="0" y="0"/>
+          <a:ext cx="0" cy="0"/>
+          <a:chOff x="0" y="0"/>
+          <a:chExt cx="0" cy="0"/>
+        </a:xfrm>
+      </p:grpSpPr>
+      <p:pic>
+        <p:nvPicPr>
+          <p:cNvPr id="4" name="圖片 3">
+            <a:extLst>
+              <a:ext uri="{FF2B5EF4-FFF2-40B4-BE49-F238E27FC236}">
+                <a16:creationId xmlns:a16="http://schemas.microsoft.com/office/drawing/2014/main" id="{CA84BA47-F29A-48E6-B599-5A7A635A1353}"/>
+              </a:ext>
+            </a:extLst>
+          </p:cNvPr>
+          <p:cNvPicPr>
+            <a:picLocks noChangeAspect="1"/>
+          </p:cNvPicPr>
+          <p:nvPr/>
+        </p:nvPicPr>
+        <p:blipFill>
+          <a:blip r:embed="rId2"/>
+          <a:stretch>
+            <a:fillRect/>
+          </a:stretch>
+        </p:blipFill>
+        <p:spPr>
+          <a:xfrm>
+            <a:off x="1319212" y="3028950"/>
+            <a:ext cx="9553575" cy="400050"/>
+          </a:xfrm>
+          <a:prstGeom prst="rect">
+            <a:avLst/>
+          </a:prstGeom>
+        </p:spPr>
+      </p:pic>
+    </p:spTree>
+    <p:extLst>
+      <p:ext uri="{BB962C8B-B14F-4D97-AF65-F5344CB8AC3E}">
+        <p14:creationId xmlns:p14="http://schemas.microsoft.com/office/powerpoint/2010/main" val="809199613"/>
+      </p:ext>
+    </p:extLst>
+  </p:cSld>
+  <p:clrMapOvr>
+    <a:masterClrMapping/>
+  </p:clrMapOvr>
+</p:sld>
+</file>
+
+<file path=ppt/slides/slide27.xml><?xml version="1.0" encoding="utf-8"?>
 <p:sld xmlns:a="http://schemas.openxmlformats.org/drawingml/2006/main" xmlns:r="http://schemas.openxmlformats.org/officeDocument/2006/relationships" xmlns:p="http://schemas.openxmlformats.org/presentationml/2006/main">
   <p:cSld>
     <p:spTree>
@@ -6909,7 +9523,7 @@
 </p:sld>
 </file>
 
-<file path=ppt/slides/slide27.xml><?xml version="1.0" encoding="utf-8"?>
+<file path=ppt/slides/slide28.xml><?xml version="1.0" encoding="utf-8"?>
 <p:sld xmlns:a="http://schemas.openxmlformats.org/drawingml/2006/main" xmlns:r="http://schemas.openxmlformats.org/officeDocument/2006/relationships" xmlns:p="http://schemas.openxmlformats.org/presentationml/2006/main">
   <p:cSld>
     <p:spTree>
@@ -6928,17 +9542,19 @@
       </p:grpSpPr>
       <p:pic>
         <p:nvPicPr>
-          <p:cNvPr id="4" name="圖片 3">
-            <a:extLst>
-              <a:ext uri="{FF2B5EF4-FFF2-40B4-BE49-F238E27FC236}">
-                <a16:creationId xmlns:a16="http://schemas.microsoft.com/office/drawing/2014/main" id="{CA84BA47-F29A-48E6-B599-5A7A635A1353}"/>
+          <p:cNvPr id="4" name="內容版面配置區 3">
+            <a:extLst>
+              <a:ext uri="{FF2B5EF4-FFF2-40B4-BE49-F238E27FC236}">
+                <a16:creationId xmlns:a16="http://schemas.microsoft.com/office/drawing/2014/main" id="{2F51EC54-86B8-43C3-A22E-D0583F33DE4B}"/>
               </a:ext>
             </a:extLst>
           </p:cNvPr>
           <p:cNvPicPr>
-            <a:picLocks noChangeAspect="1"/>
+            <a:picLocks noGrp="1" noChangeAspect="1"/>
           </p:cNvPicPr>
-          <p:nvPr/>
+          <p:nvPr>
+            <p:ph idx="1"/>
+          </p:nvPr>
         </p:nvPicPr>
         <p:blipFill>
           <a:blip r:embed="rId2"/>
@@ -6948,8 +9564,8 @@
         </p:blipFill>
         <p:spPr>
           <a:xfrm>
-            <a:off x="1319212" y="3028950"/>
-            <a:ext cx="9553575" cy="400050"/>
+            <a:off x="2369764" y="409941"/>
+            <a:ext cx="7190796" cy="5838142"/>
           </a:xfrm>
           <a:prstGeom prst="rect">
             <a:avLst/>
@@ -6959,7 +9575,7 @@
     </p:spTree>
     <p:extLst>
       <p:ext uri="{BB962C8B-B14F-4D97-AF65-F5344CB8AC3E}">
-        <p14:creationId xmlns:p14="http://schemas.microsoft.com/office/powerpoint/2010/main" val="809199613"/>
+        <p14:creationId xmlns:p14="http://schemas.microsoft.com/office/powerpoint/2010/main" val="2219523926"/>
       </p:ext>
     </p:extLst>
   </p:cSld>
@@ -6969,7 +9585,7 @@
 </p:sld>
 </file>
 
-<file path=ppt/slides/slide28.xml><?xml version="1.0" encoding="utf-8"?>
+<file path=ppt/slides/slide29.xml><?xml version="1.0" encoding="utf-8"?>
 <p:sld xmlns:a="http://schemas.openxmlformats.org/drawingml/2006/main" xmlns:r="http://schemas.openxmlformats.org/officeDocument/2006/relationships" xmlns:p="http://schemas.openxmlformats.org/presentationml/2006/main">
   <p:cSld>
     <p:spTree>
@@ -7029,176 +9645,6 @@
 </p:sld>
 </file>
 
-<file path=ppt/slides/slide29.xml><?xml version="1.0" encoding="utf-8"?>
-<p:sld xmlns:a="http://schemas.openxmlformats.org/drawingml/2006/main" xmlns:r="http://schemas.openxmlformats.org/officeDocument/2006/relationships" xmlns:p="http://schemas.openxmlformats.org/presentationml/2006/main">
-  <p:cSld>
-    <p:spTree>
-      <p:nvGrpSpPr>
-        <p:cNvPr id="1" name=""/>
-        <p:cNvGrpSpPr/>
-        <p:nvPr/>
-      </p:nvGrpSpPr>
-      <p:grpSpPr>
-        <a:xfrm>
-          <a:off x="0" y="0"/>
-          <a:ext cx="0" cy="0"/>
-          <a:chOff x="0" y="0"/>
-          <a:chExt cx="0" cy="0"/>
-        </a:xfrm>
-      </p:grpSpPr>
-      <p:pic>
-        <p:nvPicPr>
-          <p:cNvPr id="5" name="圖片 4">
-            <a:extLst>
-              <a:ext uri="{FF2B5EF4-FFF2-40B4-BE49-F238E27FC236}">
-                <a16:creationId xmlns:a16="http://schemas.microsoft.com/office/drawing/2014/main" id="{0A3F09D6-C16E-403B-B0EE-D68B6A5C97E3}"/>
-              </a:ext>
-            </a:extLst>
-          </p:cNvPr>
-          <p:cNvPicPr>
-            <a:picLocks noChangeAspect="1"/>
-          </p:cNvPicPr>
-          <p:nvPr/>
-        </p:nvPicPr>
-        <p:blipFill rotWithShape="1">
-          <a:blip r:embed="rId2">
-            <a:extLst>
-              <a:ext uri="{28A0092B-C50C-407E-A947-70E740481C1C}">
-                <a14:useLocalDpi xmlns:a14="http://schemas.microsoft.com/office/drawing/2010/main" val="0"/>
-              </a:ext>
-            </a:extLst>
-          </a:blip>
-          <a:srcRect l="-103" t="-273" r="-2600" b="47644"/>
-          <a:stretch/>
-        </p:blipFill>
-        <p:spPr>
-          <a:xfrm>
-            <a:off x="485775" y="393123"/>
-            <a:ext cx="6667500" cy="6071753"/>
-          </a:xfrm>
-          <a:prstGeom prst="rect">
-            <a:avLst/>
-          </a:prstGeom>
-        </p:spPr>
-      </p:pic>
-      <p:sp>
-        <p:nvSpPr>
-          <p:cNvPr id="6" name="文字方塊 5">
-            <a:extLst>
-              <a:ext uri="{FF2B5EF4-FFF2-40B4-BE49-F238E27FC236}">
-                <a16:creationId xmlns:a16="http://schemas.microsoft.com/office/drawing/2014/main" id="{A15B93CC-2ACE-4B75-8941-5D16023FDF74}"/>
-              </a:ext>
-            </a:extLst>
-          </p:cNvPr>
-          <p:cNvSpPr txBox="1"/>
-          <p:nvPr/>
-        </p:nvSpPr>
-        <p:spPr>
-          <a:xfrm>
-            <a:off x="7334250" y="2524125"/>
-            <a:ext cx="4781549" cy="1200329"/>
-          </a:xfrm>
-          <a:prstGeom prst="rect">
-            <a:avLst/>
-          </a:prstGeom>
-          <a:noFill/>
-        </p:spPr>
-        <p:txBody>
-          <a:bodyPr wrap="square" rtlCol="0">
-            <a:spAutoFit/>
-          </a:bodyPr>
-          <a:lstStyle/>
-          <a:p>
-            <a:r>
-              <a:rPr lang="zh-TW" altLang="en-US" sz="3600" dirty="0">
-                <a:latin typeface="標楷體" panose="03000509000000000000" pitchFamily="65" charset="-120"/>
-                <a:ea typeface="標楷體" panose="03000509000000000000" pitchFamily="65" charset="-120"/>
-              </a:rPr>
-              <a:t>爬了</a:t>
-            </a:r>
-            <a:r>
-              <a:rPr lang="en-US" altLang="zh-TW" sz="3600" dirty="0">
-                <a:latin typeface="標楷體" panose="03000509000000000000" pitchFamily="65" charset="-120"/>
-                <a:ea typeface="標楷體" panose="03000509000000000000" pitchFamily="65" charset="-120"/>
-              </a:rPr>
-              <a:t>90000</a:t>
-            </a:r>
-            <a:r>
-              <a:rPr lang="zh-TW" altLang="en-US" sz="3600" dirty="0">
-                <a:latin typeface="標楷體" panose="03000509000000000000" pitchFamily="65" charset="-120"/>
-                <a:ea typeface="標楷體" panose="03000509000000000000" pitchFamily="65" charset="-120"/>
-              </a:rPr>
-              <a:t>筆資料結果</a:t>
-            </a:r>
-            <a:r>
-              <a:rPr lang="en-US" altLang="zh-TW" sz="3600" dirty="0">
-                <a:latin typeface="標楷體" panose="03000509000000000000" pitchFamily="65" charset="-120"/>
-                <a:ea typeface="標楷體" panose="03000509000000000000" pitchFamily="65" charset="-120"/>
-              </a:rPr>
-              <a:t>IP</a:t>
-            </a:r>
-            <a:r>
-              <a:rPr lang="zh-TW" altLang="en-US" sz="3600" dirty="0">
-                <a:latin typeface="標楷體" panose="03000509000000000000" pitchFamily="65" charset="-120"/>
-                <a:ea typeface="標楷體" panose="03000509000000000000" pitchFamily="65" charset="-120"/>
-              </a:rPr>
-              <a:t>被</a:t>
-            </a:r>
-            <a:r>
-              <a:rPr lang="en-US" altLang="zh-TW" sz="3600" dirty="0" err="1">
-                <a:latin typeface="標楷體" panose="03000509000000000000" pitchFamily="65" charset="-120"/>
-                <a:ea typeface="標楷體" panose="03000509000000000000" pitchFamily="65" charset="-120"/>
-              </a:rPr>
-              <a:t>Dcard</a:t>
-            </a:r>
-            <a:r>
-              <a:rPr lang="zh-TW" altLang="en-US" sz="3600" dirty="0">
-                <a:latin typeface="標楷體" panose="03000509000000000000" pitchFamily="65" charset="-120"/>
-                <a:ea typeface="標楷體" panose="03000509000000000000" pitchFamily="65" charset="-120"/>
-              </a:rPr>
-              <a:t> </a:t>
-            </a:r>
-            <a:r>
-              <a:rPr lang="en-US" altLang="zh-TW" sz="3600" dirty="0">
-                <a:latin typeface="標楷體" panose="03000509000000000000" pitchFamily="65" charset="-120"/>
-                <a:ea typeface="標楷體" panose="03000509000000000000" pitchFamily="65" charset="-120"/>
-              </a:rPr>
-              <a:t>Ban</a:t>
-            </a:r>
-            <a:r>
-              <a:rPr lang="zh-TW" altLang="en-US" sz="3600" dirty="0">
-                <a:latin typeface="標楷體" panose="03000509000000000000" pitchFamily="65" charset="-120"/>
-                <a:ea typeface="標楷體" panose="03000509000000000000" pitchFamily="65" charset="-120"/>
-              </a:rPr>
-              <a:t>掉</a:t>
-            </a:r>
-            <a:r>
-              <a:rPr lang="en-US" altLang="zh-TW" sz="3600" dirty="0">
-                <a:latin typeface="標楷體" panose="03000509000000000000" pitchFamily="65" charset="-120"/>
-                <a:ea typeface="標楷體" panose="03000509000000000000" pitchFamily="65" charset="-120"/>
-              </a:rPr>
-              <a:t>....</a:t>
-            </a:r>
-            <a:endParaRPr lang="zh-TW" altLang="en-US" sz="3600" dirty="0">
-              <a:latin typeface="標楷體" panose="03000509000000000000" pitchFamily="65" charset="-120"/>
-              <a:ea typeface="標楷體" panose="03000509000000000000" pitchFamily="65" charset="-120"/>
-            </a:endParaRPr>
-          </a:p>
-        </p:txBody>
-      </p:sp>
-    </p:spTree>
-    <p:extLst>
-      <p:ext uri="{BB962C8B-B14F-4D97-AF65-F5344CB8AC3E}">
-        <p14:creationId xmlns:p14="http://schemas.microsoft.com/office/powerpoint/2010/main" val="1792923163"/>
-      </p:ext>
-    </p:extLst>
-  </p:cSld>
-  <p:clrMapOvr>
-    <a:masterClrMapping/>
-  </p:clrMapOvr>
-</p:sld>
-</file>
-
 <file path=ppt/slides/slide3.xml><?xml version="1.0" encoding="utf-8"?>
 <p:sld xmlns:a="http://schemas.openxmlformats.org/drawingml/2006/main" xmlns:r="http://schemas.openxmlformats.org/officeDocument/2006/relationships" xmlns:p="http://schemas.openxmlformats.org/presentationml/2006/main">
   <p:cSld>
@@ -7240,7 +9686,7 @@
         </p:nvSpPr>
         <p:spPr>
           <a:xfrm>
-            <a:off x="7551098" y="794808"/>
+            <a:off x="7861294" y="644213"/>
             <a:ext cx="4640882" cy="3208238"/>
           </a:xfrm>
           <a:prstGeom prst="rect">
@@ -7271,86 +9717,154 @@
             </a:lvl1pPr>
           </a:lstStyle>
           <a:p>
-            <a:pPr>
+            <a:pPr marL="0" marR="0" lvl="0" indent="0" algn="l" defTabSz="914400" rtl="0" eaLnBrk="1" fontAlgn="auto" latinLnBrk="0" hangingPunct="1">
+              <a:lnSpc>
+                <a:spcPct val="90000"/>
+              </a:lnSpc>
+              <a:spcBef>
+                <a:spcPct val="0"/>
+              </a:spcBef>
               <a:spcAft>
                 <a:spcPts val="600"/>
               </a:spcAft>
+              <a:buClrTx/>
+              <a:buSzTx/>
+              <a:buFontTx/>
+              <a:buNone/>
+              <a:tabLst/>
+              <a:defRPr/>
             </a:pPr>
             <a:r>
-              <a:rPr lang="zh-TW" altLang="en-US" sz="4200" b="1" kern="1200" dirty="0">
+              <a:rPr kumimoji="0" lang="zh-TW" altLang="en-US" sz="3200" b="1" i="0" u="none" strike="noStrike" kern="1200" cap="none" spc="0" normalizeH="0" baseline="0" noProof="0" dirty="0">
+                <a:ln>
+                  <a:noFill/>
+                </a:ln>
                 <a:solidFill>
-                  <a:schemeClr val="tx1"/>
+                  <a:prstClr val="black"/>
                 </a:solidFill>
-                <a:latin typeface="標楷體" panose="03000509000000000000" pitchFamily="65" charset="-120"/>
-                <a:ea typeface="標楷體" panose="03000509000000000000" pitchFamily="65" charset="-120"/>
+                <a:effectLst/>
+                <a:uLnTx/>
+                <a:uFillTx/>
+                <a:latin typeface="Taipei Sans TC Beta Light" pitchFamily="2" charset="-120"/>
+                <a:ea typeface="Taipei Sans TC Beta Light" pitchFamily="2" charset="-120"/>
+                <a:cs typeface="+mj-cs"/>
               </a:rPr>
               <a:t>反送中水深火熱</a:t>
             </a:r>
             <a:r>
-              <a:rPr lang="en-US" altLang="zh-TW" sz="4200" b="1" kern="1200" dirty="0">
+              <a:rPr kumimoji="0" lang="en-US" altLang="zh-TW" sz="3200" b="1" i="0" u="none" strike="noStrike" kern="1200" cap="none" spc="0" normalizeH="0" baseline="0" noProof="0" dirty="0">
+                <a:ln>
+                  <a:noFill/>
+                </a:ln>
                 <a:solidFill>
-                  <a:schemeClr val="tx1"/>
+                  <a:prstClr val="black"/>
                 </a:solidFill>
-                <a:latin typeface="標楷體" panose="03000509000000000000" pitchFamily="65" charset="-120"/>
-                <a:ea typeface="標楷體" panose="03000509000000000000" pitchFamily="65" charset="-120"/>
+                <a:effectLst/>
+                <a:uLnTx/>
+                <a:uFillTx/>
+                <a:latin typeface="Taipei Sans TC Beta Light" pitchFamily="2" charset="-120"/>
+                <a:ea typeface="Taipei Sans TC Beta Light" pitchFamily="2" charset="-120"/>
+                <a:cs typeface="+mj-cs"/>
               </a:rPr>
               <a:t>? </a:t>
             </a:r>
             <a:br>
-              <a:rPr lang="en-US" altLang="zh-TW" sz="4200" b="1" kern="1200" dirty="0">
+              <a:rPr kumimoji="0" lang="en-US" altLang="zh-TW" sz="3200" b="1" i="0" u="none" strike="noStrike" kern="1200" cap="none" spc="0" normalizeH="0" baseline="0" noProof="0" dirty="0">
+                <a:ln>
+                  <a:noFill/>
+                </a:ln>
                 <a:solidFill>
-                  <a:schemeClr val="tx1"/>
+                  <a:prstClr val="black"/>
                 </a:solidFill>
-                <a:latin typeface="標楷體" panose="03000509000000000000" pitchFamily="65" charset="-120"/>
-                <a:ea typeface="標楷體" panose="03000509000000000000" pitchFamily="65" charset="-120"/>
+                <a:effectLst/>
+                <a:uLnTx/>
+                <a:uFillTx/>
+                <a:latin typeface="Taipei Sans TC Beta Light" pitchFamily="2" charset="-120"/>
+                <a:ea typeface="Taipei Sans TC Beta Light" pitchFamily="2" charset="-120"/>
+                <a:cs typeface="+mj-cs"/>
               </a:rPr>
             </a:br>
             <a:r>
-              <a:rPr lang="zh-TW" altLang="en-US" sz="4200" b="1" kern="1200" dirty="0">
+              <a:rPr kumimoji="0" lang="zh-TW" altLang="en-US" sz="3200" b="1" i="0" u="none" strike="noStrike" kern="1200" cap="none" spc="0" normalizeH="0" baseline="0" noProof="0" dirty="0">
+                <a:ln>
+                  <a:noFill/>
+                </a:ln>
                 <a:solidFill>
-                  <a:schemeClr val="tx1"/>
+                  <a:prstClr val="black"/>
                 </a:solidFill>
-                <a:latin typeface="標楷體" panose="03000509000000000000" pitchFamily="65" charset="-120"/>
-                <a:ea typeface="標楷體" panose="03000509000000000000" pitchFamily="65" charset="-120"/>
+                <a:effectLst/>
+                <a:uLnTx/>
+                <a:uFillTx/>
+                <a:latin typeface="Taipei Sans TC Beta Light" pitchFamily="2" charset="-120"/>
+                <a:ea typeface="Taipei Sans TC Beta Light" pitchFamily="2" charset="-120"/>
+                <a:cs typeface="+mj-cs"/>
               </a:rPr>
               <a:t>沒拿捏好朋友分寸</a:t>
             </a:r>
             <a:r>
-              <a:rPr lang="en-US" altLang="zh-TW" sz="4200" b="1" kern="1200" dirty="0">
+              <a:rPr kumimoji="0" lang="en-US" altLang="zh-TW" sz="3200" b="1" i="0" u="none" strike="noStrike" kern="1200" cap="none" spc="0" normalizeH="0" baseline="0" noProof="0" dirty="0">
+                <a:ln>
+                  <a:noFill/>
+                </a:ln>
                 <a:solidFill>
-                  <a:schemeClr val="tx1"/>
+                  <a:prstClr val="black"/>
                 </a:solidFill>
-                <a:latin typeface="標楷體" panose="03000509000000000000" pitchFamily="65" charset="-120"/>
-                <a:ea typeface="標楷體" panose="03000509000000000000" pitchFamily="65" charset="-120"/>
+                <a:effectLst/>
+                <a:uLnTx/>
+                <a:uFillTx/>
+                <a:latin typeface="Taipei Sans TC Beta Light" pitchFamily="2" charset="-120"/>
+                <a:ea typeface="Taipei Sans TC Beta Light" pitchFamily="2" charset="-120"/>
+                <a:cs typeface="+mj-cs"/>
               </a:rPr>
               <a:t>?</a:t>
             </a:r>
             <a:br>
-              <a:rPr lang="en-US" altLang="zh-TW" sz="4200" b="1" kern="1200" dirty="0">
+              <a:rPr kumimoji="0" lang="en-US" altLang="zh-TW" sz="3200" b="1" i="0" u="none" strike="noStrike" kern="1200" cap="none" spc="0" normalizeH="0" baseline="0" noProof="0" dirty="0">
+                <a:ln>
+                  <a:noFill/>
+                </a:ln>
                 <a:solidFill>
-                  <a:schemeClr val="tx1"/>
+                  <a:prstClr val="black"/>
                 </a:solidFill>
-                <a:latin typeface="標楷體" panose="03000509000000000000" pitchFamily="65" charset="-120"/>
-                <a:ea typeface="標楷體" panose="03000509000000000000" pitchFamily="65" charset="-120"/>
+                <a:effectLst/>
+                <a:uLnTx/>
+                <a:uFillTx/>
+                <a:latin typeface="Taipei Sans TC Beta Light" pitchFamily="2" charset="-120"/>
+                <a:ea typeface="Taipei Sans TC Beta Light" pitchFamily="2" charset="-120"/>
+                <a:cs typeface="+mj-cs"/>
               </a:rPr>
             </a:br>
             <a:r>
-              <a:rPr lang="zh-TW" altLang="en-US" sz="4200" b="1" kern="1200" dirty="0">
+              <a:rPr kumimoji="0" lang="zh-TW" altLang="en-US" sz="3200" b="1" i="0" u="none" strike="noStrike" kern="1200" cap="none" spc="0" normalizeH="0" baseline="0" noProof="0" dirty="0">
+                <a:ln>
+                  <a:noFill/>
+                </a:ln>
                 <a:solidFill>
-                  <a:schemeClr val="tx1"/>
+                  <a:prstClr val="black"/>
                 </a:solidFill>
-                <a:latin typeface="標楷體" panose="03000509000000000000" pitchFamily="65" charset="-120"/>
-                <a:ea typeface="標楷體" panose="03000509000000000000" pitchFamily="65" charset="-120"/>
+                <a:effectLst/>
+                <a:uLnTx/>
+                <a:uFillTx/>
+                <a:latin typeface="Taipei Sans TC Beta Light" pitchFamily="2" charset="-120"/>
+                <a:ea typeface="Taipei Sans TC Beta Light" pitchFamily="2" charset="-120"/>
+                <a:cs typeface="+mj-cs"/>
               </a:rPr>
               <a:t>高雄發大財</a:t>
             </a:r>
             <a:r>
-              <a:rPr lang="en-US" altLang="zh-TW" sz="4200" b="1" kern="1200" dirty="0">
+              <a:rPr kumimoji="0" lang="en-US" altLang="zh-TW" sz="3200" b="1" i="0" u="none" strike="noStrike" kern="1200" cap="none" spc="0" normalizeH="0" baseline="0" noProof="0" dirty="0">
+                <a:ln>
+                  <a:noFill/>
+                </a:ln>
                 <a:solidFill>
-                  <a:schemeClr val="tx1"/>
+                  <a:prstClr val="black"/>
                 </a:solidFill>
-                <a:latin typeface="標楷體" panose="03000509000000000000" pitchFamily="65" charset="-120"/>
-                <a:ea typeface="標楷體" panose="03000509000000000000" pitchFamily="65" charset="-120"/>
+                <a:effectLst/>
+                <a:uLnTx/>
+                <a:uFillTx/>
+                <a:latin typeface="Taipei Sans TC Beta Light" pitchFamily="2" charset="-120"/>
+                <a:ea typeface="Taipei Sans TC Beta Light" pitchFamily="2" charset="-120"/>
+                <a:cs typeface="+mj-cs"/>
               </a:rPr>
               <a:t>?</a:t>
             </a:r>
@@ -7372,7 +9886,7 @@
           <p:nvPr/>
         </p:nvPicPr>
         <p:blipFill rotWithShape="1">
-          <a:blip r:embed="rId2"/>
+          <a:blip r:embed="rId3"/>
           <a:srcRect t="353" r="-3" b="16809"/>
           <a:stretch/>
         </p:blipFill>
@@ -7401,7 +9915,7 @@
           <p:nvPr/>
         </p:nvPicPr>
         <p:blipFill rotWithShape="1">
-          <a:blip r:embed="rId3"/>
+          <a:blip r:embed="rId4"/>
           <a:srcRect l="15140" r="21796" b="2"/>
           <a:stretch/>
         </p:blipFill>
@@ -7430,7 +9944,7 @@
           <p:nvPr/>
         </p:nvPicPr>
         <p:blipFill rotWithShape="1">
-          <a:blip r:embed="rId4"/>
+          <a:blip r:embed="rId5"/>
           <a:srcRect t="19219" r="-1" b="14384"/>
           <a:stretch/>
         </p:blipFill>
@@ -7499,7 +10013,7 @@
     </p:spTree>
     <p:extLst>
       <p:ext uri="{BB962C8B-B14F-4D97-AF65-F5344CB8AC3E}">
-        <p14:creationId xmlns:p14="http://schemas.microsoft.com/office/powerpoint/2010/main" val="1399215419"/>
+        <p14:creationId xmlns:p14="http://schemas.microsoft.com/office/powerpoint/2010/main" val="4009489057"/>
       </p:ext>
     </p:extLst>
   </p:cSld>
@@ -7526,72 +10040,21 @@
           <a:chExt cx="0" cy="0"/>
         </a:xfrm>
       </p:grpSpPr>
-      <p:sp>
-        <p:nvSpPr>
-          <p:cNvPr id="2" name="標題 1">
-            <a:extLst>
-              <a:ext uri="{FF2B5EF4-FFF2-40B4-BE49-F238E27FC236}">
-                <a16:creationId xmlns:a16="http://schemas.microsoft.com/office/drawing/2014/main" id="{930BA282-DC37-4AE3-95B2-01C63BBB4239}"/>
-              </a:ext>
-            </a:extLst>
-          </p:cNvPr>
-          <p:cNvSpPr>
-            <a:spLocks noGrp="1"/>
-          </p:cNvSpPr>
-          <p:nvPr>
-            <p:ph type="title"/>
-          </p:nvPr>
-        </p:nvSpPr>
-        <p:spPr>
-          <a:xfrm>
-            <a:off x="6224705" y="4189689"/>
-            <a:ext cx="10515600" cy="3402841"/>
-          </a:xfrm>
-        </p:spPr>
-        <p:txBody>
-          <a:bodyPr/>
-          <a:lstStyle/>
-          <a:p>
-            <a:r>
-              <a:rPr lang="zh-TW" altLang="en-US" dirty="0">
-                <a:latin typeface="標楷體" panose="03000509000000000000" pitchFamily="65" charset="-120"/>
-                <a:ea typeface="標楷體" panose="03000509000000000000" pitchFamily="65" charset="-120"/>
-              </a:rPr>
-              <a:t>一開始選太多關鍵字，</a:t>
-            </a:r>
-            <a:br>
-              <a:rPr lang="en-US" altLang="zh-TW" dirty="0">
-                <a:latin typeface="標楷體" panose="03000509000000000000" pitchFamily="65" charset="-120"/>
-                <a:ea typeface="標楷體" panose="03000509000000000000" pitchFamily="65" charset="-120"/>
-              </a:rPr>
-            </a:br>
-            <a:r>
-              <a:rPr lang="zh-TW" altLang="en-US" dirty="0">
-                <a:latin typeface="標楷體" panose="03000509000000000000" pitchFamily="65" charset="-120"/>
-                <a:ea typeface="標楷體" panose="03000509000000000000" pitchFamily="65" charset="-120"/>
-              </a:rPr>
-              <a:t>導致資料看起來雜亂。</a:t>
-            </a:r>
-          </a:p>
-        </p:txBody>
-      </p:sp>
       <p:pic>
         <p:nvPicPr>
-          <p:cNvPr id="4" name="內容版面配置區 4">
-            <a:extLst>
-              <a:ext uri="{FF2B5EF4-FFF2-40B4-BE49-F238E27FC236}">
-                <a16:creationId xmlns:a16="http://schemas.microsoft.com/office/drawing/2014/main" id="{35743103-59B6-40BF-A9FC-DF03A3199814}"/>
+          <p:cNvPr id="5" name="圖片 4">
+            <a:extLst>
+              <a:ext uri="{FF2B5EF4-FFF2-40B4-BE49-F238E27FC236}">
+                <a16:creationId xmlns:a16="http://schemas.microsoft.com/office/drawing/2014/main" id="{0A3F09D6-C16E-403B-B0EE-D68B6A5C97E3}"/>
               </a:ext>
             </a:extLst>
           </p:cNvPr>
           <p:cNvPicPr>
-            <a:picLocks noGrp="1" noChangeAspect="1"/>
+            <a:picLocks noChangeAspect="1"/>
           </p:cNvPicPr>
-          <p:nvPr>
-            <p:ph idx="1"/>
-          </p:nvPr>
+          <p:nvPr/>
         </p:nvPicPr>
-        <p:blipFill>
+        <p:blipFill rotWithShape="1">
           <a:blip r:embed="rId2">
             <a:extLst>
               <a:ext uri="{28A0092B-C50C-407E-A947-70E740481C1C}">
@@ -7599,21 +10062,130 @@
               </a:ext>
             </a:extLst>
           </a:blip>
-          <a:stretch>
-            <a:fillRect/>
-          </a:stretch>
+          <a:srcRect l="-103" t="-273" r="-2600" b="47644"/>
+          <a:stretch/>
         </p:blipFill>
         <p:spPr>
           <a:xfrm>
-            <a:off x="1534443" y="507931"/>
-            <a:ext cx="6393996" cy="4351338"/>
+            <a:off x="485775" y="393123"/>
+            <a:ext cx="6667500" cy="6071753"/>
           </a:xfrm>
+          <a:prstGeom prst="rect">
+            <a:avLst/>
+          </a:prstGeom>
         </p:spPr>
       </p:pic>
+      <p:sp>
+        <p:nvSpPr>
+          <p:cNvPr id="6" name="文字方塊 5">
+            <a:extLst>
+              <a:ext uri="{FF2B5EF4-FFF2-40B4-BE49-F238E27FC236}">
+                <a16:creationId xmlns:a16="http://schemas.microsoft.com/office/drawing/2014/main" id="{A15B93CC-2ACE-4B75-8941-5D16023FDF74}"/>
+              </a:ext>
+            </a:extLst>
+          </p:cNvPr>
+          <p:cNvSpPr txBox="1"/>
+          <p:nvPr/>
+        </p:nvSpPr>
+        <p:spPr>
+          <a:xfrm>
+            <a:off x="7153275" y="2828834"/>
+            <a:ext cx="4781549" cy="1200329"/>
+          </a:xfrm>
+          <a:prstGeom prst="rect">
+            <a:avLst/>
+          </a:prstGeom>
+          <a:noFill/>
+        </p:spPr>
+        <p:txBody>
+          <a:bodyPr wrap="square" rtlCol="0">
+            <a:spAutoFit/>
+          </a:bodyPr>
+          <a:lstStyle/>
+          <a:p>
+            <a:r>
+              <a:rPr lang="zh-TW" altLang="en-US" sz="3600" dirty="0">
+                <a:latin typeface="Taipei Sans TC Beta" pitchFamily="2" charset="-120"/>
+                <a:ea typeface="Taipei Sans TC Beta" pitchFamily="2" charset="-120"/>
+              </a:rPr>
+              <a:t>爬了</a:t>
+            </a:r>
+            <a:r>
+              <a:rPr lang="en-US" altLang="zh-TW" sz="3600" dirty="0">
+                <a:latin typeface="Taipei Sans TC Beta" pitchFamily="2" charset="-120"/>
+                <a:ea typeface="Taipei Sans TC Beta" pitchFamily="2" charset="-120"/>
+              </a:rPr>
+              <a:t>90000</a:t>
+            </a:r>
+            <a:r>
+              <a:rPr lang="zh-TW" altLang="en-US" sz="3600" dirty="0">
+                <a:latin typeface="Taipei Sans TC Beta" pitchFamily="2" charset="-120"/>
+                <a:ea typeface="Taipei Sans TC Beta" pitchFamily="2" charset="-120"/>
+              </a:rPr>
+              <a:t>筆資料</a:t>
+            </a:r>
+            <a:endParaRPr lang="en-US" altLang="zh-TW" sz="3600" dirty="0">
+              <a:latin typeface="Taipei Sans TC Beta" pitchFamily="2" charset="-120"/>
+              <a:ea typeface="Taipei Sans TC Beta" pitchFamily="2" charset="-120"/>
+            </a:endParaRPr>
+          </a:p>
+          <a:p>
+            <a:r>
+              <a:rPr lang="zh-TW" altLang="en-US" sz="3600" dirty="0">
+                <a:latin typeface="Taipei Sans TC Beta" pitchFamily="2" charset="-120"/>
+                <a:ea typeface="Taipei Sans TC Beta" pitchFamily="2" charset="-120"/>
+              </a:rPr>
+              <a:t>結果</a:t>
+            </a:r>
+            <a:r>
+              <a:rPr lang="en-US" altLang="zh-TW" sz="3600" dirty="0">
+                <a:latin typeface="Taipei Sans TC Beta" pitchFamily="2" charset="-120"/>
+                <a:ea typeface="Taipei Sans TC Beta" pitchFamily="2" charset="-120"/>
+              </a:rPr>
+              <a:t>IP</a:t>
+            </a:r>
+            <a:r>
+              <a:rPr lang="zh-TW" altLang="en-US" sz="3600" dirty="0">
+                <a:latin typeface="Taipei Sans TC Beta" pitchFamily="2" charset="-120"/>
+                <a:ea typeface="Taipei Sans TC Beta" pitchFamily="2" charset="-120"/>
+              </a:rPr>
+              <a:t>被</a:t>
+            </a:r>
+            <a:r>
+              <a:rPr lang="en-US" altLang="zh-TW" sz="3600" dirty="0" err="1">
+                <a:latin typeface="Taipei Sans TC Beta" pitchFamily="2" charset="-120"/>
+                <a:ea typeface="Taipei Sans TC Beta" pitchFamily="2" charset="-120"/>
+              </a:rPr>
+              <a:t>Dcard</a:t>
+            </a:r>
+            <a:r>
+              <a:rPr lang="zh-TW" altLang="en-US" sz="3600" dirty="0">
+                <a:latin typeface="Taipei Sans TC Beta" pitchFamily="2" charset="-120"/>
+                <a:ea typeface="Taipei Sans TC Beta" pitchFamily="2" charset="-120"/>
+              </a:rPr>
+              <a:t> </a:t>
+            </a:r>
+            <a:r>
+              <a:rPr lang="en-US" altLang="zh-TW" sz="3600" dirty="0">
+                <a:latin typeface="Taipei Sans TC Beta" pitchFamily="2" charset="-120"/>
+                <a:ea typeface="Taipei Sans TC Beta" pitchFamily="2" charset="-120"/>
+              </a:rPr>
+              <a:t>Ban</a:t>
+            </a:r>
+            <a:r>
+              <a:rPr lang="zh-TW" altLang="en-US" sz="3600" dirty="0">
+                <a:latin typeface="Taipei Sans TC Beta" pitchFamily="2" charset="-120"/>
+                <a:ea typeface="Taipei Sans TC Beta" pitchFamily="2" charset="-120"/>
+              </a:rPr>
+              <a:t>掉</a:t>
+            </a:r>
+          </a:p>
+        </p:txBody>
+      </p:sp>
     </p:spTree>
     <p:extLst>
       <p:ext uri="{BB962C8B-B14F-4D97-AF65-F5344CB8AC3E}">
-        <p14:creationId xmlns:p14="http://schemas.microsoft.com/office/powerpoint/2010/main" val="1756631232"/>
+        <p14:creationId xmlns:p14="http://schemas.microsoft.com/office/powerpoint/2010/main" val="2199322149"/>
       </p:ext>
     </p:extLst>
   </p:cSld>
@@ -7645,7 +10217,7 @@
           <p:cNvPr id="2" name="標題 1">
             <a:extLst>
               <a:ext uri="{FF2B5EF4-FFF2-40B4-BE49-F238E27FC236}">
-                <a16:creationId xmlns:a16="http://schemas.microsoft.com/office/drawing/2014/main" id="{4DEB0361-17C1-4B8D-8B94-04915E50CFA4}"/>
+                <a16:creationId xmlns:a16="http://schemas.microsoft.com/office/drawing/2014/main" id="{930BA282-DC37-4AE3-95B2-01C63BBB4239}"/>
               </a:ext>
             </a:extLst>
           </p:cNvPr>
@@ -7658,28 +10230,78 @@
         </p:nvSpPr>
         <p:spPr>
           <a:xfrm>
-            <a:off x="4543425" y="2766218"/>
-            <a:ext cx="10515600" cy="1325563"/>
+            <a:off x="7291505" y="1727579"/>
+            <a:ext cx="10515600" cy="3402841"/>
           </a:xfrm>
         </p:spPr>
         <p:txBody>
-          <a:bodyPr/>
-          <a:lstStyle/>
-          <a:p>
-            <a:r>
-              <a:rPr lang="zh-TW" altLang="en-US" b="1" dirty="0">
-                <a:latin typeface="標楷體" panose="03000509000000000000" pitchFamily="65" charset="-120"/>
-                <a:ea typeface="標楷體" panose="03000509000000000000" pitchFamily="65" charset="-120"/>
-              </a:rPr>
-              <a:t>分析流程</a:t>
-            </a:r>
-          </a:p>
-        </p:txBody>
-      </p:sp>
+          <a:bodyPr>
+            <a:normAutofit/>
+          </a:bodyPr>
+          <a:lstStyle/>
+          <a:p>
+            <a:r>
+              <a:rPr lang="zh-TW" altLang="en-US" sz="3600" dirty="0">
+                <a:latin typeface="Taipei Sans TC Beta" pitchFamily="2" charset="-120"/>
+                <a:ea typeface="Taipei Sans TC Beta" pitchFamily="2" charset="-120"/>
+              </a:rPr>
+              <a:t>一開始選太多關鍵字，</a:t>
+            </a:r>
+            <a:br>
+              <a:rPr lang="en-US" altLang="zh-TW" sz="3600" dirty="0">
+                <a:latin typeface="Taipei Sans TC Beta" pitchFamily="2" charset="-120"/>
+                <a:ea typeface="Taipei Sans TC Beta" pitchFamily="2" charset="-120"/>
+              </a:rPr>
+            </a:br>
+            <a:r>
+              <a:rPr lang="zh-TW" altLang="en-US" sz="3600" dirty="0">
+                <a:latin typeface="Taipei Sans TC Beta" pitchFamily="2" charset="-120"/>
+                <a:ea typeface="Taipei Sans TC Beta" pitchFamily="2" charset="-120"/>
+              </a:rPr>
+              <a:t>導致資料看起來雜亂。</a:t>
+            </a:r>
+          </a:p>
+        </p:txBody>
+      </p:sp>
+      <p:pic>
+        <p:nvPicPr>
+          <p:cNvPr id="4" name="內容版面配置區 4">
+            <a:extLst>
+              <a:ext uri="{FF2B5EF4-FFF2-40B4-BE49-F238E27FC236}">
+                <a16:creationId xmlns:a16="http://schemas.microsoft.com/office/drawing/2014/main" id="{35743103-59B6-40BF-A9FC-DF03A3199814}"/>
+              </a:ext>
+            </a:extLst>
+          </p:cNvPr>
+          <p:cNvPicPr>
+            <a:picLocks noGrp="1" noChangeAspect="1"/>
+          </p:cNvPicPr>
+          <p:nvPr>
+            <p:ph idx="1"/>
+          </p:nvPr>
+        </p:nvPicPr>
+        <p:blipFill>
+          <a:blip r:embed="rId2">
+            <a:extLst>
+              <a:ext uri="{28A0092B-C50C-407E-A947-70E740481C1C}">
+                <a14:useLocalDpi xmlns:a14="http://schemas.microsoft.com/office/drawing/2010/main" val="0"/>
+              </a:ext>
+            </a:extLst>
+          </a:blip>
+          <a:stretch>
+            <a:fillRect/>
+          </a:stretch>
+        </p:blipFill>
+        <p:spPr>
+          <a:xfrm>
+            <a:off x="670843" y="1253331"/>
+            <a:ext cx="6393996" cy="4351338"/>
+          </a:xfrm>
+        </p:spPr>
+      </p:pic>
     </p:spTree>
     <p:extLst>
       <p:ext uri="{BB962C8B-B14F-4D97-AF65-F5344CB8AC3E}">
-        <p14:creationId xmlns:p14="http://schemas.microsoft.com/office/powerpoint/2010/main" val="1832693252"/>
+        <p14:creationId xmlns:p14="http://schemas.microsoft.com/office/powerpoint/2010/main" val="2002519734"/>
       </p:ext>
     </p:extLst>
   </p:cSld>
@@ -7690,6 +10312,72 @@
 </file>
 
 <file path=ppt/slides/slide32.xml><?xml version="1.0" encoding="utf-8"?>
+<p:sld xmlns:a="http://schemas.openxmlformats.org/drawingml/2006/main" xmlns:r="http://schemas.openxmlformats.org/officeDocument/2006/relationships" xmlns:p="http://schemas.openxmlformats.org/presentationml/2006/main">
+  <p:cSld>
+    <p:spTree>
+      <p:nvGrpSpPr>
+        <p:cNvPr id="1" name=""/>
+        <p:cNvGrpSpPr/>
+        <p:nvPr/>
+      </p:nvGrpSpPr>
+      <p:grpSpPr>
+        <a:xfrm>
+          <a:off x="0" y="0"/>
+          <a:ext cx="0" cy="0"/>
+          <a:chOff x="0" y="0"/>
+          <a:chExt cx="0" cy="0"/>
+        </a:xfrm>
+      </p:grpSpPr>
+      <p:sp>
+        <p:nvSpPr>
+          <p:cNvPr id="2" name="標題 1">
+            <a:extLst>
+              <a:ext uri="{FF2B5EF4-FFF2-40B4-BE49-F238E27FC236}">
+                <a16:creationId xmlns:a16="http://schemas.microsoft.com/office/drawing/2014/main" id="{4DEB0361-17C1-4B8D-8B94-04915E50CFA4}"/>
+              </a:ext>
+            </a:extLst>
+          </p:cNvPr>
+          <p:cNvSpPr>
+            <a:spLocks noGrp="1"/>
+          </p:cNvSpPr>
+          <p:nvPr>
+            <p:ph type="title"/>
+          </p:nvPr>
+        </p:nvSpPr>
+        <p:spPr>
+          <a:xfrm>
+            <a:off x="1101725" y="2766218"/>
+            <a:ext cx="10515600" cy="1325563"/>
+          </a:xfrm>
+        </p:spPr>
+        <p:txBody>
+          <a:bodyPr/>
+          <a:lstStyle/>
+          <a:p>
+            <a:r>
+              <a:rPr lang="zh-TW" altLang="en-US" b="1" dirty="0">
+                <a:latin typeface="Taipei Sans TC Beta" pitchFamily="2" charset="-120"/>
+                <a:ea typeface="Taipei Sans TC Beta" pitchFamily="2" charset="-120"/>
+              </a:rPr>
+              <a:t>分析流程</a:t>
+            </a:r>
+          </a:p>
+        </p:txBody>
+      </p:sp>
+    </p:spTree>
+    <p:extLst>
+      <p:ext uri="{BB962C8B-B14F-4D97-AF65-F5344CB8AC3E}">
+        <p14:creationId xmlns:p14="http://schemas.microsoft.com/office/powerpoint/2010/main" val="539851195"/>
+      </p:ext>
+    </p:extLst>
+  </p:cSld>
+  <p:clrMapOvr>
+    <a:masterClrMapping/>
+  </p:clrMapOvr>
+</p:sld>
+</file>
+
+<file path=ppt/slides/slide33.xml><?xml version="1.0" encoding="utf-8"?>
 <p:sld xmlns:a="http://schemas.openxmlformats.org/drawingml/2006/main" xmlns:r="http://schemas.openxmlformats.org/officeDocument/2006/relationships" xmlns:p="http://schemas.openxmlformats.org/presentationml/2006/main">
   <p:cSld>
     <p:spTree>
@@ -7755,7 +10443,7 @@
 </p:sld>
 </file>
 
-<file path=ppt/slides/slide33.xml><?xml version="1.0" encoding="utf-8"?>
+<file path=ppt/slides/slide34.xml><?xml version="1.0" encoding="utf-8"?>
 <p:sld xmlns:a="http://schemas.openxmlformats.org/drawingml/2006/main" xmlns:r="http://schemas.openxmlformats.org/officeDocument/2006/relationships" xmlns:p="http://schemas.openxmlformats.org/presentationml/2006/main">
   <p:cSld>
     <p:spTree>
@@ -7794,9 +10482,9 @@
           <a:lstStyle/>
           <a:p>
             <a:r>
-              <a:rPr lang="zh-TW" altLang="en-US" dirty="0">
-                <a:latin typeface="標楷體" panose="03000509000000000000" pitchFamily="65" charset="-120"/>
-                <a:ea typeface="標楷體" panose="03000509000000000000" pitchFamily="65" charset="-120"/>
+              <a:rPr lang="zh-TW" altLang="en-US" b="1" dirty="0">
+                <a:latin typeface="Taipei Sans TC Beta" pitchFamily="2" charset="-120"/>
+                <a:ea typeface="Taipei Sans TC Beta" pitchFamily="2" charset="-120"/>
               </a:rPr>
               <a:t>未來走向</a:t>
             </a:r>
@@ -7821,64 +10509,57 @@
         </p:nvSpPr>
         <p:spPr/>
         <p:txBody>
-          <a:bodyPr/>
-          <a:lstStyle/>
-          <a:p>
-            <a:pPr marL="0" indent="0">
-              <a:buNone/>
-            </a:pPr>
-            <a:r>
-              <a:rPr lang="zh-TW" altLang="en-US" dirty="0">
-                <a:latin typeface="標楷體" panose="03000509000000000000" pitchFamily="65" charset="-120"/>
-                <a:ea typeface="標楷體" panose="03000509000000000000" pitchFamily="65" charset="-120"/>
-              </a:rPr>
-              <a:t>刺激台灣人思考「一國兩制」是否可行，</a:t>
-            </a:r>
-            <a:endParaRPr lang="en-US" altLang="zh-TW" dirty="0">
-              <a:latin typeface="標楷體" panose="03000509000000000000" pitchFamily="65" charset="-120"/>
-              <a:ea typeface="標楷體" panose="03000509000000000000" pitchFamily="65" charset="-120"/>
+          <a:bodyPr>
+            <a:normAutofit/>
+          </a:bodyPr>
+          <a:lstStyle/>
+          <a:p>
+            <a:r>
+              <a:rPr lang="zh-TW" altLang="en-US" sz="3200" dirty="0">
+                <a:latin typeface="Taipei Sans TC Beta Light" pitchFamily="2" charset="-120"/>
+                <a:ea typeface="Taipei Sans TC Beta Light" pitchFamily="2" charset="-120"/>
+              </a:rPr>
+              <a:t>刺激台灣人思考「一國兩制」是否可行</a:t>
+            </a:r>
+            <a:endParaRPr lang="en-US" altLang="zh-TW" sz="3200" dirty="0">
+              <a:latin typeface="Taipei Sans TC Beta Light" pitchFamily="2" charset="-120"/>
+              <a:ea typeface="Taipei Sans TC Beta Light" pitchFamily="2" charset="-120"/>
             </a:endParaRPr>
           </a:p>
           <a:p>
-            <a:pPr marL="0" indent="0">
-              <a:buNone/>
-            </a:pPr>
-            <a:r>
-              <a:rPr lang="zh-TW" altLang="en-US" dirty="0">
-                <a:latin typeface="標楷體" panose="03000509000000000000" pitchFamily="65" charset="-120"/>
-                <a:ea typeface="標楷體" panose="03000509000000000000" pitchFamily="65" charset="-120"/>
+            <a:r>
+              <a:rPr lang="zh-TW" altLang="en-US" sz="3200" dirty="0">
+                <a:latin typeface="Taipei Sans TC Beta Light" pitchFamily="2" charset="-120"/>
+                <a:ea typeface="Taipei Sans TC Beta Light" pitchFamily="2" charset="-120"/>
               </a:rPr>
               <a:t>影響</a:t>
             </a:r>
             <a:r>
-              <a:rPr lang="en-US" altLang="zh-TW" dirty="0">
-                <a:latin typeface="標楷體" panose="03000509000000000000" pitchFamily="65" charset="-120"/>
-                <a:ea typeface="標楷體" panose="03000509000000000000" pitchFamily="65" charset="-120"/>
+              <a:rPr lang="en-US" altLang="zh-TW" sz="3200" dirty="0">
+                <a:latin typeface="Taipei Sans TC Beta Light" pitchFamily="2" charset="-120"/>
+                <a:ea typeface="Taipei Sans TC Beta Light" pitchFamily="2" charset="-120"/>
               </a:rPr>
               <a:t>2020</a:t>
             </a:r>
             <a:r>
-              <a:rPr lang="zh-TW" altLang="en-US" dirty="0">
-                <a:latin typeface="標楷體" panose="03000509000000000000" pitchFamily="65" charset="-120"/>
-                <a:ea typeface="標楷體" panose="03000509000000000000" pitchFamily="65" charset="-120"/>
-              </a:rPr>
-              <a:t>總統大選，台灣社會對中國疑慮加深，</a:t>
-            </a:r>
-            <a:endParaRPr lang="en-US" altLang="zh-TW" dirty="0">
-              <a:latin typeface="標楷體" panose="03000509000000000000" pitchFamily="65" charset="-120"/>
-              <a:ea typeface="標楷體" panose="03000509000000000000" pitchFamily="65" charset="-120"/>
+              <a:rPr lang="zh-TW" altLang="en-US" sz="3200" dirty="0">
+                <a:latin typeface="Taipei Sans TC Beta Light" pitchFamily="2" charset="-120"/>
+                <a:ea typeface="Taipei Sans TC Beta Light" pitchFamily="2" charset="-120"/>
+              </a:rPr>
+              <a:t>總統大選，台灣社會對中國疑慮加深</a:t>
+            </a:r>
+            <a:endParaRPr lang="en-US" altLang="zh-TW" sz="3200" dirty="0">
+              <a:latin typeface="Taipei Sans TC Beta Light" pitchFamily="2" charset="-120"/>
+              <a:ea typeface="Taipei Sans TC Beta Light" pitchFamily="2" charset="-120"/>
             </a:endParaRPr>
           </a:p>
           <a:p>
-            <a:pPr marL="0" indent="0">
-              <a:buNone/>
-            </a:pPr>
-            <a:r>
-              <a:rPr lang="zh-TW" altLang="en-US" dirty="0">
-                <a:latin typeface="標楷體" panose="03000509000000000000" pitchFamily="65" charset="-120"/>
-                <a:ea typeface="標楷體" panose="03000509000000000000" pitchFamily="65" charset="-120"/>
-              </a:rPr>
-              <a:t>對尋求連任立場偏台灣獨立的蔡英文總統形成強大助力。</a:t>
+            <a:r>
+              <a:rPr lang="zh-TW" altLang="en-US" sz="3200" dirty="0">
+                <a:latin typeface="Taipei Sans TC Beta Light" pitchFamily="2" charset="-120"/>
+                <a:ea typeface="Taipei Sans TC Beta Light" pitchFamily="2" charset="-120"/>
+              </a:rPr>
+              <a:t>對立場強調台灣主體性的蔡英文總統形成政治助力</a:t>
             </a:r>
           </a:p>
         </p:txBody>
@@ -7936,10 +10617,17 @@
           <a:p>
             <a:r>
               <a:rPr lang="zh-TW" altLang="en-US" b="1" dirty="0">
-                <a:latin typeface="標楷體" panose="03000509000000000000" pitchFamily="65" charset="-120"/>
-                <a:ea typeface="標楷體" panose="03000509000000000000" pitchFamily="65" charset="-120"/>
-              </a:rPr>
-              <a:t>解決關鍵：抵制媒體亂象</a:t>
+                <a:latin typeface="Taipei Sans TC Beta Light" pitchFamily="2" charset="-120"/>
+                <a:ea typeface="Taipei Sans TC Beta Light" pitchFamily="2" charset="-120"/>
+              </a:rPr>
+              <a:t>解決關鍵：</a:t>
+            </a:r>
+            <a:r>
+              <a:rPr lang="zh-TW" altLang="en-US" b="1" dirty="0">
+                <a:latin typeface="Taipei Sans TC Beta" pitchFamily="2" charset="-120"/>
+                <a:ea typeface="Taipei Sans TC Beta" pitchFamily="2" charset="-120"/>
+              </a:rPr>
+              <a:t>抵制媒體亂象</a:t>
             </a:r>
           </a:p>
         </p:txBody>
@@ -7962,22 +10650,24 @@
         </p:nvSpPr>
         <p:spPr/>
         <p:txBody>
-          <a:bodyPr/>
+          <a:bodyPr>
+            <a:normAutofit lnSpcReduction="10000"/>
+          </a:bodyPr>
           <a:lstStyle/>
           <a:p>
             <a:pPr marL="0" indent="0">
               <a:buNone/>
             </a:pPr>
             <a:r>
-              <a:rPr lang="zh-TW" altLang="en-US" dirty="0">
-                <a:latin typeface="標楷體" panose="03000509000000000000" pitchFamily="65" charset="-120"/>
-                <a:ea typeface="標楷體" panose="03000509000000000000" pitchFamily="65" charset="-120"/>
+              <a:rPr lang="zh-TW" altLang="en-US" sz="3200" dirty="0">
+                <a:latin typeface="Taipei Sans TC Beta Light" pitchFamily="2" charset="-120"/>
+                <a:ea typeface="Taipei Sans TC Beta Light" pitchFamily="2" charset="-120"/>
               </a:rPr>
               <a:t>前陣子在凱道舉行的「反紅媒遊行」，</a:t>
             </a:r>
-            <a:endParaRPr lang="en-US" altLang="zh-TW" dirty="0">
-              <a:latin typeface="標楷體" panose="03000509000000000000" pitchFamily="65" charset="-120"/>
-              <a:ea typeface="標楷體" panose="03000509000000000000" pitchFamily="65" charset="-120"/>
+            <a:endParaRPr lang="en-US" altLang="zh-TW" sz="3200" dirty="0">
+              <a:latin typeface="Taipei Sans TC Beta Light" pitchFamily="2" charset="-120"/>
+              <a:ea typeface="Taipei Sans TC Beta Light" pitchFamily="2" charset="-120"/>
             </a:endParaRPr>
           </a:p>
           <a:p>
@@ -7985,29 +10675,29 @@
               <a:buNone/>
             </a:pPr>
             <a:r>
-              <a:rPr lang="zh-TW" altLang="en-US" dirty="0">
-                <a:latin typeface="標楷體" panose="03000509000000000000" pitchFamily="65" charset="-120"/>
-                <a:ea typeface="標楷體" panose="03000509000000000000" pitchFamily="65" charset="-120"/>
+              <a:rPr lang="zh-TW" altLang="en-US" sz="3200" dirty="0">
+                <a:latin typeface="Taipei Sans TC Beta Light" pitchFamily="2" charset="-120"/>
+                <a:ea typeface="Taipei Sans TC Beta Light" pitchFamily="2" charset="-120"/>
               </a:rPr>
               <a:t>以及</a:t>
             </a:r>
             <a:r>
-              <a:rPr lang="en-US" altLang="zh-TW" dirty="0">
-                <a:latin typeface="標楷體" panose="03000509000000000000" pitchFamily="65" charset="-120"/>
-                <a:ea typeface="標楷體" panose="03000509000000000000" pitchFamily="65" charset="-120"/>
+              <a:rPr lang="en-US" altLang="zh-TW" sz="3200" dirty="0">
+                <a:latin typeface="Taipei Sans TC Beta Light" pitchFamily="2" charset="-120"/>
+                <a:ea typeface="Taipei Sans TC Beta Light" pitchFamily="2" charset="-120"/>
               </a:rPr>
               <a:t>NCC</a:t>
             </a:r>
             <a:r>
-              <a:rPr lang="zh-TW" altLang="en-US" dirty="0">
-                <a:latin typeface="標楷體" panose="03000509000000000000" pitchFamily="65" charset="-120"/>
-                <a:ea typeface="標楷體" panose="03000509000000000000" pitchFamily="65" charset="-120"/>
+              <a:rPr lang="zh-TW" altLang="en-US" sz="3200" dirty="0">
+                <a:latin typeface="Taipei Sans TC Beta Light" pitchFamily="2" charset="-120"/>
+                <a:ea typeface="Taipei Sans TC Beta Light" pitchFamily="2" charset="-120"/>
               </a:rPr>
               <a:t>開罰中天及東森巨額罰款，</a:t>
             </a:r>
-            <a:endParaRPr lang="en-US" altLang="zh-TW" dirty="0">
-              <a:latin typeface="標楷體" panose="03000509000000000000" pitchFamily="65" charset="-120"/>
-              <a:ea typeface="標楷體" panose="03000509000000000000" pitchFamily="65" charset="-120"/>
+            <a:endParaRPr lang="en-US" altLang="zh-TW" sz="3200" dirty="0">
+              <a:latin typeface="Taipei Sans TC Beta Light" pitchFamily="2" charset="-120"/>
+              <a:ea typeface="Taipei Sans TC Beta Light" pitchFamily="2" charset="-120"/>
             </a:endParaRPr>
           </a:p>
           <a:p>
@@ -8015,15 +10705,15 @@
               <a:buNone/>
             </a:pPr>
             <a:r>
-              <a:rPr lang="zh-TW" altLang="en-US" dirty="0">
-                <a:latin typeface="標楷體" panose="03000509000000000000" pitchFamily="65" charset="-120"/>
-                <a:ea typeface="標楷體" panose="03000509000000000000" pitchFamily="65" charset="-120"/>
+              <a:rPr lang="zh-TW" altLang="en-US" sz="3200" dirty="0">
+                <a:latin typeface="Taipei Sans TC Beta Light" pitchFamily="2" charset="-120"/>
+                <a:ea typeface="Taipei Sans TC Beta Light" pitchFamily="2" charset="-120"/>
               </a:rPr>
               <a:t>都可以看出台灣的媒體亂象越來越嚴重，</a:t>
             </a:r>
-            <a:endParaRPr lang="en-US" altLang="zh-TW" dirty="0">
-              <a:latin typeface="標楷體" panose="03000509000000000000" pitchFamily="65" charset="-120"/>
-              <a:ea typeface="標楷體" panose="03000509000000000000" pitchFamily="65" charset="-120"/>
+            <a:endParaRPr lang="en-US" altLang="zh-TW" sz="3200" dirty="0">
+              <a:latin typeface="Taipei Sans TC Beta Light" pitchFamily="2" charset="-120"/>
+              <a:ea typeface="Taipei Sans TC Beta Light" pitchFamily="2" charset="-120"/>
             </a:endParaRPr>
           </a:p>
           <a:p>
@@ -8031,15 +10721,15 @@
               <a:buNone/>
             </a:pPr>
             <a:r>
-              <a:rPr lang="zh-TW" altLang="en-US" dirty="0">
-                <a:latin typeface="標楷體" panose="03000509000000000000" pitchFamily="65" charset="-120"/>
-                <a:ea typeface="標楷體" panose="03000509000000000000" pitchFamily="65" charset="-120"/>
+              <a:rPr lang="zh-TW" altLang="en-US" sz="3200" dirty="0">
+                <a:latin typeface="Taipei Sans TC Beta Light" pitchFamily="2" charset="-120"/>
+                <a:ea typeface="Taipei Sans TC Beta Light" pitchFamily="2" charset="-120"/>
               </a:rPr>
               <a:t>也有很多人已經發現這樣的現象，</a:t>
             </a:r>
-            <a:endParaRPr lang="en-US" altLang="zh-TW" dirty="0">
-              <a:latin typeface="標楷體" panose="03000509000000000000" pitchFamily="65" charset="-120"/>
-              <a:ea typeface="標楷體" panose="03000509000000000000" pitchFamily="65" charset="-120"/>
+            <a:endParaRPr lang="en-US" altLang="zh-TW" sz="3200" dirty="0">
+              <a:latin typeface="Taipei Sans TC Beta Light" pitchFamily="2" charset="-120"/>
+              <a:ea typeface="Taipei Sans TC Beta Light" pitchFamily="2" charset="-120"/>
             </a:endParaRPr>
           </a:p>
           <a:p>
@@ -8047,25 +10737,32 @@
               <a:buNone/>
             </a:pPr>
             <a:r>
-              <a:rPr lang="zh-TW" altLang="en-US" b="1" dirty="0">
+              <a:rPr lang="zh-TW" altLang="en-US" sz="3200" dirty="0">
+                <a:latin typeface="Taipei Sans TC Beta Light" pitchFamily="2" charset="-120"/>
+                <a:ea typeface="Taipei Sans TC Beta Light" pitchFamily="2" charset="-120"/>
+              </a:rPr>
+              <a:t>媒體可以是第四權，也能是</a:t>
+            </a:r>
+            <a:r>
+              <a:rPr lang="zh-TW" altLang="en-US" sz="3200" dirty="0">
                 <a:solidFill>
-                  <a:srgbClr val="FF0000"/>
+                  <a:srgbClr val="FF5050"/>
                 </a:solidFill>
-                <a:latin typeface="標楷體" panose="03000509000000000000" pitchFamily="65" charset="-120"/>
-                <a:ea typeface="標楷體" panose="03000509000000000000" pitchFamily="65" charset="-120"/>
-              </a:rPr>
-              <a:t>媒體可以是第四權，也能是帶風向的好工具</a:t>
-            </a:r>
-            <a:r>
-              <a:rPr lang="zh-TW" altLang="en-US" dirty="0">
-                <a:latin typeface="標楷體" panose="03000509000000000000" pitchFamily="65" charset="-120"/>
-                <a:ea typeface="標楷體" panose="03000509000000000000" pitchFamily="65" charset="-120"/>
+                <a:latin typeface="Taipei Sans TC Beta" pitchFamily="2" charset="-120"/>
+                <a:ea typeface="Taipei Sans TC Beta" pitchFamily="2" charset="-120"/>
+              </a:rPr>
+              <a:t>帶風向的好工具</a:t>
+            </a:r>
+            <a:r>
+              <a:rPr lang="zh-TW" altLang="en-US" sz="3200" dirty="0">
+                <a:latin typeface="Taipei Sans TC Beta Light" pitchFamily="2" charset="-120"/>
+                <a:ea typeface="Taipei Sans TC Beta Light" pitchFamily="2" charset="-120"/>
               </a:rPr>
               <a:t>，</a:t>
             </a:r>
-            <a:endParaRPr lang="en-US" altLang="zh-TW" dirty="0">
-              <a:latin typeface="標楷體" panose="03000509000000000000" pitchFamily="65" charset="-120"/>
-              <a:ea typeface="標楷體" panose="03000509000000000000" pitchFamily="65" charset="-120"/>
+            <a:endParaRPr lang="en-US" altLang="zh-TW" sz="3200" dirty="0">
+              <a:latin typeface="Taipei Sans TC Beta Light" pitchFamily="2" charset="-120"/>
+              <a:ea typeface="Taipei Sans TC Beta Light" pitchFamily="2" charset="-120"/>
             </a:endParaRPr>
           </a:p>
           <a:p>
@@ -8073,15 +10770,15 @@
               <a:buNone/>
             </a:pPr>
             <a:r>
-              <a:rPr lang="zh-TW" altLang="en-US" dirty="0">
-                <a:latin typeface="標楷體" panose="03000509000000000000" pitchFamily="65" charset="-120"/>
-                <a:ea typeface="標楷體" panose="03000509000000000000" pitchFamily="65" charset="-120"/>
+              <a:rPr lang="zh-TW" altLang="en-US" sz="3200" dirty="0">
+                <a:latin typeface="Taipei Sans TC Beta Light" pitchFamily="2" charset="-120"/>
+                <a:ea typeface="Taipei Sans TC Beta Light" pitchFamily="2" charset="-120"/>
               </a:rPr>
               <a:t>身為一個受過教育的大學生，我們應該要具備</a:t>
             </a:r>
-            <a:endParaRPr lang="en-US" altLang="zh-TW" dirty="0">
-              <a:latin typeface="標楷體" panose="03000509000000000000" pitchFamily="65" charset="-120"/>
-              <a:ea typeface="標楷體" panose="03000509000000000000" pitchFamily="65" charset="-120"/>
+            <a:endParaRPr lang="en-US" altLang="zh-TW" sz="3200" dirty="0">
+              <a:latin typeface="Taipei Sans TC Beta Light" pitchFamily="2" charset="-120"/>
+              <a:ea typeface="Taipei Sans TC Beta Light" pitchFamily="2" charset="-120"/>
             </a:endParaRPr>
           </a:p>
           <a:p>
@@ -8089,32 +10786,32 @@
               <a:buNone/>
             </a:pPr>
             <a:r>
-              <a:rPr lang="zh-TW" altLang="en-US" dirty="0">
-                <a:latin typeface="標楷體" panose="03000509000000000000" pitchFamily="65" charset="-120"/>
-                <a:ea typeface="標楷體" panose="03000509000000000000" pitchFamily="65" charset="-120"/>
-              </a:rPr>
-              <a:t>良好的</a:t>
-            </a:r>
-            <a:r>
-              <a:rPr lang="zh-TW" altLang="en-US" b="1" dirty="0">
+              <a:rPr lang="zh-TW" altLang="en-US" sz="3200" dirty="0">
+                <a:latin typeface="Taipei Sans TC Beta Light" pitchFamily="2" charset="-120"/>
+                <a:ea typeface="Taipei Sans TC Beta Light" pitchFamily="2" charset="-120"/>
+              </a:rPr>
+              <a:t>良好的「</a:t>
+            </a:r>
+            <a:r>
+              <a:rPr lang="zh-TW" altLang="en-US" sz="3200" dirty="0">
                 <a:solidFill>
-                  <a:srgbClr val="FF0000"/>
+                  <a:srgbClr val="FF5050"/>
                 </a:solidFill>
-                <a:latin typeface="標楷體" panose="03000509000000000000" pitchFamily="65" charset="-120"/>
-                <a:ea typeface="標楷體" panose="03000509000000000000" pitchFamily="65" charset="-120"/>
-              </a:rPr>
-              <a:t>「媒體識讀」</a:t>
-            </a:r>
-            <a:r>
-              <a:rPr lang="zh-TW" altLang="en-US" dirty="0">
-                <a:latin typeface="標楷體" panose="03000509000000000000" pitchFamily="65" charset="-120"/>
-                <a:ea typeface="標楷體" panose="03000509000000000000" pitchFamily="65" charset="-120"/>
-              </a:rPr>
-              <a:t>能力，</a:t>
-            </a:r>
-            <a:endParaRPr lang="en-US" altLang="zh-TW" dirty="0">
-              <a:latin typeface="標楷體" panose="03000509000000000000" pitchFamily="65" charset="-120"/>
-              <a:ea typeface="標楷體" panose="03000509000000000000" pitchFamily="65" charset="-120"/>
+                <a:latin typeface="Taipei Sans TC Beta" pitchFamily="2" charset="-120"/>
+                <a:ea typeface="Taipei Sans TC Beta" pitchFamily="2" charset="-120"/>
+              </a:rPr>
+              <a:t>媒體識讀</a:t>
+            </a:r>
+            <a:r>
+              <a:rPr lang="zh-TW" altLang="en-US" sz="3200" dirty="0">
+                <a:latin typeface="Taipei Sans TC Beta Light" pitchFamily="2" charset="-120"/>
+                <a:ea typeface="Taipei Sans TC Beta Light" pitchFamily="2" charset="-120"/>
+              </a:rPr>
+              <a:t>」能力，</a:t>
+            </a:r>
+            <a:endParaRPr lang="en-US" altLang="zh-TW" sz="3200" dirty="0">
+              <a:latin typeface="Taipei Sans TC Beta Light" pitchFamily="2" charset="-120"/>
+              <a:ea typeface="Taipei Sans TC Beta Light" pitchFamily="2" charset="-120"/>
             </a:endParaRPr>
           </a:p>
           <a:p>
@@ -8122,9 +10819,9 @@
               <a:buNone/>
             </a:pPr>
             <a:r>
-              <a:rPr lang="zh-TW" altLang="en-US" dirty="0">
-                <a:latin typeface="標楷體" panose="03000509000000000000" pitchFamily="65" charset="-120"/>
-                <a:ea typeface="標楷體" panose="03000509000000000000" pitchFamily="65" charset="-120"/>
+              <a:rPr lang="zh-TW" altLang="en-US" sz="3200" dirty="0">
+                <a:latin typeface="Taipei Sans TC Beta Light" pitchFamily="2" charset="-120"/>
+                <a:ea typeface="Taipei Sans TC Beta Light" pitchFamily="2" charset="-120"/>
               </a:rPr>
               <a:t>觀賞播報正確、立場中立的新聞台。</a:t>
             </a:r>
@@ -8134,7 +10831,7 @@
     </p:spTree>
     <p:extLst>
       <p:ext uri="{BB962C8B-B14F-4D97-AF65-F5344CB8AC3E}">
-        <p14:creationId xmlns:p14="http://schemas.microsoft.com/office/powerpoint/2010/main" val="2899309392"/>
+        <p14:creationId xmlns:p14="http://schemas.microsoft.com/office/powerpoint/2010/main" val="3570623452"/>
       </p:ext>
     </p:extLst>
   </p:cSld>
@@ -8184,28 +10881,35 @@
           <a:p>
             <a:r>
               <a:rPr lang="zh-TW" altLang="en-US" b="1" dirty="0">
-                <a:latin typeface="標楷體" panose="03000509000000000000" pitchFamily="65" charset="-120"/>
-                <a:ea typeface="標楷體" panose="03000509000000000000" pitchFamily="65" charset="-120"/>
-              </a:rPr>
-              <a:t>解決關鍵：善用</a:t>
+                <a:latin typeface="Taipei Sans TC Beta Light" pitchFamily="2" charset="-120"/>
+                <a:ea typeface="Taipei Sans TC Beta Light" pitchFamily="2" charset="-120"/>
+              </a:rPr>
+              <a:t>解決關鍵：</a:t>
+            </a:r>
+            <a:r>
+              <a:rPr lang="zh-TW" altLang="en-US" b="1" dirty="0">
+                <a:latin typeface="Taipei Sans TC Beta" pitchFamily="2" charset="-120"/>
+                <a:ea typeface="Taipei Sans TC Beta" pitchFamily="2" charset="-120"/>
+              </a:rPr>
+              <a:t>善用</a:t>
             </a:r>
             <a:r>
               <a:rPr lang="en-US" altLang="zh-TW" b="1" dirty="0">
                 <a:solidFill>
                   <a:schemeClr val="accent1"/>
                 </a:solidFill>
-                <a:latin typeface="標楷體" panose="03000509000000000000" pitchFamily="65" charset="-120"/>
-                <a:ea typeface="標楷體" panose="03000509000000000000" pitchFamily="65" charset="-120"/>
-              </a:rPr>
-              <a:t>g</a:t>
+                <a:latin typeface="Taipei Sans TC Beta" pitchFamily="2" charset="-120"/>
+                <a:ea typeface="Taipei Sans TC Beta" pitchFamily="2" charset="-120"/>
+              </a:rPr>
+              <a:t>G</a:t>
             </a:r>
             <a:r>
               <a:rPr lang="en-US" altLang="zh-TW" b="1" dirty="0">
                 <a:solidFill>
                   <a:srgbClr val="FF0000"/>
                 </a:solidFill>
-                <a:latin typeface="標楷體" panose="03000509000000000000" pitchFamily="65" charset="-120"/>
-                <a:ea typeface="標楷體" panose="03000509000000000000" pitchFamily="65" charset="-120"/>
+                <a:latin typeface="Taipei Sans TC Beta" pitchFamily="2" charset="-120"/>
+                <a:ea typeface="Taipei Sans TC Beta" pitchFamily="2" charset="-120"/>
               </a:rPr>
               <a:t>o</a:t>
             </a:r>
@@ -8214,8 +10918,8 @@
                 <a:solidFill>
                   <a:srgbClr val="FFFF00"/>
                 </a:solidFill>
-                <a:latin typeface="標楷體" panose="03000509000000000000" pitchFamily="65" charset="-120"/>
-                <a:ea typeface="標楷體" panose="03000509000000000000" pitchFamily="65" charset="-120"/>
+                <a:latin typeface="Taipei Sans TC Beta" pitchFamily="2" charset="-120"/>
+                <a:ea typeface="Taipei Sans TC Beta" pitchFamily="2" charset="-120"/>
               </a:rPr>
               <a:t>o</a:t>
             </a:r>
@@ -8224,8 +10928,8 @@
                 <a:solidFill>
                   <a:schemeClr val="accent1"/>
                 </a:solidFill>
-                <a:latin typeface="標楷體" panose="03000509000000000000" pitchFamily="65" charset="-120"/>
-                <a:ea typeface="標楷體" panose="03000509000000000000" pitchFamily="65" charset="-120"/>
+                <a:latin typeface="Taipei Sans TC Beta" pitchFamily="2" charset="-120"/>
+                <a:ea typeface="Taipei Sans TC Beta" pitchFamily="2" charset="-120"/>
               </a:rPr>
               <a:t>g</a:t>
             </a:r>
@@ -8234,8 +10938,8 @@
                 <a:solidFill>
                   <a:srgbClr val="00B050"/>
                 </a:solidFill>
-                <a:latin typeface="標楷體" panose="03000509000000000000" pitchFamily="65" charset="-120"/>
-                <a:ea typeface="標楷體" panose="03000509000000000000" pitchFamily="65" charset="-120"/>
+                <a:latin typeface="Taipei Sans TC Beta" pitchFamily="2" charset="-120"/>
+                <a:ea typeface="Taipei Sans TC Beta" pitchFamily="2" charset="-120"/>
               </a:rPr>
               <a:t>l</a:t>
             </a:r>
@@ -8244,19 +10948,22 @@
                 <a:solidFill>
                   <a:srgbClr val="FF0000"/>
                 </a:solidFill>
-                <a:latin typeface="標楷體" panose="03000509000000000000" pitchFamily="65" charset="-120"/>
-                <a:ea typeface="標楷體" panose="03000509000000000000" pitchFamily="65" charset="-120"/>
+                <a:latin typeface="Taipei Sans TC Beta" pitchFamily="2" charset="-120"/>
+                <a:ea typeface="Taipei Sans TC Beta" pitchFamily="2" charset="-120"/>
               </a:rPr>
               <a:t>e</a:t>
             </a:r>
             <a:r>
               <a:rPr lang="zh-TW" altLang="en-US" b="1" dirty="0">
-                <a:latin typeface="標楷體" panose="03000509000000000000" pitchFamily="65" charset="-120"/>
-                <a:ea typeface="標楷體" panose="03000509000000000000" pitchFamily="65" charset="-120"/>
+                <a:latin typeface="Taipei Sans TC Beta" pitchFamily="2" charset="-120"/>
+                <a:ea typeface="Taipei Sans TC Beta" pitchFamily="2" charset="-120"/>
               </a:rPr>
               <a:t>，不再依賴懶人包</a:t>
             </a:r>
-            <a:endParaRPr lang="zh-TW" altLang="en-US" dirty="0"/>
+            <a:endParaRPr lang="zh-TW" altLang="en-US" dirty="0">
+              <a:latin typeface="Taipei Sans TC Beta" pitchFamily="2" charset="-120"/>
+              <a:ea typeface="Taipei Sans TC Beta" pitchFamily="2" charset="-120"/>
+            </a:endParaRPr>
           </a:p>
         </p:txBody>
       </p:sp>
@@ -8278,22 +10985,24 @@
         </p:nvSpPr>
         <p:spPr/>
         <p:txBody>
-          <a:bodyPr/>
+          <a:bodyPr>
+            <a:normAutofit lnSpcReduction="10000"/>
+          </a:bodyPr>
           <a:lstStyle/>
           <a:p>
             <a:pPr marL="0" indent="0">
               <a:buNone/>
             </a:pPr>
             <a:r>
-              <a:rPr lang="zh-TW" altLang="en-US" dirty="0">
-                <a:latin typeface="標楷體" panose="03000509000000000000" pitchFamily="65" charset="-120"/>
-                <a:ea typeface="標楷體" panose="03000509000000000000" pitchFamily="65" charset="-120"/>
+              <a:rPr lang="zh-TW" altLang="en-US" sz="3200" dirty="0">
+                <a:latin typeface="Taipei Sans TC Beta Light" pitchFamily="2" charset="-120"/>
+                <a:ea typeface="Taipei Sans TC Beta Light" pitchFamily="2" charset="-120"/>
               </a:rPr>
               <a:t>在我們蒐集資料的時候，大量瀏覽了許多論壇上的文章，</a:t>
             </a:r>
-            <a:endParaRPr lang="en-US" altLang="zh-TW" dirty="0">
-              <a:latin typeface="標楷體" panose="03000509000000000000" pitchFamily="65" charset="-120"/>
-              <a:ea typeface="標楷體" panose="03000509000000000000" pitchFamily="65" charset="-120"/>
+            <a:endParaRPr lang="en-US" altLang="zh-TW" sz="3200" dirty="0">
+              <a:latin typeface="Taipei Sans TC Beta Light" pitchFamily="2" charset="-120"/>
+              <a:ea typeface="Taipei Sans TC Beta Light" pitchFamily="2" charset="-120"/>
             </a:endParaRPr>
           </a:p>
           <a:p>
@@ -8301,32 +11010,32 @@
               <a:buNone/>
             </a:pPr>
             <a:r>
-              <a:rPr lang="zh-TW" altLang="en-US" dirty="0">
-                <a:latin typeface="標楷體" panose="03000509000000000000" pitchFamily="65" charset="-120"/>
-                <a:ea typeface="標楷體" panose="03000509000000000000" pitchFamily="65" charset="-120"/>
-              </a:rPr>
-              <a:t>多數文章立場並不中立，尤其是</a:t>
-            </a:r>
-            <a:r>
-              <a:rPr lang="zh-TW" altLang="en-US" b="1" dirty="0">
+              <a:rPr lang="zh-TW" altLang="en-US" sz="3200" dirty="0">
+                <a:latin typeface="Taipei Sans TC Beta Light" pitchFamily="2" charset="-120"/>
+                <a:ea typeface="Taipei Sans TC Beta Light" pitchFamily="2" charset="-120"/>
+              </a:rPr>
+              <a:t>多數文章立場並不中立，尤其是「</a:t>
+            </a:r>
+            <a:r>
+              <a:rPr lang="zh-TW" altLang="en-US" sz="3200" dirty="0">
                 <a:solidFill>
-                  <a:srgbClr val="FF0000"/>
+                  <a:srgbClr val="FF5050"/>
                 </a:solidFill>
-                <a:latin typeface="標楷體" panose="03000509000000000000" pitchFamily="65" charset="-120"/>
-                <a:ea typeface="標楷體" panose="03000509000000000000" pitchFamily="65" charset="-120"/>
-              </a:rPr>
-              <a:t>「懶人包」</a:t>
-            </a:r>
-            <a:r>
-              <a:rPr lang="zh-TW" altLang="en-US" dirty="0">
-                <a:latin typeface="標楷體" panose="03000509000000000000" pitchFamily="65" charset="-120"/>
-                <a:ea typeface="標楷體" panose="03000509000000000000" pitchFamily="65" charset="-120"/>
-              </a:rPr>
-              <a:t>，</a:t>
-            </a:r>
-            <a:endParaRPr lang="en-US" altLang="zh-TW" dirty="0">
-              <a:latin typeface="標楷體" panose="03000509000000000000" pitchFamily="65" charset="-120"/>
-              <a:ea typeface="標楷體" panose="03000509000000000000" pitchFamily="65" charset="-120"/>
+                <a:latin typeface="Taipei Sans TC Beta" pitchFamily="2" charset="-120"/>
+                <a:ea typeface="Taipei Sans TC Beta" pitchFamily="2" charset="-120"/>
+              </a:rPr>
+              <a:t>懶人包</a:t>
+            </a:r>
+            <a:r>
+              <a:rPr lang="zh-TW" altLang="en-US" sz="3200" dirty="0">
+                <a:latin typeface="Taipei Sans TC Beta Light" pitchFamily="2" charset="-120"/>
+                <a:ea typeface="Taipei Sans TC Beta Light" pitchFamily="2" charset="-120"/>
+              </a:rPr>
+              <a:t>」，</a:t>
+            </a:r>
+            <a:endParaRPr lang="en-US" altLang="zh-TW" sz="3200" dirty="0">
+              <a:latin typeface="Taipei Sans TC Beta Light" pitchFamily="2" charset="-120"/>
+              <a:ea typeface="Taipei Sans TC Beta Light" pitchFamily="2" charset="-120"/>
             </a:endParaRPr>
           </a:p>
           <a:p>
@@ -8334,15 +11043,15 @@
               <a:buNone/>
             </a:pPr>
             <a:r>
-              <a:rPr lang="zh-TW" altLang="en-US" dirty="0">
-                <a:latin typeface="標楷體" panose="03000509000000000000" pitchFamily="65" charset="-120"/>
-                <a:ea typeface="標楷體" panose="03000509000000000000" pitchFamily="65" charset="-120"/>
+              <a:rPr lang="zh-TW" altLang="en-US" sz="3200" dirty="0">
+                <a:latin typeface="Taipei Sans TC Beta Light" pitchFamily="2" charset="-120"/>
+                <a:ea typeface="Taipei Sans TC Beta Light" pitchFamily="2" charset="-120"/>
               </a:rPr>
               <a:t>這類文章多灌輸個人的意識形態，立場偏頗，資料不完整，</a:t>
             </a:r>
-            <a:endParaRPr lang="en-US" altLang="zh-TW" dirty="0">
-              <a:latin typeface="標楷體" panose="03000509000000000000" pitchFamily="65" charset="-120"/>
-              <a:ea typeface="標楷體" panose="03000509000000000000" pitchFamily="65" charset="-120"/>
+            <a:endParaRPr lang="en-US" altLang="zh-TW" sz="3200" dirty="0">
+              <a:latin typeface="Taipei Sans TC Beta Light" pitchFamily="2" charset="-120"/>
+              <a:ea typeface="Taipei Sans TC Beta Light" pitchFamily="2" charset="-120"/>
             </a:endParaRPr>
           </a:p>
           <a:p>
@@ -8350,15 +11059,15 @@
               <a:buNone/>
             </a:pPr>
             <a:r>
-              <a:rPr lang="zh-TW" altLang="en-US" dirty="0">
-                <a:latin typeface="標楷體" panose="03000509000000000000" pitchFamily="65" charset="-120"/>
-                <a:ea typeface="標楷體" panose="03000509000000000000" pitchFamily="65" charset="-120"/>
+              <a:rPr lang="zh-TW" altLang="en-US" sz="3200" dirty="0">
+                <a:latin typeface="Taipei Sans TC Beta Light" pitchFamily="2" charset="-120"/>
+                <a:ea typeface="Taipei Sans TC Beta Light" pitchFamily="2" charset="-120"/>
               </a:rPr>
               <a:t>在這個網路發達的時代，</a:t>
             </a:r>
-            <a:endParaRPr lang="en-US" altLang="zh-TW" dirty="0">
-              <a:latin typeface="標楷體" panose="03000509000000000000" pitchFamily="65" charset="-120"/>
-              <a:ea typeface="標楷體" panose="03000509000000000000" pitchFamily="65" charset="-120"/>
+            <a:endParaRPr lang="en-US" altLang="zh-TW" sz="3200" dirty="0">
+              <a:latin typeface="Taipei Sans TC Beta Light" pitchFamily="2" charset="-120"/>
+              <a:ea typeface="Taipei Sans TC Beta Light" pitchFamily="2" charset="-120"/>
             </a:endParaRPr>
           </a:p>
           <a:p>
@@ -8366,15 +11075,15 @@
               <a:buNone/>
             </a:pPr>
             <a:r>
-              <a:rPr lang="zh-TW" altLang="en-US" dirty="0">
-                <a:latin typeface="標楷體" panose="03000509000000000000" pitchFamily="65" charset="-120"/>
-                <a:ea typeface="標楷體" panose="03000509000000000000" pitchFamily="65" charset="-120"/>
+              <a:rPr lang="zh-TW" altLang="en-US" sz="3200" dirty="0">
+                <a:latin typeface="Taipei Sans TC Beta Light" pitchFamily="2" charset="-120"/>
+                <a:ea typeface="Taipei Sans TC Beta Light" pitchFamily="2" charset="-120"/>
               </a:rPr>
               <a:t>雖然網路上的資料多的數不清，要找資料很容易</a:t>
             </a:r>
-            <a:endParaRPr lang="en-US" altLang="zh-TW" dirty="0">
-              <a:latin typeface="標楷體" panose="03000509000000000000" pitchFamily="65" charset="-120"/>
-              <a:ea typeface="標楷體" panose="03000509000000000000" pitchFamily="65" charset="-120"/>
+            <a:endParaRPr lang="en-US" altLang="zh-TW" sz="3200" dirty="0">
+              <a:latin typeface="Taipei Sans TC Beta Light" pitchFamily="2" charset="-120"/>
+              <a:ea typeface="Taipei Sans TC Beta Light" pitchFamily="2" charset="-120"/>
             </a:endParaRPr>
           </a:p>
           <a:p>
@@ -8382,32 +11091,15 @@
               <a:buNone/>
             </a:pPr>
             <a:r>
-              <a:rPr lang="zh-TW" altLang="en-US" dirty="0">
-                <a:latin typeface="標楷體" panose="03000509000000000000" pitchFamily="65" charset="-120"/>
-                <a:ea typeface="標楷體" panose="03000509000000000000" pitchFamily="65" charset="-120"/>
-              </a:rPr>
-              <a:t>但</a:t>
-            </a:r>
-            <a:r>
-              <a:rPr lang="zh-TW" altLang="en-US" b="1" dirty="0">
-                <a:solidFill>
-                  <a:srgbClr val="FF0000"/>
-                </a:solidFill>
-                <a:latin typeface="標楷體" panose="03000509000000000000" pitchFamily="65" charset="-120"/>
-                <a:ea typeface="標楷體" panose="03000509000000000000" pitchFamily="65" charset="-120"/>
-              </a:rPr>
-              <a:t>要查到完整且正確的資料卻也像大海撈針</a:t>
-            </a:r>
-            <a:r>
-              <a:rPr lang="zh-TW" altLang="en-US" dirty="0">
-                <a:latin typeface="標楷體" panose="03000509000000000000" pitchFamily="65" charset="-120"/>
-                <a:ea typeface="標楷體" panose="03000509000000000000" pitchFamily="65" charset="-120"/>
-              </a:rPr>
-              <a:t>，</a:t>
-            </a:r>
-            <a:endParaRPr lang="en-US" altLang="zh-TW" dirty="0">
-              <a:latin typeface="標楷體" panose="03000509000000000000" pitchFamily="65" charset="-120"/>
-              <a:ea typeface="標楷體" panose="03000509000000000000" pitchFamily="65" charset="-120"/>
+              <a:rPr lang="zh-TW" altLang="en-US" sz="3200" dirty="0">
+                <a:latin typeface="Taipei Sans TC Beta Light" pitchFamily="2" charset="-120"/>
+                <a:ea typeface="Taipei Sans TC Beta Light" pitchFamily="2" charset="-120"/>
+              </a:rPr>
+              <a:t>但要查到完整且正確的資料卻也像大海撈針，</a:t>
+            </a:r>
+            <a:endParaRPr lang="en-US" altLang="zh-TW" sz="3200" dirty="0">
+              <a:latin typeface="Taipei Sans TC Beta Light" pitchFamily="2" charset="-120"/>
+              <a:ea typeface="Taipei Sans TC Beta Light" pitchFamily="2" charset="-120"/>
             </a:endParaRPr>
           </a:p>
           <a:p>
@@ -8415,15 +11107,15 @@
               <a:buNone/>
             </a:pPr>
             <a:r>
-              <a:rPr lang="zh-TW" altLang="en-US" dirty="0">
-                <a:latin typeface="標楷體" panose="03000509000000000000" pitchFamily="65" charset="-120"/>
-                <a:ea typeface="標楷體" panose="03000509000000000000" pitchFamily="65" charset="-120"/>
+              <a:rPr lang="zh-TW" altLang="en-US" sz="3200" dirty="0">
+                <a:latin typeface="Taipei Sans TC Beta Light" pitchFamily="2" charset="-120"/>
+                <a:ea typeface="Taipei Sans TC Beta Light" pitchFamily="2" charset="-120"/>
               </a:rPr>
               <a:t>因此很多人都會因為懶惰，而只看懶人包，</a:t>
             </a:r>
-            <a:endParaRPr lang="en-US" altLang="zh-TW" dirty="0">
-              <a:latin typeface="標楷體" panose="03000509000000000000" pitchFamily="65" charset="-120"/>
-              <a:ea typeface="標楷體" panose="03000509000000000000" pitchFamily="65" charset="-120"/>
+            <a:endParaRPr lang="en-US" altLang="zh-TW" sz="3200" dirty="0">
+              <a:latin typeface="Taipei Sans TC Beta Light" pitchFamily="2" charset="-120"/>
+              <a:ea typeface="Taipei Sans TC Beta Light" pitchFamily="2" charset="-120"/>
             </a:endParaRPr>
           </a:p>
           <a:p>
@@ -8431,9 +11123,9 @@
               <a:buNone/>
             </a:pPr>
             <a:r>
-              <a:rPr lang="zh-TW" altLang="en-US" dirty="0">
-                <a:latin typeface="標楷體" panose="03000509000000000000" pitchFamily="65" charset="-120"/>
-                <a:ea typeface="標楷體" panose="03000509000000000000" pitchFamily="65" charset="-120"/>
+              <a:rPr lang="zh-TW" altLang="en-US" sz="3200" dirty="0">
+                <a:latin typeface="Taipei Sans TC Beta Light" pitchFamily="2" charset="-120"/>
+                <a:ea typeface="Taipei Sans TC Beta Light" pitchFamily="2" charset="-120"/>
               </a:rPr>
               <a:t>就聽信單一立場的言論，這樣是不對的。</a:t>
             </a:r>
@@ -8443,7 +11135,7 @@
     </p:spTree>
     <p:extLst>
       <p:ext uri="{BB962C8B-B14F-4D97-AF65-F5344CB8AC3E}">
-        <p14:creationId xmlns:p14="http://schemas.microsoft.com/office/powerpoint/2010/main" val="1752444645"/>
+        <p14:creationId xmlns:p14="http://schemas.microsoft.com/office/powerpoint/2010/main" val="1172658170"/>
       </p:ext>
     </p:extLst>
   </p:cSld>
@@ -8493,10 +11185,17 @@
           <a:p>
             <a:r>
               <a:rPr lang="zh-TW" altLang="en-US" b="1" dirty="0">
-                <a:latin typeface="標楷體" panose="03000509000000000000" pitchFamily="65" charset="-120"/>
-                <a:ea typeface="標楷體" panose="03000509000000000000" pitchFamily="65" charset="-120"/>
-              </a:rPr>
-              <a:t>解決關鍵：不要盲從</a:t>
+                <a:latin typeface="Taipei Sans TC Beta Light" pitchFamily="2" charset="-120"/>
+                <a:ea typeface="Taipei Sans TC Beta Light" pitchFamily="2" charset="-120"/>
+              </a:rPr>
+              <a:t>解決關鍵：</a:t>
+            </a:r>
+            <a:r>
+              <a:rPr lang="zh-TW" altLang="en-US" b="1" dirty="0">
+                <a:latin typeface="Taipei Sans TC Beta" pitchFamily="2" charset="-120"/>
+                <a:ea typeface="Taipei Sans TC Beta" pitchFamily="2" charset="-120"/>
+              </a:rPr>
+              <a:t>不要盲從</a:t>
             </a:r>
           </a:p>
         </p:txBody>
@@ -8517,7 +11216,12 @@
             <p:ph idx="1"/>
           </p:nvPr>
         </p:nvSpPr>
-        <p:spPr/>
+        <p:spPr>
+          <a:xfrm>
+            <a:off x="838199" y="1825625"/>
+            <a:ext cx="11034713" cy="4351338"/>
+          </a:xfrm>
+        </p:spPr>
         <p:txBody>
           <a:bodyPr/>
           <a:lstStyle/>
@@ -8526,15 +11230,15 @@
               <a:buNone/>
             </a:pPr>
             <a:r>
-              <a:rPr lang="zh-TW" altLang="en-US" dirty="0">
-                <a:latin typeface="標楷體" panose="03000509000000000000" pitchFamily="65" charset="-120"/>
-                <a:ea typeface="標楷體" panose="03000509000000000000" pitchFamily="65" charset="-120"/>
+              <a:rPr lang="zh-TW" altLang="en-US" sz="3200" dirty="0">
+                <a:latin typeface="Taipei Sans TC Beta Light" pitchFamily="2" charset="-120"/>
+                <a:ea typeface="Taipei Sans TC Beta Light" pitchFamily="2" charset="-120"/>
               </a:rPr>
               <a:t>這次的事件，讓很多平時不關注政治的人，也開始談論，</a:t>
             </a:r>
-            <a:endParaRPr lang="en-US" altLang="zh-TW" dirty="0">
-              <a:latin typeface="標楷體" panose="03000509000000000000" pitchFamily="65" charset="-120"/>
-              <a:ea typeface="標楷體" panose="03000509000000000000" pitchFamily="65" charset="-120"/>
+            <a:endParaRPr lang="en-US" altLang="zh-TW" sz="3200" dirty="0">
+              <a:latin typeface="Taipei Sans TC Beta Light" pitchFamily="2" charset="-120"/>
+              <a:ea typeface="Taipei Sans TC Beta Light" pitchFamily="2" charset="-120"/>
             </a:endParaRPr>
           </a:p>
           <a:p>
@@ -8542,15 +11246,15 @@
               <a:buNone/>
             </a:pPr>
             <a:r>
-              <a:rPr lang="zh-TW" altLang="en-US" dirty="0">
-                <a:latin typeface="標楷體" panose="03000509000000000000" pitchFamily="65" charset="-120"/>
-                <a:ea typeface="標楷體" panose="03000509000000000000" pitchFamily="65" charset="-120"/>
+              <a:rPr lang="zh-TW" altLang="en-US" sz="3200" dirty="0">
+                <a:latin typeface="Taipei Sans TC Beta Light" pitchFamily="2" charset="-120"/>
+                <a:ea typeface="Taipei Sans TC Beta Light" pitchFamily="2" charset="-120"/>
               </a:rPr>
               <a:t>但關注的人很多，但是實際上真正有持續關心的人又占多少？</a:t>
             </a:r>
-            <a:endParaRPr lang="en-US" altLang="zh-TW" dirty="0">
-              <a:latin typeface="標楷體" panose="03000509000000000000" pitchFamily="65" charset="-120"/>
-              <a:ea typeface="標楷體" panose="03000509000000000000" pitchFamily="65" charset="-120"/>
+            <a:endParaRPr lang="en-US" altLang="zh-TW" sz="3200" dirty="0">
+              <a:latin typeface="Taipei Sans TC Beta Light" pitchFamily="2" charset="-120"/>
+              <a:ea typeface="Taipei Sans TC Beta Light" pitchFamily="2" charset="-120"/>
             </a:endParaRPr>
           </a:p>
           <a:p>
@@ -8558,15 +11262,15 @@
               <a:buNone/>
             </a:pPr>
             <a:r>
-              <a:rPr lang="zh-TW" altLang="en-US" dirty="0">
-                <a:latin typeface="標楷體" panose="03000509000000000000" pitchFamily="65" charset="-120"/>
-                <a:ea typeface="標楷體" panose="03000509000000000000" pitchFamily="65" charset="-120"/>
+              <a:rPr lang="zh-TW" altLang="en-US" sz="3200" dirty="0">
+                <a:latin typeface="Taipei Sans TC Beta Light" pitchFamily="2" charset="-120"/>
+                <a:ea typeface="Taipei Sans TC Beta Light" pitchFamily="2" charset="-120"/>
               </a:rPr>
               <a:t>關心政治不能只是一天兩天的事，</a:t>
             </a:r>
-            <a:endParaRPr lang="en-US" altLang="zh-TW" dirty="0">
-              <a:latin typeface="標楷體" panose="03000509000000000000" pitchFamily="65" charset="-120"/>
-              <a:ea typeface="標楷體" panose="03000509000000000000" pitchFamily="65" charset="-120"/>
+            <a:endParaRPr lang="en-US" altLang="zh-TW" sz="3200" dirty="0">
+              <a:latin typeface="Taipei Sans TC Beta Light" pitchFamily="2" charset="-120"/>
+              <a:ea typeface="Taipei Sans TC Beta Light" pitchFamily="2" charset="-120"/>
             </a:endParaRPr>
           </a:p>
           <a:p>
@@ -8574,15 +11278,15 @@
               <a:buNone/>
             </a:pPr>
             <a:r>
-              <a:rPr lang="zh-TW" altLang="en-US" dirty="0">
-                <a:latin typeface="標楷體" panose="03000509000000000000" pitchFamily="65" charset="-120"/>
-                <a:ea typeface="標楷體" panose="03000509000000000000" pitchFamily="65" charset="-120"/>
+              <a:rPr lang="zh-TW" altLang="en-US" sz="3200" dirty="0">
+                <a:latin typeface="Taipei Sans TC Beta Light" pitchFamily="2" charset="-120"/>
+                <a:ea typeface="Taipei Sans TC Beta Light" pitchFamily="2" charset="-120"/>
               </a:rPr>
               <a:t>也不是在網路上發發文、看看懶人包就是關心，</a:t>
             </a:r>
-            <a:endParaRPr lang="en-US" altLang="zh-TW" dirty="0">
-              <a:latin typeface="標楷體" panose="03000509000000000000" pitchFamily="65" charset="-120"/>
-              <a:ea typeface="標楷體" panose="03000509000000000000" pitchFamily="65" charset="-120"/>
+            <a:endParaRPr lang="en-US" altLang="zh-TW" sz="3200" dirty="0">
+              <a:latin typeface="Taipei Sans TC Beta Light" pitchFamily="2" charset="-120"/>
+              <a:ea typeface="Taipei Sans TC Beta Light" pitchFamily="2" charset="-120"/>
             </a:endParaRPr>
           </a:p>
           <a:p>
@@ -8590,15 +11294,15 @@
               <a:buNone/>
             </a:pPr>
             <a:r>
-              <a:rPr lang="zh-TW" altLang="en-US" dirty="0">
-                <a:latin typeface="標楷體" panose="03000509000000000000" pitchFamily="65" charset="-120"/>
-                <a:ea typeface="標楷體" panose="03000509000000000000" pitchFamily="65" charset="-120"/>
+              <a:rPr lang="zh-TW" altLang="en-US" sz="3200" dirty="0">
+                <a:latin typeface="Taipei Sans TC Beta Light" pitchFamily="2" charset="-120"/>
+                <a:ea typeface="Taipei Sans TC Beta Light" pitchFamily="2" charset="-120"/>
               </a:rPr>
               <a:t>尤其是現在的政治情形，</a:t>
             </a:r>
-            <a:endParaRPr lang="en-US" altLang="zh-TW" dirty="0">
-              <a:latin typeface="標楷體" panose="03000509000000000000" pitchFamily="65" charset="-120"/>
-              <a:ea typeface="標楷體" panose="03000509000000000000" pitchFamily="65" charset="-120"/>
+            <a:endParaRPr lang="en-US" altLang="zh-TW" sz="3200" dirty="0">
+              <a:latin typeface="Taipei Sans TC Beta Light" pitchFamily="2" charset="-120"/>
+              <a:ea typeface="Taipei Sans TC Beta Light" pitchFamily="2" charset="-120"/>
             </a:endParaRPr>
           </a:p>
           <a:p>
@@ -8606,25 +11310,25 @@
               <a:buNone/>
             </a:pPr>
             <a:r>
+              <a:rPr lang="zh-TW" altLang="en-US" sz="3200" dirty="0">
+                <a:solidFill>
+                  <a:srgbClr val="FF5050"/>
+                </a:solidFill>
+                <a:latin typeface="Taipei Sans TC Beta" pitchFamily="2" charset="-120"/>
+                <a:ea typeface="Taipei Sans TC Beta" pitchFamily="2" charset="-120"/>
+              </a:rPr>
+              <a:t>影響的就是正值青春歲月的有為大學生的未來</a:t>
+            </a:r>
+            <a:r>
               <a:rPr lang="zh-TW" altLang="en-US" b="1" dirty="0">
-                <a:solidFill>
-                  <a:srgbClr val="FF0000"/>
-                </a:solidFill>
-                <a:latin typeface="標楷體" panose="03000509000000000000" pitchFamily="65" charset="-120"/>
-                <a:ea typeface="標楷體" panose="03000509000000000000" pitchFamily="65" charset="-120"/>
-              </a:rPr>
-              <a:t>影響的就是正值青春歲月的有為大學生的未來</a:t>
-            </a:r>
-            <a:r>
-              <a:rPr lang="zh-TW" altLang="en-US" b="1" dirty="0">
-                <a:latin typeface="標楷體" panose="03000509000000000000" pitchFamily="65" charset="-120"/>
-                <a:ea typeface="標楷體" panose="03000509000000000000" pitchFamily="65" charset="-120"/>
+                <a:latin typeface="Taipei Sans TC Beta Light" pitchFamily="2" charset="-120"/>
+                <a:ea typeface="Taipei Sans TC Beta Light" pitchFamily="2" charset="-120"/>
               </a:rPr>
               <a:t>。</a:t>
             </a:r>
             <a:endParaRPr lang="en-US" altLang="zh-TW" dirty="0">
-              <a:latin typeface="標楷體" panose="03000509000000000000" pitchFamily="65" charset="-120"/>
-              <a:ea typeface="標楷體" panose="03000509000000000000" pitchFamily="65" charset="-120"/>
+              <a:latin typeface="Taipei Sans TC Beta Light" pitchFamily="2" charset="-120"/>
+              <a:ea typeface="Taipei Sans TC Beta Light" pitchFamily="2" charset="-120"/>
             </a:endParaRPr>
           </a:p>
         </p:txBody>
@@ -8632,7 +11336,7 @@
     </p:spTree>
     <p:extLst>
       <p:ext uri="{BB962C8B-B14F-4D97-AF65-F5344CB8AC3E}">
-        <p14:creationId xmlns:p14="http://schemas.microsoft.com/office/powerpoint/2010/main" val="468267728"/>
+        <p14:creationId xmlns:p14="http://schemas.microsoft.com/office/powerpoint/2010/main" val="2600024839"/>
       </p:ext>
     </p:extLst>
   </p:cSld>
@@ -8673,8 +11377,8 @@
         </p:nvSpPr>
         <p:spPr>
           <a:xfrm>
-            <a:off x="-38100" y="2943225"/>
-            <a:ext cx="12230100" cy="830997"/>
+            <a:off x="730397" y="2454953"/>
+            <a:ext cx="8241066" cy="1569660"/>
           </a:xfrm>
           <a:prstGeom prst="rect">
             <a:avLst/>
@@ -8686,16 +11390,120 @@
           </a:bodyPr>
           <a:lstStyle/>
           <a:p>
-            <a:r>
-              <a:rPr lang="zh-TW" altLang="en-US" sz="4800" dirty="0">
-                <a:latin typeface="標楷體" panose="03000509000000000000" pitchFamily="65" charset="-120"/>
-                <a:ea typeface="標楷體" panose="03000509000000000000" pitchFamily="65" charset="-120"/>
-              </a:rPr>
-              <a:t>你還在政治冷感嗎？快醒醒 這是你的未來 ！</a:t>
-            </a:r>
-            <a:endParaRPr lang="en-US" altLang="zh-TW" sz="4800" dirty="0">
-              <a:latin typeface="標楷體" panose="03000509000000000000" pitchFamily="65" charset="-120"/>
-              <a:ea typeface="標楷體" panose="03000509000000000000" pitchFamily="65" charset="-120"/>
+            <a:pPr marL="0" marR="0" lvl="0" indent="0" algn="l" defTabSz="914400" rtl="0" eaLnBrk="1" fontAlgn="auto" latinLnBrk="0" hangingPunct="1">
+              <a:lnSpc>
+                <a:spcPct val="100000"/>
+              </a:lnSpc>
+              <a:spcBef>
+                <a:spcPts val="0"/>
+              </a:spcBef>
+              <a:spcAft>
+                <a:spcPts val="0"/>
+              </a:spcAft>
+              <a:buClrTx/>
+              <a:buSzTx/>
+              <a:buFontTx/>
+              <a:buNone/>
+              <a:tabLst/>
+              <a:defRPr/>
+            </a:pPr>
+            <a:r>
+              <a:rPr kumimoji="0" lang="zh-TW" altLang="en-US" sz="4800" b="0" i="0" u="none" strike="noStrike" kern="1200" cap="none" spc="0" normalizeH="0" baseline="0" noProof="0" dirty="0">
+                <a:ln>
+                  <a:noFill/>
+                </a:ln>
+                <a:solidFill>
+                  <a:prstClr val="black"/>
+                </a:solidFill>
+                <a:effectLst/>
+                <a:uLnTx/>
+                <a:uFillTx/>
+                <a:latin typeface="Taipei Sans TC Beta Light" pitchFamily="2" charset="-120"/>
+                <a:ea typeface="Taipei Sans TC Beta Light" pitchFamily="2" charset="-120"/>
+                <a:cs typeface="+mn-cs"/>
+              </a:rPr>
+              <a:t>你還在政治冷感嗎？</a:t>
+            </a:r>
+            <a:endParaRPr kumimoji="0" lang="en-US" altLang="zh-TW" sz="4800" b="0" i="0" u="none" strike="noStrike" kern="1200" cap="none" spc="0" normalizeH="0" baseline="0" noProof="0" dirty="0">
+              <a:ln>
+                <a:noFill/>
+              </a:ln>
+              <a:solidFill>
+                <a:prstClr val="black"/>
+              </a:solidFill>
+              <a:effectLst/>
+              <a:uLnTx/>
+              <a:uFillTx/>
+              <a:latin typeface="Taipei Sans TC Beta Light" pitchFamily="2" charset="-120"/>
+              <a:ea typeface="Taipei Sans TC Beta Light" pitchFamily="2" charset="-120"/>
+              <a:cs typeface="+mn-cs"/>
+            </a:endParaRPr>
+          </a:p>
+          <a:p>
+            <a:pPr marL="0" marR="0" lvl="0" indent="0" algn="l" defTabSz="914400" rtl="0" eaLnBrk="1" fontAlgn="auto" latinLnBrk="0" hangingPunct="1">
+              <a:lnSpc>
+                <a:spcPct val="100000"/>
+              </a:lnSpc>
+              <a:spcBef>
+                <a:spcPts val="0"/>
+              </a:spcBef>
+              <a:spcAft>
+                <a:spcPts val="0"/>
+              </a:spcAft>
+              <a:buClrTx/>
+              <a:buSzTx/>
+              <a:buFontTx/>
+              <a:buNone/>
+              <a:tabLst/>
+              <a:defRPr/>
+            </a:pPr>
+            <a:r>
+              <a:rPr kumimoji="0" lang="zh-TW" altLang="en-US" sz="4800" b="0" i="0" u="none" strike="noStrike" kern="1200" cap="none" spc="0" normalizeH="0" baseline="0" noProof="0" dirty="0">
+                <a:ln>
+                  <a:noFill/>
+                </a:ln>
+                <a:solidFill>
+                  <a:prstClr val="black"/>
+                </a:solidFill>
+                <a:effectLst/>
+                <a:uLnTx/>
+                <a:uFillTx/>
+                <a:latin typeface="Taipei Sans TC Beta Light" pitchFamily="2" charset="-120"/>
+                <a:ea typeface="Taipei Sans TC Beta Light" pitchFamily="2" charset="-120"/>
+                <a:cs typeface="+mn-cs"/>
+              </a:rPr>
+              <a:t>快醒醒 </a:t>
+            </a:r>
+            <a:r>
+              <a:rPr kumimoji="0" lang="zh-TW" altLang="en-US" sz="4800" b="0" i="0" u="none" strike="noStrike" kern="1200" cap="none" spc="0" normalizeH="0" baseline="0" noProof="0" dirty="0">
+                <a:ln>
+                  <a:noFill/>
+                </a:ln>
+                <a:solidFill>
+                  <a:prstClr val="black"/>
+                </a:solidFill>
+                <a:effectLst/>
+                <a:uLnTx/>
+                <a:uFillTx/>
+                <a:latin typeface="Taipei Sans TC Beta" pitchFamily="2" charset="-120"/>
+                <a:ea typeface="Taipei Sans TC Beta" pitchFamily="2" charset="-120"/>
+                <a:cs typeface="+mn-cs"/>
+              </a:rPr>
+              <a:t>這是你的未來！</a:t>
+            </a:r>
+            <a:endParaRPr kumimoji="0" lang="en-US" altLang="zh-TW" sz="4800" b="0" i="0" u="none" strike="noStrike" kern="1200" cap="none" spc="0" normalizeH="0" baseline="0" noProof="0" dirty="0">
+              <a:ln>
+                <a:noFill/>
+              </a:ln>
+              <a:solidFill>
+                <a:prstClr val="black"/>
+              </a:solidFill>
+              <a:effectLst/>
+              <a:uLnTx/>
+              <a:uFillTx/>
+              <a:latin typeface="Taipei Sans TC Beta" pitchFamily="2" charset="-120"/>
+              <a:ea typeface="Taipei Sans TC Beta" pitchFamily="2" charset="-120"/>
+              <a:cs typeface="+mn-cs"/>
             </a:endParaRPr>
           </a:p>
         </p:txBody>
@@ -8703,7 +11511,7 @@
     </p:spTree>
     <p:extLst>
       <p:ext uri="{BB962C8B-B14F-4D97-AF65-F5344CB8AC3E}">
-        <p14:creationId xmlns:p14="http://schemas.microsoft.com/office/powerpoint/2010/main" val="4214516932"/>
+        <p14:creationId xmlns:p14="http://schemas.microsoft.com/office/powerpoint/2010/main" val="3055666895"/>
       </p:ext>
     </p:extLst>
   </p:cSld>
@@ -8753,10 +11561,10 @@
           <a:p>
             <a:r>
               <a:rPr lang="zh-TW" altLang="en-US" b="1" dirty="0">
-                <a:latin typeface="標楷體" panose="03000509000000000000" pitchFamily="65" charset="-120"/>
-                <a:ea typeface="標楷體" panose="03000509000000000000" pitchFamily="65" charset="-120"/>
-              </a:rPr>
-              <a:t>觀察重點：</a:t>
+                <a:latin typeface="Taipei Sans TC Beta" pitchFamily="2" charset="-120"/>
+                <a:ea typeface="Taipei Sans TC Beta" pitchFamily="2" charset="-120"/>
+              </a:rPr>
+              <a:t>觀察重點</a:t>
             </a:r>
           </a:p>
         </p:txBody>
@@ -8782,22 +11590,35 @@
           <a:bodyPr/>
           <a:lstStyle/>
           <a:p>
-            <a:pPr marL="0" indent="0">
-              <a:buNone/>
-            </a:pPr>
-            <a:r>
-              <a:rPr lang="en-US" altLang="zh-TW" dirty="0">
-                <a:latin typeface="標楷體" panose="03000509000000000000" pitchFamily="65" charset="-120"/>
-                <a:ea typeface="標楷體" panose="03000509000000000000" pitchFamily="65" charset="-120"/>
+            <a:r>
+              <a:rPr lang="en-US" altLang="zh-TW" sz="3200" dirty="0">
+                <a:latin typeface="Taipei Sans TC Beta Light" pitchFamily="2" charset="-120"/>
+                <a:ea typeface="Taipei Sans TC Beta Light" pitchFamily="2" charset="-120"/>
               </a:rPr>
               <a:t> </a:t>
             </a:r>
             <a:r>
               <a:rPr lang="zh-TW" altLang="en-US" sz="3200" dirty="0">
-                <a:latin typeface="標楷體" panose="03000509000000000000" pitchFamily="65" charset="-120"/>
-                <a:ea typeface="標楷體" panose="03000509000000000000" pitchFamily="65" charset="-120"/>
-              </a:rPr>
-              <a:t>貼文數是否根據香港情勢起伏，還是一日行情？</a:t>
+                <a:latin typeface="Taipei Sans TC Beta Light" pitchFamily="2" charset="-120"/>
+                <a:ea typeface="Taipei Sans TC Beta Light" pitchFamily="2" charset="-120"/>
+              </a:rPr>
+              <a:t>貼文數是否根據情勢維持一定水準，還是一日行情？</a:t>
+            </a:r>
+          </a:p>
+          <a:p>
+            <a:r>
+              <a:rPr lang="en-US" altLang="zh-TW" sz="3200" dirty="0">
+                <a:latin typeface="Taipei Sans TC Beta Light" pitchFamily="2" charset="-120"/>
+                <a:ea typeface="Taipei Sans TC Beta Light" pitchFamily="2" charset="-120"/>
+              </a:rPr>
+              <a:t> </a:t>
+            </a:r>
+            <a:r>
+              <a:rPr lang="zh-TW" altLang="en-US" sz="3200" dirty="0">
+                <a:latin typeface="Taipei Sans TC Beta Light" pitchFamily="2" charset="-120"/>
+                <a:ea typeface="Taipei Sans TC Beta Light" pitchFamily="2" charset="-120"/>
+              </a:rPr>
+              <a:t>論壇在此議題是否為主要傳聲筒？</a:t>
             </a:r>
           </a:p>
           <a:p>
@@ -8811,7 +11632,7 @@
     </p:spTree>
     <p:extLst>
       <p:ext uri="{BB962C8B-B14F-4D97-AF65-F5344CB8AC3E}">
-        <p14:creationId xmlns:p14="http://schemas.microsoft.com/office/powerpoint/2010/main" val="3685762540"/>
+        <p14:creationId xmlns:p14="http://schemas.microsoft.com/office/powerpoint/2010/main" val="3911986145"/>
       </p:ext>
     </p:extLst>
   </p:cSld>
@@ -8853,7 +11674,7 @@
           <p:nvPr/>
         </p:nvPicPr>
         <p:blipFill>
-          <a:blip r:embed="rId2"/>
+          <a:blip r:embed="rId3"/>
           <a:stretch>
             <a:fillRect/>
           </a:stretch>
@@ -9174,4 +11995,299 @@
     </a:ext>
   </a:extLst>
 </a:theme>
+</file>
+
+<file path=ppt/theme/theme2.xml><?xml version="1.0" encoding="utf-8"?>
+<a:theme xmlns:a="http://schemas.openxmlformats.org/drawingml/2006/main" name="Office 佈景主題">
+  <a:themeElements>
+    <a:clrScheme name="Office">
+      <a:dk1>
+        <a:sysClr val="windowText" lastClr="000000"/>
+      </a:dk1>
+      <a:lt1>
+        <a:sysClr val="window" lastClr="FFFFFF"/>
+      </a:lt1>
+      <a:dk2>
+        <a:srgbClr val="44546A"/>
+      </a:dk2>
+      <a:lt2>
+        <a:srgbClr val="E7E6E6"/>
+      </a:lt2>
+      <a:accent1>
+        <a:srgbClr val="4472C4"/>
+      </a:accent1>
+      <a:accent2>
+        <a:srgbClr val="ED7D31"/>
+      </a:accent2>
+      <a:accent3>
+        <a:srgbClr val="A5A5A5"/>
+      </a:accent3>
+      <a:accent4>
+        <a:srgbClr val="FFC000"/>
+      </a:accent4>
+      <a:accent5>
+        <a:srgbClr val="5B9BD5"/>
+      </a:accent5>
+      <a:accent6>
+        <a:srgbClr val="70AD47"/>
+      </a:accent6>
+      <a:hlink>
+        <a:srgbClr val="0563C1"/>
+      </a:hlink>
+      <a:folHlink>
+        <a:srgbClr val="954F72"/>
+      </a:folHlink>
+    </a:clrScheme>
+    <a:fontScheme name="Office">
+      <a:majorFont>
+        <a:latin typeface="Calibri Light" panose="020F0302020204030204"/>
+        <a:ea typeface=""/>
+        <a:cs typeface=""/>
+        <a:font script="Jpan" typeface="游ゴシック Light"/>
+        <a:font script="Hang" typeface="맑은 고딕"/>
+        <a:font script="Hans" typeface="等线 Light"/>
+        <a:font script="Hant" typeface="新細明體"/>
+        <a:font script="Arab" typeface="Times New Roman"/>
+        <a:font script="Hebr" typeface="Times New Roman"/>
+        <a:font script="Thai" typeface="Angsana New"/>
+        <a:font script="Ethi" typeface="Nyala"/>
+        <a:font script="Beng" typeface="Vrinda"/>
+        <a:font script="Gujr" typeface="Shruti"/>
+        <a:font script="Khmr" typeface="MoolBoran"/>
+        <a:font script="Knda" typeface="Tunga"/>
+        <a:font script="Guru" typeface="Raavi"/>
+        <a:font script="Cans" typeface="Euphemia"/>
+        <a:font script="Cher" typeface="Plantagenet Cherokee"/>
+        <a:font script="Yiii" typeface="Microsoft Yi Baiti"/>
+        <a:font script="Tibt" typeface="Microsoft Himalaya"/>
+        <a:font script="Thaa" typeface="MV Boli"/>
+        <a:font script="Deva" typeface="Mangal"/>
+        <a:font script="Telu" typeface="Gautami"/>
+        <a:font script="Taml" typeface="Latha"/>
+        <a:font script="Syrc" typeface="Estrangelo Edessa"/>
+        <a:font script="Orya" typeface="Kalinga"/>
+        <a:font script="Mlym" typeface="Kartika"/>
+        <a:font script="Laoo" typeface="DokChampa"/>
+        <a:font script="Sinh" typeface="Iskoola Pota"/>
+        <a:font script="Mong" typeface="Mongolian Baiti"/>
+        <a:font script="Viet" typeface="Times New Roman"/>
+        <a:font script="Uigh" typeface="Microsoft Uighur"/>
+        <a:font script="Geor" typeface="Sylfaen"/>
+        <a:font script="Armn" typeface="Arial"/>
+        <a:font script="Bugi" typeface="Leelawadee UI"/>
+        <a:font script="Bopo" typeface="Microsoft JhengHei"/>
+        <a:font script="Java" typeface="Javanese Text"/>
+        <a:font script="Lisu" typeface="Segoe UI"/>
+        <a:font script="Mymr" typeface="Myanmar Text"/>
+        <a:font script="Nkoo" typeface="Ebrima"/>
+        <a:font script="Olck" typeface="Nirmala UI"/>
+        <a:font script="Osma" typeface="Ebrima"/>
+        <a:font script="Phag" typeface="Phagspa"/>
+        <a:font script="Syrn" typeface="Estrangelo Edessa"/>
+        <a:font script="Syrj" typeface="Estrangelo Edessa"/>
+        <a:font script="Syre" typeface="Estrangelo Edessa"/>
+        <a:font script="Sora" typeface="Nirmala UI"/>
+        <a:font script="Tale" typeface="Microsoft Tai Le"/>
+        <a:font script="Talu" typeface="Microsoft New Tai Lue"/>
+        <a:font script="Tfng" typeface="Ebrima"/>
+      </a:majorFont>
+      <a:minorFont>
+        <a:latin typeface="Calibri" panose="020F0502020204030204"/>
+        <a:ea typeface=""/>
+        <a:cs typeface=""/>
+        <a:font script="Jpan" typeface="游ゴシック"/>
+        <a:font script="Hang" typeface="맑은 고딕"/>
+        <a:font script="Hans" typeface="等线"/>
+        <a:font script="Hant" typeface="新細明體"/>
+        <a:font script="Arab" typeface="Arial"/>
+        <a:font script="Hebr" typeface="Arial"/>
+        <a:font script="Thai" typeface="Cordia New"/>
+        <a:font script="Ethi" typeface="Nyala"/>
+        <a:font script="Beng" typeface="Vrinda"/>
+        <a:font script="Gujr" typeface="Shruti"/>
+        <a:font script="Khmr" typeface="DaunPenh"/>
+        <a:font script="Knda" typeface="Tunga"/>
+        <a:font script="Guru" typeface="Raavi"/>
+        <a:font script="Cans" typeface="Euphemia"/>
+        <a:font script="Cher" typeface="Plantagenet Cherokee"/>
+        <a:font script="Yiii" typeface="Microsoft Yi Baiti"/>
+        <a:font script="Tibt" typeface="Microsoft Himalaya"/>
+        <a:font script="Thaa" typeface="MV Boli"/>
+        <a:font script="Deva" typeface="Mangal"/>
+        <a:font script="Telu" typeface="Gautami"/>
+        <a:font script="Taml" typeface="Latha"/>
+        <a:font script="Syrc" typeface="Estrangelo Edessa"/>
+        <a:font script="Orya" typeface="Kalinga"/>
+        <a:font script="Mlym" typeface="Kartika"/>
+        <a:font script="Laoo" typeface="DokChampa"/>
+        <a:font script="Sinh" typeface="Iskoola Pota"/>
+        <a:font script="Mong" typeface="Mongolian Baiti"/>
+        <a:font script="Viet" typeface="Arial"/>
+        <a:font script="Uigh" typeface="Microsoft Uighur"/>
+        <a:font script="Geor" typeface="Sylfaen"/>
+        <a:font script="Armn" typeface="Arial"/>
+        <a:font script="Bugi" typeface="Leelawadee UI"/>
+        <a:font script="Bopo" typeface="Microsoft JhengHei"/>
+        <a:font script="Java" typeface="Javanese Text"/>
+        <a:font script="Lisu" typeface="Segoe UI"/>
+        <a:font script="Mymr" typeface="Myanmar Text"/>
+        <a:font script="Nkoo" typeface="Ebrima"/>
+        <a:font script="Olck" typeface="Nirmala UI"/>
+        <a:font script="Osma" typeface="Ebrima"/>
+        <a:font script="Phag" typeface="Phagspa"/>
+        <a:font script="Syrn" typeface="Estrangelo Edessa"/>
+        <a:font script="Syrj" typeface="Estrangelo Edessa"/>
+        <a:font script="Syre" typeface="Estrangelo Edessa"/>
+        <a:font script="Sora" typeface="Nirmala UI"/>
+        <a:font script="Tale" typeface="Microsoft Tai Le"/>
+        <a:font script="Talu" typeface="Microsoft New Tai Lue"/>
+        <a:font script="Tfng" typeface="Ebrima"/>
+      </a:minorFont>
+    </a:fontScheme>
+    <a:fmtScheme name="Office">
+      <a:fillStyleLst>
+        <a:solidFill>
+          <a:schemeClr val="phClr"/>
+        </a:solidFill>
+        <a:gradFill rotWithShape="1">
+          <a:gsLst>
+            <a:gs pos="0">
+              <a:schemeClr val="phClr">
+                <a:lumMod val="110000"/>
+                <a:satMod val="105000"/>
+                <a:tint val="67000"/>
+              </a:schemeClr>
+            </a:gs>
+            <a:gs pos="50000">
+              <a:schemeClr val="phClr">
+                <a:lumMod val="105000"/>
+                <a:satMod val="103000"/>
+                <a:tint val="73000"/>
+              </a:schemeClr>
+            </a:gs>
+            <a:gs pos="100000">
+              <a:schemeClr val="phClr">
+                <a:lumMod val="105000"/>
+                <a:satMod val="109000"/>
+                <a:tint val="81000"/>
+              </a:schemeClr>
+            </a:gs>
+          </a:gsLst>
+          <a:lin ang="5400000" scaled="0"/>
+        </a:gradFill>
+        <a:gradFill rotWithShape="1">
+          <a:gsLst>
+            <a:gs pos="0">
+              <a:schemeClr val="phClr">
+                <a:satMod val="103000"/>
+                <a:lumMod val="102000"/>
+                <a:tint val="94000"/>
+              </a:schemeClr>
+            </a:gs>
+            <a:gs pos="50000">
+              <a:schemeClr val="phClr">
+                <a:satMod val="110000"/>
+                <a:lumMod val="100000"/>
+                <a:shade val="100000"/>
+              </a:schemeClr>
+            </a:gs>
+            <a:gs pos="100000">
+              <a:schemeClr val="phClr">
+                <a:lumMod val="99000"/>
+                <a:satMod val="120000"/>
+                <a:shade val="78000"/>
+              </a:schemeClr>
+            </a:gs>
+          </a:gsLst>
+          <a:lin ang="5400000" scaled="0"/>
+        </a:gradFill>
+      </a:fillStyleLst>
+      <a:lnStyleLst>
+        <a:ln w="6350" cap="flat" cmpd="sng" algn="ctr">
+          <a:solidFill>
+            <a:schemeClr val="phClr"/>
+          </a:solidFill>
+          <a:prstDash val="solid"/>
+          <a:miter lim="800000"/>
+        </a:ln>
+        <a:ln w="12700" cap="flat" cmpd="sng" algn="ctr">
+          <a:solidFill>
+            <a:schemeClr val="phClr"/>
+          </a:solidFill>
+          <a:prstDash val="solid"/>
+          <a:miter lim="800000"/>
+        </a:ln>
+        <a:ln w="19050" cap="flat" cmpd="sng" algn="ctr">
+          <a:solidFill>
+            <a:schemeClr val="phClr"/>
+          </a:solidFill>
+          <a:prstDash val="solid"/>
+          <a:miter lim="800000"/>
+        </a:ln>
+      </a:lnStyleLst>
+      <a:effectStyleLst>
+        <a:effectStyle>
+          <a:effectLst/>
+        </a:effectStyle>
+        <a:effectStyle>
+          <a:effectLst/>
+        </a:effectStyle>
+        <a:effectStyle>
+          <a:effectLst>
+            <a:outerShdw blurRad="57150" dist="19050" dir="5400000" algn="ctr" rotWithShape="0">
+              <a:srgbClr val="000000">
+                <a:alpha val="63000"/>
+              </a:srgbClr>
+            </a:outerShdw>
+          </a:effectLst>
+        </a:effectStyle>
+      </a:effectStyleLst>
+      <a:bgFillStyleLst>
+        <a:solidFill>
+          <a:schemeClr val="phClr"/>
+        </a:solidFill>
+        <a:solidFill>
+          <a:schemeClr val="phClr">
+            <a:tint val="95000"/>
+            <a:satMod val="170000"/>
+          </a:schemeClr>
+        </a:solidFill>
+        <a:gradFill rotWithShape="1">
+          <a:gsLst>
+            <a:gs pos="0">
+              <a:schemeClr val="phClr">
+                <a:tint val="93000"/>
+                <a:satMod val="150000"/>
+                <a:shade val="98000"/>
+                <a:lumMod val="102000"/>
+              </a:schemeClr>
+            </a:gs>
+            <a:gs pos="50000">
+              <a:schemeClr val="phClr">
+                <a:tint val="98000"/>
+                <a:satMod val="130000"/>
+                <a:shade val="90000"/>
+                <a:lumMod val="103000"/>
+              </a:schemeClr>
+            </a:gs>
+            <a:gs pos="100000">
+              <a:schemeClr val="phClr">
+                <a:shade val="63000"/>
+                <a:satMod val="120000"/>
+              </a:schemeClr>
+            </a:gs>
+          </a:gsLst>
+          <a:lin ang="5400000" scaled="0"/>
+        </a:gradFill>
+      </a:bgFillStyleLst>
+    </a:fmtScheme>
+  </a:themeElements>
+  <a:objectDefaults/>
+  <a:extraClrSchemeLst/>
+  <a:extLst>
+    <a:ext uri="{05A4C25C-085E-4340-85A3-A5531E510DB2}">
+      <thm15:themeFamily xmlns:thm15="http://schemas.microsoft.com/office/thememl/2012/main" name="Office Theme" id="{62F939B6-93AF-4DB8-9C6B-D6C7DFDC589F}" vid="{4A3C46E8-61CC-4603-A589-7422A47A8E4A}"/>
+    </a:ext>
+  </a:extLst>
+</a:theme>
 </file>
--- a/從論壇分析台灣人對反送中的討論度.pptx
+++ b/從論壇分析台灣人對反送中的討論度.pptx
@@ -143,6 +143,9 @@
   <p:extLst>
     <p:ext uri="{EFAFB233-063F-42B5-8137-9DF3F51BA10A}">
       <p15:sldGuideLst xmlns:p15="http://schemas.microsoft.com/office/powerpoint/2012/main"/>
+    </p:ext>
+    <p:ext uri="{2D200454-40CA-4A62-9FC3-DE9A4176ACB9}">
+      <p15:notesGuideLst xmlns:p15="http://schemas.microsoft.com/office/powerpoint/2012/main"/>
     </p:ext>
   </p:extLst>
 </p:presentation>
@@ -10874,7 +10877,12 @@
             <p:ph type="title"/>
           </p:nvPr>
         </p:nvSpPr>
-        <p:spPr/>
+        <p:spPr>
+          <a:xfrm>
+            <a:off x="838200" y="365125"/>
+            <a:ext cx="10515600" cy="1325563"/>
+          </a:xfrm>
+        </p:spPr>
         <p:txBody>
           <a:bodyPr/>
           <a:lstStyle/>
@@ -10954,11 +10962,18 @@
               <a:t>e</a:t>
             </a:r>
             <a:r>
+              <a:rPr lang="zh-TW" altLang="en-US" b="1">
+                <a:latin typeface="Taipei Sans TC Beta" pitchFamily="2" charset="-120"/>
+                <a:ea typeface="Taipei Sans TC Beta" pitchFamily="2" charset="-120"/>
+              </a:rPr>
+              <a:t>，不依賴</a:t>
+            </a:r>
+            <a:r>
               <a:rPr lang="zh-TW" altLang="en-US" b="1" dirty="0">
                 <a:latin typeface="Taipei Sans TC Beta" pitchFamily="2" charset="-120"/>
                 <a:ea typeface="Taipei Sans TC Beta" pitchFamily="2" charset="-120"/>
               </a:rPr>
-              <a:t>，不再依賴懶人包</a:t>
+              <a:t>懶人包</a:t>
             </a:r>
             <a:endParaRPr lang="zh-TW" altLang="en-US" dirty="0">
               <a:latin typeface="Taipei Sans TC Beta" pitchFamily="2" charset="-120"/>

--- a/從論壇分析台灣人對反送中的討論度.pptx
+++ b/從論壇分析台灣人對反送中的討論度.pptx
@@ -21,10 +21,10 @@
     <p:sldId id="289" r:id="rId12"/>
     <p:sldId id="280" r:id="rId13"/>
     <p:sldId id="277" r:id="rId14"/>
-    <p:sldId id="281" r:id="rId15"/>
-    <p:sldId id="257" r:id="rId16"/>
-    <p:sldId id="282" r:id="rId17"/>
-    <p:sldId id="283" r:id="rId18"/>
+    <p:sldId id="257" r:id="rId15"/>
+    <p:sldId id="283" r:id="rId16"/>
+    <p:sldId id="281" r:id="rId17"/>
+    <p:sldId id="282" r:id="rId18"/>
     <p:sldId id="284" r:id="rId19"/>
     <p:sldId id="285" r:id="rId20"/>
     <p:sldId id="286" r:id="rId21"/>
@@ -985,7 +985,7 @@
           <a:p>
             <a:fld id="{E208D5E8-A220-4A32-B4AF-26087BB63878}" type="slidenum">
               <a:rPr lang="zh-TW" altLang="en-US" smtClean="0"/>
-              <a:t>14</a:t>
+              <a:t>15</a:t>
             </a:fld>
             <a:endParaRPr lang="zh-TW" altLang="en-US"/>
           </a:p>
@@ -994,7 +994,7 @@
     </p:spTree>
     <p:extLst>
       <p:ext uri="{BB962C8B-B14F-4D97-AF65-F5344CB8AC3E}">
-        <p14:creationId xmlns:p14="http://schemas.microsoft.com/office/powerpoint/2010/main" val="2800582279"/>
+        <p14:creationId xmlns:p14="http://schemas.microsoft.com/office/powerpoint/2010/main" val="3254146715"/>
       </p:ext>
     </p:extLst>
   </p:cSld>
@@ -1078,7 +1078,7 @@
     </p:spTree>
     <p:extLst>
       <p:ext uri="{BB962C8B-B14F-4D97-AF65-F5344CB8AC3E}">
-        <p14:creationId xmlns:p14="http://schemas.microsoft.com/office/powerpoint/2010/main" val="1519764799"/>
+        <p14:creationId xmlns:p14="http://schemas.microsoft.com/office/powerpoint/2010/main" val="2800582279"/>
       </p:ext>
     </p:extLst>
   </p:cSld>
@@ -1162,7 +1162,7 @@
     </p:spTree>
     <p:extLst>
       <p:ext uri="{BB962C8B-B14F-4D97-AF65-F5344CB8AC3E}">
-        <p14:creationId xmlns:p14="http://schemas.microsoft.com/office/powerpoint/2010/main" val="3254146715"/>
+        <p14:creationId xmlns:p14="http://schemas.microsoft.com/office/powerpoint/2010/main" val="1519764799"/>
       </p:ext>
     </p:extLst>
   </p:cSld>
@@ -5813,7 +5813,7 @@
                 <a:latin typeface="Taipei Sans TC Beta" pitchFamily="2" charset="-120"/>
                 <a:ea typeface="Taipei Sans TC Beta" pitchFamily="2" charset="-120"/>
               </a:rPr>
-              <a:t>Excerpt</a:t>
+              <a:t>Title</a:t>
             </a:r>
           </a:p>
           <a:p>
@@ -5821,6 +5821,36 @@
           </a:p>
         </p:txBody>
       </p:sp>
+      <p:pic>
+        <p:nvPicPr>
+          <p:cNvPr id="4" name="圖片 3">
+            <a:extLst>
+              <a:ext uri="{FF2B5EF4-FFF2-40B4-BE49-F238E27FC236}">
+                <a16:creationId xmlns:a16="http://schemas.microsoft.com/office/drawing/2014/main" id="{0B5F94C8-A4FB-40DE-940C-CEA2EC0D1275}"/>
+              </a:ext>
+            </a:extLst>
+          </p:cNvPr>
+          <p:cNvPicPr>
+            <a:picLocks noChangeAspect="1"/>
+          </p:cNvPicPr>
+          <p:nvPr/>
+        </p:nvPicPr>
+        <p:blipFill>
+          <a:blip r:embed="rId4"/>
+          <a:stretch>
+            <a:fillRect/>
+          </a:stretch>
+        </p:blipFill>
+        <p:spPr>
+          <a:xfrm>
+            <a:off x="250190" y="0"/>
+            <a:ext cx="9544414" cy="6858000"/>
+          </a:xfrm>
+          <a:prstGeom prst="rect">
+            <a:avLst/>
+          </a:prstGeom>
+        </p:spPr>
+      </p:pic>
     </p:spTree>
     <p:extLst>
       <p:ext uri="{BB962C8B-B14F-4D97-AF65-F5344CB8AC3E}">
@@ -5851,98 +5881,12 @@
           <a:chExt cx="0" cy="0"/>
         </a:xfrm>
       </p:grpSpPr>
-      <p:sp>
-        <p:nvSpPr>
-          <p:cNvPr id="23" name="文字方塊 22">
-            <a:extLst>
-              <a:ext uri="{FF2B5EF4-FFF2-40B4-BE49-F238E27FC236}">
-                <a16:creationId xmlns:a16="http://schemas.microsoft.com/office/drawing/2014/main" id="{3C2479BF-7DED-4F7E-A72A-A9D862F4E105}"/>
-              </a:ext>
-            </a:extLst>
-          </p:cNvPr>
-          <p:cNvSpPr txBox="1"/>
-          <p:nvPr/>
-        </p:nvSpPr>
-        <p:spPr>
-          <a:xfrm>
-            <a:off x="10318559" y="2998113"/>
-            <a:ext cx="1586155" cy="800219"/>
-          </a:xfrm>
-          <a:prstGeom prst="rect">
-            <a:avLst/>
-          </a:prstGeom>
-          <a:noFill/>
-        </p:spPr>
-        <p:txBody>
-          <a:bodyPr wrap="square" rtlCol="0">
-            <a:spAutoFit/>
-          </a:bodyPr>
-          <a:lstStyle/>
-          <a:p>
-            <a:r>
-              <a:rPr lang="en-US" altLang="zh-TW" sz="2800">
-                <a:latin typeface="Taipei Sans TC Beta" pitchFamily="2" charset="-120"/>
-                <a:ea typeface="Taipei Sans TC Beta" pitchFamily="2" charset="-120"/>
-              </a:rPr>
-              <a:t>Excerpt</a:t>
-            </a:r>
-            <a:endParaRPr lang="en-US" altLang="zh-TW" sz="2800" dirty="0">
-              <a:latin typeface="Taipei Sans TC Beta" pitchFamily="2" charset="-120"/>
-              <a:ea typeface="Taipei Sans TC Beta" pitchFamily="2" charset="-120"/>
-            </a:endParaRPr>
-          </a:p>
-          <a:p>
-            <a:endParaRPr lang="zh-TW" altLang="en-US" dirty="0"/>
-          </a:p>
-        </p:txBody>
-      </p:sp>
-      <p:sp>
-        <p:nvSpPr>
-          <p:cNvPr id="5" name="文字方塊 4">
-            <a:extLst>
-              <a:ext uri="{FF2B5EF4-FFF2-40B4-BE49-F238E27FC236}">
-                <a16:creationId xmlns:a16="http://schemas.microsoft.com/office/drawing/2014/main" id="{0682FA27-C895-40BF-A27D-2A92FB6878F9}"/>
-              </a:ext>
-            </a:extLst>
-          </p:cNvPr>
-          <p:cNvSpPr txBox="1"/>
-          <p:nvPr/>
-        </p:nvSpPr>
-        <p:spPr>
-          <a:xfrm>
-            <a:off x="10337942" y="2967335"/>
-            <a:ext cx="1428750" cy="646331"/>
-          </a:xfrm>
-          <a:prstGeom prst="rect">
-            <a:avLst/>
-          </a:prstGeom>
-          <a:noFill/>
-        </p:spPr>
-        <p:txBody>
-          <a:bodyPr wrap="square" rtlCol="0">
-            <a:spAutoFit/>
-          </a:bodyPr>
-          <a:lstStyle/>
-          <a:p>
-            <a:endParaRPr lang="en-US" altLang="zh-TW" dirty="0">
-              <a:latin typeface="Taipei Sans TC Beta Light" pitchFamily="2" charset="-120"/>
-              <a:ea typeface="Taipei Sans TC Beta Light" pitchFamily="2" charset="-120"/>
-            </a:endParaRPr>
-          </a:p>
-          <a:p>
-            <a:endParaRPr lang="zh-TW" altLang="en-US" dirty="0">
-              <a:latin typeface="Taipei Sans TC Beta Light" pitchFamily="2" charset="-120"/>
-              <a:ea typeface="Taipei Sans TC Beta Light" pitchFamily="2" charset="-120"/>
-            </a:endParaRPr>
-          </a:p>
-        </p:txBody>
-      </p:sp>
       <p:pic>
         <p:nvPicPr>
-          <p:cNvPr id="6" name="圖片 5">
-            <a:extLst>
-              <a:ext uri="{FF2B5EF4-FFF2-40B4-BE49-F238E27FC236}">
-                <a16:creationId xmlns:a16="http://schemas.microsoft.com/office/drawing/2014/main" id="{1C0B9488-5F5B-43C9-B177-F52A60D414E9}"/>
+          <p:cNvPr id="28" name="圖片 27">
+            <a:extLst>
+              <a:ext uri="{FF2B5EF4-FFF2-40B4-BE49-F238E27FC236}">
+                <a16:creationId xmlns:a16="http://schemas.microsoft.com/office/drawing/2014/main" id="{02EAF651-82A8-4256-A8DA-27F89C9BD99A}"/>
               </a:ext>
             </a:extLst>
           </p:cNvPr>
@@ -5959,8 +5903,8 @@
         </p:blipFill>
         <p:spPr>
           <a:xfrm>
-            <a:off x="250190" y="0"/>
-            <a:ext cx="9544414" cy="6858000"/>
+            <a:off x="287286" y="0"/>
+            <a:ext cx="9579077" cy="6858000"/>
           </a:xfrm>
           <a:prstGeom prst="rect">
             <a:avLst/>
@@ -5969,10 +5913,10 @@
       </p:pic>
       <p:sp>
         <p:nvSpPr>
-          <p:cNvPr id="7" name="文字方塊 6">
-            <a:extLst>
-              <a:ext uri="{FF2B5EF4-FFF2-40B4-BE49-F238E27FC236}">
-                <a16:creationId xmlns:a16="http://schemas.microsoft.com/office/drawing/2014/main" id="{7E69B75F-05B8-456F-AF4B-995E2431789D}"/>
+          <p:cNvPr id="23" name="文字方塊 22">
+            <a:extLst>
+              <a:ext uri="{FF2B5EF4-FFF2-40B4-BE49-F238E27FC236}">
+                <a16:creationId xmlns:a16="http://schemas.microsoft.com/office/drawing/2014/main" id="{3C2479BF-7DED-4F7E-A72A-A9D862F4E105}"/>
               </a:ext>
             </a:extLst>
           </p:cNvPr>
@@ -5981,7 +5925,46 @@
         </p:nvSpPr>
         <p:spPr>
           <a:xfrm>
-            <a:off x="1397793" y="1542445"/>
+            <a:off x="10318559" y="2998113"/>
+            <a:ext cx="1586155" cy="523220"/>
+          </a:xfrm>
+          <a:prstGeom prst="rect">
+            <a:avLst/>
+          </a:prstGeom>
+          <a:noFill/>
+        </p:spPr>
+        <p:txBody>
+          <a:bodyPr wrap="square" rtlCol="0">
+            <a:spAutoFit/>
+          </a:bodyPr>
+          <a:lstStyle/>
+          <a:p>
+            <a:r>
+              <a:rPr lang="en-US" altLang="zh-TW" sz="2800" dirty="0">
+                <a:latin typeface="Taipei Sans TC Beta" pitchFamily="2" charset="-120"/>
+                <a:ea typeface="Taipei Sans TC Beta" pitchFamily="2" charset="-120"/>
+              </a:rPr>
+              <a:t>Excerpt</a:t>
+            </a:r>
+            <a:endParaRPr lang="zh-TW" altLang="en-US" dirty="0"/>
+          </a:p>
+        </p:txBody>
+      </p:sp>
+      <p:sp>
+        <p:nvSpPr>
+          <p:cNvPr id="7" name="文字方塊 6">
+            <a:extLst>
+              <a:ext uri="{FF2B5EF4-FFF2-40B4-BE49-F238E27FC236}">
+                <a16:creationId xmlns:a16="http://schemas.microsoft.com/office/drawing/2014/main" id="{7E69B75F-05B8-456F-AF4B-995E2431789D}"/>
+              </a:ext>
+            </a:extLst>
+          </p:cNvPr>
+          <p:cNvSpPr txBox="1"/>
+          <p:nvPr/>
+        </p:nvSpPr>
+        <p:spPr>
+          <a:xfrm>
+            <a:off x="1713563" y="986831"/>
             <a:ext cx="771525" cy="369332"/>
           </a:xfrm>
           <a:prstGeom prst="rect">
@@ -6023,7 +6006,7 @@
         </p:nvSpPr>
         <p:spPr>
           <a:xfrm>
-            <a:off x="2830285" y="805542"/>
+            <a:off x="3455658" y="803117"/>
             <a:ext cx="3559629" cy="523220"/>
           </a:xfrm>
           <a:prstGeom prst="rect">
@@ -6082,7 +6065,7 @@
         </p:nvSpPr>
         <p:spPr>
           <a:xfrm>
-            <a:off x="1595437" y="310691"/>
+            <a:off x="1644399" y="58855"/>
             <a:ext cx="771525" cy="369332"/>
           </a:xfrm>
           <a:prstGeom prst="rect">
@@ -6220,7 +6203,7 @@
         </p:nvSpPr>
         <p:spPr>
           <a:xfrm>
-            <a:off x="2188020" y="3290529"/>
+            <a:off x="2325637" y="2355868"/>
             <a:ext cx="771525" cy="369332"/>
           </a:xfrm>
           <a:prstGeom prst="rect">
@@ -6262,7 +6245,7 @@
         </p:nvSpPr>
         <p:spPr>
           <a:xfrm>
-            <a:off x="2887800" y="1019225"/>
+            <a:off x="3261883" y="936858"/>
             <a:ext cx="4996543" cy="523220"/>
           </a:xfrm>
           <a:prstGeom prst="rect">
@@ -6321,7 +6304,7 @@
         </p:nvSpPr>
         <p:spPr>
           <a:xfrm>
-            <a:off x="2642823" y="2622639"/>
+            <a:off x="2679181" y="1712986"/>
             <a:ext cx="771525" cy="369332"/>
           </a:xfrm>
           <a:prstGeom prst="rect">
@@ -6363,7 +6346,7 @@
         </p:nvSpPr>
         <p:spPr>
           <a:xfrm>
-            <a:off x="2573782" y="428187"/>
+            <a:off x="3432456" y="326063"/>
             <a:ext cx="5374148" cy="954107"/>
           </a:xfrm>
           <a:prstGeom prst="rect">
@@ -6449,7 +6432,7 @@
         </p:nvSpPr>
         <p:spPr>
           <a:xfrm>
-            <a:off x="3224528" y="4297246"/>
+            <a:off x="3391187" y="3691759"/>
             <a:ext cx="771525" cy="369332"/>
           </a:xfrm>
           <a:prstGeom prst="rect">
@@ -6550,7 +6533,7 @@
         </p:nvSpPr>
         <p:spPr>
           <a:xfrm>
-            <a:off x="4672061" y="2809836"/>
+            <a:off x="4749750" y="2579227"/>
             <a:ext cx="771525" cy="369332"/>
           </a:xfrm>
           <a:prstGeom prst="rect">
@@ -6592,7 +6575,7 @@
         </p:nvSpPr>
         <p:spPr>
           <a:xfrm>
-            <a:off x="3149777" y="495357"/>
+            <a:off x="3427320" y="332458"/>
             <a:ext cx="4996543" cy="2246769"/>
           </a:xfrm>
           <a:prstGeom prst="rect">
@@ -6651,7 +6634,7 @@
         </p:nvSpPr>
         <p:spPr>
           <a:xfrm>
-            <a:off x="7189882" y="4200224"/>
+            <a:off x="7176405" y="4080345"/>
             <a:ext cx="771525" cy="369332"/>
           </a:xfrm>
           <a:prstGeom prst="rect">
@@ -6693,7 +6676,7 @@
         </p:nvSpPr>
         <p:spPr>
           <a:xfrm>
-            <a:off x="2536629" y="391192"/>
+            <a:off x="3323655" y="159211"/>
             <a:ext cx="6285818" cy="1815882"/>
           </a:xfrm>
           <a:prstGeom prst="rect">
@@ -6770,7 +6753,7 @@
         </p:nvSpPr>
         <p:spPr>
           <a:xfrm>
-            <a:off x="7973993" y="2292573"/>
+            <a:off x="7688806" y="2281471"/>
             <a:ext cx="771525" cy="369332"/>
           </a:xfrm>
           <a:prstGeom prst="rect">
@@ -6812,7 +6795,7 @@
         </p:nvSpPr>
         <p:spPr>
           <a:xfrm>
-            <a:off x="3224528" y="1235933"/>
+            <a:off x="3447831" y="1048912"/>
             <a:ext cx="6285818" cy="954107"/>
           </a:xfrm>
           <a:prstGeom prst="rect">
@@ -8041,6 +8024,343 @@
           <a:chExt cx="0" cy="0"/>
         </a:xfrm>
       </p:grpSpPr>
+      <p:sp>
+        <p:nvSpPr>
+          <p:cNvPr id="2" name="標題 1">
+            <a:extLst>
+              <a:ext uri="{FF2B5EF4-FFF2-40B4-BE49-F238E27FC236}">
+                <a16:creationId xmlns:a16="http://schemas.microsoft.com/office/drawing/2014/main" id="{27279F3A-5A45-46C9-B407-610C26CFFCBA}"/>
+              </a:ext>
+            </a:extLst>
+          </p:cNvPr>
+          <p:cNvSpPr>
+            <a:spLocks noGrp="1"/>
+          </p:cNvSpPr>
+          <p:nvPr>
+            <p:ph type="title"/>
+          </p:nvPr>
+        </p:nvSpPr>
+        <p:spPr/>
+        <p:txBody>
+          <a:bodyPr/>
+          <a:lstStyle/>
+          <a:p>
+            <a:r>
+              <a:rPr lang="zh-TW" altLang="en-US" b="1" dirty="0">
+                <a:latin typeface="Taipei Sans TC Beta" pitchFamily="2" charset="-120"/>
+                <a:ea typeface="Taipei Sans TC Beta" pitchFamily="2" charset="-120"/>
+              </a:rPr>
+              <a:t>資料來源</a:t>
+            </a:r>
+          </a:p>
+        </p:txBody>
+      </p:sp>
+      <p:sp>
+        <p:nvSpPr>
+          <p:cNvPr id="3" name="內容版面配置區 2">
+            <a:extLst>
+              <a:ext uri="{FF2B5EF4-FFF2-40B4-BE49-F238E27FC236}">
+                <a16:creationId xmlns:a16="http://schemas.microsoft.com/office/drawing/2014/main" id="{5BF91B02-D1BB-4433-A3B4-744EE9E67D28}"/>
+              </a:ext>
+            </a:extLst>
+          </p:cNvPr>
+          <p:cNvSpPr>
+            <a:spLocks noGrp="1"/>
+          </p:cNvSpPr>
+          <p:nvPr>
+            <p:ph idx="1"/>
+          </p:nvPr>
+        </p:nvSpPr>
+        <p:spPr>
+          <a:xfrm>
+            <a:off x="857250" y="1804988"/>
+            <a:ext cx="10515600" cy="4938712"/>
+          </a:xfrm>
+        </p:spPr>
+        <p:txBody>
+          <a:bodyPr>
+            <a:normAutofit/>
+          </a:bodyPr>
+          <a:lstStyle/>
+          <a:p>
+            <a:r>
+              <a:rPr lang="zh-TW" altLang="en-US" sz="3200" dirty="0">
+                <a:latin typeface="Taipei Sans TC Beta" pitchFamily="2" charset="-120"/>
+                <a:ea typeface="Taipei Sans TC Beta" pitchFamily="2" charset="-120"/>
+              </a:rPr>
+              <a:t>透過爬蟲程式蒐集</a:t>
+            </a:r>
+            <a:r>
+              <a:rPr lang="en-US" altLang="zh-TW" sz="3200" dirty="0">
+                <a:latin typeface="Taipei Sans TC Beta" pitchFamily="2" charset="-120"/>
+                <a:ea typeface="Taipei Sans TC Beta" pitchFamily="2" charset="-120"/>
+              </a:rPr>
+              <a:t>PTT</a:t>
+            </a:r>
+            <a:r>
+              <a:rPr lang="zh-TW" altLang="en-US" sz="3200" dirty="0">
+                <a:latin typeface="Taipei Sans TC Beta" pitchFamily="2" charset="-120"/>
+                <a:ea typeface="Taipei Sans TC Beta" pitchFamily="2" charset="-120"/>
+              </a:rPr>
+              <a:t>、</a:t>
+            </a:r>
+            <a:r>
+              <a:rPr lang="en-US" altLang="zh-TW" sz="3200" dirty="0" err="1">
+                <a:latin typeface="Taipei Sans TC Beta" pitchFamily="2" charset="-120"/>
+                <a:ea typeface="Taipei Sans TC Beta" pitchFamily="2" charset="-120"/>
+              </a:rPr>
+              <a:t>Dcard</a:t>
+            </a:r>
+            <a:r>
+              <a:rPr lang="zh-TW" altLang="en-US" sz="3200" dirty="0">
+                <a:latin typeface="Taipei Sans TC Beta" pitchFamily="2" charset="-120"/>
+                <a:ea typeface="Taipei Sans TC Beta" pitchFamily="2" charset="-120"/>
+              </a:rPr>
+              <a:t>兩大論壇從反送中爆發至</a:t>
+            </a:r>
+            <a:r>
+              <a:rPr lang="en-US" altLang="zh-TW" sz="3200" dirty="0">
+                <a:latin typeface="Taipei Sans TC Beta" pitchFamily="2" charset="-120"/>
+                <a:ea typeface="Taipei Sans TC Beta" pitchFamily="2" charset="-120"/>
+              </a:rPr>
+              <a:t>7/22</a:t>
+            </a:r>
+            <a:r>
+              <a:rPr lang="zh-TW" altLang="en-US" sz="3200" dirty="0">
+                <a:latin typeface="Taipei Sans TC Beta" pitchFamily="2" charset="-120"/>
+                <a:ea typeface="Taipei Sans TC Beta" pitchFamily="2" charset="-120"/>
+              </a:rPr>
+              <a:t>的所有文章</a:t>
+            </a:r>
+            <a:endParaRPr lang="en-US" altLang="zh-TW" sz="3200" dirty="0">
+              <a:latin typeface="Taipei Sans TC Beta" pitchFamily="2" charset="-120"/>
+              <a:ea typeface="Taipei Sans TC Beta" pitchFamily="2" charset="-120"/>
+            </a:endParaRPr>
+          </a:p>
+          <a:p>
+            <a:endParaRPr lang="en-US" altLang="zh-TW" sz="3200" dirty="0">
+              <a:latin typeface="Taipei Sans TC Beta" pitchFamily="2" charset="-120"/>
+              <a:ea typeface="Taipei Sans TC Beta" pitchFamily="2" charset="-120"/>
+            </a:endParaRPr>
+          </a:p>
+          <a:p>
+            <a:r>
+              <a:rPr lang="zh-TW" altLang="en-US" sz="3200" dirty="0">
+                <a:latin typeface="Taipei Sans TC Beta" pitchFamily="2" charset="-120"/>
+                <a:ea typeface="Taipei Sans TC Beta" pitchFamily="2" charset="-120"/>
+              </a:rPr>
+              <a:t> 上網找到的輔助資料： </a:t>
+            </a:r>
+            <a:r>
+              <a:rPr lang="zh-TW" altLang="en-US" sz="3200" dirty="0">
+                <a:latin typeface="Taipei Sans TC Beta" pitchFamily="2" charset="-120"/>
+                <a:ea typeface="Taipei Sans TC Beta" pitchFamily="2" charset="-120"/>
+                <a:hlinkClick r:id="rId2"/>
+              </a:rPr>
+              <a:t>反送中即時社群數據</a:t>
+            </a:r>
+            <a:br>
+              <a:rPr lang="zh-TW" altLang="en-US" dirty="0"/>
+            </a:br>
+            <a:endParaRPr lang="en-US" altLang="zh-TW" dirty="0">
+              <a:latin typeface="標楷體" panose="03000509000000000000" pitchFamily="65" charset="-120"/>
+              <a:ea typeface="標楷體" panose="03000509000000000000" pitchFamily="65" charset="-120"/>
+            </a:endParaRPr>
+          </a:p>
+        </p:txBody>
+      </p:sp>
+    </p:spTree>
+    <p:extLst>
+      <p:ext uri="{BB962C8B-B14F-4D97-AF65-F5344CB8AC3E}">
+        <p14:creationId xmlns:p14="http://schemas.microsoft.com/office/powerpoint/2010/main" val="2823754050"/>
+      </p:ext>
+    </p:extLst>
+  </p:cSld>
+  <p:clrMapOvr>
+    <a:masterClrMapping/>
+  </p:clrMapOvr>
+</p:sld>
+</file>
+
+<file path=ppt/slides/slide15.xml><?xml version="1.0" encoding="utf-8"?>
+<p:sld xmlns:a="http://schemas.openxmlformats.org/drawingml/2006/main" xmlns:r="http://schemas.openxmlformats.org/officeDocument/2006/relationships" xmlns:p="http://schemas.openxmlformats.org/presentationml/2006/main">
+  <p:cSld>
+    <p:spTree>
+      <p:nvGrpSpPr>
+        <p:cNvPr id="1" name=""/>
+        <p:cNvGrpSpPr/>
+        <p:nvPr/>
+      </p:nvGrpSpPr>
+      <p:grpSpPr>
+        <a:xfrm>
+          <a:off x="0" y="0"/>
+          <a:ext cx="0" cy="0"/>
+          <a:chOff x="0" y="0"/>
+          <a:chExt cx="0" cy="0"/>
+        </a:xfrm>
+      </p:grpSpPr>
+      <p:sp>
+        <p:nvSpPr>
+          <p:cNvPr id="2" name="標題 1">
+            <a:extLst>
+              <a:ext uri="{FF2B5EF4-FFF2-40B4-BE49-F238E27FC236}">
+                <a16:creationId xmlns:a16="http://schemas.microsoft.com/office/drawing/2014/main" id="{6784167E-8DE2-4438-99A3-144089A72FAE}"/>
+              </a:ext>
+            </a:extLst>
+          </p:cNvPr>
+          <p:cNvSpPr>
+            <a:spLocks noGrp="1"/>
+          </p:cNvSpPr>
+          <p:nvPr>
+            <p:ph type="title"/>
+          </p:nvPr>
+        </p:nvSpPr>
+        <p:spPr/>
+        <p:txBody>
+          <a:bodyPr/>
+          <a:lstStyle/>
+          <a:p>
+            <a:r>
+              <a:rPr lang="zh-TW" altLang="en-US" b="1" dirty="0">
+                <a:latin typeface="Taipei Sans TC Beta" pitchFamily="2" charset="-120"/>
+                <a:ea typeface="Taipei Sans TC Beta" pitchFamily="2" charset="-120"/>
+              </a:rPr>
+              <a:t>觀察重點</a:t>
+            </a:r>
+          </a:p>
+        </p:txBody>
+      </p:sp>
+      <p:sp>
+        <p:nvSpPr>
+          <p:cNvPr id="3" name="內容版面配置區 2">
+            <a:extLst>
+              <a:ext uri="{FF2B5EF4-FFF2-40B4-BE49-F238E27FC236}">
+                <a16:creationId xmlns:a16="http://schemas.microsoft.com/office/drawing/2014/main" id="{3EC47BE4-16DD-4E98-9819-8E070159B911}"/>
+              </a:ext>
+            </a:extLst>
+          </p:cNvPr>
+          <p:cNvSpPr>
+            <a:spLocks noGrp="1"/>
+          </p:cNvSpPr>
+          <p:nvPr>
+            <p:ph idx="1"/>
+          </p:nvPr>
+        </p:nvSpPr>
+        <p:spPr/>
+        <p:txBody>
+          <a:bodyPr/>
+          <a:lstStyle/>
+          <a:p>
+            <a:r>
+              <a:rPr lang="zh-TW" altLang="en-US" sz="3200" dirty="0">
+                <a:latin typeface="Taipei Sans TC Beta Light" pitchFamily="2" charset="-120"/>
+                <a:ea typeface="Taipei Sans TC Beta Light" pitchFamily="2" charset="-120"/>
+              </a:rPr>
+              <a:t>憤怒趨勢是否持續增長，代表這議題是否持續發燒</a:t>
+            </a:r>
+          </a:p>
+          <a:p>
+            <a:r>
+              <a:rPr lang="zh-TW" altLang="en-US" sz="3200" dirty="0">
+                <a:latin typeface="Taipei Sans TC Beta Light" pitchFamily="2" charset="-120"/>
+                <a:ea typeface="Taipei Sans TC Beta Light" pitchFamily="2" charset="-120"/>
+              </a:rPr>
+              <a:t>憤怒比率超過</a:t>
+            </a:r>
+            <a:r>
+              <a:rPr lang="en-US" altLang="zh-TW" sz="3200" dirty="0">
+                <a:latin typeface="Taipei Sans TC Beta Light" pitchFamily="2" charset="-120"/>
+                <a:ea typeface="Taipei Sans TC Beta Light" pitchFamily="2" charset="-120"/>
+              </a:rPr>
+              <a:t>5%</a:t>
+            </a:r>
+            <a:r>
+              <a:rPr lang="zh-TW" altLang="en-US" sz="3200" dirty="0">
+                <a:latin typeface="Taipei Sans TC Beta Light" pitchFamily="2" charset="-120"/>
+                <a:ea typeface="Taipei Sans TC Beta Light" pitchFamily="2" charset="-120"/>
+              </a:rPr>
+              <a:t>表示有潛力，</a:t>
+            </a:r>
+            <a:r>
+              <a:rPr lang="zh-TW" altLang="en-US" sz="3200" dirty="0">
+                <a:solidFill>
+                  <a:srgbClr val="FF5050"/>
+                </a:solidFill>
+                <a:latin typeface="Taipei Sans TC Beta" pitchFamily="2" charset="-120"/>
+                <a:ea typeface="Taipei Sans TC Beta" pitchFamily="2" charset="-120"/>
+              </a:rPr>
+              <a:t>超過</a:t>
+            </a:r>
+            <a:r>
+              <a:rPr lang="en-US" altLang="zh-TW" sz="3200" dirty="0">
+                <a:solidFill>
+                  <a:srgbClr val="FF5050"/>
+                </a:solidFill>
+                <a:latin typeface="Taipei Sans TC Beta" pitchFamily="2" charset="-120"/>
+                <a:ea typeface="Taipei Sans TC Beta" pitchFamily="2" charset="-120"/>
+              </a:rPr>
+              <a:t>10% </a:t>
+            </a:r>
+            <a:r>
+              <a:rPr lang="zh-TW" altLang="en-US" sz="3200" dirty="0">
+                <a:solidFill>
+                  <a:srgbClr val="FF5050"/>
+                </a:solidFill>
+                <a:latin typeface="Taipei Sans TC Beta" pitchFamily="2" charset="-120"/>
+                <a:ea typeface="Taipei Sans TC Beta" pitchFamily="2" charset="-120"/>
+              </a:rPr>
+              <a:t>表示很憤怒</a:t>
+            </a:r>
+            <a:r>
+              <a:rPr lang="zh-TW" altLang="en-US" sz="3200" b="1" dirty="0">
+                <a:latin typeface="Taipei Sans TC Beta Light" pitchFamily="2" charset="-120"/>
+                <a:ea typeface="Taipei Sans TC Beta Light" pitchFamily="2" charset="-120"/>
+              </a:rPr>
+              <a:t>。</a:t>
+            </a:r>
+            <a:endParaRPr lang="zh-TW" altLang="en-US" sz="3200" dirty="0">
+              <a:latin typeface="Taipei Sans TC Beta Light" pitchFamily="2" charset="-120"/>
+              <a:ea typeface="Taipei Sans TC Beta Light" pitchFamily="2" charset="-120"/>
+            </a:endParaRPr>
+          </a:p>
+          <a:p>
+            <a:pPr marL="0" indent="0">
+              <a:buNone/>
+            </a:pPr>
+            <a:endParaRPr lang="zh-TW" altLang="en-US" dirty="0"/>
+          </a:p>
+        </p:txBody>
+      </p:sp>
+    </p:spTree>
+    <p:extLst>
+      <p:ext uri="{BB962C8B-B14F-4D97-AF65-F5344CB8AC3E}">
+        <p14:creationId xmlns:p14="http://schemas.microsoft.com/office/powerpoint/2010/main" val="3158131493"/>
+      </p:ext>
+    </p:extLst>
+  </p:cSld>
+  <p:clrMapOvr>
+    <a:masterClrMapping/>
+  </p:clrMapOvr>
+</p:sld>
+</file>
+
+<file path=ppt/slides/slide16.xml><?xml version="1.0" encoding="utf-8"?>
+<p:sld xmlns:a="http://schemas.openxmlformats.org/drawingml/2006/main" xmlns:r="http://schemas.openxmlformats.org/officeDocument/2006/relationships" xmlns:p="http://schemas.openxmlformats.org/presentationml/2006/main">
+  <p:cSld>
+    <p:spTree>
+      <p:nvGrpSpPr>
+        <p:cNvPr id="1" name=""/>
+        <p:cNvGrpSpPr/>
+        <p:nvPr/>
+      </p:nvGrpSpPr>
+      <p:grpSpPr>
+        <a:xfrm>
+          <a:off x="0" y="0"/>
+          <a:ext cx="0" cy="0"/>
+          <a:chOff x="0" y="0"/>
+          <a:chExt cx="0" cy="0"/>
+        </a:xfrm>
+      </p:grpSpPr>
       <p:pic>
         <p:nvPicPr>
           <p:cNvPr id="4" name="圖片 3">
@@ -8084,182 +8404,7 @@
 </p:sld>
 </file>
 
-<file path=ppt/slides/slide15.xml><?xml version="1.0" encoding="utf-8"?>
-<p:sld xmlns:a="http://schemas.openxmlformats.org/drawingml/2006/main" xmlns:r="http://schemas.openxmlformats.org/officeDocument/2006/relationships" xmlns:p="http://schemas.openxmlformats.org/presentationml/2006/main">
-  <p:cSld>
-    <p:spTree>
-      <p:nvGrpSpPr>
-        <p:cNvPr id="1" name=""/>
-        <p:cNvGrpSpPr/>
-        <p:nvPr/>
-      </p:nvGrpSpPr>
-      <p:grpSpPr>
-        <a:xfrm>
-          <a:off x="0" y="0"/>
-          <a:ext cx="0" cy="0"/>
-          <a:chOff x="0" y="0"/>
-          <a:chExt cx="0" cy="0"/>
-        </a:xfrm>
-      </p:grpSpPr>
-      <p:sp>
-        <p:nvSpPr>
-          <p:cNvPr id="2" name="標題 1">
-            <a:extLst>
-              <a:ext uri="{FF2B5EF4-FFF2-40B4-BE49-F238E27FC236}">
-                <a16:creationId xmlns:a16="http://schemas.microsoft.com/office/drawing/2014/main" id="{27279F3A-5A45-46C9-B407-610C26CFFCBA}"/>
-              </a:ext>
-            </a:extLst>
-          </p:cNvPr>
-          <p:cNvSpPr>
-            <a:spLocks noGrp="1"/>
-          </p:cNvSpPr>
-          <p:nvPr>
-            <p:ph type="title"/>
-          </p:nvPr>
-        </p:nvSpPr>
-        <p:spPr/>
-        <p:txBody>
-          <a:bodyPr/>
-          <a:lstStyle/>
-          <a:p>
-            <a:r>
-              <a:rPr lang="zh-TW" altLang="en-US" b="1" dirty="0">
-                <a:latin typeface="Taipei Sans TC Beta" pitchFamily="2" charset="-120"/>
-                <a:ea typeface="Taipei Sans TC Beta" pitchFamily="2" charset="-120"/>
-              </a:rPr>
-              <a:t>資料來源</a:t>
-            </a:r>
-          </a:p>
-        </p:txBody>
-      </p:sp>
-      <p:sp>
-        <p:nvSpPr>
-          <p:cNvPr id="3" name="內容版面配置區 2">
-            <a:extLst>
-              <a:ext uri="{FF2B5EF4-FFF2-40B4-BE49-F238E27FC236}">
-                <a16:creationId xmlns:a16="http://schemas.microsoft.com/office/drawing/2014/main" id="{5BF91B02-D1BB-4433-A3B4-744EE9E67D28}"/>
-              </a:ext>
-            </a:extLst>
-          </p:cNvPr>
-          <p:cNvSpPr>
-            <a:spLocks noGrp="1"/>
-          </p:cNvSpPr>
-          <p:nvPr>
-            <p:ph idx="1"/>
-          </p:nvPr>
-        </p:nvSpPr>
-        <p:spPr>
-          <a:xfrm>
-            <a:off x="857250" y="1804988"/>
-            <a:ext cx="10515600" cy="4938712"/>
-          </a:xfrm>
-        </p:spPr>
-        <p:txBody>
-          <a:bodyPr>
-            <a:normAutofit/>
-          </a:bodyPr>
-          <a:lstStyle/>
-          <a:p>
-            <a:r>
-              <a:rPr lang="zh-TW" altLang="en-US" sz="3200" dirty="0">
-                <a:latin typeface="Taipei Sans TC Beta" pitchFamily="2" charset="-120"/>
-                <a:ea typeface="Taipei Sans TC Beta" pitchFamily="2" charset="-120"/>
-              </a:rPr>
-              <a:t>透過爬蟲程式蒐集</a:t>
-            </a:r>
-            <a:r>
-              <a:rPr lang="en-US" altLang="zh-TW" sz="3200" dirty="0">
-                <a:latin typeface="Taipei Sans TC Beta" pitchFamily="2" charset="-120"/>
-                <a:ea typeface="Taipei Sans TC Beta" pitchFamily="2" charset="-120"/>
-              </a:rPr>
-              <a:t>PTT</a:t>
-            </a:r>
-            <a:r>
-              <a:rPr lang="zh-TW" altLang="en-US" sz="3200" dirty="0">
-                <a:latin typeface="Taipei Sans TC Beta" pitchFamily="2" charset="-120"/>
-                <a:ea typeface="Taipei Sans TC Beta" pitchFamily="2" charset="-120"/>
-              </a:rPr>
-              <a:t>、</a:t>
-            </a:r>
-            <a:r>
-              <a:rPr lang="en-US" altLang="zh-TW" sz="3200" dirty="0" err="1">
-                <a:latin typeface="Taipei Sans TC Beta" pitchFamily="2" charset="-120"/>
-                <a:ea typeface="Taipei Sans TC Beta" pitchFamily="2" charset="-120"/>
-              </a:rPr>
-              <a:t>Dcard</a:t>
-            </a:r>
-            <a:r>
-              <a:rPr lang="zh-TW" altLang="en-US" sz="3200" dirty="0">
-                <a:latin typeface="Taipei Sans TC Beta" pitchFamily="2" charset="-120"/>
-                <a:ea typeface="Taipei Sans TC Beta" pitchFamily="2" charset="-120"/>
-              </a:rPr>
-              <a:t>兩大論壇從反送中爆發至</a:t>
-            </a:r>
-            <a:r>
-              <a:rPr lang="en-US" altLang="zh-TW" sz="3200" dirty="0">
-                <a:latin typeface="Taipei Sans TC Beta" pitchFamily="2" charset="-120"/>
-                <a:ea typeface="Taipei Sans TC Beta" pitchFamily="2" charset="-120"/>
-              </a:rPr>
-              <a:t>7/22</a:t>
-            </a:r>
-            <a:r>
-              <a:rPr lang="zh-TW" altLang="en-US" sz="3200" dirty="0">
-                <a:latin typeface="Taipei Sans TC Beta" pitchFamily="2" charset="-120"/>
-                <a:ea typeface="Taipei Sans TC Beta" pitchFamily="2" charset="-120"/>
-              </a:rPr>
-              <a:t>的所有文章</a:t>
-            </a:r>
-            <a:endParaRPr lang="en-US" altLang="zh-TW" sz="3200" dirty="0">
-              <a:latin typeface="Taipei Sans TC Beta" pitchFamily="2" charset="-120"/>
-              <a:ea typeface="Taipei Sans TC Beta" pitchFamily="2" charset="-120"/>
-            </a:endParaRPr>
-          </a:p>
-          <a:p>
-            <a:endParaRPr lang="en-US" altLang="zh-TW" sz="3200" dirty="0">
-              <a:latin typeface="Taipei Sans TC Beta" pitchFamily="2" charset="-120"/>
-              <a:ea typeface="Taipei Sans TC Beta" pitchFamily="2" charset="-120"/>
-            </a:endParaRPr>
-          </a:p>
-          <a:p>
-            <a:r>
-              <a:rPr lang="zh-TW" altLang="en-US" sz="3200" dirty="0">
-                <a:latin typeface="Taipei Sans TC Beta" pitchFamily="2" charset="-120"/>
-                <a:ea typeface="Taipei Sans TC Beta" pitchFamily="2" charset="-120"/>
-              </a:rPr>
-              <a:t> 上網找到的輔助資料： </a:t>
-            </a:r>
-            <a:r>
-              <a:rPr lang="zh-TW" altLang="en-US" sz="3200" dirty="0">
-                <a:latin typeface="Taipei Sans TC Beta" pitchFamily="2" charset="-120"/>
-                <a:ea typeface="Taipei Sans TC Beta" pitchFamily="2" charset="-120"/>
-                <a:hlinkClick r:id="rId2"/>
-              </a:rPr>
-              <a:t>反送中即時社群數據</a:t>
-            </a:r>
-            <a:br>
-              <a:rPr lang="zh-TW" altLang="en-US" dirty="0"/>
-            </a:br>
-            <a:endParaRPr lang="en-US" altLang="zh-TW" dirty="0">
-              <a:latin typeface="標楷體" panose="03000509000000000000" pitchFamily="65" charset="-120"/>
-              <a:ea typeface="標楷體" panose="03000509000000000000" pitchFamily="65" charset="-120"/>
-            </a:endParaRPr>
-          </a:p>
-        </p:txBody>
-      </p:sp>
-    </p:spTree>
-    <p:extLst>
-      <p:ext uri="{BB962C8B-B14F-4D97-AF65-F5344CB8AC3E}">
-        <p14:creationId xmlns:p14="http://schemas.microsoft.com/office/powerpoint/2010/main" val="2823754050"/>
-      </p:ext>
-    </p:extLst>
-  </p:cSld>
-  <p:clrMapOvr>
-    <a:masterClrMapping/>
-  </p:clrMapOvr>
-</p:sld>
-</file>
-
-<file path=ppt/slides/slide16.xml><?xml version="1.0" encoding="utf-8"?>
+<file path=ppt/slides/slide17.xml><?xml version="1.0" encoding="utf-8"?>
 <p:sld xmlns:a="http://schemas.openxmlformats.org/drawingml/2006/main" xmlns:r="http://schemas.openxmlformats.org/officeDocument/2006/relationships" xmlns:p="http://schemas.openxmlformats.org/presentationml/2006/main">
   <p:cSld>
     <p:spTree>
@@ -8310,168 +8455,6 @@
     <p:extLst>
       <p:ext uri="{BB962C8B-B14F-4D97-AF65-F5344CB8AC3E}">
         <p14:creationId xmlns:p14="http://schemas.microsoft.com/office/powerpoint/2010/main" val="2977015376"/>
-      </p:ext>
-    </p:extLst>
-  </p:cSld>
-  <p:clrMapOvr>
-    <a:masterClrMapping/>
-  </p:clrMapOvr>
-</p:sld>
-</file>
-
-<file path=ppt/slides/slide17.xml><?xml version="1.0" encoding="utf-8"?>
-<p:sld xmlns:a="http://schemas.openxmlformats.org/drawingml/2006/main" xmlns:r="http://schemas.openxmlformats.org/officeDocument/2006/relationships" xmlns:p="http://schemas.openxmlformats.org/presentationml/2006/main">
-  <p:cSld>
-    <p:spTree>
-      <p:nvGrpSpPr>
-        <p:cNvPr id="1" name=""/>
-        <p:cNvGrpSpPr/>
-        <p:nvPr/>
-      </p:nvGrpSpPr>
-      <p:grpSpPr>
-        <a:xfrm>
-          <a:off x="0" y="0"/>
-          <a:ext cx="0" cy="0"/>
-          <a:chOff x="0" y="0"/>
-          <a:chExt cx="0" cy="0"/>
-        </a:xfrm>
-      </p:grpSpPr>
-      <p:sp>
-        <p:nvSpPr>
-          <p:cNvPr id="2" name="標題 1">
-            <a:extLst>
-              <a:ext uri="{FF2B5EF4-FFF2-40B4-BE49-F238E27FC236}">
-                <a16:creationId xmlns:a16="http://schemas.microsoft.com/office/drawing/2014/main" id="{6784167E-8DE2-4438-99A3-144089A72FAE}"/>
-              </a:ext>
-            </a:extLst>
-          </p:cNvPr>
-          <p:cNvSpPr>
-            <a:spLocks noGrp="1"/>
-          </p:cNvSpPr>
-          <p:nvPr>
-            <p:ph type="title"/>
-          </p:nvPr>
-        </p:nvSpPr>
-        <p:spPr/>
-        <p:txBody>
-          <a:bodyPr/>
-          <a:lstStyle/>
-          <a:p>
-            <a:r>
-              <a:rPr lang="zh-TW" altLang="en-US" b="1" dirty="0">
-                <a:latin typeface="Taipei Sans TC Beta" pitchFamily="2" charset="-120"/>
-                <a:ea typeface="Taipei Sans TC Beta" pitchFamily="2" charset="-120"/>
-              </a:rPr>
-              <a:t>觀察重點</a:t>
-            </a:r>
-          </a:p>
-        </p:txBody>
-      </p:sp>
-      <p:sp>
-        <p:nvSpPr>
-          <p:cNvPr id="3" name="內容版面配置區 2">
-            <a:extLst>
-              <a:ext uri="{FF2B5EF4-FFF2-40B4-BE49-F238E27FC236}">
-                <a16:creationId xmlns:a16="http://schemas.microsoft.com/office/drawing/2014/main" id="{3EC47BE4-16DD-4E98-9819-8E070159B911}"/>
-              </a:ext>
-            </a:extLst>
-          </p:cNvPr>
-          <p:cNvSpPr>
-            <a:spLocks noGrp="1"/>
-          </p:cNvSpPr>
-          <p:nvPr>
-            <p:ph idx="1"/>
-          </p:nvPr>
-        </p:nvSpPr>
-        <p:spPr/>
-        <p:txBody>
-          <a:bodyPr/>
-          <a:lstStyle/>
-          <a:p>
-            <a:r>
-              <a:rPr lang="zh-TW" altLang="en-US" sz="3200" dirty="0">
-                <a:latin typeface="Taipei Sans TC Beta Light" pitchFamily="2" charset="-120"/>
-                <a:ea typeface="Taipei Sans TC Beta Light" pitchFamily="2" charset="-120"/>
-              </a:rPr>
-              <a:t>憤怒趨勢是否持續增長，代表這議題是否持續發燒</a:t>
-            </a:r>
-          </a:p>
-          <a:p>
-            <a:r>
-              <a:rPr lang="zh-TW" altLang="en-US" sz="3200" dirty="0">
-                <a:latin typeface="Taipei Sans TC Beta Light" pitchFamily="2" charset="-120"/>
-                <a:ea typeface="Taipei Sans TC Beta Light" pitchFamily="2" charset="-120"/>
-              </a:rPr>
-              <a:t>憤怒比率超過</a:t>
-            </a:r>
-            <a:r>
-              <a:rPr lang="en-US" altLang="zh-TW" sz="3200" dirty="0">
-                <a:latin typeface="Taipei Sans TC Beta Light" pitchFamily="2" charset="-120"/>
-                <a:ea typeface="Taipei Sans TC Beta Light" pitchFamily="2" charset="-120"/>
-              </a:rPr>
-              <a:t>5%</a:t>
-            </a:r>
-            <a:r>
-              <a:rPr lang="zh-TW" altLang="en-US" sz="3200" dirty="0">
-                <a:latin typeface="Taipei Sans TC Beta Light" pitchFamily="2" charset="-120"/>
-                <a:ea typeface="Taipei Sans TC Beta Light" pitchFamily="2" charset="-120"/>
-              </a:rPr>
-              <a:t>表示有潛力，</a:t>
-            </a:r>
-            <a:r>
-              <a:rPr lang="zh-TW" altLang="en-US" sz="3200" dirty="0">
-                <a:solidFill>
-                  <a:srgbClr val="FF5050"/>
-                </a:solidFill>
-                <a:latin typeface="Taipei Sans TC Beta" pitchFamily="2" charset="-120"/>
-                <a:ea typeface="Taipei Sans TC Beta" pitchFamily="2" charset="-120"/>
-              </a:rPr>
-              <a:t>超過</a:t>
-            </a:r>
-            <a:r>
-              <a:rPr lang="en-US" altLang="zh-TW" sz="3200" dirty="0">
-                <a:solidFill>
-                  <a:srgbClr val="FF5050"/>
-                </a:solidFill>
-                <a:latin typeface="Taipei Sans TC Beta" pitchFamily="2" charset="-120"/>
-                <a:ea typeface="Taipei Sans TC Beta" pitchFamily="2" charset="-120"/>
-              </a:rPr>
-              <a:t>10% </a:t>
-            </a:r>
-            <a:r>
-              <a:rPr lang="zh-TW" altLang="en-US" sz="3200" dirty="0">
-                <a:solidFill>
-                  <a:srgbClr val="FF5050"/>
-                </a:solidFill>
-                <a:latin typeface="Taipei Sans TC Beta" pitchFamily="2" charset="-120"/>
-                <a:ea typeface="Taipei Sans TC Beta" pitchFamily="2" charset="-120"/>
-              </a:rPr>
-              <a:t>表示很憤怒</a:t>
-            </a:r>
-            <a:r>
-              <a:rPr lang="zh-TW" altLang="en-US" sz="3200" b="1" dirty="0">
-                <a:latin typeface="Taipei Sans TC Beta Light" pitchFamily="2" charset="-120"/>
-                <a:ea typeface="Taipei Sans TC Beta Light" pitchFamily="2" charset="-120"/>
-              </a:rPr>
-              <a:t>。</a:t>
-            </a:r>
-            <a:endParaRPr lang="zh-TW" altLang="en-US" sz="3200" dirty="0">
-              <a:latin typeface="Taipei Sans TC Beta Light" pitchFamily="2" charset="-120"/>
-              <a:ea typeface="Taipei Sans TC Beta Light" pitchFamily="2" charset="-120"/>
-            </a:endParaRPr>
-          </a:p>
-          <a:p>
-            <a:pPr marL="0" indent="0">
-              <a:buNone/>
-            </a:pPr>
-            <a:endParaRPr lang="zh-TW" altLang="en-US" dirty="0"/>
-          </a:p>
-        </p:txBody>
-      </p:sp>
-    </p:spTree>
-    <p:extLst>
-      <p:ext uri="{BB962C8B-B14F-4D97-AF65-F5344CB8AC3E}">
-        <p14:creationId xmlns:p14="http://schemas.microsoft.com/office/powerpoint/2010/main" val="3158131493"/>
       </p:ext>
     </p:extLst>
   </p:cSld>
